--- a/P2 PowerPoint.pptx
+++ b/P2 PowerPoint.pptx
@@ -6,6 +6,8 @@
   </p:sldMasterIdLst>
   <p:sldIdLst>
     <p:sldId id="256" r:id="rId2"/>
+    <p:sldId id="257" r:id="rId3"/>
+    <p:sldId id="258" r:id="rId4"/>
   </p:sldIdLst>
   <p:sldSz cx="12192000" cy="6858000"/>
   <p:notesSz cx="6858000" cy="9144000"/>
@@ -104,32 +106,499 @@
       </a:defRPr>
     </a:lvl9pPr>
   </p:defaultTextStyle>
+  <p:extLst>
+    <p:ext uri="{EFAFB233-063F-42B5-8137-9DF3F51BA10A}">
+      <p15:sldGuideLst xmlns:p15="http://schemas.microsoft.com/office/powerpoint/2012/main"/>
+    </p:ext>
+  </p:extLst>
 </p:presentation>
+</file>
+
+<file path=ppt/revisionInfo.xml><?xml version="1.0" encoding="utf-8"?>
+<p1510:revInfo xmlns:a="http://schemas.openxmlformats.org/drawingml/2006/main" xmlns:r="http://schemas.openxmlformats.org/officeDocument/2006/relationships" xmlns:p1510="http://schemas.microsoft.com/office/powerpoint/2015/10/main">
+  <p1510:revLst>
+    <p1510:client id="{FD39E004-01D4-4DB1-8D7A-115DEF0BBE95}" v="18" dt="2022-05-20T18:59:19.928"/>
+  </p1510:revLst>
+</p1510:revInfo>
 </file>
 
 <file path=ppt/changesInfos/changesInfo1.xml><?xml version="1.0" encoding="utf-8"?>
 <pc:chgInfo xmlns:a="http://schemas.openxmlformats.org/drawingml/2006/main" xmlns:r="http://schemas.openxmlformats.org/officeDocument/2006/relationships" xmlns:ac="http://schemas.microsoft.com/office/drawing/2013/main/command" xmlns:pc="http://schemas.microsoft.com/office/powerpoint/2013/main/command">
   <pc:docChgLst>
     <pc:chgData name="Samantha Jones" userId="ef0d50ecfde7a168" providerId="LiveId" clId="{FD39E004-01D4-4DB1-8D7A-115DEF0BBE95}"/>
-    <pc:docChg chg="modSld">
-      <pc:chgData name="Samantha Jones" userId="ef0d50ecfde7a168" providerId="LiveId" clId="{FD39E004-01D4-4DB1-8D7A-115DEF0BBE95}" dt="2022-05-13T20:14:22.396" v="3" actId="20577"/>
+    <pc:docChg chg="undo custSel addSld modSld">
+      <pc:chgData name="Samantha Jones" userId="ef0d50ecfde7a168" providerId="LiveId" clId="{FD39E004-01D4-4DB1-8D7A-115DEF0BBE95}" dt="2022-05-20T19:04:23.786" v="538" actId="14100"/>
       <pc:docMkLst>
         <pc:docMk/>
       </pc:docMkLst>
       <pc:sldChg chg="modSp mod">
-        <pc:chgData name="Samantha Jones" userId="ef0d50ecfde7a168" providerId="LiveId" clId="{FD39E004-01D4-4DB1-8D7A-115DEF0BBE95}" dt="2022-05-13T20:14:22.396" v="3" actId="20577"/>
+        <pc:chgData name="Samantha Jones" userId="ef0d50ecfde7a168" providerId="LiveId" clId="{FD39E004-01D4-4DB1-8D7A-115DEF0BBE95}" dt="2022-05-20T18:33:24.827" v="61" actId="20577"/>
         <pc:sldMkLst>
           <pc:docMk/>
           <pc:sldMk cId="1384901299" sldId="256"/>
         </pc:sldMkLst>
         <pc:spChg chg="mod">
-          <ac:chgData name="Samantha Jones" userId="ef0d50ecfde7a168" providerId="LiveId" clId="{FD39E004-01D4-4DB1-8D7A-115DEF0BBE95}" dt="2022-05-13T20:14:22.396" v="3" actId="20577"/>
+          <ac:chgData name="Samantha Jones" userId="ef0d50ecfde7a168" providerId="LiveId" clId="{FD39E004-01D4-4DB1-8D7A-115DEF0BBE95}" dt="2022-05-20T18:33:24.827" v="61" actId="20577"/>
           <ac:spMkLst>
             <pc:docMk/>
             <pc:sldMk cId="1384901299" sldId="256"/>
             <ac:spMk id="3" creationId="{9902893B-CB3C-8D9E-1638-58DA855B576F}"/>
           </ac:spMkLst>
         </pc:spChg>
+      </pc:sldChg>
+      <pc:sldChg chg="addSp delSp modSp new mod setBg setClrOvrMap">
+        <pc:chgData name="Samantha Jones" userId="ef0d50ecfde7a168" providerId="LiveId" clId="{FD39E004-01D4-4DB1-8D7A-115DEF0BBE95}" dt="2022-05-20T18:49:09.727" v="415" actId="26606"/>
+        <pc:sldMkLst>
+          <pc:docMk/>
+          <pc:sldMk cId="855893905" sldId="257"/>
+        </pc:sldMkLst>
+        <pc:spChg chg="mod">
+          <ac:chgData name="Samantha Jones" userId="ef0d50ecfde7a168" providerId="LiveId" clId="{FD39E004-01D4-4DB1-8D7A-115DEF0BBE95}" dt="2022-05-20T18:49:09.727" v="415" actId="26606"/>
+          <ac:spMkLst>
+            <pc:docMk/>
+            <pc:sldMk cId="855893905" sldId="257"/>
+            <ac:spMk id="2" creationId="{29FA7224-7FD5-629B-6A1B-596B93CA4327}"/>
+          </ac:spMkLst>
+        </pc:spChg>
+        <pc:spChg chg="mod ord">
+          <ac:chgData name="Samantha Jones" userId="ef0d50ecfde7a168" providerId="LiveId" clId="{FD39E004-01D4-4DB1-8D7A-115DEF0BBE95}" dt="2022-05-20T18:49:09.727" v="415" actId="26606"/>
+          <ac:spMkLst>
+            <pc:docMk/>
+            <pc:sldMk cId="855893905" sldId="257"/>
+            <ac:spMk id="3" creationId="{300A0043-4EDC-09F6-4E87-48EF56118EA8}"/>
+          </ac:spMkLst>
+        </pc:spChg>
+        <pc:spChg chg="add del">
+          <ac:chgData name="Samantha Jones" userId="ef0d50ecfde7a168" providerId="LiveId" clId="{FD39E004-01D4-4DB1-8D7A-115DEF0BBE95}" dt="2022-05-20T18:47:48.891" v="385" actId="26606"/>
+          <ac:spMkLst>
+            <pc:docMk/>
+            <pc:sldMk cId="855893905" sldId="257"/>
+            <ac:spMk id="7" creationId="{8B3A2D1A-45FC-4F95-B150-1C13EF2F6D09}"/>
+          </ac:spMkLst>
+        </pc:spChg>
+        <pc:spChg chg="add del">
+          <ac:chgData name="Samantha Jones" userId="ef0d50ecfde7a168" providerId="LiveId" clId="{FD39E004-01D4-4DB1-8D7A-115DEF0BBE95}" dt="2022-05-20T18:47:48.891" v="385" actId="26606"/>
+          <ac:spMkLst>
+            <pc:docMk/>
+            <pc:sldMk cId="855893905" sldId="257"/>
+            <ac:spMk id="8" creationId="{F3768FD5-DD7A-43C7-8DEA-1F5DB3CB5B95}"/>
+          </ac:spMkLst>
+        </pc:spChg>
+        <pc:spChg chg="add del">
+          <ac:chgData name="Samantha Jones" userId="ef0d50ecfde7a168" providerId="LiveId" clId="{FD39E004-01D4-4DB1-8D7A-115DEF0BBE95}" dt="2022-05-20T18:48:36.716" v="401" actId="26606"/>
+          <ac:spMkLst>
+            <pc:docMk/>
+            <pc:sldMk cId="855893905" sldId="257"/>
+            <ac:spMk id="9" creationId="{42A5316D-ED2F-4F89-B4B4-8D9240B1A348}"/>
+          </ac:spMkLst>
+        </pc:spChg>
+        <pc:spChg chg="add del">
+          <ac:chgData name="Samantha Jones" userId="ef0d50ecfde7a168" providerId="LiveId" clId="{FD39E004-01D4-4DB1-8D7A-115DEF0BBE95}" dt="2022-05-20T18:47:22.850" v="375" actId="26606"/>
+          <ac:spMkLst>
+            <pc:docMk/>
+            <pc:sldMk cId="855893905" sldId="257"/>
+            <ac:spMk id="10" creationId="{66E48AFA-8884-4F68-A44F-D2C1E8609C5A}"/>
+          </ac:spMkLst>
+        </pc:spChg>
+        <pc:spChg chg="add del">
+          <ac:chgData name="Samantha Jones" userId="ef0d50ecfde7a168" providerId="LiveId" clId="{FD39E004-01D4-4DB1-8D7A-115DEF0BBE95}" dt="2022-05-20T18:47:50.657" v="387" actId="26606"/>
+          <ac:spMkLst>
+            <pc:docMk/>
+            <pc:sldMk cId="855893905" sldId="257"/>
+            <ac:spMk id="11" creationId="{5E39A796-BE83-48B1-B33F-35C4A32AAB57}"/>
+          </ac:spMkLst>
+        </pc:spChg>
+        <pc:spChg chg="add del">
+          <ac:chgData name="Samantha Jones" userId="ef0d50ecfde7a168" providerId="LiveId" clId="{FD39E004-01D4-4DB1-8D7A-115DEF0BBE95}" dt="2022-05-20T18:47:22.850" v="375" actId="26606"/>
+          <ac:spMkLst>
+            <pc:docMk/>
+            <pc:sldMk cId="855893905" sldId="257"/>
+            <ac:spMk id="12" creationId="{969D19A6-08CB-498C-93EC-3FFB021FC68A}"/>
+          </ac:spMkLst>
+        </pc:spChg>
+        <pc:spChg chg="add del">
+          <ac:chgData name="Samantha Jones" userId="ef0d50ecfde7a168" providerId="LiveId" clId="{FD39E004-01D4-4DB1-8D7A-115DEF0BBE95}" dt="2022-05-20T18:47:50.657" v="387" actId="26606"/>
+          <ac:spMkLst>
+            <pc:docMk/>
+            <pc:sldMk cId="855893905" sldId="257"/>
+            <ac:spMk id="13" creationId="{72F84B47-E267-4194-8194-831DB7B5547F}"/>
+          </ac:spMkLst>
+        </pc:spChg>
+        <pc:spChg chg="add del">
+          <ac:chgData name="Samantha Jones" userId="ef0d50ecfde7a168" providerId="LiveId" clId="{FD39E004-01D4-4DB1-8D7A-115DEF0BBE95}" dt="2022-05-20T18:47:25.684" v="377" actId="26606"/>
+          <ac:spMkLst>
+            <pc:docMk/>
+            <pc:sldMk cId="855893905" sldId="257"/>
+            <ac:spMk id="14" creationId="{59A309A7-1751-4ABE-A3C1-EEC40366AD89}"/>
+          </ac:spMkLst>
+        </pc:spChg>
+        <pc:spChg chg="add del">
+          <ac:chgData name="Samantha Jones" userId="ef0d50ecfde7a168" providerId="LiveId" clId="{FD39E004-01D4-4DB1-8D7A-115DEF0BBE95}" dt="2022-05-20T18:47:25.684" v="377" actId="26606"/>
+          <ac:spMkLst>
+            <pc:docMk/>
+            <pc:sldMk cId="855893905" sldId="257"/>
+            <ac:spMk id="15" creationId="{967D8EB6-EAE1-4F9C-B398-83321E287204}"/>
+          </ac:spMkLst>
+        </pc:spChg>
+        <pc:spChg chg="add del">
+          <ac:chgData name="Samantha Jones" userId="ef0d50ecfde7a168" providerId="LiveId" clId="{FD39E004-01D4-4DB1-8D7A-115DEF0BBE95}" dt="2022-05-20T18:47:31.478" v="379" actId="26606"/>
+          <ac:spMkLst>
+            <pc:docMk/>
+            <pc:sldMk cId="855893905" sldId="257"/>
+            <ac:spMk id="16" creationId="{0570A85B-3810-4F95-97B0-CBF4CCDB381C}"/>
+          </ac:spMkLst>
+        </pc:spChg>
+        <pc:spChg chg="add del">
+          <ac:chgData name="Samantha Jones" userId="ef0d50ecfde7a168" providerId="LiveId" clId="{FD39E004-01D4-4DB1-8D7A-115DEF0BBE95}" dt="2022-05-20T18:47:31.478" v="379" actId="26606"/>
+          <ac:spMkLst>
+            <pc:docMk/>
+            <pc:sldMk cId="855893905" sldId="257"/>
+            <ac:spMk id="17" creationId="{2550BE34-C2B8-49B8-8519-67A8CAD51AE9}"/>
+          </ac:spMkLst>
+        </pc:spChg>
+        <pc:spChg chg="add del">
+          <ac:chgData name="Samantha Jones" userId="ef0d50ecfde7a168" providerId="LiveId" clId="{FD39E004-01D4-4DB1-8D7A-115DEF0BBE95}" dt="2022-05-20T18:47:31.478" v="379" actId="26606"/>
+          <ac:spMkLst>
+            <pc:docMk/>
+            <pc:sldMk cId="855893905" sldId="257"/>
+            <ac:spMk id="18" creationId="{A7457DD9-5A45-400A-AB4B-4B4EDECA25F1}"/>
+          </ac:spMkLst>
+        </pc:spChg>
+        <pc:spChg chg="add del">
+          <ac:chgData name="Samantha Jones" userId="ef0d50ecfde7a168" providerId="LiveId" clId="{FD39E004-01D4-4DB1-8D7A-115DEF0BBE95}" dt="2022-05-20T18:47:31.478" v="379" actId="26606"/>
+          <ac:spMkLst>
+            <pc:docMk/>
+            <pc:sldMk cId="855893905" sldId="257"/>
+            <ac:spMk id="19" creationId="{441CF7D6-A660-431A-B0BB-140A0D5556B6}"/>
+          </ac:spMkLst>
+        </pc:spChg>
+        <pc:spChg chg="add del">
+          <ac:chgData name="Samantha Jones" userId="ef0d50ecfde7a168" providerId="LiveId" clId="{FD39E004-01D4-4DB1-8D7A-115DEF0BBE95}" dt="2022-05-20T18:47:56.079" v="389" actId="26606"/>
+          <ac:spMkLst>
+            <pc:docMk/>
+            <pc:sldMk cId="855893905" sldId="257"/>
+            <ac:spMk id="20" creationId="{B082622D-AAF3-4897-8629-FC918530DD86}"/>
+          </ac:spMkLst>
+        </pc:spChg>
+        <pc:spChg chg="add del">
+          <ac:chgData name="Samantha Jones" userId="ef0d50ecfde7a168" providerId="LiveId" clId="{FD39E004-01D4-4DB1-8D7A-115DEF0BBE95}" dt="2022-05-20T18:47:37.440" v="381" actId="26606"/>
+          <ac:spMkLst>
+            <pc:docMk/>
+            <pc:sldMk cId="855893905" sldId="257"/>
+            <ac:spMk id="21" creationId="{81AEB8A9-B768-4E30-BA55-D919E6687343}"/>
+          </ac:spMkLst>
+        </pc:spChg>
+        <pc:spChg chg="add del">
+          <ac:chgData name="Samantha Jones" userId="ef0d50ecfde7a168" providerId="LiveId" clId="{FD39E004-01D4-4DB1-8D7A-115DEF0BBE95}" dt="2022-05-20T18:47:56.079" v="389" actId="26606"/>
+          <ac:spMkLst>
+            <pc:docMk/>
+            <pc:sldMk cId="855893905" sldId="257"/>
+            <ac:spMk id="22" creationId="{A7457DD9-5A45-400A-AB4B-4B4EDECA25F1}"/>
+          </ac:spMkLst>
+        </pc:spChg>
+        <pc:spChg chg="add del">
+          <ac:chgData name="Samantha Jones" userId="ef0d50ecfde7a168" providerId="LiveId" clId="{FD39E004-01D4-4DB1-8D7A-115DEF0BBE95}" dt="2022-05-20T18:47:56.079" v="389" actId="26606"/>
+          <ac:spMkLst>
+            <pc:docMk/>
+            <pc:sldMk cId="855893905" sldId="257"/>
+            <ac:spMk id="23" creationId="{441CF7D6-A660-431A-B0BB-140A0D5556B6}"/>
+          </ac:spMkLst>
+        </pc:spChg>
+        <pc:spChg chg="add del">
+          <ac:chgData name="Samantha Jones" userId="ef0d50ecfde7a168" providerId="LiveId" clId="{FD39E004-01D4-4DB1-8D7A-115DEF0BBE95}" dt="2022-05-20T18:47:56.079" v="389" actId="26606"/>
+          <ac:spMkLst>
+            <pc:docMk/>
+            <pc:sldMk cId="855893905" sldId="257"/>
+            <ac:spMk id="24" creationId="{0570A85B-3810-4F95-97B0-CBF4CCDB381C}"/>
+          </ac:spMkLst>
+        </pc:spChg>
+        <pc:spChg chg="add del">
+          <ac:chgData name="Samantha Jones" userId="ef0d50ecfde7a168" providerId="LiveId" clId="{FD39E004-01D4-4DB1-8D7A-115DEF0BBE95}" dt="2022-05-20T18:48:40.589" v="403" actId="26606"/>
+          <ac:spMkLst>
+            <pc:docMk/>
+            <pc:sldMk cId="855893905" sldId="257"/>
+            <ac:spMk id="25" creationId="{4E2ED6F9-63C3-4A8D-9BB4-1EA62533B672}"/>
+          </ac:spMkLst>
+        </pc:spChg>
+        <pc:spChg chg="add del">
+          <ac:chgData name="Samantha Jones" userId="ef0d50ecfde7a168" providerId="LiveId" clId="{FD39E004-01D4-4DB1-8D7A-115DEF0BBE95}" dt="2022-05-20T18:48:08.199" v="391" actId="26606"/>
+          <ac:spMkLst>
+            <pc:docMk/>
+            <pc:sldMk cId="855893905" sldId="257"/>
+            <ac:spMk id="26" creationId="{C5E6CFF1-2F42-4E10-9A97-F116F46F53FE}"/>
+          </ac:spMkLst>
+        </pc:spChg>
+        <pc:spChg chg="add del">
+          <ac:chgData name="Samantha Jones" userId="ef0d50ecfde7a168" providerId="LiveId" clId="{FD39E004-01D4-4DB1-8D7A-115DEF0BBE95}" dt="2022-05-20T18:48:40.589" v="403" actId="26606"/>
+          <ac:spMkLst>
+            <pc:docMk/>
+            <pc:sldMk cId="855893905" sldId="257"/>
+            <ac:spMk id="28" creationId="{6D72081E-AD41-4FBB-B02B-698A68DBCA5E}"/>
+          </ac:spMkLst>
+        </pc:spChg>
+        <pc:spChg chg="add del">
+          <ac:chgData name="Samantha Jones" userId="ef0d50ecfde7a168" providerId="LiveId" clId="{FD39E004-01D4-4DB1-8D7A-115DEF0BBE95}" dt="2022-05-20T18:48:12.618" v="393" actId="26606"/>
+          <ac:spMkLst>
+            <pc:docMk/>
+            <pc:sldMk cId="855893905" sldId="257"/>
+            <ac:spMk id="29" creationId="{04812C46-200A-4DEB-A05E-3ED6C68C2387}"/>
+          </ac:spMkLst>
+        </pc:spChg>
+        <pc:spChg chg="add del">
+          <ac:chgData name="Samantha Jones" userId="ef0d50ecfde7a168" providerId="LiveId" clId="{FD39E004-01D4-4DB1-8D7A-115DEF0BBE95}" dt="2022-05-20T18:48:12.618" v="393" actId="26606"/>
+          <ac:spMkLst>
+            <pc:docMk/>
+            <pc:sldMk cId="855893905" sldId="257"/>
+            <ac:spMk id="30" creationId="{D1EA859B-E555-4109-94F3-6700E046E008}"/>
+          </ac:spMkLst>
+        </pc:spChg>
+        <pc:spChg chg="add del">
+          <ac:chgData name="Samantha Jones" userId="ef0d50ecfde7a168" providerId="LiveId" clId="{FD39E004-01D4-4DB1-8D7A-115DEF0BBE95}" dt="2022-05-20T18:48:40.589" v="403" actId="26606"/>
+          <ac:spMkLst>
+            <pc:docMk/>
+            <pc:sldMk cId="855893905" sldId="257"/>
+            <ac:spMk id="31" creationId="{716248AD-805F-41BF-9B57-FC53E5B32F98}"/>
+          </ac:spMkLst>
+        </pc:spChg>
+        <pc:spChg chg="add del">
+          <ac:chgData name="Samantha Jones" userId="ef0d50ecfde7a168" providerId="LiveId" clId="{FD39E004-01D4-4DB1-8D7A-115DEF0BBE95}" dt="2022-05-20T18:48:15.231" v="395" actId="26606"/>
+          <ac:spMkLst>
+            <pc:docMk/>
+            <pc:sldMk cId="855893905" sldId="257"/>
+            <ac:spMk id="32" creationId="{4038CB10-1F5C-4D54-9DF7-12586DE5B007}"/>
+          </ac:spMkLst>
+        </pc:spChg>
+        <pc:spChg chg="add del">
+          <ac:chgData name="Samantha Jones" userId="ef0d50ecfde7a168" providerId="LiveId" clId="{FD39E004-01D4-4DB1-8D7A-115DEF0BBE95}" dt="2022-05-20T18:48:15.231" v="395" actId="26606"/>
+          <ac:spMkLst>
+            <pc:docMk/>
+            <pc:sldMk cId="855893905" sldId="257"/>
+            <ac:spMk id="33" creationId="{36D30126-6314-4A93-B27E-5C66CF781924}"/>
+          </ac:spMkLst>
+        </pc:spChg>
+        <pc:spChg chg="add del">
+          <ac:chgData name="Samantha Jones" userId="ef0d50ecfde7a168" providerId="LiveId" clId="{FD39E004-01D4-4DB1-8D7A-115DEF0BBE95}" dt="2022-05-20T18:48:15.231" v="395" actId="26606"/>
+          <ac:spMkLst>
+            <pc:docMk/>
+            <pc:sldMk cId="855893905" sldId="257"/>
+            <ac:spMk id="34" creationId="{73ED6512-6858-4552-B699-9A97FE9A4EA2}"/>
+          </ac:spMkLst>
+        </pc:spChg>
+        <pc:spChg chg="add del">
+          <ac:chgData name="Samantha Jones" userId="ef0d50ecfde7a168" providerId="LiveId" clId="{FD39E004-01D4-4DB1-8D7A-115DEF0BBE95}" dt="2022-05-20T18:48:40.589" v="403" actId="26606"/>
+          <ac:spMkLst>
+            <pc:docMk/>
+            <pc:sldMk cId="855893905" sldId="257"/>
+            <ac:spMk id="35" creationId="{1F82758F-B2B3-4F0A-BB90-4BFFEDD166D6}"/>
+          </ac:spMkLst>
+        </pc:spChg>
+        <pc:spChg chg="add del">
+          <ac:chgData name="Samantha Jones" userId="ef0d50ecfde7a168" providerId="LiveId" clId="{FD39E004-01D4-4DB1-8D7A-115DEF0BBE95}" dt="2022-05-20T18:48:20.929" v="397" actId="26606"/>
+          <ac:spMkLst>
+            <pc:docMk/>
+            <pc:sldMk cId="855893905" sldId="257"/>
+            <ac:spMk id="36" creationId="{42A5316D-ED2F-4F89-B4B4-8D9240B1A348}"/>
+          </ac:spMkLst>
+        </pc:spChg>
+        <pc:spChg chg="add del">
+          <ac:chgData name="Samantha Jones" userId="ef0d50ecfde7a168" providerId="LiveId" clId="{FD39E004-01D4-4DB1-8D7A-115DEF0BBE95}" dt="2022-05-20T18:48:42.372" v="406" actId="26606"/>
+          <ac:spMkLst>
+            <pc:docMk/>
+            <pc:sldMk cId="855893905" sldId="257"/>
+            <ac:spMk id="37" creationId="{85016AEC-0320-4ED0-8ECB-FE11DDDFE17A}"/>
+          </ac:spMkLst>
+        </pc:spChg>
+        <pc:spChg chg="add del">
+          <ac:chgData name="Samantha Jones" userId="ef0d50ecfde7a168" providerId="LiveId" clId="{FD39E004-01D4-4DB1-8D7A-115DEF0BBE95}" dt="2022-05-20T18:48:42.372" v="406" actId="26606"/>
+          <ac:spMkLst>
+            <pc:docMk/>
+            <pc:sldMk cId="855893905" sldId="257"/>
+            <ac:spMk id="38" creationId="{C70C3B59-DE2C-4611-8148-812575C5CA48}"/>
+          </ac:spMkLst>
+        </pc:spChg>
+        <pc:spChg chg="add del">
+          <ac:chgData name="Samantha Jones" userId="ef0d50ecfde7a168" providerId="LiveId" clId="{FD39E004-01D4-4DB1-8D7A-115DEF0BBE95}" dt="2022-05-20T18:48:44.379" v="408" actId="26606"/>
+          <ac:spMkLst>
+            <pc:docMk/>
+            <pc:sldMk cId="855893905" sldId="257"/>
+            <ac:spMk id="40" creationId="{2B566528-1B12-4246-9431-5C2D7D081168}"/>
+          </ac:spMkLst>
+        </pc:spChg>
+        <pc:spChg chg="add del">
+          <ac:chgData name="Samantha Jones" userId="ef0d50ecfde7a168" providerId="LiveId" clId="{FD39E004-01D4-4DB1-8D7A-115DEF0BBE95}" dt="2022-05-20T18:48:47.151" v="410" actId="26606"/>
+          <ac:spMkLst>
+            <pc:docMk/>
+            <pc:sldMk cId="855893905" sldId="257"/>
+            <ac:spMk id="48" creationId="{B0792D4F-247E-46FE-85FC-881DEFA41D94}"/>
+          </ac:spMkLst>
+        </pc:spChg>
+        <pc:spChg chg="add del">
+          <ac:chgData name="Samantha Jones" userId="ef0d50ecfde7a168" providerId="LiveId" clId="{FD39E004-01D4-4DB1-8D7A-115DEF0BBE95}" dt="2022-05-20T18:48:47.151" v="410" actId="26606"/>
+          <ac:spMkLst>
+            <pc:docMk/>
+            <pc:sldMk cId="855893905" sldId="257"/>
+            <ac:spMk id="49" creationId="{FA3CD3A3-D3C1-4567-BEC0-3A50E9A3A630}"/>
+          </ac:spMkLst>
+        </pc:spChg>
+        <pc:spChg chg="add del">
+          <ac:chgData name="Samantha Jones" userId="ef0d50ecfde7a168" providerId="LiveId" clId="{FD39E004-01D4-4DB1-8D7A-115DEF0BBE95}" dt="2022-05-20T18:48:49.292" v="412" actId="26606"/>
+          <ac:spMkLst>
+            <pc:docMk/>
+            <pc:sldMk cId="855893905" sldId="257"/>
+            <ac:spMk id="52" creationId="{2B1D4F77-A17C-43D7-B7FA-545148E4E93D}"/>
+          </ac:spMkLst>
+        </pc:spChg>
+        <pc:spChg chg="add del">
+          <ac:chgData name="Samantha Jones" userId="ef0d50ecfde7a168" providerId="LiveId" clId="{FD39E004-01D4-4DB1-8D7A-115DEF0BBE95}" dt="2022-05-20T18:49:09.722" v="414" actId="26606"/>
+          <ac:spMkLst>
+            <pc:docMk/>
+            <pc:sldMk cId="855893905" sldId="257"/>
+            <ac:spMk id="54" creationId="{CEB41C5C-0F34-4DDA-9D7C-5E717F35F60C}"/>
+          </ac:spMkLst>
+        </pc:spChg>
+        <pc:spChg chg="add">
+          <ac:chgData name="Samantha Jones" userId="ef0d50ecfde7a168" providerId="LiveId" clId="{FD39E004-01D4-4DB1-8D7A-115DEF0BBE95}" dt="2022-05-20T18:49:09.727" v="415" actId="26606"/>
+          <ac:spMkLst>
+            <pc:docMk/>
+            <pc:sldMk cId="855893905" sldId="257"/>
+            <ac:spMk id="56" creationId="{81AEB8A9-B768-4E30-BA55-D919E6687343}"/>
+          </ac:spMkLst>
+        </pc:spChg>
+        <pc:grpChg chg="add del">
+          <ac:chgData name="Samantha Jones" userId="ef0d50ecfde7a168" providerId="LiveId" clId="{FD39E004-01D4-4DB1-8D7A-115DEF0BBE95}" dt="2022-05-20T18:48:44.379" v="408" actId="26606"/>
+          <ac:grpSpMkLst>
+            <pc:docMk/>
+            <pc:sldMk cId="855893905" sldId="257"/>
+            <ac:grpSpMk id="41" creationId="{828A5161-06F1-46CF-8AD7-844680A59E13}"/>
+          </ac:grpSpMkLst>
+        </pc:grpChg>
+        <pc:grpChg chg="add del">
+          <ac:chgData name="Samantha Jones" userId="ef0d50ecfde7a168" providerId="LiveId" clId="{FD39E004-01D4-4DB1-8D7A-115DEF0BBE95}" dt="2022-05-20T18:48:44.379" v="408" actId="26606"/>
+          <ac:grpSpMkLst>
+            <pc:docMk/>
+            <pc:sldMk cId="855893905" sldId="257"/>
+            <ac:grpSpMk id="44" creationId="{5995D10D-E9C9-47DB-AE7E-801FEF38F5C9}"/>
+          </ac:grpSpMkLst>
+        </pc:grpChg>
+        <pc:picChg chg="add mod ord">
+          <ac:chgData name="Samantha Jones" userId="ef0d50ecfde7a168" providerId="LiveId" clId="{FD39E004-01D4-4DB1-8D7A-115DEF0BBE95}" dt="2022-05-20T18:49:09.727" v="415" actId="26606"/>
+          <ac:picMkLst>
+            <pc:docMk/>
+            <pc:sldMk cId="855893905" sldId="257"/>
+            <ac:picMk id="5" creationId="{2C74A463-3498-0D98-E5E3-0F02F89A61DC}"/>
+          </ac:picMkLst>
+        </pc:picChg>
+        <pc:cxnChg chg="add del">
+          <ac:chgData name="Samantha Jones" userId="ef0d50ecfde7a168" providerId="LiveId" clId="{FD39E004-01D4-4DB1-8D7A-115DEF0BBE95}" dt="2022-05-20T18:48:08.199" v="391" actId="26606"/>
+          <ac:cxnSpMkLst>
+            <pc:docMk/>
+            <pc:sldMk cId="855893905" sldId="257"/>
+            <ac:cxnSpMk id="27" creationId="{67182200-4859-4C8D-BCBB-55B245C28BA3}"/>
+          </ac:cxnSpMkLst>
+        </pc:cxnChg>
+        <pc:cxnChg chg="add del">
+          <ac:chgData name="Samantha Jones" userId="ef0d50ecfde7a168" providerId="LiveId" clId="{FD39E004-01D4-4DB1-8D7A-115DEF0BBE95}" dt="2022-05-20T18:48:47.151" v="410" actId="26606"/>
+          <ac:cxnSpMkLst>
+            <pc:docMk/>
+            <pc:sldMk cId="855893905" sldId="257"/>
+            <ac:cxnSpMk id="50" creationId="{B56D13EF-D431-4D0F-BFFC-1B5A686FF9BD}"/>
+          </ac:cxnSpMkLst>
+        </pc:cxnChg>
+      </pc:sldChg>
+      <pc:sldChg chg="addSp delSp modSp new mod">
+        <pc:chgData name="Samantha Jones" userId="ef0d50ecfde7a168" providerId="LiveId" clId="{FD39E004-01D4-4DB1-8D7A-115DEF0BBE95}" dt="2022-05-20T19:04:23.786" v="538" actId="14100"/>
+        <pc:sldMkLst>
+          <pc:docMk/>
+          <pc:sldMk cId="1817181054" sldId="258"/>
+        </pc:sldMkLst>
+        <pc:spChg chg="del">
+          <ac:chgData name="Samantha Jones" userId="ef0d50ecfde7a168" providerId="LiveId" clId="{FD39E004-01D4-4DB1-8D7A-115DEF0BBE95}" dt="2022-05-20T18:52:07.103" v="426" actId="478"/>
+          <ac:spMkLst>
+            <pc:docMk/>
+            <pc:sldMk cId="1817181054" sldId="258"/>
+            <ac:spMk id="2" creationId="{A3A8E575-2632-C800-162E-DAB18BDD99C7}"/>
+          </ac:spMkLst>
+        </pc:spChg>
+        <pc:spChg chg="del">
+          <ac:chgData name="Samantha Jones" userId="ef0d50ecfde7a168" providerId="LiveId" clId="{FD39E004-01D4-4DB1-8D7A-115DEF0BBE95}" dt="2022-05-20T18:51:20.900" v="417" actId="931"/>
+          <ac:spMkLst>
+            <pc:docMk/>
+            <pc:sldMk cId="1817181054" sldId="258"/>
+            <ac:spMk id="3" creationId="{D009B367-4BC5-9612-83C2-A6ADFF81CE1B}"/>
+          </ac:spMkLst>
+        </pc:spChg>
+        <pc:spChg chg="add del mod">
+          <ac:chgData name="Samantha Jones" userId="ef0d50ecfde7a168" providerId="LiveId" clId="{FD39E004-01D4-4DB1-8D7A-115DEF0BBE95}" dt="2022-05-20T18:54:43.943" v="463" actId="478"/>
+          <ac:spMkLst>
+            <pc:docMk/>
+            <pc:sldMk cId="1817181054" sldId="258"/>
+            <ac:spMk id="6" creationId="{E0820A93-7024-1E0E-D073-460110CB1856}"/>
+          </ac:spMkLst>
+        </pc:spChg>
+        <pc:spChg chg="add del mod">
+          <ac:chgData name="Samantha Jones" userId="ef0d50ecfde7a168" providerId="LiveId" clId="{FD39E004-01D4-4DB1-8D7A-115DEF0BBE95}" dt="2022-05-20T18:54:48.146" v="464" actId="478"/>
+          <ac:spMkLst>
+            <pc:docMk/>
+            <pc:sldMk cId="1817181054" sldId="258"/>
+            <ac:spMk id="7" creationId="{DC4A257A-1504-8B05-042C-A4FA4F8AE825}"/>
+          </ac:spMkLst>
+        </pc:spChg>
+        <pc:spChg chg="add mod">
+          <ac:chgData name="Samantha Jones" userId="ef0d50ecfde7a168" providerId="LiveId" clId="{FD39E004-01D4-4DB1-8D7A-115DEF0BBE95}" dt="2022-05-20T19:00:13.844" v="530" actId="1076"/>
+          <ac:spMkLst>
+            <pc:docMk/>
+            <pc:sldMk cId="1817181054" sldId="258"/>
+            <ac:spMk id="8" creationId="{949F4C35-0E8F-3701-87EA-51BFE80A3939}"/>
+          </ac:spMkLst>
+        </pc:spChg>
+        <pc:spChg chg="add del mod">
+          <ac:chgData name="Samantha Jones" userId="ef0d50ecfde7a168" providerId="LiveId" clId="{FD39E004-01D4-4DB1-8D7A-115DEF0BBE95}" dt="2022-05-20T18:58:27.912" v="510" actId="478"/>
+          <ac:spMkLst>
+            <pc:docMk/>
+            <pc:sldMk cId="1817181054" sldId="258"/>
+            <ac:spMk id="9" creationId="{CB75E866-BCA9-EA60-2531-E154DE8F7EF9}"/>
+          </ac:spMkLst>
+        </pc:spChg>
+        <pc:spChg chg="add mod">
+          <ac:chgData name="Samantha Jones" userId="ef0d50ecfde7a168" providerId="LiveId" clId="{FD39E004-01D4-4DB1-8D7A-115DEF0BBE95}" dt="2022-05-20T19:00:10.163" v="529" actId="1076"/>
+          <ac:spMkLst>
+            <pc:docMk/>
+            <pc:sldMk cId="1817181054" sldId="258"/>
+            <ac:spMk id="10" creationId="{49660EDA-F119-7636-958C-DA7D7170E003}"/>
+          </ac:spMkLst>
+        </pc:spChg>
+        <pc:spChg chg="add mod">
+          <ac:chgData name="Samantha Jones" userId="ef0d50ecfde7a168" providerId="LiveId" clId="{FD39E004-01D4-4DB1-8D7A-115DEF0BBE95}" dt="2022-05-20T19:00:54.204" v="534" actId="207"/>
+          <ac:spMkLst>
+            <pc:docMk/>
+            <pc:sldMk cId="1817181054" sldId="258"/>
+            <ac:spMk id="11" creationId="{F73F176C-8436-BB74-20BC-B3A798760DD5}"/>
+          </ac:spMkLst>
+        </pc:spChg>
+        <pc:spChg chg="add mod">
+          <ac:chgData name="Samantha Jones" userId="ef0d50ecfde7a168" providerId="LiveId" clId="{FD39E004-01D4-4DB1-8D7A-115DEF0BBE95}" dt="2022-05-20T19:04:23.786" v="538" actId="14100"/>
+          <ac:spMkLst>
+            <pc:docMk/>
+            <pc:sldMk cId="1817181054" sldId="258"/>
+            <ac:spMk id="12" creationId="{1218520D-6165-D54F-303D-92A4478D2057}"/>
+          </ac:spMkLst>
+        </pc:spChg>
+        <pc:picChg chg="add mod">
+          <ac:chgData name="Samantha Jones" userId="ef0d50ecfde7a168" providerId="LiveId" clId="{FD39E004-01D4-4DB1-8D7A-115DEF0BBE95}" dt="2022-05-20T18:55:26.124" v="470" actId="1076"/>
+          <ac:picMkLst>
+            <pc:docMk/>
+            <pc:sldMk cId="1817181054" sldId="258"/>
+            <ac:picMk id="5" creationId="{7DB15225-4AF7-712F-33C1-AD441ED07FA0}"/>
+          </ac:picMkLst>
+        </pc:picChg>
+        <pc:picChg chg="add mod">
+          <ac:chgData name="Samantha Jones" userId="ef0d50ecfde7a168" providerId="LiveId" clId="{FD39E004-01D4-4DB1-8D7A-115DEF0BBE95}" dt="2022-05-20T18:55:17.585" v="469" actId="1076"/>
+          <ac:picMkLst>
+            <pc:docMk/>
+            <pc:sldMk cId="1817181054" sldId="258"/>
+            <ac:picMk id="1026" creationId="{0E049729-D7E4-28CC-C7C9-520528BA642A}"/>
+          </ac:picMkLst>
+        </pc:picChg>
       </pc:sldChg>
     </pc:docChg>
   </pc:docChgLst>
@@ -267,7 +736,7 @@
           <a:p>
             <a:fld id="{544D4549-F06F-4B9D-98C5-17C0E1A7D196}" type="datetimeFigureOut">
               <a:rPr lang="en-US" smtClean="0"/>
-              <a:t>5/13/2022</a:t>
+              <a:t>5/20/2022</a:t>
             </a:fld>
             <a:endParaRPr lang="en-US"/>
           </a:p>
@@ -437,7 +906,7 @@
           <a:p>
             <a:fld id="{544D4549-F06F-4B9D-98C5-17C0E1A7D196}" type="datetimeFigureOut">
               <a:rPr lang="en-US" smtClean="0"/>
-              <a:t>5/13/2022</a:t>
+              <a:t>5/20/2022</a:t>
             </a:fld>
             <a:endParaRPr lang="en-US"/>
           </a:p>
@@ -617,7 +1086,7 @@
           <a:p>
             <a:fld id="{544D4549-F06F-4B9D-98C5-17C0E1A7D196}" type="datetimeFigureOut">
               <a:rPr lang="en-US" smtClean="0"/>
-              <a:t>5/13/2022</a:t>
+              <a:t>5/20/2022</a:t>
             </a:fld>
             <a:endParaRPr lang="en-US"/>
           </a:p>
@@ -787,7 +1256,7 @@
           <a:p>
             <a:fld id="{544D4549-F06F-4B9D-98C5-17C0E1A7D196}" type="datetimeFigureOut">
               <a:rPr lang="en-US" smtClean="0"/>
-              <a:t>5/13/2022</a:t>
+              <a:t>5/20/2022</a:t>
             </a:fld>
             <a:endParaRPr lang="en-US"/>
           </a:p>
@@ -1033,7 +1502,7 @@
           <a:p>
             <a:fld id="{544D4549-F06F-4B9D-98C5-17C0E1A7D196}" type="datetimeFigureOut">
               <a:rPr lang="en-US" smtClean="0"/>
-              <a:t>5/13/2022</a:t>
+              <a:t>5/20/2022</a:t>
             </a:fld>
             <a:endParaRPr lang="en-US"/>
           </a:p>
@@ -1265,7 +1734,7 @@
           <a:p>
             <a:fld id="{544D4549-F06F-4B9D-98C5-17C0E1A7D196}" type="datetimeFigureOut">
               <a:rPr lang="en-US" smtClean="0"/>
-              <a:t>5/13/2022</a:t>
+              <a:t>5/20/2022</a:t>
             </a:fld>
             <a:endParaRPr lang="en-US"/>
           </a:p>
@@ -1632,7 +2101,7 @@
           <a:p>
             <a:fld id="{544D4549-F06F-4B9D-98C5-17C0E1A7D196}" type="datetimeFigureOut">
               <a:rPr lang="en-US" smtClean="0"/>
-              <a:t>5/13/2022</a:t>
+              <a:t>5/20/2022</a:t>
             </a:fld>
             <a:endParaRPr lang="en-US"/>
           </a:p>
@@ -1750,7 +2219,7 @@
           <a:p>
             <a:fld id="{544D4549-F06F-4B9D-98C5-17C0E1A7D196}" type="datetimeFigureOut">
               <a:rPr lang="en-US" smtClean="0"/>
-              <a:t>5/13/2022</a:t>
+              <a:t>5/20/2022</a:t>
             </a:fld>
             <a:endParaRPr lang="en-US"/>
           </a:p>
@@ -1845,7 +2314,7 @@
           <a:p>
             <a:fld id="{544D4549-F06F-4B9D-98C5-17C0E1A7D196}" type="datetimeFigureOut">
               <a:rPr lang="en-US" smtClean="0"/>
-              <a:t>5/13/2022</a:t>
+              <a:t>5/20/2022</a:t>
             </a:fld>
             <a:endParaRPr lang="en-US"/>
           </a:p>
@@ -2122,7 +2591,7 @@
           <a:p>
             <a:fld id="{544D4549-F06F-4B9D-98C5-17C0E1A7D196}" type="datetimeFigureOut">
               <a:rPr lang="en-US" smtClean="0"/>
-              <a:t>5/13/2022</a:t>
+              <a:t>5/20/2022</a:t>
             </a:fld>
             <a:endParaRPr lang="en-US"/>
           </a:p>
@@ -2379,7 +2848,7 @@
           <a:p>
             <a:fld id="{544D4549-F06F-4B9D-98C5-17C0E1A7D196}" type="datetimeFigureOut">
               <a:rPr lang="en-US" smtClean="0"/>
-              <a:t>5/13/2022</a:t>
+              <a:t>5/20/2022</a:t>
             </a:fld>
             <a:endParaRPr lang="en-US"/>
           </a:p>
@@ -2592,7 +3061,7 @@
           <a:p>
             <a:fld id="{544D4549-F06F-4B9D-98C5-17C0E1A7D196}" type="datetimeFigureOut">
               <a:rPr lang="en-US" smtClean="0"/>
-              <a:t>5/13/2022</a:t>
+              <a:t>5/20/2022</a:t>
             </a:fld>
             <a:endParaRPr lang="en-US"/>
           </a:p>
@@ -3057,19 +3526,7 @@
               <a:rPr lang="en-US" dirty="0">
                 <a:latin typeface="Digital-7 Italic" panose="02000000000000000000" pitchFamily="2" charset="0"/>
               </a:rPr>
-              <a:t>Joshua McDaniel, Matthew </a:t>
-            </a:r>
-            <a:r>
-              <a:rPr lang="en-US" dirty="0" err="1">
-                <a:latin typeface="Digital-7 Italic" panose="02000000000000000000" pitchFamily="2" charset="0"/>
-              </a:rPr>
-              <a:t>DeHoff</a:t>
-            </a:r>
-            <a:r>
-              <a:rPr lang="en-US" dirty="0">
-                <a:latin typeface="Digital-7 Italic" panose="02000000000000000000" pitchFamily="2" charset="0"/>
-              </a:rPr>
-              <a:t>, Samantha Jones, Joshua Davis and </a:t>
+              <a:t>Joshua McDaniel, </a:t>
             </a:r>
             <a:r>
               <a:rPr lang="en-US" dirty="0" err="1">
@@ -3081,8 +3538,17 @@
               <a:rPr lang="en-US" dirty="0">
                 <a:latin typeface="Digital-7 Italic" panose="02000000000000000000" pitchFamily="2" charset="0"/>
               </a:rPr>
-              <a:t> Scott</a:t>
-            </a:r>
+              <a:t> Scott, Samantha Jones, Joshua Davis and Matthew </a:t>
+            </a:r>
+            <a:r>
+              <a:rPr lang="en-US" dirty="0" err="1">
+                <a:latin typeface="Digital-7 Italic" panose="02000000000000000000" pitchFamily="2" charset="0"/>
+              </a:rPr>
+              <a:t>dehoFF</a:t>
+            </a:r>
+            <a:endParaRPr lang="en-US" dirty="0">
+              <a:latin typeface="Digital-7 Italic" panose="02000000000000000000" pitchFamily="2" charset="0"/>
+            </a:endParaRPr>
           </a:p>
         </p:txBody>
       </p:sp>
@@ -3090,6 +3556,615 @@
     <p:extLst>
       <p:ext uri="{BB962C8B-B14F-4D97-AF65-F5344CB8AC3E}">
         <p14:creationId xmlns:p14="http://schemas.microsoft.com/office/powerpoint/2010/main" val="1384901299"/>
+      </p:ext>
+    </p:extLst>
+  </p:cSld>
+  <p:clrMapOvr>
+    <a:masterClrMapping/>
+  </p:clrMapOvr>
+</p:sld>
+</file>
+
+<file path=ppt/slides/slide2.xml><?xml version="1.0" encoding="utf-8"?>
+<p:sld xmlns:a="http://schemas.openxmlformats.org/drawingml/2006/main" xmlns:r="http://schemas.openxmlformats.org/officeDocument/2006/relationships" xmlns:p="http://schemas.openxmlformats.org/presentationml/2006/main">
+  <p:cSld>
+    <p:bg>
+      <p:bgPr>
+        <a:solidFill>
+          <a:schemeClr val="bg1"/>
+        </a:solidFill>
+        <a:effectLst/>
+      </p:bgPr>
+    </p:bg>
+    <p:spTree>
+      <p:nvGrpSpPr>
+        <p:cNvPr id="1" name=""/>
+        <p:cNvGrpSpPr/>
+        <p:nvPr/>
+      </p:nvGrpSpPr>
+      <p:grpSpPr>
+        <a:xfrm>
+          <a:off x="0" y="0"/>
+          <a:ext cx="0" cy="0"/>
+          <a:chOff x="0" y="0"/>
+          <a:chExt cx="0" cy="0"/>
+        </a:xfrm>
+      </p:grpSpPr>
+      <p:sp>
+        <p:nvSpPr>
+          <p:cNvPr id="56" name="Rectangle 9">
+            <a:extLst>
+              <a:ext uri="{FF2B5EF4-FFF2-40B4-BE49-F238E27FC236}">
+                <a16:creationId xmlns:a16="http://schemas.microsoft.com/office/drawing/2014/main" id="{81AEB8A9-B768-4E30-BA55-D919E6687343}"/>
+              </a:ext>
+              <a:ext uri="{C183D7F6-B498-43B3-948B-1728B52AA6E4}">
+                <adec:decorative xmlns:adec="http://schemas.microsoft.com/office/drawing/2017/decorative" val="1"/>
+              </a:ext>
+            </a:extLst>
+          </p:cNvPr>
+          <p:cNvSpPr>
+            <a:spLocks noGrp="1" noRot="1" noChangeAspect="1" noMove="1" noResize="1" noEditPoints="1" noAdjustHandles="1" noChangeArrowheads="1" noChangeShapeType="1" noTextEdit="1"/>
+          </p:cNvSpPr>
+          <p:nvPr>
+            <p:extLst>
+              <p:ext uri="{386F3935-93C4-4BCD-93E2-E3B085C9AB24}">
+                <p16:designElem xmlns:p16="http://schemas.microsoft.com/office/powerpoint/2015/main" val="1"/>
+              </p:ext>
+            </p:extLst>
+          </p:nvPr>
+        </p:nvSpPr>
+        <p:spPr>
+          <a:xfrm>
+            <a:off x="-10001" y="-2"/>
+            <a:ext cx="4069936" cy="6858002"/>
+          </a:xfrm>
+          <a:prstGeom prst="rect">
+            <a:avLst/>
+          </a:prstGeom>
+          <a:solidFill>
+            <a:schemeClr val="accent1"/>
+          </a:solidFill>
+          <a:ln>
+            <a:noFill/>
+          </a:ln>
+        </p:spPr>
+        <p:style>
+          <a:lnRef idx="2">
+            <a:schemeClr val="accent1">
+              <a:shade val="50000"/>
+            </a:schemeClr>
+          </a:lnRef>
+          <a:fillRef idx="1">
+            <a:schemeClr val="accent1"/>
+          </a:fillRef>
+          <a:effectRef idx="0">
+            <a:schemeClr val="accent1"/>
+          </a:effectRef>
+          <a:fontRef idx="minor">
+            <a:schemeClr val="lt1"/>
+          </a:fontRef>
+        </p:style>
+        <p:txBody>
+          <a:bodyPr rtlCol="0" anchor="ctr"/>
+          <a:lstStyle/>
+          <a:p>
+            <a:pPr marL="0" marR="0" lvl="0" indent="0" algn="ctr" defTabSz="914400" rtl="0" eaLnBrk="1" fontAlgn="auto" latinLnBrk="0" hangingPunct="1">
+              <a:lnSpc>
+                <a:spcPct val="100000"/>
+              </a:lnSpc>
+              <a:spcBef>
+                <a:spcPts val="0"/>
+              </a:spcBef>
+              <a:spcAft>
+                <a:spcPts val="0"/>
+              </a:spcAft>
+              <a:buClrTx/>
+              <a:buSzTx/>
+              <a:buFontTx/>
+              <a:buNone/>
+              <a:tabLst/>
+              <a:defRPr/>
+            </a:pPr>
+            <a:endParaRPr kumimoji="0" lang="en-US" sz="1800" b="0" i="0" u="none" strike="noStrike" kern="1200" cap="none" spc="0" normalizeH="0" baseline="0" noProof="0">
+              <a:ln>
+                <a:noFill/>
+              </a:ln>
+              <a:solidFill>
+                <a:prstClr val="white"/>
+              </a:solidFill>
+              <a:effectLst/>
+              <a:uLnTx/>
+              <a:uFillTx/>
+              <a:latin typeface="Calibri" panose="020F0502020204030204"/>
+              <a:ea typeface="+mn-ea"/>
+              <a:cs typeface="+mn-cs"/>
+            </a:endParaRPr>
+          </a:p>
+        </p:txBody>
+      </p:sp>
+      <p:sp>
+        <p:nvSpPr>
+          <p:cNvPr id="2" name="Title 1">
+            <a:extLst>
+              <a:ext uri="{FF2B5EF4-FFF2-40B4-BE49-F238E27FC236}">
+                <a16:creationId xmlns:a16="http://schemas.microsoft.com/office/drawing/2014/main" id="{29FA7224-7FD5-629B-6A1B-596B93CA4327}"/>
+              </a:ext>
+            </a:extLst>
+          </p:cNvPr>
+          <p:cNvSpPr>
+            <a:spLocks noGrp="1"/>
+          </p:cNvSpPr>
+          <p:nvPr>
+            <p:ph type="title"/>
+          </p:nvPr>
+        </p:nvSpPr>
+        <p:spPr>
+          <a:xfrm>
+            <a:off x="643467" y="640080"/>
+            <a:ext cx="3096427" cy="5613236"/>
+          </a:xfrm>
+        </p:spPr>
+        <p:txBody>
+          <a:bodyPr anchor="ctr">
+            <a:normAutofit/>
+          </a:bodyPr>
+          <a:lstStyle/>
+          <a:p>
+            <a:r>
+              <a:rPr lang="en-US">
+                <a:solidFill>
+                  <a:srgbClr val="FFFFFF"/>
+                </a:solidFill>
+                <a:latin typeface="Digital-7" panose="02000000000000000000" pitchFamily="2" charset="0"/>
+              </a:rPr>
+              <a:t>What is Codalz?</a:t>
+            </a:r>
+          </a:p>
+        </p:txBody>
+      </p:sp>
+      <p:sp>
+        <p:nvSpPr>
+          <p:cNvPr id="3" name="Content Placeholder 2">
+            <a:extLst>
+              <a:ext uri="{FF2B5EF4-FFF2-40B4-BE49-F238E27FC236}">
+                <a16:creationId xmlns:a16="http://schemas.microsoft.com/office/drawing/2014/main" id="{300A0043-4EDC-09F6-4E87-48EF56118EA8}"/>
+              </a:ext>
+            </a:extLst>
+          </p:cNvPr>
+          <p:cNvSpPr>
+            <a:spLocks noGrp="1"/>
+          </p:cNvSpPr>
+          <p:nvPr>
+            <p:ph idx="1"/>
+          </p:nvPr>
+        </p:nvSpPr>
+        <p:spPr>
+          <a:xfrm>
+            <a:off x="4699818" y="640082"/>
+            <a:ext cx="6848715" cy="2484884"/>
+          </a:xfrm>
+        </p:spPr>
+        <p:txBody>
+          <a:bodyPr anchor="ctr">
+            <a:normAutofit/>
+          </a:bodyPr>
+          <a:lstStyle/>
+          <a:p>
+            <a:r>
+              <a:rPr lang="en-US" sz="2000" dirty="0" err="1">
+                <a:latin typeface="Digital-7" panose="02000000000000000000" pitchFamily="2" charset="0"/>
+              </a:rPr>
+              <a:t>Codalz</a:t>
+            </a:r>
+            <a:r>
+              <a:rPr lang="en-US" sz="2000" dirty="0">
+                <a:latin typeface="Digital-7" panose="02000000000000000000" pitchFamily="2" charset="0"/>
+              </a:rPr>
+              <a:t> is a word game</a:t>
+            </a:r>
+          </a:p>
+          <a:p>
+            <a:r>
+              <a:rPr lang="en-US" sz="2000" dirty="0">
+                <a:latin typeface="Digital-7" panose="02000000000000000000" pitchFamily="2" charset="0"/>
+              </a:rPr>
+              <a:t>Each round, a player is given 5 strings of 6 random letters</a:t>
+            </a:r>
+          </a:p>
+          <a:p>
+            <a:r>
+              <a:rPr lang="en-US" sz="2000" dirty="0">
+                <a:latin typeface="Digital-7" panose="02000000000000000000" pitchFamily="2" charset="0"/>
+              </a:rPr>
+              <a:t>The player must make as many words as possible from each string</a:t>
+            </a:r>
+          </a:p>
+          <a:p>
+            <a:r>
+              <a:rPr lang="en-US" sz="2000" dirty="0">
+                <a:latin typeface="Digital-7" panose="02000000000000000000" pitchFamily="2" charset="0"/>
+              </a:rPr>
+              <a:t>Players can log in, log out, and create a new account</a:t>
+            </a:r>
+          </a:p>
+          <a:p>
+            <a:r>
+              <a:rPr lang="en-US" sz="2000" dirty="0">
+                <a:latin typeface="Digital-7" panose="02000000000000000000" pitchFamily="2" charset="0"/>
+              </a:rPr>
+              <a:t>Players can see all previous scores</a:t>
+            </a:r>
+          </a:p>
+          <a:p>
+            <a:endParaRPr lang="en-US" sz="2000" dirty="0">
+              <a:latin typeface="Digital-7" panose="02000000000000000000" pitchFamily="2" charset="0"/>
+            </a:endParaRPr>
+          </a:p>
+        </p:txBody>
+      </p:sp>
+      <p:pic>
+        <p:nvPicPr>
+          <p:cNvPr id="5" name="Picture 4" descr="A picture containing text, clock, green&#10;&#10;Description automatically generated">
+            <a:extLst>
+              <a:ext uri="{FF2B5EF4-FFF2-40B4-BE49-F238E27FC236}">
+                <a16:creationId xmlns:a16="http://schemas.microsoft.com/office/drawing/2014/main" id="{2C74A463-3498-0D98-E5E3-0F02F89A61DC}"/>
+              </a:ext>
+            </a:extLst>
+          </p:cNvPr>
+          <p:cNvPicPr>
+            <a:picLocks noChangeAspect="1"/>
+          </p:cNvPicPr>
+          <p:nvPr/>
+        </p:nvPicPr>
+        <p:blipFill>
+          <a:blip r:embed="rId2">
+            <a:extLst>
+              <a:ext uri="{28A0092B-C50C-407E-A947-70E740481C1C}">
+                <a14:useLocalDpi xmlns:a14="http://schemas.microsoft.com/office/drawing/2010/main" val="0"/>
+              </a:ext>
+            </a:extLst>
+          </a:blip>
+          <a:stretch>
+            <a:fillRect/>
+          </a:stretch>
+        </p:blipFill>
+        <p:spPr>
+          <a:xfrm>
+            <a:off x="4654297" y="3648112"/>
+            <a:ext cx="6894236" cy="2085506"/>
+          </a:xfrm>
+          <a:prstGeom prst="rect">
+            <a:avLst/>
+          </a:prstGeom>
+        </p:spPr>
+      </p:pic>
+    </p:spTree>
+    <p:extLst>
+      <p:ext uri="{BB962C8B-B14F-4D97-AF65-F5344CB8AC3E}">
+        <p14:creationId xmlns:p14="http://schemas.microsoft.com/office/powerpoint/2010/main" val="855893905"/>
+      </p:ext>
+    </p:extLst>
+  </p:cSld>
+  <p:clrMapOvr>
+    <a:masterClrMapping/>
+  </p:clrMapOvr>
+</p:sld>
+</file>
+
+<file path=ppt/slides/slide3.xml><?xml version="1.0" encoding="utf-8"?>
+<p:sld xmlns:a="http://schemas.openxmlformats.org/drawingml/2006/main" xmlns:r="http://schemas.openxmlformats.org/officeDocument/2006/relationships" xmlns:p="http://schemas.openxmlformats.org/presentationml/2006/main">
+  <p:cSld>
+    <p:spTree>
+      <p:nvGrpSpPr>
+        <p:cNvPr id="1" name=""/>
+        <p:cNvGrpSpPr/>
+        <p:nvPr/>
+      </p:nvGrpSpPr>
+      <p:grpSpPr>
+        <a:xfrm>
+          <a:off x="0" y="0"/>
+          <a:ext cx="0" cy="0"/>
+          <a:chOff x="0" y="0"/>
+          <a:chExt cx="0" cy="0"/>
+        </a:xfrm>
+      </p:grpSpPr>
+      <p:pic>
+        <p:nvPicPr>
+          <p:cNvPr id="5" name="Content Placeholder 4" descr="Graphical user interface&#10;&#10;Description automatically generated">
+            <a:extLst>
+              <a:ext uri="{FF2B5EF4-FFF2-40B4-BE49-F238E27FC236}">
+                <a16:creationId xmlns:a16="http://schemas.microsoft.com/office/drawing/2014/main" id="{7DB15225-4AF7-712F-33C1-AD441ED07FA0}"/>
+              </a:ext>
+            </a:extLst>
+          </p:cNvPr>
+          <p:cNvPicPr>
+            <a:picLocks noGrp="1" noChangeAspect="1"/>
+          </p:cNvPicPr>
+          <p:nvPr>
+            <p:ph idx="1"/>
+          </p:nvPr>
+        </p:nvPicPr>
+        <p:blipFill>
+          <a:blip r:embed="rId2">
+            <a:extLst>
+              <a:ext uri="{28A0092B-C50C-407E-A947-70E740481C1C}">
+                <a14:useLocalDpi xmlns:a14="http://schemas.microsoft.com/office/drawing/2010/main" val="0"/>
+              </a:ext>
+            </a:extLst>
+          </a:blip>
+          <a:stretch>
+            <a:fillRect/>
+          </a:stretch>
+        </p:blipFill>
+        <p:spPr>
+          <a:xfrm>
+            <a:off x="6718715" y="3288532"/>
+            <a:ext cx="4814455" cy="2990492"/>
+          </a:xfrm>
+        </p:spPr>
+      </p:pic>
+      <p:pic>
+        <p:nvPicPr>
+          <p:cNvPr id="1026" name="Picture 2">
+            <a:extLst>
+              <a:ext uri="{FF2B5EF4-FFF2-40B4-BE49-F238E27FC236}">
+                <a16:creationId xmlns:a16="http://schemas.microsoft.com/office/drawing/2014/main" id="{0E049729-D7E4-28CC-C7C9-520528BA642A}"/>
+              </a:ext>
+            </a:extLst>
+          </p:cNvPr>
+          <p:cNvPicPr>
+            <a:picLocks noChangeAspect="1" noChangeArrowheads="1"/>
+          </p:cNvPicPr>
+          <p:nvPr/>
+        </p:nvPicPr>
+        <p:blipFill>
+          <a:blip r:embed="rId3">
+            <a:extLst>
+              <a:ext uri="{28A0092B-C50C-407E-A947-70E740481C1C}">
+                <a14:useLocalDpi xmlns:a14="http://schemas.microsoft.com/office/drawing/2010/main" val="0"/>
+              </a:ext>
+            </a:extLst>
+          </a:blip>
+          <a:srcRect/>
+          <a:stretch>
+            <a:fillRect/>
+          </a:stretch>
+        </p:blipFill>
+        <p:spPr bwMode="auto">
+          <a:xfrm>
+            <a:off x="658830" y="546615"/>
+            <a:ext cx="4974503" cy="2990492"/>
+          </a:xfrm>
+          <a:prstGeom prst="rect">
+            <a:avLst/>
+          </a:prstGeom>
+          <a:noFill/>
+          <a:extLst>
+            <a:ext uri="{909E8E84-426E-40DD-AFC4-6F175D3DCCD1}">
+              <a14:hiddenFill xmlns:a14="http://schemas.microsoft.com/office/drawing/2010/main">
+                <a:solidFill>
+                  <a:srgbClr val="FFFFFF"/>
+                </a:solidFill>
+              </a14:hiddenFill>
+            </a:ext>
+          </a:extLst>
+        </p:spPr>
+      </p:pic>
+      <p:sp>
+        <p:nvSpPr>
+          <p:cNvPr id="8" name="Arrow: Up 7">
+            <a:extLst>
+              <a:ext uri="{FF2B5EF4-FFF2-40B4-BE49-F238E27FC236}">
+                <a16:creationId xmlns:a16="http://schemas.microsoft.com/office/drawing/2014/main" id="{949F4C35-0E8F-3701-87EA-51BFE80A3939}"/>
+              </a:ext>
+            </a:extLst>
+          </p:cNvPr>
+          <p:cNvSpPr/>
+          <p:nvPr/>
+        </p:nvSpPr>
+        <p:spPr>
+          <a:xfrm>
+            <a:off x="-532744" y="4783778"/>
+            <a:ext cx="7357649" cy="1226939"/>
+          </a:xfrm>
+          <a:prstGeom prst="upArrow">
+            <a:avLst/>
+          </a:prstGeom>
+          <a:noFill/>
+        </p:spPr>
+        <p:txBody>
+          <a:bodyPr wrap="none" lIns="91440" tIns="45720" rIns="91440" bIns="45720">
+            <a:spAutoFit/>
+          </a:bodyPr>
+          <a:lstStyle/>
+          <a:p>
+            <a:pPr algn="ctr"/>
+            <a:r>
+              <a:rPr lang="en-US" sz="5400" b="1" cap="none" spc="0" dirty="0">
+                <a:ln w="12700">
+                  <a:solidFill>
+                    <a:srgbClr val="00FFFF"/>
+                  </a:solidFill>
+                  <a:prstDash val="solid"/>
+                </a:ln>
+                <a:solidFill>
+                  <a:schemeClr val="bg1"/>
+                </a:solidFill>
+                <a:effectLst>
+                  <a:outerShdw dist="38100" dir="2640000" algn="bl" rotWithShape="0">
+                    <a:schemeClr val="tx2">
+                      <a:lumMod val="75000"/>
+                    </a:schemeClr>
+                  </a:outerShdw>
+                </a:effectLst>
+              </a:rPr>
+              <a:t>HOME PAGE</a:t>
+            </a:r>
+          </a:p>
+        </p:txBody>
+      </p:sp>
+      <p:sp>
+        <p:nvSpPr>
+          <p:cNvPr id="10" name="Rectangle 9">
+            <a:extLst>
+              <a:ext uri="{FF2B5EF4-FFF2-40B4-BE49-F238E27FC236}">
+                <a16:creationId xmlns:a16="http://schemas.microsoft.com/office/drawing/2014/main" id="{49660EDA-F119-7636-958C-DA7D7170E003}"/>
+              </a:ext>
+            </a:extLst>
+          </p:cNvPr>
+          <p:cNvSpPr/>
+          <p:nvPr/>
+        </p:nvSpPr>
+        <p:spPr>
+          <a:xfrm>
+            <a:off x="6972307" y="756795"/>
+            <a:ext cx="4307269" cy="923330"/>
+          </a:xfrm>
+          <a:prstGeom prst="rect">
+            <a:avLst/>
+          </a:prstGeom>
+          <a:noFill/>
+          <a:ln>
+            <a:noFill/>
+          </a:ln>
+        </p:spPr>
+        <p:txBody>
+          <a:bodyPr wrap="none" lIns="91440" tIns="45720" rIns="91440" bIns="45720">
+            <a:spAutoFit/>
+          </a:bodyPr>
+          <a:lstStyle/>
+          <a:p>
+            <a:pPr algn="ctr"/>
+            <a:r>
+              <a:rPr lang="en-US" sz="5400" b="1" cap="none" spc="0" dirty="0">
+                <a:ln w="12700">
+                  <a:solidFill>
+                    <a:srgbClr val="00FFFF"/>
+                  </a:solidFill>
+                  <a:prstDash val="solid"/>
+                </a:ln>
+                <a:solidFill>
+                  <a:schemeClr val="bg1"/>
+                </a:solidFill>
+                <a:effectLst>
+                  <a:outerShdw dist="38100" dir="2640000" algn="bl" rotWithShape="0">
+                    <a:schemeClr val="tx2">
+                      <a:lumMod val="75000"/>
+                    </a:schemeClr>
+                  </a:outerShdw>
+                </a:effectLst>
+              </a:rPr>
+              <a:t>LOGOUT PAGE</a:t>
+            </a:r>
+          </a:p>
+        </p:txBody>
+      </p:sp>
+      <p:sp>
+        <p:nvSpPr>
+          <p:cNvPr id="11" name="Arrow: Up 10">
+            <a:extLst>
+              <a:ext uri="{FF2B5EF4-FFF2-40B4-BE49-F238E27FC236}">
+                <a16:creationId xmlns:a16="http://schemas.microsoft.com/office/drawing/2014/main" id="{F73F176C-8436-BB74-20BC-B3A798760DD5}"/>
+              </a:ext>
+            </a:extLst>
+          </p:cNvPr>
+          <p:cNvSpPr/>
+          <p:nvPr/>
+        </p:nvSpPr>
+        <p:spPr>
+          <a:xfrm>
+            <a:off x="2897505" y="4024093"/>
+            <a:ext cx="497150" cy="816745"/>
+          </a:xfrm>
+          <a:prstGeom prst="upArrow">
+            <a:avLst/>
+          </a:prstGeom>
+          <a:solidFill>
+            <a:srgbClr val="00FFFF"/>
+          </a:solidFill>
+        </p:spPr>
+        <p:style>
+          <a:lnRef idx="2">
+            <a:schemeClr val="accent1">
+              <a:shade val="50000"/>
+            </a:schemeClr>
+          </a:lnRef>
+          <a:fillRef idx="1">
+            <a:schemeClr val="accent1"/>
+          </a:fillRef>
+          <a:effectRef idx="0">
+            <a:schemeClr val="accent1"/>
+          </a:effectRef>
+          <a:fontRef idx="minor">
+            <a:schemeClr val="lt1"/>
+          </a:fontRef>
+        </p:style>
+        <p:txBody>
+          <a:bodyPr rtlCol="0" anchor="ctr"/>
+          <a:lstStyle/>
+          <a:p>
+            <a:pPr algn="ctr"/>
+            <a:endParaRPr lang="en-US">
+              <a:solidFill>
+                <a:srgbClr val="00FFFF"/>
+              </a:solidFill>
+            </a:endParaRPr>
+          </a:p>
+        </p:txBody>
+      </p:sp>
+      <p:sp>
+        <p:nvSpPr>
+          <p:cNvPr id="12" name="Arrow: Down 11">
+            <a:extLst>
+              <a:ext uri="{FF2B5EF4-FFF2-40B4-BE49-F238E27FC236}">
+                <a16:creationId xmlns:a16="http://schemas.microsoft.com/office/drawing/2014/main" id="{1218520D-6165-D54F-303D-92A4478D2057}"/>
+              </a:ext>
+            </a:extLst>
+          </p:cNvPr>
+          <p:cNvSpPr/>
+          <p:nvPr/>
+        </p:nvSpPr>
+        <p:spPr>
+          <a:xfrm>
+            <a:off x="8975324" y="1784411"/>
+            <a:ext cx="497150" cy="819043"/>
+          </a:xfrm>
+          <a:prstGeom prst="downArrow">
+            <a:avLst/>
+          </a:prstGeom>
+          <a:solidFill>
+            <a:srgbClr val="00FFFF"/>
+          </a:solidFill>
+        </p:spPr>
+        <p:style>
+          <a:lnRef idx="2">
+            <a:schemeClr val="accent1">
+              <a:shade val="50000"/>
+            </a:schemeClr>
+          </a:lnRef>
+          <a:fillRef idx="1">
+            <a:schemeClr val="accent1"/>
+          </a:fillRef>
+          <a:effectRef idx="0">
+            <a:schemeClr val="accent1"/>
+          </a:effectRef>
+          <a:fontRef idx="minor">
+            <a:schemeClr val="lt1"/>
+          </a:fontRef>
+        </p:style>
+        <p:txBody>
+          <a:bodyPr rtlCol="0" anchor="ctr"/>
+          <a:lstStyle/>
+          <a:p>
+            <a:pPr algn="ctr"/>
+            <a:endParaRPr lang="en-US"/>
+          </a:p>
+        </p:txBody>
+      </p:sp>
+    </p:spTree>
+    <p:extLst>
+      <p:ext uri="{BB962C8B-B14F-4D97-AF65-F5344CB8AC3E}">
+        <p14:creationId xmlns:p14="http://schemas.microsoft.com/office/powerpoint/2010/main" val="1817181054"/>
       </p:ext>
     </p:extLst>
   </p:cSld>

--- a/P2 PowerPoint.pptx
+++ b/P2 PowerPoint.pptx
@@ -8,6 +8,11 @@
     <p:sldId id="256" r:id="rId2"/>
     <p:sldId id="257" r:id="rId3"/>
     <p:sldId id="258" r:id="rId4"/>
+    <p:sldId id="259" r:id="rId5"/>
+    <p:sldId id="260" r:id="rId6"/>
+    <p:sldId id="262" r:id="rId7"/>
+    <p:sldId id="263" r:id="rId8"/>
+    <p:sldId id="264" r:id="rId9"/>
   </p:sldIdLst>
   <p:sldSz cx="12192000" cy="6858000"/>
   <p:notesSz cx="6858000" cy="9144000"/>
@@ -117,7 +122,7 @@
 <file path=ppt/revisionInfo.xml><?xml version="1.0" encoding="utf-8"?>
 <p1510:revInfo xmlns:a="http://schemas.openxmlformats.org/drawingml/2006/main" xmlns:r="http://schemas.openxmlformats.org/officeDocument/2006/relationships" xmlns:p1510="http://schemas.microsoft.com/office/powerpoint/2015/10/main">
   <p1510:revLst>
-    <p1510:client id="{FD39E004-01D4-4DB1-8D7A-115DEF0BBE95}" v="18" dt="2022-05-20T18:59:19.928"/>
+    <p1510:client id="{FD39E004-01D4-4DB1-8D7A-115DEF0BBE95}" v="36" dt="2022-05-23T12:01:48.282"/>
   </p1510:revLst>
 </p1510:revInfo>
 </file>
@@ -126,8 +131,8 @@
 <pc:chgInfo xmlns:a="http://schemas.openxmlformats.org/drawingml/2006/main" xmlns:r="http://schemas.openxmlformats.org/officeDocument/2006/relationships" xmlns:ac="http://schemas.microsoft.com/office/drawing/2013/main/command" xmlns:pc="http://schemas.microsoft.com/office/powerpoint/2013/main/command">
   <pc:docChgLst>
     <pc:chgData name="Samantha Jones" userId="ef0d50ecfde7a168" providerId="LiveId" clId="{FD39E004-01D4-4DB1-8D7A-115DEF0BBE95}"/>
-    <pc:docChg chg="undo custSel addSld modSld">
-      <pc:chgData name="Samantha Jones" userId="ef0d50ecfde7a168" providerId="LiveId" clId="{FD39E004-01D4-4DB1-8D7A-115DEF0BBE95}" dt="2022-05-20T19:04:23.786" v="538" actId="14100"/>
+    <pc:docChg chg="undo custSel addSld delSld modSld">
+      <pc:chgData name="Samantha Jones" userId="ef0d50ecfde7a168" providerId="LiveId" clId="{FD39E004-01D4-4DB1-8D7A-115DEF0BBE95}" dt="2022-05-23T12:01:55.578" v="1129" actId="2696"/>
       <pc:docMkLst>
         <pc:docMk/>
       </pc:docMkLst>
@@ -600,9 +605,5422 @@
           </ac:picMkLst>
         </pc:picChg>
       </pc:sldChg>
+      <pc:sldChg chg="addSp delSp modSp new mod setBg">
+        <pc:chgData name="Samantha Jones" userId="ef0d50ecfde7a168" providerId="LiveId" clId="{FD39E004-01D4-4DB1-8D7A-115DEF0BBE95}" dt="2022-05-23T12:01:02.979" v="1123" actId="20577"/>
+        <pc:sldMkLst>
+          <pc:docMk/>
+          <pc:sldMk cId="1014499566" sldId="259"/>
+        </pc:sldMkLst>
+        <pc:spChg chg="mod">
+          <ac:chgData name="Samantha Jones" userId="ef0d50ecfde7a168" providerId="LiveId" clId="{FD39E004-01D4-4DB1-8D7A-115DEF0BBE95}" dt="2022-05-23T12:00:40.701" v="1108" actId="26606"/>
+          <ac:spMkLst>
+            <pc:docMk/>
+            <pc:sldMk cId="1014499566" sldId="259"/>
+            <ac:spMk id="2" creationId="{6E2F7399-C8D4-D949-7BA5-B44E62082C49}"/>
+          </ac:spMkLst>
+        </pc:spChg>
+        <pc:spChg chg="del mod">
+          <ac:chgData name="Samantha Jones" userId="ef0d50ecfde7a168" providerId="LiveId" clId="{FD39E004-01D4-4DB1-8D7A-115DEF0BBE95}" dt="2022-05-23T12:00:40.712" v="1109" actId="26606"/>
+          <ac:spMkLst>
+            <pc:docMk/>
+            <pc:sldMk cId="1014499566" sldId="259"/>
+            <ac:spMk id="3" creationId="{4C70A395-A65D-027B-DAB2-E4D11372E490}"/>
+          </ac:spMkLst>
+        </pc:spChg>
+        <pc:graphicFrameChg chg="add mod">
+          <ac:chgData name="Samantha Jones" userId="ef0d50ecfde7a168" providerId="LiveId" clId="{FD39E004-01D4-4DB1-8D7A-115DEF0BBE95}" dt="2022-05-23T12:01:02.979" v="1123" actId="20577"/>
+          <ac:graphicFrameMkLst>
+            <pc:docMk/>
+            <pc:sldMk cId="1014499566" sldId="259"/>
+            <ac:graphicFrameMk id="11" creationId="{35054625-0AA5-D195-F570-FDCA8B503929}"/>
+          </ac:graphicFrameMkLst>
+        </pc:graphicFrameChg>
+        <pc:picChg chg="add del">
+          <ac:chgData name="Samantha Jones" userId="ef0d50ecfde7a168" providerId="LiveId" clId="{FD39E004-01D4-4DB1-8D7A-115DEF0BBE95}" dt="2022-05-23T12:00:40.701" v="1108" actId="26606"/>
+          <ac:picMkLst>
+            <pc:docMk/>
+            <pc:sldMk cId="1014499566" sldId="259"/>
+            <ac:picMk id="5" creationId="{819AC00C-3C26-90DF-EB0B-4703DC83D66A}"/>
+          </ac:picMkLst>
+        </pc:picChg>
+        <pc:cxnChg chg="add del">
+          <ac:chgData name="Samantha Jones" userId="ef0d50ecfde7a168" providerId="LiveId" clId="{FD39E004-01D4-4DB1-8D7A-115DEF0BBE95}" dt="2022-05-23T12:00:40.701" v="1108" actId="26606"/>
+          <ac:cxnSpMkLst>
+            <pc:docMk/>
+            <pc:sldMk cId="1014499566" sldId="259"/>
+            <ac:cxnSpMk id="9" creationId="{A7F400EE-A8A5-48AF-B4D6-291B52C6F0B0}"/>
+          </ac:cxnSpMkLst>
+        </pc:cxnChg>
+      </pc:sldChg>
+      <pc:sldChg chg="addSp delSp modSp new mod">
+        <pc:chgData name="Samantha Jones" userId="ef0d50ecfde7a168" providerId="LiveId" clId="{FD39E004-01D4-4DB1-8D7A-115DEF0BBE95}" dt="2022-05-23T12:01:48.281" v="1128" actId="1076"/>
+        <pc:sldMkLst>
+          <pc:docMk/>
+          <pc:sldMk cId="1417870166" sldId="260"/>
+        </pc:sldMkLst>
+        <pc:spChg chg="del">
+          <ac:chgData name="Samantha Jones" userId="ef0d50ecfde7a168" providerId="LiveId" clId="{FD39E004-01D4-4DB1-8D7A-115DEF0BBE95}" dt="2022-05-23T11:24:38.396" v="572" actId="478"/>
+          <ac:spMkLst>
+            <pc:docMk/>
+            <pc:sldMk cId="1417870166" sldId="260"/>
+            <ac:spMk id="2" creationId="{A103DB38-340E-9C92-B87D-8394DE2991F6}"/>
+          </ac:spMkLst>
+        </pc:spChg>
+        <pc:spChg chg="mod">
+          <ac:chgData name="Samantha Jones" userId="ef0d50ecfde7a168" providerId="LiveId" clId="{FD39E004-01D4-4DB1-8D7A-115DEF0BBE95}" dt="2022-05-23T12:01:36.789" v="1126" actId="1076"/>
+          <ac:spMkLst>
+            <pc:docMk/>
+            <pc:sldMk cId="1417870166" sldId="260"/>
+            <ac:spMk id="3" creationId="{DE0E3D90-8BF7-A563-CD7C-121009B899CC}"/>
+          </ac:spMkLst>
+        </pc:spChg>
+        <pc:picChg chg="add mod">
+          <ac:chgData name="Samantha Jones" userId="ef0d50ecfde7a168" providerId="LiveId" clId="{FD39E004-01D4-4DB1-8D7A-115DEF0BBE95}" dt="2022-05-23T12:01:48.281" v="1128" actId="1076"/>
+          <ac:picMkLst>
+            <pc:docMk/>
+            <pc:sldMk cId="1417870166" sldId="260"/>
+            <ac:picMk id="2050" creationId="{A18D523D-1A95-D74F-1BDA-820F0E7D70C9}"/>
+          </ac:picMkLst>
+        </pc:picChg>
+      </pc:sldChg>
+      <pc:sldChg chg="addSp delSp modSp new del mod">
+        <pc:chgData name="Samantha Jones" userId="ef0d50ecfde7a168" providerId="LiveId" clId="{FD39E004-01D4-4DB1-8D7A-115DEF0BBE95}" dt="2022-05-23T12:01:55.578" v="1129" actId="2696"/>
+        <pc:sldMkLst>
+          <pc:docMk/>
+          <pc:sldMk cId="628072712" sldId="261"/>
+        </pc:sldMkLst>
+        <pc:spChg chg="del">
+          <ac:chgData name="Samantha Jones" userId="ef0d50ecfde7a168" providerId="LiveId" clId="{FD39E004-01D4-4DB1-8D7A-115DEF0BBE95}" dt="2022-05-23T12:01:27.979" v="1125" actId="478"/>
+          <ac:spMkLst>
+            <pc:docMk/>
+            <pc:sldMk cId="628072712" sldId="261"/>
+            <ac:spMk id="2" creationId="{FF8DCBDC-254D-42A3-D922-FCAD8A6F442B}"/>
+          </ac:spMkLst>
+        </pc:spChg>
+        <pc:spChg chg="del">
+          <ac:chgData name="Samantha Jones" userId="ef0d50ecfde7a168" providerId="LiveId" clId="{FD39E004-01D4-4DB1-8D7A-115DEF0BBE95}" dt="2022-05-23T12:01:25.387" v="1124"/>
+          <ac:spMkLst>
+            <pc:docMk/>
+            <pc:sldMk cId="628072712" sldId="261"/>
+            <ac:spMk id="3" creationId="{D387659C-E920-C425-5BBE-0EF2D71ABC3F}"/>
+          </ac:spMkLst>
+        </pc:spChg>
+        <pc:picChg chg="add mod">
+          <ac:chgData name="Samantha Jones" userId="ef0d50ecfde7a168" providerId="LiveId" clId="{FD39E004-01D4-4DB1-8D7A-115DEF0BBE95}" dt="2022-05-23T12:01:25.387" v="1124"/>
+          <ac:picMkLst>
+            <pc:docMk/>
+            <pc:sldMk cId="628072712" sldId="261"/>
+            <ac:picMk id="1026" creationId="{49B5D765-EA4F-DA42-A7CF-2DD81D03A3EE}"/>
+          </ac:picMkLst>
+        </pc:picChg>
+      </pc:sldChg>
+      <pc:sldChg chg="delSp modSp new del mod">
+        <pc:chgData name="Samantha Jones" userId="ef0d50ecfde7a168" providerId="LiveId" clId="{FD39E004-01D4-4DB1-8D7A-115DEF0BBE95}" dt="2022-05-23T11:30:59.131" v="610" actId="2696"/>
+        <pc:sldMkLst>
+          <pc:docMk/>
+          <pc:sldMk cId="334259717" sldId="262"/>
+        </pc:sldMkLst>
+        <pc:spChg chg="mod">
+          <ac:chgData name="Samantha Jones" userId="ef0d50ecfde7a168" providerId="LiveId" clId="{FD39E004-01D4-4DB1-8D7A-115DEF0BBE95}" dt="2022-05-23T11:27:05.673" v="608" actId="255"/>
+          <ac:spMkLst>
+            <pc:docMk/>
+            <pc:sldMk cId="334259717" sldId="262"/>
+            <ac:spMk id="2" creationId="{69D5112B-E0C9-45B5-F62D-A6403E22FD74}"/>
+          </ac:spMkLst>
+        </pc:spChg>
+        <pc:spChg chg="del">
+          <ac:chgData name="Samantha Jones" userId="ef0d50ecfde7a168" providerId="LiveId" clId="{FD39E004-01D4-4DB1-8D7A-115DEF0BBE95}" dt="2022-05-23T11:28:44.435" v="609" actId="478"/>
+          <ac:spMkLst>
+            <pc:docMk/>
+            <pc:sldMk cId="334259717" sldId="262"/>
+            <ac:spMk id="3" creationId="{790406A8-0275-E397-DE03-779B4590BC8C}"/>
+          </ac:spMkLst>
+        </pc:spChg>
+      </pc:sldChg>
+      <pc:sldChg chg="addSp delSp modSp new mod setBg">
+        <pc:chgData name="Samantha Jones" userId="ef0d50ecfde7a168" providerId="LiveId" clId="{FD39E004-01D4-4DB1-8D7A-115DEF0BBE95}" dt="2022-05-23T11:34:56.553" v="1009" actId="27636"/>
+        <pc:sldMkLst>
+          <pc:docMk/>
+          <pc:sldMk cId="722501673" sldId="262"/>
+        </pc:sldMkLst>
+        <pc:spChg chg="mod">
+          <ac:chgData name="Samantha Jones" userId="ef0d50ecfde7a168" providerId="LiveId" clId="{FD39E004-01D4-4DB1-8D7A-115DEF0BBE95}" dt="2022-05-23T11:34:56.553" v="1009" actId="27636"/>
+          <ac:spMkLst>
+            <pc:docMk/>
+            <pc:sldMk cId="722501673" sldId="262"/>
+            <ac:spMk id="2" creationId="{8852AD87-62AD-E4B8-3ED8-C5F9CC1EBED6}"/>
+          </ac:spMkLst>
+        </pc:spChg>
+        <pc:spChg chg="add del mod">
+          <ac:chgData name="Samantha Jones" userId="ef0d50ecfde7a168" providerId="LiveId" clId="{FD39E004-01D4-4DB1-8D7A-115DEF0BBE95}" dt="2022-05-23T11:34:56.530" v="1008" actId="26606"/>
+          <ac:spMkLst>
+            <pc:docMk/>
+            <pc:sldMk cId="722501673" sldId="262"/>
+            <ac:spMk id="3" creationId="{CCD8E4DE-2BD7-DD9A-A83A-CAAF12D7F98C}"/>
+          </ac:spMkLst>
+        </pc:spChg>
+        <pc:spChg chg="add del">
+          <ac:chgData name="Samantha Jones" userId="ef0d50ecfde7a168" providerId="LiveId" clId="{FD39E004-01D4-4DB1-8D7A-115DEF0BBE95}" dt="2022-05-23T11:34:54.796" v="1005" actId="26606"/>
+          <ac:spMkLst>
+            <pc:docMk/>
+            <pc:sldMk cId="722501673" sldId="262"/>
+            <ac:spMk id="10" creationId="{CF62D2A7-8207-488C-9F46-316BA81A16C8}"/>
+          </ac:spMkLst>
+        </pc:spChg>
+        <pc:spChg chg="add">
+          <ac:chgData name="Samantha Jones" userId="ef0d50ecfde7a168" providerId="LiveId" clId="{FD39E004-01D4-4DB1-8D7A-115DEF0BBE95}" dt="2022-05-23T11:34:56.530" v="1008" actId="26606"/>
+          <ac:spMkLst>
+            <pc:docMk/>
+            <pc:sldMk cId="722501673" sldId="262"/>
+            <ac:spMk id="14" creationId="{CF62D2A7-8207-488C-9F46-316BA81A16C8}"/>
+          </ac:spMkLst>
+        </pc:spChg>
+        <pc:graphicFrameChg chg="add del">
+          <ac:chgData name="Samantha Jones" userId="ef0d50ecfde7a168" providerId="LiveId" clId="{FD39E004-01D4-4DB1-8D7A-115DEF0BBE95}" dt="2022-05-23T11:34:54.796" v="1005" actId="26606"/>
+          <ac:graphicFrameMkLst>
+            <pc:docMk/>
+            <pc:sldMk cId="722501673" sldId="262"/>
+            <ac:graphicFrameMk id="5" creationId="{E0FDFEEF-4E50-756A-EBDD-E5CFB97B7804}"/>
+          </ac:graphicFrameMkLst>
+        </pc:graphicFrameChg>
+        <pc:graphicFrameChg chg="add del">
+          <ac:chgData name="Samantha Jones" userId="ef0d50ecfde7a168" providerId="LiveId" clId="{FD39E004-01D4-4DB1-8D7A-115DEF0BBE95}" dt="2022-05-23T11:34:56.501" v="1007" actId="26606"/>
+          <ac:graphicFrameMkLst>
+            <pc:docMk/>
+            <pc:sldMk cId="722501673" sldId="262"/>
+            <ac:graphicFrameMk id="12" creationId="{20D37F31-5B6F-72A8-3D4D-DF23A6D681FB}"/>
+          </ac:graphicFrameMkLst>
+        </pc:graphicFrameChg>
+        <pc:graphicFrameChg chg="add">
+          <ac:chgData name="Samantha Jones" userId="ef0d50ecfde7a168" providerId="LiveId" clId="{FD39E004-01D4-4DB1-8D7A-115DEF0BBE95}" dt="2022-05-23T11:34:56.530" v="1008" actId="26606"/>
+          <ac:graphicFrameMkLst>
+            <pc:docMk/>
+            <pc:sldMk cId="722501673" sldId="262"/>
+            <ac:graphicFrameMk id="16" creationId="{E0FDFEEF-4E50-756A-EBDD-E5CFB97B7804}"/>
+          </ac:graphicFrameMkLst>
+        </pc:graphicFrameChg>
+        <pc:picChg chg="add del">
+          <ac:chgData name="Samantha Jones" userId="ef0d50ecfde7a168" providerId="LiveId" clId="{FD39E004-01D4-4DB1-8D7A-115DEF0BBE95}" dt="2022-05-23T11:34:54.796" v="1005" actId="26606"/>
+          <ac:picMkLst>
+            <pc:docMk/>
+            <pc:sldMk cId="722501673" sldId="262"/>
+            <ac:picMk id="6" creationId="{A53D8173-CBBE-74A3-51C2-650638388752}"/>
+          </ac:picMkLst>
+        </pc:picChg>
+        <pc:picChg chg="add">
+          <ac:chgData name="Samantha Jones" userId="ef0d50ecfde7a168" providerId="LiveId" clId="{FD39E004-01D4-4DB1-8D7A-115DEF0BBE95}" dt="2022-05-23T11:34:56.530" v="1008" actId="26606"/>
+          <ac:picMkLst>
+            <pc:docMk/>
+            <pc:sldMk cId="722501673" sldId="262"/>
+            <ac:picMk id="15" creationId="{A53D8173-CBBE-74A3-51C2-650638388752}"/>
+          </ac:picMkLst>
+        </pc:picChg>
+      </pc:sldChg>
+      <pc:sldChg chg="addSp delSp modSp new mod setBg setClrOvrMap">
+        <pc:chgData name="Samantha Jones" userId="ef0d50ecfde7a168" providerId="LiveId" clId="{FD39E004-01D4-4DB1-8D7A-115DEF0BBE95}" dt="2022-05-23T11:37:07.686" v="1034" actId="207"/>
+        <pc:sldMkLst>
+          <pc:docMk/>
+          <pc:sldMk cId="1264885474" sldId="263"/>
+        </pc:sldMkLst>
+        <pc:spChg chg="mod">
+          <ac:chgData name="Samantha Jones" userId="ef0d50ecfde7a168" providerId="LiveId" clId="{FD39E004-01D4-4DB1-8D7A-115DEF0BBE95}" dt="2022-05-23T11:37:07.686" v="1034" actId="207"/>
+          <ac:spMkLst>
+            <pc:docMk/>
+            <pc:sldMk cId="1264885474" sldId="263"/>
+            <ac:spMk id="2" creationId="{1CA1A256-B99A-E5FF-B782-BFC350AD8409}"/>
+          </ac:spMkLst>
+        </pc:spChg>
+        <pc:spChg chg="del mod">
+          <ac:chgData name="Samantha Jones" userId="ef0d50ecfde7a168" providerId="LiveId" clId="{FD39E004-01D4-4DB1-8D7A-115DEF0BBE95}" dt="2022-05-23T11:35:24.086" v="1012" actId="478"/>
+          <ac:spMkLst>
+            <pc:docMk/>
+            <pc:sldMk cId="1264885474" sldId="263"/>
+            <ac:spMk id="3" creationId="{16CBF6B2-C377-4FBE-FECF-D83851EEF1CB}"/>
+          </ac:spMkLst>
+        </pc:spChg>
+        <pc:spChg chg="add del">
+          <ac:chgData name="Samantha Jones" userId="ef0d50ecfde7a168" providerId="LiveId" clId="{FD39E004-01D4-4DB1-8D7A-115DEF0BBE95}" dt="2022-05-23T11:36:23.516" v="1029" actId="26606"/>
+          <ac:spMkLst>
+            <pc:docMk/>
+            <pc:sldMk cId="1264885474" sldId="263"/>
+            <ac:spMk id="7" creationId="{5FB946D7-1CA4-446E-8795-007CACFDEB88}"/>
+          </ac:spMkLst>
+        </pc:spChg>
+        <pc:spChg chg="add del">
+          <ac:chgData name="Samantha Jones" userId="ef0d50ecfde7a168" providerId="LiveId" clId="{FD39E004-01D4-4DB1-8D7A-115DEF0BBE95}" dt="2022-05-23T11:36:23.516" v="1029" actId="26606"/>
+          <ac:spMkLst>
+            <pc:docMk/>
+            <pc:sldMk cId="1264885474" sldId="263"/>
+            <ac:spMk id="9" creationId="{192416F2-BC84-4D7C-80C6-6296C10C3819}"/>
+          </ac:spMkLst>
+        </pc:spChg>
+        <pc:spChg chg="add del">
+          <ac:chgData name="Samantha Jones" userId="ef0d50ecfde7a168" providerId="LiveId" clId="{FD39E004-01D4-4DB1-8D7A-115DEF0BBE95}" dt="2022-05-23T11:36:54.342" v="1032" actId="26606"/>
+          <ac:spMkLst>
+            <pc:docMk/>
+            <pc:sldMk cId="1264885474" sldId="263"/>
+            <ac:spMk id="13" creationId="{7905BA41-EE6E-4F80-8636-447F22DD729A}"/>
+          </ac:spMkLst>
+        </pc:spChg>
+        <pc:spChg chg="add del">
+          <ac:chgData name="Samantha Jones" userId="ef0d50ecfde7a168" providerId="LiveId" clId="{FD39E004-01D4-4DB1-8D7A-115DEF0BBE95}" dt="2022-05-23T11:36:54.342" v="1032" actId="26606"/>
+          <ac:spMkLst>
+            <pc:docMk/>
+            <pc:sldMk cId="1264885474" sldId="263"/>
+            <ac:spMk id="14" creationId="{CD7549B2-EE05-4558-8C64-AC46755F2B25}"/>
+          </ac:spMkLst>
+        </pc:spChg>
+        <pc:spChg chg="add">
+          <ac:chgData name="Samantha Jones" userId="ef0d50ecfde7a168" providerId="LiveId" clId="{FD39E004-01D4-4DB1-8D7A-115DEF0BBE95}" dt="2022-05-23T11:36:54.342" v="1032" actId="26606"/>
+          <ac:spMkLst>
+            <pc:docMk/>
+            <pc:sldMk cId="1264885474" sldId="263"/>
+            <ac:spMk id="19" creationId="{ACBE1851-2230-47A9-B000-CE9046EA61B9}"/>
+          </ac:spMkLst>
+        </pc:spChg>
+        <pc:picChg chg="add mod">
+          <ac:chgData name="Samantha Jones" userId="ef0d50ecfde7a168" providerId="LiveId" clId="{FD39E004-01D4-4DB1-8D7A-115DEF0BBE95}" dt="2022-05-23T11:36:54.342" v="1032" actId="26606"/>
+          <ac:picMkLst>
+            <pc:docMk/>
+            <pc:sldMk cId="1264885474" sldId="263"/>
+            <ac:picMk id="6" creationId="{4553489A-E305-72D9-B260-22FE75184DE8}"/>
+          </ac:picMkLst>
+        </pc:picChg>
+        <pc:cxnChg chg="add del">
+          <ac:chgData name="Samantha Jones" userId="ef0d50ecfde7a168" providerId="LiveId" clId="{FD39E004-01D4-4DB1-8D7A-115DEF0BBE95}" dt="2022-05-23T11:36:23.516" v="1029" actId="26606"/>
+          <ac:cxnSpMkLst>
+            <pc:docMk/>
+            <pc:sldMk cId="1264885474" sldId="263"/>
+            <ac:cxnSpMk id="11" creationId="{2330623A-AB89-4E04-AC9A-2BAFBF85AE3A}"/>
+          </ac:cxnSpMkLst>
+        </pc:cxnChg>
+        <pc:cxnChg chg="add">
+          <ac:chgData name="Samantha Jones" userId="ef0d50ecfde7a168" providerId="LiveId" clId="{FD39E004-01D4-4DB1-8D7A-115DEF0BBE95}" dt="2022-05-23T11:36:54.342" v="1032" actId="26606"/>
+          <ac:cxnSpMkLst>
+            <pc:docMk/>
+            <pc:sldMk cId="1264885474" sldId="263"/>
+            <ac:cxnSpMk id="21" creationId="{23B93832-6514-44F4-849B-5EE2C8A2337D}"/>
+          </ac:cxnSpMkLst>
+        </pc:cxnChg>
+      </pc:sldChg>
+      <pc:sldChg chg="addSp delSp modSp new mod setBg">
+        <pc:chgData name="Samantha Jones" userId="ef0d50ecfde7a168" providerId="LiveId" clId="{FD39E004-01D4-4DB1-8D7A-115DEF0BBE95}" dt="2022-05-23T11:39:20.841" v="1055" actId="1076"/>
+        <pc:sldMkLst>
+          <pc:docMk/>
+          <pc:sldMk cId="2557919115" sldId="264"/>
+        </pc:sldMkLst>
+        <pc:spChg chg="mod">
+          <ac:chgData name="Samantha Jones" userId="ef0d50ecfde7a168" providerId="LiveId" clId="{FD39E004-01D4-4DB1-8D7A-115DEF0BBE95}" dt="2022-05-23T11:39:20.841" v="1055" actId="1076"/>
+          <ac:spMkLst>
+            <pc:docMk/>
+            <pc:sldMk cId="2557919115" sldId="264"/>
+            <ac:spMk id="2" creationId="{14067D4E-C4F3-2115-5BF4-C899B2CD663C}"/>
+          </ac:spMkLst>
+        </pc:spChg>
+        <pc:spChg chg="del mod">
+          <ac:chgData name="Samantha Jones" userId="ef0d50ecfde7a168" providerId="LiveId" clId="{FD39E004-01D4-4DB1-8D7A-115DEF0BBE95}" dt="2022-05-23T11:38:24.520" v="1047" actId="478"/>
+          <ac:spMkLst>
+            <pc:docMk/>
+            <pc:sldMk cId="2557919115" sldId="264"/>
+            <ac:spMk id="3" creationId="{75C55264-E863-0130-8B7A-830EFB2B0F1B}"/>
+          </ac:spMkLst>
+        </pc:spChg>
+        <pc:spChg chg="add">
+          <ac:chgData name="Samantha Jones" userId="ef0d50ecfde7a168" providerId="LiveId" clId="{FD39E004-01D4-4DB1-8D7A-115DEF0BBE95}" dt="2022-05-23T11:39:06.386" v="1052" actId="26606"/>
+          <ac:spMkLst>
+            <pc:docMk/>
+            <pc:sldMk cId="2557919115" sldId="264"/>
+            <ac:spMk id="9" creationId="{A3363022-C969-41E9-8EB2-E4C94908C1FA}"/>
+          </ac:spMkLst>
+        </pc:spChg>
+        <pc:spChg chg="add">
+          <ac:chgData name="Samantha Jones" userId="ef0d50ecfde7a168" providerId="LiveId" clId="{FD39E004-01D4-4DB1-8D7A-115DEF0BBE95}" dt="2022-05-23T11:39:06.386" v="1052" actId="26606"/>
+          <ac:spMkLst>
+            <pc:docMk/>
+            <pc:sldMk cId="2557919115" sldId="264"/>
+            <ac:spMk id="11" creationId="{8D1AD6B3-BE88-4CEB-BA17-790657CC4729}"/>
+          </ac:spMkLst>
+        </pc:spChg>
+        <pc:grpChg chg="add">
+          <ac:chgData name="Samantha Jones" userId="ef0d50ecfde7a168" providerId="LiveId" clId="{FD39E004-01D4-4DB1-8D7A-115DEF0BBE95}" dt="2022-05-23T11:39:06.386" v="1052" actId="26606"/>
+          <ac:grpSpMkLst>
+            <pc:docMk/>
+            <pc:sldMk cId="2557919115" sldId="264"/>
+            <ac:grpSpMk id="13" creationId="{89D1390B-7E13-4B4F-9CB2-391063412E54}"/>
+          </ac:grpSpMkLst>
+        </pc:grpChg>
+        <pc:picChg chg="add">
+          <ac:chgData name="Samantha Jones" userId="ef0d50ecfde7a168" providerId="LiveId" clId="{FD39E004-01D4-4DB1-8D7A-115DEF0BBE95}" dt="2022-05-23T11:39:06.386" v="1052" actId="26606"/>
+          <ac:picMkLst>
+            <pc:docMk/>
+            <pc:sldMk cId="2557919115" sldId="264"/>
+            <ac:picMk id="6" creationId="{FAA183A1-B9D3-DE4B-BDAA-674774363A84}"/>
+          </ac:picMkLst>
+        </pc:picChg>
+      </pc:sldChg>
     </pc:docChg>
   </pc:docChgLst>
 </pc:chgInfo>
+</file>
+
+<file path=ppt/diagrams/colors1.xml><?xml version="1.0" encoding="utf-8"?>
+<dgm:colorsDef xmlns:dgm="http://schemas.openxmlformats.org/drawingml/2006/diagram" xmlns:a="http://schemas.openxmlformats.org/drawingml/2006/main" uniqueId="urn:microsoft.com/office/officeart/2005/8/colors/accent1_2">
+  <dgm:title val=""/>
+  <dgm:desc val=""/>
+  <dgm:catLst>
+    <dgm:cat type="accent1" pri="11200"/>
+  </dgm:catLst>
+  <dgm:styleLbl name="node0">
+    <dgm:fillClrLst meth="repeat">
+      <a:schemeClr val="accent1"/>
+    </dgm:fillClrLst>
+    <dgm:linClrLst meth="repeat">
+      <a:schemeClr val="lt1"/>
+    </dgm:linClrLst>
+    <dgm:effectClrLst/>
+    <dgm:txLinClrLst/>
+    <dgm:txFillClrLst/>
+    <dgm:txEffectClrLst/>
+  </dgm:styleLbl>
+  <dgm:styleLbl name="alignNode1">
+    <dgm:fillClrLst meth="repeat">
+      <a:schemeClr val="accent1"/>
+    </dgm:fillClrLst>
+    <dgm:linClrLst meth="repeat">
+      <a:schemeClr val="accent1"/>
+    </dgm:linClrLst>
+    <dgm:effectClrLst/>
+    <dgm:txLinClrLst/>
+    <dgm:txFillClrLst/>
+    <dgm:txEffectClrLst/>
+  </dgm:styleLbl>
+  <dgm:styleLbl name="node1">
+    <dgm:fillClrLst meth="repeat">
+      <a:schemeClr val="accent1"/>
+    </dgm:fillClrLst>
+    <dgm:linClrLst meth="repeat">
+      <a:schemeClr val="lt1"/>
+    </dgm:linClrLst>
+    <dgm:effectClrLst/>
+    <dgm:txLinClrLst/>
+    <dgm:txFillClrLst/>
+    <dgm:txEffectClrLst/>
+  </dgm:styleLbl>
+  <dgm:styleLbl name="lnNode1">
+    <dgm:fillClrLst meth="repeat">
+      <a:schemeClr val="accent1"/>
+    </dgm:fillClrLst>
+    <dgm:linClrLst meth="repeat">
+      <a:schemeClr val="lt1"/>
+    </dgm:linClrLst>
+    <dgm:effectClrLst/>
+    <dgm:txLinClrLst/>
+    <dgm:txFillClrLst/>
+    <dgm:txEffectClrLst/>
+  </dgm:styleLbl>
+  <dgm:styleLbl name="vennNode1">
+    <dgm:fillClrLst meth="repeat">
+      <a:schemeClr val="accent1">
+        <a:alpha val="50000"/>
+      </a:schemeClr>
+    </dgm:fillClrLst>
+    <dgm:linClrLst meth="repeat">
+      <a:schemeClr val="lt1"/>
+    </dgm:linClrLst>
+    <dgm:effectClrLst/>
+    <dgm:txLinClrLst/>
+    <dgm:txFillClrLst/>
+    <dgm:txEffectClrLst/>
+  </dgm:styleLbl>
+  <dgm:styleLbl name="node2">
+    <dgm:fillClrLst meth="repeat">
+      <a:schemeClr val="accent1"/>
+    </dgm:fillClrLst>
+    <dgm:linClrLst meth="repeat">
+      <a:schemeClr val="lt1"/>
+    </dgm:linClrLst>
+    <dgm:effectClrLst/>
+    <dgm:txLinClrLst/>
+    <dgm:txFillClrLst/>
+    <dgm:txEffectClrLst/>
+  </dgm:styleLbl>
+  <dgm:styleLbl name="node3">
+    <dgm:fillClrLst meth="repeat">
+      <a:schemeClr val="accent1"/>
+    </dgm:fillClrLst>
+    <dgm:linClrLst meth="repeat">
+      <a:schemeClr val="lt1"/>
+    </dgm:linClrLst>
+    <dgm:effectClrLst/>
+    <dgm:txLinClrLst/>
+    <dgm:txFillClrLst/>
+    <dgm:txEffectClrLst/>
+  </dgm:styleLbl>
+  <dgm:styleLbl name="node4">
+    <dgm:fillClrLst meth="repeat">
+      <a:schemeClr val="accent1"/>
+    </dgm:fillClrLst>
+    <dgm:linClrLst meth="repeat">
+      <a:schemeClr val="lt1"/>
+    </dgm:linClrLst>
+    <dgm:effectClrLst/>
+    <dgm:txLinClrLst/>
+    <dgm:txFillClrLst/>
+    <dgm:txEffectClrLst/>
+  </dgm:styleLbl>
+  <dgm:styleLbl name="fgImgPlace1">
+    <dgm:fillClrLst meth="repeat">
+      <a:schemeClr val="accent1">
+        <a:tint val="50000"/>
+      </a:schemeClr>
+    </dgm:fillClrLst>
+    <dgm:linClrLst meth="repeat">
+      <a:schemeClr val="lt1"/>
+    </dgm:linClrLst>
+    <dgm:effectClrLst/>
+    <dgm:txLinClrLst/>
+    <dgm:txFillClrLst meth="repeat">
+      <a:schemeClr val="lt1"/>
+    </dgm:txFillClrLst>
+    <dgm:txEffectClrLst/>
+  </dgm:styleLbl>
+  <dgm:styleLbl name="alignImgPlace1">
+    <dgm:fillClrLst meth="repeat">
+      <a:schemeClr val="accent1">
+        <a:tint val="50000"/>
+      </a:schemeClr>
+    </dgm:fillClrLst>
+    <dgm:linClrLst meth="repeat">
+      <a:schemeClr val="lt1"/>
+    </dgm:linClrLst>
+    <dgm:effectClrLst/>
+    <dgm:txLinClrLst/>
+    <dgm:txFillClrLst meth="repeat">
+      <a:schemeClr val="lt1"/>
+    </dgm:txFillClrLst>
+    <dgm:txEffectClrLst/>
+  </dgm:styleLbl>
+  <dgm:styleLbl name="bgImgPlace1">
+    <dgm:fillClrLst meth="repeat">
+      <a:schemeClr val="accent1">
+        <a:tint val="50000"/>
+      </a:schemeClr>
+    </dgm:fillClrLst>
+    <dgm:linClrLst meth="repeat">
+      <a:schemeClr val="lt1"/>
+    </dgm:linClrLst>
+    <dgm:effectClrLst/>
+    <dgm:txLinClrLst/>
+    <dgm:txFillClrLst meth="repeat">
+      <a:schemeClr val="lt1"/>
+    </dgm:txFillClrLst>
+    <dgm:txEffectClrLst/>
+  </dgm:styleLbl>
+  <dgm:styleLbl name="sibTrans2D1">
+    <dgm:fillClrLst meth="repeat">
+      <a:schemeClr val="accent1">
+        <a:tint val="60000"/>
+      </a:schemeClr>
+    </dgm:fillClrLst>
+    <dgm:linClrLst meth="repeat">
+      <a:schemeClr val="accent1">
+        <a:tint val="60000"/>
+      </a:schemeClr>
+    </dgm:linClrLst>
+    <dgm:effectClrLst/>
+    <dgm:txLinClrLst/>
+    <dgm:txFillClrLst/>
+    <dgm:txEffectClrLst/>
+  </dgm:styleLbl>
+  <dgm:styleLbl name="fgSibTrans2D1">
+    <dgm:fillClrLst meth="repeat">
+      <a:schemeClr val="accent1">
+        <a:tint val="60000"/>
+      </a:schemeClr>
+    </dgm:fillClrLst>
+    <dgm:linClrLst meth="repeat">
+      <a:schemeClr val="accent1">
+        <a:tint val="60000"/>
+      </a:schemeClr>
+    </dgm:linClrLst>
+    <dgm:effectClrLst/>
+    <dgm:txLinClrLst/>
+    <dgm:txFillClrLst/>
+    <dgm:txEffectClrLst/>
+  </dgm:styleLbl>
+  <dgm:styleLbl name="bgSibTrans2D1">
+    <dgm:fillClrLst meth="repeat">
+      <a:schemeClr val="accent1">
+        <a:tint val="60000"/>
+      </a:schemeClr>
+    </dgm:fillClrLst>
+    <dgm:linClrLst meth="repeat">
+      <a:schemeClr val="accent1">
+        <a:tint val="60000"/>
+      </a:schemeClr>
+    </dgm:linClrLst>
+    <dgm:effectClrLst/>
+    <dgm:txLinClrLst/>
+    <dgm:txFillClrLst/>
+    <dgm:txEffectClrLst/>
+  </dgm:styleLbl>
+  <dgm:styleLbl name="sibTrans1D1">
+    <dgm:fillClrLst meth="repeat">
+      <a:schemeClr val="accent1"/>
+    </dgm:fillClrLst>
+    <dgm:linClrLst meth="repeat">
+      <a:schemeClr val="accent1"/>
+    </dgm:linClrLst>
+    <dgm:effectClrLst/>
+    <dgm:txLinClrLst/>
+    <dgm:txFillClrLst meth="repeat">
+      <a:schemeClr val="tx1"/>
+    </dgm:txFillClrLst>
+    <dgm:txEffectClrLst/>
+  </dgm:styleLbl>
+  <dgm:styleLbl name="callout">
+    <dgm:fillClrLst meth="repeat">
+      <a:schemeClr val="accent1"/>
+    </dgm:fillClrLst>
+    <dgm:linClrLst meth="repeat">
+      <a:schemeClr val="accent1">
+        <a:tint val="50000"/>
+      </a:schemeClr>
+    </dgm:linClrLst>
+    <dgm:effectClrLst/>
+    <dgm:txLinClrLst/>
+    <dgm:txFillClrLst meth="repeat">
+      <a:schemeClr val="tx1"/>
+    </dgm:txFillClrLst>
+    <dgm:txEffectClrLst/>
+  </dgm:styleLbl>
+  <dgm:styleLbl name="asst0">
+    <dgm:fillClrLst meth="repeat">
+      <a:schemeClr val="accent1"/>
+    </dgm:fillClrLst>
+    <dgm:linClrLst meth="repeat">
+      <a:schemeClr val="lt1"/>
+    </dgm:linClrLst>
+    <dgm:effectClrLst/>
+    <dgm:txLinClrLst/>
+    <dgm:txFillClrLst/>
+    <dgm:txEffectClrLst/>
+  </dgm:styleLbl>
+  <dgm:styleLbl name="asst1">
+    <dgm:fillClrLst meth="repeat">
+      <a:schemeClr val="accent1"/>
+    </dgm:fillClrLst>
+    <dgm:linClrLst meth="repeat">
+      <a:schemeClr val="lt1"/>
+    </dgm:linClrLst>
+    <dgm:effectClrLst/>
+    <dgm:txLinClrLst/>
+    <dgm:txFillClrLst/>
+    <dgm:txEffectClrLst/>
+  </dgm:styleLbl>
+  <dgm:styleLbl name="asst2">
+    <dgm:fillClrLst meth="repeat">
+      <a:schemeClr val="accent1"/>
+    </dgm:fillClrLst>
+    <dgm:linClrLst meth="repeat">
+      <a:schemeClr val="lt1"/>
+    </dgm:linClrLst>
+    <dgm:effectClrLst/>
+    <dgm:txLinClrLst/>
+    <dgm:txFillClrLst/>
+    <dgm:txEffectClrLst/>
+  </dgm:styleLbl>
+  <dgm:styleLbl name="asst3">
+    <dgm:fillClrLst meth="repeat">
+      <a:schemeClr val="accent1"/>
+    </dgm:fillClrLst>
+    <dgm:linClrLst meth="repeat">
+      <a:schemeClr val="lt1"/>
+    </dgm:linClrLst>
+    <dgm:effectClrLst/>
+    <dgm:txLinClrLst/>
+    <dgm:txFillClrLst/>
+    <dgm:txEffectClrLst/>
+  </dgm:styleLbl>
+  <dgm:styleLbl name="asst4">
+    <dgm:fillClrLst meth="repeat">
+      <a:schemeClr val="accent1"/>
+    </dgm:fillClrLst>
+    <dgm:linClrLst meth="repeat">
+      <a:schemeClr val="lt1"/>
+    </dgm:linClrLst>
+    <dgm:effectClrLst/>
+    <dgm:txLinClrLst/>
+    <dgm:txFillClrLst/>
+    <dgm:txEffectClrLst/>
+  </dgm:styleLbl>
+  <dgm:styleLbl name="parChTrans2D1">
+    <dgm:fillClrLst meth="repeat">
+      <a:schemeClr val="accent1">
+        <a:tint val="60000"/>
+      </a:schemeClr>
+    </dgm:fillClrLst>
+    <dgm:linClrLst meth="repeat">
+      <a:schemeClr val="accent1">
+        <a:tint val="60000"/>
+      </a:schemeClr>
+    </dgm:linClrLst>
+    <dgm:effectClrLst/>
+    <dgm:txLinClrLst/>
+    <dgm:txFillClrLst meth="repeat">
+      <a:schemeClr val="lt1"/>
+    </dgm:txFillClrLst>
+    <dgm:txEffectClrLst/>
+  </dgm:styleLbl>
+  <dgm:styleLbl name="parChTrans2D2">
+    <dgm:fillClrLst meth="repeat">
+      <a:schemeClr val="accent1"/>
+    </dgm:fillClrLst>
+    <dgm:linClrLst meth="repeat">
+      <a:schemeClr val="accent1"/>
+    </dgm:linClrLst>
+    <dgm:effectClrLst/>
+    <dgm:txLinClrLst/>
+    <dgm:txFillClrLst meth="repeat">
+      <a:schemeClr val="lt1"/>
+    </dgm:txFillClrLst>
+    <dgm:txEffectClrLst/>
+  </dgm:styleLbl>
+  <dgm:styleLbl name="parChTrans2D3">
+    <dgm:fillClrLst meth="repeat">
+      <a:schemeClr val="accent1"/>
+    </dgm:fillClrLst>
+    <dgm:linClrLst meth="repeat">
+      <a:schemeClr val="accent1"/>
+    </dgm:linClrLst>
+    <dgm:effectClrLst/>
+    <dgm:txLinClrLst/>
+    <dgm:txFillClrLst meth="repeat">
+      <a:schemeClr val="lt1"/>
+    </dgm:txFillClrLst>
+    <dgm:txEffectClrLst/>
+  </dgm:styleLbl>
+  <dgm:styleLbl name="parChTrans2D4">
+    <dgm:fillClrLst meth="repeat">
+      <a:schemeClr val="accent1"/>
+    </dgm:fillClrLst>
+    <dgm:linClrLst meth="repeat">
+      <a:schemeClr val="accent1"/>
+    </dgm:linClrLst>
+    <dgm:effectClrLst/>
+    <dgm:txLinClrLst/>
+    <dgm:txFillClrLst meth="repeat">
+      <a:schemeClr val="lt1"/>
+    </dgm:txFillClrLst>
+    <dgm:txEffectClrLst/>
+  </dgm:styleLbl>
+  <dgm:styleLbl name="parChTrans1D1">
+    <dgm:fillClrLst meth="repeat">
+      <a:schemeClr val="accent1"/>
+    </dgm:fillClrLst>
+    <dgm:linClrLst meth="repeat">
+      <a:schemeClr val="accent1">
+        <a:shade val="60000"/>
+      </a:schemeClr>
+    </dgm:linClrLst>
+    <dgm:effectClrLst/>
+    <dgm:txLinClrLst/>
+    <dgm:txFillClrLst meth="repeat">
+      <a:schemeClr val="tx1"/>
+    </dgm:txFillClrLst>
+    <dgm:txEffectClrLst/>
+  </dgm:styleLbl>
+  <dgm:styleLbl name="parChTrans1D2">
+    <dgm:fillClrLst meth="repeat">
+      <a:schemeClr val="accent1"/>
+    </dgm:fillClrLst>
+    <dgm:linClrLst meth="repeat">
+      <a:schemeClr val="accent1">
+        <a:shade val="60000"/>
+      </a:schemeClr>
+    </dgm:linClrLst>
+    <dgm:effectClrLst/>
+    <dgm:txLinClrLst/>
+    <dgm:txFillClrLst meth="repeat">
+      <a:schemeClr val="tx1"/>
+    </dgm:txFillClrLst>
+    <dgm:txEffectClrLst/>
+  </dgm:styleLbl>
+  <dgm:styleLbl name="parChTrans1D3">
+    <dgm:fillClrLst meth="repeat">
+      <a:schemeClr val="accent1"/>
+    </dgm:fillClrLst>
+    <dgm:linClrLst meth="repeat">
+      <a:schemeClr val="accent1">
+        <a:shade val="80000"/>
+      </a:schemeClr>
+    </dgm:linClrLst>
+    <dgm:effectClrLst/>
+    <dgm:txLinClrLst/>
+    <dgm:txFillClrLst meth="repeat">
+      <a:schemeClr val="tx1"/>
+    </dgm:txFillClrLst>
+    <dgm:txEffectClrLst/>
+  </dgm:styleLbl>
+  <dgm:styleLbl name="parChTrans1D4">
+    <dgm:fillClrLst meth="repeat">
+      <a:schemeClr val="accent1"/>
+    </dgm:fillClrLst>
+    <dgm:linClrLst meth="repeat">
+      <a:schemeClr val="accent1">
+        <a:shade val="80000"/>
+      </a:schemeClr>
+    </dgm:linClrLst>
+    <dgm:effectClrLst/>
+    <dgm:txLinClrLst/>
+    <dgm:txFillClrLst meth="repeat">
+      <a:schemeClr val="tx1"/>
+    </dgm:txFillClrLst>
+    <dgm:txEffectClrLst/>
+  </dgm:styleLbl>
+  <dgm:styleLbl name="fgAcc1">
+    <dgm:fillClrLst meth="repeat">
+      <a:schemeClr val="lt1">
+        <a:alpha val="90000"/>
+      </a:schemeClr>
+    </dgm:fillClrLst>
+    <dgm:linClrLst meth="repeat">
+      <a:schemeClr val="accent1"/>
+    </dgm:linClrLst>
+    <dgm:effectClrLst/>
+    <dgm:txLinClrLst/>
+    <dgm:txFillClrLst meth="repeat">
+      <a:schemeClr val="dk1"/>
+    </dgm:txFillClrLst>
+    <dgm:txEffectClrLst/>
+  </dgm:styleLbl>
+  <dgm:styleLbl name="conFgAcc1">
+    <dgm:fillClrLst meth="repeat">
+      <a:schemeClr val="lt1">
+        <a:alpha val="90000"/>
+      </a:schemeClr>
+    </dgm:fillClrLst>
+    <dgm:linClrLst meth="repeat">
+      <a:schemeClr val="accent1"/>
+    </dgm:linClrLst>
+    <dgm:effectClrLst/>
+    <dgm:txLinClrLst/>
+    <dgm:txFillClrLst meth="repeat">
+      <a:schemeClr val="dk1"/>
+    </dgm:txFillClrLst>
+    <dgm:txEffectClrLst/>
+  </dgm:styleLbl>
+  <dgm:styleLbl name="alignAcc1">
+    <dgm:fillClrLst meth="repeat">
+      <a:schemeClr val="lt1">
+        <a:alpha val="90000"/>
+      </a:schemeClr>
+    </dgm:fillClrLst>
+    <dgm:linClrLst meth="repeat">
+      <a:schemeClr val="accent1"/>
+    </dgm:linClrLst>
+    <dgm:effectClrLst/>
+    <dgm:txLinClrLst/>
+    <dgm:txFillClrLst meth="repeat">
+      <a:schemeClr val="dk1"/>
+    </dgm:txFillClrLst>
+    <dgm:txEffectClrLst/>
+  </dgm:styleLbl>
+  <dgm:styleLbl name="trAlignAcc1">
+    <dgm:fillClrLst meth="repeat">
+      <a:schemeClr val="lt1">
+        <a:alpha val="40000"/>
+      </a:schemeClr>
+    </dgm:fillClrLst>
+    <dgm:linClrLst meth="repeat">
+      <a:schemeClr val="accent1"/>
+    </dgm:linClrLst>
+    <dgm:effectClrLst/>
+    <dgm:txLinClrLst/>
+    <dgm:txFillClrLst meth="repeat">
+      <a:schemeClr val="dk1"/>
+    </dgm:txFillClrLst>
+    <dgm:txEffectClrLst/>
+  </dgm:styleLbl>
+  <dgm:styleLbl name="bgAcc1">
+    <dgm:fillClrLst meth="repeat">
+      <a:schemeClr val="lt1">
+        <a:alpha val="90000"/>
+      </a:schemeClr>
+    </dgm:fillClrLst>
+    <dgm:linClrLst meth="repeat">
+      <a:schemeClr val="accent1"/>
+    </dgm:linClrLst>
+    <dgm:effectClrLst/>
+    <dgm:txLinClrLst/>
+    <dgm:txFillClrLst meth="repeat">
+      <a:schemeClr val="dk1"/>
+    </dgm:txFillClrLst>
+    <dgm:txEffectClrLst/>
+  </dgm:styleLbl>
+  <dgm:styleLbl name="solidFgAcc1">
+    <dgm:fillClrLst meth="repeat">
+      <a:schemeClr val="lt1"/>
+    </dgm:fillClrLst>
+    <dgm:linClrLst meth="repeat">
+      <a:schemeClr val="accent1"/>
+    </dgm:linClrLst>
+    <dgm:effectClrLst/>
+    <dgm:txLinClrLst/>
+    <dgm:txFillClrLst meth="repeat">
+      <a:schemeClr val="dk1"/>
+    </dgm:txFillClrLst>
+    <dgm:txEffectClrLst/>
+  </dgm:styleLbl>
+  <dgm:styleLbl name="solidAlignAcc1">
+    <dgm:fillClrLst meth="repeat">
+      <a:schemeClr val="lt1"/>
+    </dgm:fillClrLst>
+    <dgm:linClrLst meth="repeat">
+      <a:schemeClr val="accent1"/>
+    </dgm:linClrLst>
+    <dgm:effectClrLst/>
+    <dgm:txLinClrLst/>
+    <dgm:txFillClrLst meth="repeat">
+      <a:schemeClr val="dk1"/>
+    </dgm:txFillClrLst>
+    <dgm:txEffectClrLst/>
+  </dgm:styleLbl>
+  <dgm:styleLbl name="solidBgAcc1">
+    <dgm:fillClrLst meth="repeat">
+      <a:schemeClr val="lt1"/>
+    </dgm:fillClrLst>
+    <dgm:linClrLst meth="repeat">
+      <a:schemeClr val="accent1"/>
+    </dgm:linClrLst>
+    <dgm:effectClrLst/>
+    <dgm:txLinClrLst/>
+    <dgm:txFillClrLst meth="repeat">
+      <a:schemeClr val="dk1"/>
+    </dgm:txFillClrLst>
+    <dgm:txEffectClrLst/>
+  </dgm:styleLbl>
+  <dgm:styleLbl name="fgAccFollowNode1">
+    <dgm:fillClrLst meth="repeat">
+      <a:schemeClr val="accent1">
+        <a:alpha val="90000"/>
+        <a:tint val="40000"/>
+      </a:schemeClr>
+    </dgm:fillClrLst>
+    <dgm:linClrLst meth="repeat">
+      <a:schemeClr val="accent1">
+        <a:alpha val="90000"/>
+        <a:tint val="40000"/>
+      </a:schemeClr>
+    </dgm:linClrLst>
+    <dgm:effectClrLst/>
+    <dgm:txLinClrLst/>
+    <dgm:txFillClrLst meth="repeat">
+      <a:schemeClr val="dk1"/>
+    </dgm:txFillClrLst>
+    <dgm:txEffectClrLst/>
+  </dgm:styleLbl>
+  <dgm:styleLbl name="alignAccFollowNode1">
+    <dgm:fillClrLst meth="repeat">
+      <a:schemeClr val="accent1">
+        <a:alpha val="90000"/>
+        <a:tint val="40000"/>
+      </a:schemeClr>
+    </dgm:fillClrLst>
+    <dgm:linClrLst meth="repeat">
+      <a:schemeClr val="accent1">
+        <a:alpha val="90000"/>
+        <a:tint val="40000"/>
+      </a:schemeClr>
+    </dgm:linClrLst>
+    <dgm:effectClrLst/>
+    <dgm:txLinClrLst/>
+    <dgm:txFillClrLst meth="repeat">
+      <a:schemeClr val="dk1"/>
+    </dgm:txFillClrLst>
+    <dgm:txEffectClrLst/>
+  </dgm:styleLbl>
+  <dgm:styleLbl name="bgAccFollowNode1">
+    <dgm:fillClrLst meth="repeat">
+      <a:schemeClr val="accent1">
+        <a:alpha val="90000"/>
+        <a:tint val="40000"/>
+      </a:schemeClr>
+    </dgm:fillClrLst>
+    <dgm:linClrLst meth="repeat">
+      <a:schemeClr val="accent1">
+        <a:alpha val="90000"/>
+        <a:tint val="40000"/>
+      </a:schemeClr>
+    </dgm:linClrLst>
+    <dgm:effectClrLst/>
+    <dgm:txLinClrLst/>
+    <dgm:txFillClrLst meth="repeat">
+      <a:schemeClr val="dk1"/>
+    </dgm:txFillClrLst>
+    <dgm:txEffectClrLst/>
+  </dgm:styleLbl>
+  <dgm:styleLbl name="fgAcc0">
+    <dgm:fillClrLst meth="repeat">
+      <a:schemeClr val="lt1">
+        <a:alpha val="90000"/>
+      </a:schemeClr>
+    </dgm:fillClrLst>
+    <dgm:linClrLst meth="repeat">
+      <a:schemeClr val="accent1"/>
+    </dgm:linClrLst>
+    <dgm:effectClrLst/>
+    <dgm:txLinClrLst/>
+    <dgm:txFillClrLst meth="repeat">
+      <a:schemeClr val="dk1"/>
+    </dgm:txFillClrLst>
+    <dgm:txEffectClrLst/>
+  </dgm:styleLbl>
+  <dgm:styleLbl name="fgAcc2">
+    <dgm:fillClrLst meth="repeat">
+      <a:schemeClr val="lt1">
+        <a:alpha val="90000"/>
+      </a:schemeClr>
+    </dgm:fillClrLst>
+    <dgm:linClrLst meth="repeat">
+      <a:schemeClr val="accent1"/>
+    </dgm:linClrLst>
+    <dgm:effectClrLst/>
+    <dgm:txLinClrLst/>
+    <dgm:txFillClrLst meth="repeat">
+      <a:schemeClr val="dk1"/>
+    </dgm:txFillClrLst>
+    <dgm:txEffectClrLst/>
+  </dgm:styleLbl>
+  <dgm:styleLbl name="fgAcc3">
+    <dgm:fillClrLst meth="repeat">
+      <a:schemeClr val="lt1">
+        <a:alpha val="90000"/>
+      </a:schemeClr>
+    </dgm:fillClrLst>
+    <dgm:linClrLst meth="repeat">
+      <a:schemeClr val="accent1"/>
+    </dgm:linClrLst>
+    <dgm:effectClrLst/>
+    <dgm:txLinClrLst/>
+    <dgm:txFillClrLst meth="repeat">
+      <a:schemeClr val="dk1"/>
+    </dgm:txFillClrLst>
+    <dgm:txEffectClrLst/>
+  </dgm:styleLbl>
+  <dgm:styleLbl name="fgAcc4">
+    <dgm:fillClrLst meth="repeat">
+      <a:schemeClr val="lt1">
+        <a:alpha val="90000"/>
+      </a:schemeClr>
+    </dgm:fillClrLst>
+    <dgm:linClrLst meth="repeat">
+      <a:schemeClr val="accent1"/>
+    </dgm:linClrLst>
+    <dgm:effectClrLst/>
+    <dgm:txLinClrLst/>
+    <dgm:txFillClrLst meth="repeat">
+      <a:schemeClr val="dk1"/>
+    </dgm:txFillClrLst>
+    <dgm:txEffectClrLst/>
+  </dgm:styleLbl>
+  <dgm:styleLbl name="bgShp">
+    <dgm:fillClrLst meth="repeat">
+      <a:schemeClr val="accent1">
+        <a:tint val="40000"/>
+      </a:schemeClr>
+    </dgm:fillClrLst>
+    <dgm:linClrLst meth="repeat">
+      <a:schemeClr val="accent1"/>
+    </dgm:linClrLst>
+    <dgm:effectClrLst/>
+    <dgm:txLinClrLst/>
+    <dgm:txFillClrLst meth="repeat">
+      <a:schemeClr val="dk1"/>
+    </dgm:txFillClrLst>
+    <dgm:txEffectClrLst/>
+  </dgm:styleLbl>
+  <dgm:styleLbl name="dkBgShp">
+    <dgm:fillClrLst meth="repeat">
+      <a:schemeClr val="accent1">
+        <a:shade val="80000"/>
+      </a:schemeClr>
+    </dgm:fillClrLst>
+    <dgm:linClrLst meth="repeat">
+      <a:schemeClr val="accent1"/>
+    </dgm:linClrLst>
+    <dgm:effectClrLst/>
+    <dgm:txLinClrLst/>
+    <dgm:txFillClrLst meth="repeat">
+      <a:schemeClr val="lt1"/>
+    </dgm:txFillClrLst>
+    <dgm:txEffectClrLst/>
+  </dgm:styleLbl>
+  <dgm:styleLbl name="trBgShp">
+    <dgm:fillClrLst meth="repeat">
+      <a:schemeClr val="accent1">
+        <a:tint val="50000"/>
+        <a:alpha val="40000"/>
+      </a:schemeClr>
+    </dgm:fillClrLst>
+    <dgm:linClrLst meth="repeat">
+      <a:schemeClr val="accent1"/>
+    </dgm:linClrLst>
+    <dgm:effectClrLst/>
+    <dgm:txLinClrLst/>
+    <dgm:txFillClrLst meth="repeat">
+      <a:schemeClr val="lt1"/>
+    </dgm:txFillClrLst>
+    <dgm:txEffectClrLst/>
+  </dgm:styleLbl>
+  <dgm:styleLbl name="fgShp">
+    <dgm:fillClrLst meth="repeat">
+      <a:schemeClr val="accent1">
+        <a:tint val="60000"/>
+      </a:schemeClr>
+    </dgm:fillClrLst>
+    <dgm:linClrLst meth="repeat">
+      <a:schemeClr val="lt1"/>
+    </dgm:linClrLst>
+    <dgm:effectClrLst/>
+    <dgm:txLinClrLst/>
+    <dgm:txFillClrLst meth="repeat">
+      <a:schemeClr val="dk1"/>
+    </dgm:txFillClrLst>
+    <dgm:txEffectClrLst/>
+  </dgm:styleLbl>
+  <dgm:styleLbl name="revTx">
+    <dgm:fillClrLst meth="repeat">
+      <a:schemeClr val="lt1">
+        <a:alpha val="0"/>
+      </a:schemeClr>
+    </dgm:fillClrLst>
+    <dgm:linClrLst meth="repeat">
+      <a:schemeClr val="dk1">
+        <a:alpha val="0"/>
+      </a:schemeClr>
+    </dgm:linClrLst>
+    <dgm:effectClrLst/>
+    <dgm:txLinClrLst/>
+    <dgm:txFillClrLst meth="repeat">
+      <a:schemeClr val="tx1"/>
+    </dgm:txFillClrLst>
+    <dgm:txEffectClrLst/>
+  </dgm:styleLbl>
+</dgm:colorsDef>
+</file>
+
+<file path=ppt/diagrams/colors2.xml><?xml version="1.0" encoding="utf-8"?>
+<dgm:colorsDef xmlns:dgm="http://schemas.openxmlformats.org/drawingml/2006/diagram" xmlns:a="http://schemas.openxmlformats.org/drawingml/2006/main" uniqueId="urn:microsoft.com/office/officeart/2018/5/colors/Iconchunking_neutralbg_accent3_2">
+  <dgm:title val=""/>
+  <dgm:desc val=""/>
+  <dgm:catLst>
+    <dgm:cat type="accent3" pri="13200"/>
+  </dgm:catLst>
+  <dgm:styleLbl name="node0">
+    <dgm:fillClrLst meth="repeat">
+      <a:schemeClr val="accent3"/>
+    </dgm:fillClrLst>
+    <dgm:linClrLst meth="repeat">
+      <a:schemeClr val="lt1"/>
+    </dgm:linClrLst>
+    <dgm:effectClrLst/>
+    <dgm:txLinClrLst/>
+    <dgm:txFillClrLst/>
+    <dgm:txEffectClrLst/>
+  </dgm:styleLbl>
+  <dgm:styleLbl name="node1">
+    <dgm:fillClrLst meth="repeat">
+      <a:schemeClr val="accent3"/>
+    </dgm:fillClrLst>
+    <dgm:linClrLst meth="repeat">
+      <a:schemeClr val="lt1">
+        <a:alpha val="0"/>
+      </a:schemeClr>
+    </dgm:linClrLst>
+    <dgm:effectClrLst/>
+    <dgm:txLinClrLst/>
+    <dgm:txFillClrLst/>
+    <dgm:txEffectClrLst/>
+  </dgm:styleLbl>
+  <dgm:styleLbl name="alignNode1">
+    <dgm:fillClrLst meth="repeat">
+      <a:schemeClr val="accent3"/>
+    </dgm:fillClrLst>
+    <dgm:linClrLst meth="repeat">
+      <a:schemeClr val="accent3"/>
+    </dgm:linClrLst>
+    <dgm:effectClrLst/>
+    <dgm:txLinClrLst/>
+    <dgm:txFillClrLst/>
+    <dgm:txEffectClrLst/>
+  </dgm:styleLbl>
+  <dgm:styleLbl name="lnNode1">
+    <dgm:fillClrLst meth="repeat">
+      <a:schemeClr val="accent3"/>
+    </dgm:fillClrLst>
+    <dgm:linClrLst meth="repeat">
+      <a:schemeClr val="lt1"/>
+    </dgm:linClrLst>
+    <dgm:effectClrLst/>
+    <dgm:txLinClrLst/>
+    <dgm:txFillClrLst/>
+    <dgm:txEffectClrLst/>
+  </dgm:styleLbl>
+  <dgm:styleLbl name="vennNode1">
+    <dgm:fillClrLst meth="repeat">
+      <a:schemeClr val="accent3">
+        <a:alpha val="50000"/>
+      </a:schemeClr>
+    </dgm:fillClrLst>
+    <dgm:linClrLst meth="repeat">
+      <a:schemeClr val="lt1"/>
+    </dgm:linClrLst>
+    <dgm:effectClrLst/>
+    <dgm:txLinClrLst/>
+    <dgm:txFillClrLst/>
+    <dgm:txEffectClrLst/>
+  </dgm:styleLbl>
+  <dgm:styleLbl name="node2">
+    <dgm:fillClrLst meth="repeat">
+      <a:schemeClr val="accent3"/>
+    </dgm:fillClrLst>
+    <dgm:linClrLst meth="repeat">
+      <a:schemeClr val="lt1"/>
+    </dgm:linClrLst>
+    <dgm:effectClrLst/>
+    <dgm:txLinClrLst/>
+    <dgm:txFillClrLst/>
+    <dgm:txEffectClrLst/>
+  </dgm:styleLbl>
+  <dgm:styleLbl name="node3">
+    <dgm:fillClrLst meth="repeat">
+      <a:schemeClr val="accent3"/>
+    </dgm:fillClrLst>
+    <dgm:linClrLst meth="repeat">
+      <a:schemeClr val="lt1"/>
+    </dgm:linClrLst>
+    <dgm:effectClrLst/>
+    <dgm:txLinClrLst/>
+    <dgm:txFillClrLst/>
+    <dgm:txEffectClrLst/>
+  </dgm:styleLbl>
+  <dgm:styleLbl name="node4">
+    <dgm:fillClrLst meth="repeat">
+      <a:schemeClr val="accent3"/>
+    </dgm:fillClrLst>
+    <dgm:linClrLst meth="repeat">
+      <a:schemeClr val="lt1"/>
+    </dgm:linClrLst>
+    <dgm:effectClrLst/>
+    <dgm:txLinClrLst/>
+    <dgm:txFillClrLst/>
+    <dgm:txEffectClrLst/>
+  </dgm:styleLbl>
+  <dgm:styleLbl name="fgImgPlace1">
+    <dgm:fillClrLst meth="repeat">
+      <a:schemeClr val="accent3">
+        <a:tint val="50000"/>
+      </a:schemeClr>
+    </dgm:fillClrLst>
+    <dgm:linClrLst meth="repeat">
+      <a:schemeClr val="lt1"/>
+    </dgm:linClrLst>
+    <dgm:effectClrLst/>
+    <dgm:txLinClrLst/>
+    <dgm:txFillClrLst meth="repeat">
+      <a:schemeClr val="lt1"/>
+    </dgm:txFillClrLst>
+    <dgm:txEffectClrLst/>
+  </dgm:styleLbl>
+  <dgm:styleLbl name="alignImgPlace1">
+    <dgm:fillClrLst meth="repeat">
+      <a:schemeClr val="accent3">
+        <a:tint val="50000"/>
+      </a:schemeClr>
+    </dgm:fillClrLst>
+    <dgm:linClrLst meth="repeat">
+      <a:schemeClr val="lt1"/>
+    </dgm:linClrLst>
+    <dgm:effectClrLst/>
+    <dgm:txLinClrLst/>
+    <dgm:txFillClrLst meth="repeat">
+      <a:schemeClr val="lt1"/>
+    </dgm:txFillClrLst>
+    <dgm:txEffectClrLst/>
+  </dgm:styleLbl>
+  <dgm:styleLbl name="bgImgPlace1">
+    <dgm:fillClrLst meth="repeat">
+      <a:schemeClr val="accent3">
+        <a:tint val="50000"/>
+      </a:schemeClr>
+    </dgm:fillClrLst>
+    <dgm:linClrLst meth="repeat">
+      <a:schemeClr val="lt1"/>
+    </dgm:linClrLst>
+    <dgm:effectClrLst/>
+    <dgm:txLinClrLst/>
+    <dgm:txFillClrLst meth="repeat">
+      <a:schemeClr val="lt1"/>
+    </dgm:txFillClrLst>
+    <dgm:txEffectClrLst/>
+  </dgm:styleLbl>
+  <dgm:styleLbl name="sibTrans2D1">
+    <dgm:fillClrLst meth="repeat">
+      <a:schemeClr val="accent3">
+        <a:tint val="60000"/>
+      </a:schemeClr>
+    </dgm:fillClrLst>
+    <dgm:linClrLst meth="repeat">
+      <a:schemeClr val="accent3">
+        <a:tint val="60000"/>
+      </a:schemeClr>
+    </dgm:linClrLst>
+    <dgm:effectClrLst/>
+    <dgm:txLinClrLst/>
+    <dgm:txFillClrLst/>
+    <dgm:txEffectClrLst/>
+  </dgm:styleLbl>
+  <dgm:styleLbl name="fgSibTrans2D1">
+    <dgm:fillClrLst meth="repeat">
+      <a:schemeClr val="accent3">
+        <a:tint val="60000"/>
+      </a:schemeClr>
+    </dgm:fillClrLst>
+    <dgm:linClrLst meth="repeat">
+      <a:schemeClr val="accent3">
+        <a:tint val="60000"/>
+      </a:schemeClr>
+    </dgm:linClrLst>
+    <dgm:effectClrLst/>
+    <dgm:txLinClrLst/>
+    <dgm:txFillClrLst/>
+    <dgm:txEffectClrLst/>
+  </dgm:styleLbl>
+  <dgm:styleLbl name="bgSibTrans2D1">
+    <dgm:fillClrLst meth="repeat">
+      <a:schemeClr val="accent3">
+        <a:tint val="60000"/>
+      </a:schemeClr>
+    </dgm:fillClrLst>
+    <dgm:linClrLst meth="repeat">
+      <a:schemeClr val="accent3">
+        <a:tint val="60000"/>
+      </a:schemeClr>
+    </dgm:linClrLst>
+    <dgm:effectClrLst/>
+    <dgm:txLinClrLst/>
+    <dgm:txFillClrLst/>
+    <dgm:txEffectClrLst/>
+  </dgm:styleLbl>
+  <dgm:styleLbl name="sibTrans1D1">
+    <dgm:fillClrLst meth="repeat">
+      <a:schemeClr val="accent3"/>
+    </dgm:fillClrLst>
+    <dgm:linClrLst meth="repeat">
+      <a:schemeClr val="accent3"/>
+    </dgm:linClrLst>
+    <dgm:effectClrLst/>
+    <dgm:txLinClrLst/>
+    <dgm:txFillClrLst meth="repeat">
+      <a:schemeClr val="tx1"/>
+    </dgm:txFillClrLst>
+    <dgm:txEffectClrLst/>
+  </dgm:styleLbl>
+  <dgm:styleLbl name="callout">
+    <dgm:fillClrLst meth="repeat">
+      <a:schemeClr val="accent3"/>
+    </dgm:fillClrLst>
+    <dgm:linClrLst meth="repeat">
+      <a:schemeClr val="accent3">
+        <a:tint val="50000"/>
+      </a:schemeClr>
+    </dgm:linClrLst>
+    <dgm:effectClrLst/>
+    <dgm:txLinClrLst/>
+    <dgm:txFillClrLst meth="repeat">
+      <a:schemeClr val="tx1"/>
+    </dgm:txFillClrLst>
+    <dgm:txEffectClrLst/>
+  </dgm:styleLbl>
+  <dgm:styleLbl name="asst0">
+    <dgm:fillClrLst meth="repeat">
+      <a:schemeClr val="accent3"/>
+    </dgm:fillClrLst>
+    <dgm:linClrLst meth="repeat">
+      <a:schemeClr val="lt1"/>
+    </dgm:linClrLst>
+    <dgm:effectClrLst/>
+    <dgm:txLinClrLst/>
+    <dgm:txFillClrLst/>
+    <dgm:txEffectClrLst/>
+  </dgm:styleLbl>
+  <dgm:styleLbl name="asst1">
+    <dgm:fillClrLst meth="repeat">
+      <a:schemeClr val="accent3"/>
+    </dgm:fillClrLst>
+    <dgm:linClrLst meth="repeat">
+      <a:schemeClr val="lt1"/>
+    </dgm:linClrLst>
+    <dgm:effectClrLst/>
+    <dgm:txLinClrLst/>
+    <dgm:txFillClrLst/>
+    <dgm:txEffectClrLst/>
+  </dgm:styleLbl>
+  <dgm:styleLbl name="asst2">
+    <dgm:fillClrLst meth="repeat">
+      <a:schemeClr val="accent3"/>
+    </dgm:fillClrLst>
+    <dgm:linClrLst meth="repeat">
+      <a:schemeClr val="lt1"/>
+    </dgm:linClrLst>
+    <dgm:effectClrLst/>
+    <dgm:txLinClrLst/>
+    <dgm:txFillClrLst/>
+    <dgm:txEffectClrLst/>
+  </dgm:styleLbl>
+  <dgm:styleLbl name="asst3">
+    <dgm:fillClrLst meth="repeat">
+      <a:schemeClr val="accent3"/>
+    </dgm:fillClrLst>
+    <dgm:linClrLst meth="repeat">
+      <a:schemeClr val="lt1"/>
+    </dgm:linClrLst>
+    <dgm:effectClrLst/>
+    <dgm:txLinClrLst/>
+    <dgm:txFillClrLst/>
+    <dgm:txEffectClrLst/>
+  </dgm:styleLbl>
+  <dgm:styleLbl name="asst4">
+    <dgm:fillClrLst meth="repeat">
+      <a:schemeClr val="accent3"/>
+    </dgm:fillClrLst>
+    <dgm:linClrLst meth="repeat">
+      <a:schemeClr val="lt1"/>
+    </dgm:linClrLst>
+    <dgm:effectClrLst/>
+    <dgm:txLinClrLst/>
+    <dgm:txFillClrLst/>
+    <dgm:txEffectClrLst/>
+  </dgm:styleLbl>
+  <dgm:styleLbl name="parChTrans2D1">
+    <dgm:fillClrLst meth="repeat">
+      <a:schemeClr val="accent3">
+        <a:tint val="60000"/>
+      </a:schemeClr>
+    </dgm:fillClrLst>
+    <dgm:linClrLst meth="repeat">
+      <a:schemeClr val="accent3">
+        <a:tint val="60000"/>
+      </a:schemeClr>
+    </dgm:linClrLst>
+    <dgm:effectClrLst/>
+    <dgm:txLinClrLst/>
+    <dgm:txFillClrLst meth="repeat">
+      <a:schemeClr val="lt1"/>
+    </dgm:txFillClrLst>
+    <dgm:txEffectClrLst/>
+  </dgm:styleLbl>
+  <dgm:styleLbl name="parChTrans2D2">
+    <dgm:fillClrLst meth="repeat">
+      <a:schemeClr val="accent3"/>
+    </dgm:fillClrLst>
+    <dgm:linClrLst meth="repeat">
+      <a:schemeClr val="accent3"/>
+    </dgm:linClrLst>
+    <dgm:effectClrLst/>
+    <dgm:txLinClrLst/>
+    <dgm:txFillClrLst meth="repeat">
+      <a:schemeClr val="lt1"/>
+    </dgm:txFillClrLst>
+    <dgm:txEffectClrLst/>
+  </dgm:styleLbl>
+  <dgm:styleLbl name="parChTrans2D3">
+    <dgm:fillClrLst meth="repeat">
+      <a:schemeClr val="accent3"/>
+    </dgm:fillClrLst>
+    <dgm:linClrLst meth="repeat">
+      <a:schemeClr val="accent3"/>
+    </dgm:linClrLst>
+    <dgm:effectClrLst/>
+    <dgm:txLinClrLst/>
+    <dgm:txFillClrLst meth="repeat">
+      <a:schemeClr val="lt1"/>
+    </dgm:txFillClrLst>
+    <dgm:txEffectClrLst/>
+  </dgm:styleLbl>
+  <dgm:styleLbl name="parChTrans2D4">
+    <dgm:fillClrLst meth="repeat">
+      <a:schemeClr val="accent3"/>
+    </dgm:fillClrLst>
+    <dgm:linClrLst meth="repeat">
+      <a:schemeClr val="accent3"/>
+    </dgm:linClrLst>
+    <dgm:effectClrLst/>
+    <dgm:txLinClrLst/>
+    <dgm:txFillClrLst meth="repeat">
+      <a:schemeClr val="lt1"/>
+    </dgm:txFillClrLst>
+    <dgm:txEffectClrLst/>
+  </dgm:styleLbl>
+  <dgm:styleLbl name="parChTrans1D1">
+    <dgm:fillClrLst meth="repeat">
+      <a:schemeClr val="accent3"/>
+    </dgm:fillClrLst>
+    <dgm:linClrLst meth="repeat">
+      <a:schemeClr val="accent3">
+        <a:shade val="60000"/>
+      </a:schemeClr>
+    </dgm:linClrLst>
+    <dgm:effectClrLst/>
+    <dgm:txLinClrLst/>
+    <dgm:txFillClrLst meth="repeat">
+      <a:schemeClr val="tx1"/>
+    </dgm:txFillClrLst>
+    <dgm:txEffectClrLst/>
+  </dgm:styleLbl>
+  <dgm:styleLbl name="parChTrans1D2">
+    <dgm:fillClrLst meth="repeat">
+      <a:schemeClr val="accent3"/>
+    </dgm:fillClrLst>
+    <dgm:linClrLst meth="repeat">
+      <a:schemeClr val="accent3">
+        <a:shade val="60000"/>
+      </a:schemeClr>
+    </dgm:linClrLst>
+    <dgm:effectClrLst/>
+    <dgm:txLinClrLst/>
+    <dgm:txFillClrLst meth="repeat">
+      <a:schemeClr val="tx1"/>
+    </dgm:txFillClrLst>
+    <dgm:txEffectClrLst/>
+  </dgm:styleLbl>
+  <dgm:styleLbl name="parChTrans1D3">
+    <dgm:fillClrLst meth="repeat">
+      <a:schemeClr val="accent3"/>
+    </dgm:fillClrLst>
+    <dgm:linClrLst meth="repeat">
+      <a:schemeClr val="accent3">
+        <a:shade val="80000"/>
+      </a:schemeClr>
+    </dgm:linClrLst>
+    <dgm:effectClrLst/>
+    <dgm:txLinClrLst/>
+    <dgm:txFillClrLst meth="repeat">
+      <a:schemeClr val="tx1"/>
+    </dgm:txFillClrLst>
+    <dgm:txEffectClrLst/>
+  </dgm:styleLbl>
+  <dgm:styleLbl name="parChTrans1D4">
+    <dgm:fillClrLst meth="repeat">
+      <a:schemeClr val="accent3"/>
+    </dgm:fillClrLst>
+    <dgm:linClrLst meth="repeat">
+      <a:schemeClr val="accent3">
+        <a:shade val="80000"/>
+      </a:schemeClr>
+    </dgm:linClrLst>
+    <dgm:effectClrLst/>
+    <dgm:txLinClrLst/>
+    <dgm:txFillClrLst meth="repeat">
+      <a:schemeClr val="tx1"/>
+    </dgm:txFillClrLst>
+    <dgm:txEffectClrLst/>
+  </dgm:styleLbl>
+  <dgm:styleLbl name="fgAcc1">
+    <dgm:fillClrLst meth="repeat">
+      <a:schemeClr val="lt1">
+        <a:alpha val="90000"/>
+      </a:schemeClr>
+    </dgm:fillClrLst>
+    <dgm:linClrLst meth="repeat">
+      <a:schemeClr val="accent3"/>
+    </dgm:linClrLst>
+    <dgm:effectClrLst/>
+    <dgm:txLinClrLst/>
+    <dgm:txFillClrLst meth="repeat">
+      <a:schemeClr val="dk1"/>
+    </dgm:txFillClrLst>
+    <dgm:txEffectClrLst/>
+  </dgm:styleLbl>
+  <dgm:styleLbl name="conFgAcc1">
+    <dgm:fillClrLst meth="repeat">
+      <a:schemeClr val="lt1">
+        <a:alpha val="90000"/>
+      </a:schemeClr>
+    </dgm:fillClrLst>
+    <dgm:linClrLst meth="repeat">
+      <a:schemeClr val="accent3"/>
+    </dgm:linClrLst>
+    <dgm:effectClrLst/>
+    <dgm:txLinClrLst/>
+    <dgm:txFillClrLst meth="repeat">
+      <a:schemeClr val="dk1"/>
+    </dgm:txFillClrLst>
+    <dgm:txEffectClrLst/>
+  </dgm:styleLbl>
+  <dgm:styleLbl name="alignAcc1">
+    <dgm:fillClrLst meth="repeat">
+      <a:schemeClr val="lt1">
+        <a:alpha val="90000"/>
+      </a:schemeClr>
+    </dgm:fillClrLst>
+    <dgm:linClrLst meth="repeat">
+      <a:schemeClr val="accent3"/>
+    </dgm:linClrLst>
+    <dgm:effectClrLst/>
+    <dgm:txLinClrLst/>
+    <dgm:txFillClrLst meth="repeat">
+      <a:schemeClr val="dk1"/>
+    </dgm:txFillClrLst>
+    <dgm:txEffectClrLst/>
+  </dgm:styleLbl>
+  <dgm:styleLbl name="trAlignAcc1">
+    <dgm:fillClrLst meth="repeat">
+      <a:schemeClr val="lt1">
+        <a:alpha val="40000"/>
+      </a:schemeClr>
+    </dgm:fillClrLst>
+    <dgm:linClrLst meth="repeat">
+      <a:schemeClr val="accent3"/>
+    </dgm:linClrLst>
+    <dgm:effectClrLst/>
+    <dgm:txLinClrLst/>
+    <dgm:txFillClrLst meth="repeat">
+      <a:schemeClr val="dk1"/>
+    </dgm:txFillClrLst>
+    <dgm:txEffectClrLst/>
+  </dgm:styleLbl>
+  <dgm:styleLbl name="bgAcc1">
+    <dgm:fillClrLst meth="repeat">
+      <a:schemeClr val="lt1">
+        <a:alpha val="90000"/>
+      </a:schemeClr>
+    </dgm:fillClrLst>
+    <dgm:linClrLst meth="repeat">
+      <a:schemeClr val="accent3"/>
+    </dgm:linClrLst>
+    <dgm:effectClrLst/>
+    <dgm:txLinClrLst/>
+    <dgm:txFillClrLst meth="repeat">
+      <a:schemeClr val="dk1"/>
+    </dgm:txFillClrLst>
+    <dgm:txEffectClrLst/>
+  </dgm:styleLbl>
+  <dgm:styleLbl name="solidFgAcc1">
+    <dgm:fillClrLst meth="repeat">
+      <a:schemeClr val="lt1"/>
+    </dgm:fillClrLst>
+    <dgm:linClrLst meth="repeat">
+      <a:schemeClr val="accent3"/>
+    </dgm:linClrLst>
+    <dgm:effectClrLst/>
+    <dgm:txLinClrLst/>
+    <dgm:txFillClrLst meth="repeat">
+      <a:schemeClr val="dk1"/>
+    </dgm:txFillClrLst>
+    <dgm:txEffectClrLst/>
+  </dgm:styleLbl>
+  <dgm:styleLbl name="solidAlignAcc1">
+    <dgm:fillClrLst meth="repeat">
+      <a:schemeClr val="lt1"/>
+    </dgm:fillClrLst>
+    <dgm:linClrLst meth="repeat">
+      <a:schemeClr val="accent3"/>
+    </dgm:linClrLst>
+    <dgm:effectClrLst/>
+    <dgm:txLinClrLst/>
+    <dgm:txFillClrLst meth="repeat">
+      <a:schemeClr val="dk1"/>
+    </dgm:txFillClrLst>
+    <dgm:txEffectClrLst/>
+  </dgm:styleLbl>
+  <dgm:styleLbl name="solidBgAcc1">
+    <dgm:fillClrLst meth="repeat">
+      <a:schemeClr val="lt1"/>
+    </dgm:fillClrLst>
+    <dgm:linClrLst meth="repeat">
+      <a:schemeClr val="accent3"/>
+    </dgm:linClrLst>
+    <dgm:effectClrLst/>
+    <dgm:txLinClrLst/>
+    <dgm:txFillClrLst meth="repeat">
+      <a:schemeClr val="dk1"/>
+    </dgm:txFillClrLst>
+    <dgm:txEffectClrLst/>
+  </dgm:styleLbl>
+  <dgm:styleLbl name="fgAccFollowNode1">
+    <dgm:fillClrLst meth="repeat">
+      <a:schemeClr val="accent3">
+        <a:alpha val="90000"/>
+        <a:tint val="40000"/>
+      </a:schemeClr>
+    </dgm:fillClrLst>
+    <dgm:linClrLst meth="repeat">
+      <a:schemeClr val="accent3">
+        <a:alpha val="90000"/>
+        <a:tint val="40000"/>
+      </a:schemeClr>
+    </dgm:linClrLst>
+    <dgm:effectClrLst/>
+    <dgm:txLinClrLst/>
+    <dgm:txFillClrLst meth="repeat">
+      <a:schemeClr val="dk1"/>
+    </dgm:txFillClrLst>
+    <dgm:txEffectClrLst/>
+  </dgm:styleLbl>
+  <dgm:styleLbl name="alignAccFollowNode1">
+    <dgm:fillClrLst meth="repeat">
+      <a:schemeClr val="accent3">
+        <a:alpha val="90000"/>
+        <a:tint val="40000"/>
+      </a:schemeClr>
+    </dgm:fillClrLst>
+    <dgm:linClrLst meth="repeat">
+      <a:schemeClr val="accent3">
+        <a:alpha val="90000"/>
+        <a:tint val="40000"/>
+      </a:schemeClr>
+    </dgm:linClrLst>
+    <dgm:effectClrLst/>
+    <dgm:txLinClrLst/>
+    <dgm:txFillClrLst meth="repeat">
+      <a:schemeClr val="dk1"/>
+    </dgm:txFillClrLst>
+    <dgm:txEffectClrLst/>
+  </dgm:styleLbl>
+  <dgm:styleLbl name="bgAccFollowNode1">
+    <dgm:fillClrLst meth="repeat">
+      <a:schemeClr val="accent3">
+        <a:alpha val="90000"/>
+        <a:tint val="40000"/>
+      </a:schemeClr>
+    </dgm:fillClrLst>
+    <dgm:linClrLst meth="repeat">
+      <a:schemeClr val="accent3">
+        <a:alpha val="90000"/>
+        <a:tint val="40000"/>
+      </a:schemeClr>
+    </dgm:linClrLst>
+    <dgm:effectClrLst/>
+    <dgm:txLinClrLst/>
+    <dgm:txFillClrLst meth="repeat">
+      <a:schemeClr val="dk1"/>
+    </dgm:txFillClrLst>
+    <dgm:txEffectClrLst/>
+  </dgm:styleLbl>
+  <dgm:styleLbl name="fgAcc0">
+    <dgm:fillClrLst meth="repeat">
+      <a:schemeClr val="lt1">
+        <a:alpha val="90000"/>
+      </a:schemeClr>
+    </dgm:fillClrLst>
+    <dgm:linClrLst meth="repeat">
+      <a:schemeClr val="accent3"/>
+    </dgm:linClrLst>
+    <dgm:effectClrLst/>
+    <dgm:txLinClrLst/>
+    <dgm:txFillClrLst meth="repeat">
+      <a:schemeClr val="dk1"/>
+    </dgm:txFillClrLst>
+    <dgm:txEffectClrLst/>
+  </dgm:styleLbl>
+  <dgm:styleLbl name="fgAcc2">
+    <dgm:fillClrLst meth="repeat">
+      <a:schemeClr val="lt1">
+        <a:alpha val="90000"/>
+      </a:schemeClr>
+    </dgm:fillClrLst>
+    <dgm:linClrLst meth="repeat">
+      <a:schemeClr val="accent3"/>
+    </dgm:linClrLst>
+    <dgm:effectClrLst/>
+    <dgm:txLinClrLst/>
+    <dgm:txFillClrLst meth="repeat">
+      <a:schemeClr val="dk1"/>
+    </dgm:txFillClrLst>
+    <dgm:txEffectClrLst/>
+  </dgm:styleLbl>
+  <dgm:styleLbl name="fgAcc3">
+    <dgm:fillClrLst meth="repeat">
+      <a:schemeClr val="lt1">
+        <a:alpha val="90000"/>
+      </a:schemeClr>
+    </dgm:fillClrLst>
+    <dgm:linClrLst meth="repeat">
+      <a:schemeClr val="accent3"/>
+    </dgm:linClrLst>
+    <dgm:effectClrLst/>
+    <dgm:txLinClrLst/>
+    <dgm:txFillClrLst meth="repeat">
+      <a:schemeClr val="dk1"/>
+    </dgm:txFillClrLst>
+    <dgm:txEffectClrLst/>
+  </dgm:styleLbl>
+  <dgm:styleLbl name="fgAcc4">
+    <dgm:fillClrLst meth="repeat">
+      <a:schemeClr val="lt1">
+        <a:alpha val="90000"/>
+      </a:schemeClr>
+    </dgm:fillClrLst>
+    <dgm:linClrLst meth="repeat">
+      <a:schemeClr val="accent3"/>
+    </dgm:linClrLst>
+    <dgm:effectClrLst/>
+    <dgm:txLinClrLst/>
+    <dgm:txFillClrLst meth="repeat">
+      <a:schemeClr val="dk1"/>
+    </dgm:txFillClrLst>
+    <dgm:txEffectClrLst/>
+  </dgm:styleLbl>
+  <dgm:styleLbl name="bgShp">
+    <dgm:fillClrLst meth="repeat">
+      <a:schemeClr val="bg1">
+        <a:lumMod val="95000"/>
+      </a:schemeClr>
+    </dgm:fillClrLst>
+    <dgm:linClrLst meth="repeat">
+      <a:schemeClr val="accent3"/>
+    </dgm:linClrLst>
+    <dgm:effectClrLst/>
+    <dgm:txLinClrLst/>
+    <dgm:txFillClrLst meth="repeat">
+      <a:schemeClr val="dk1"/>
+    </dgm:txFillClrLst>
+    <dgm:txEffectClrLst/>
+  </dgm:styleLbl>
+  <dgm:styleLbl name="dkBgShp">
+    <dgm:fillClrLst meth="repeat">
+      <a:schemeClr val="accent3">
+        <a:shade val="80000"/>
+      </a:schemeClr>
+    </dgm:fillClrLst>
+    <dgm:linClrLst meth="repeat">
+      <a:schemeClr val="accent3"/>
+    </dgm:linClrLst>
+    <dgm:effectClrLst/>
+    <dgm:txLinClrLst/>
+    <dgm:txFillClrLst meth="repeat">
+      <a:schemeClr val="lt1"/>
+    </dgm:txFillClrLst>
+    <dgm:txEffectClrLst/>
+  </dgm:styleLbl>
+  <dgm:styleLbl name="trBgShp">
+    <dgm:fillClrLst meth="repeat">
+      <a:schemeClr val="accent3">
+        <a:tint val="50000"/>
+        <a:alpha val="40000"/>
+      </a:schemeClr>
+    </dgm:fillClrLst>
+    <dgm:linClrLst meth="repeat">
+      <a:schemeClr val="accent3"/>
+    </dgm:linClrLst>
+    <dgm:effectClrLst/>
+    <dgm:txLinClrLst/>
+    <dgm:txFillClrLst meth="repeat">
+      <a:schemeClr val="lt1"/>
+    </dgm:txFillClrLst>
+    <dgm:txEffectClrLst/>
+  </dgm:styleLbl>
+  <dgm:styleLbl name="fgShp">
+    <dgm:fillClrLst meth="repeat">
+      <a:schemeClr val="accent3">
+        <a:tint val="60000"/>
+      </a:schemeClr>
+    </dgm:fillClrLst>
+    <dgm:linClrLst meth="repeat">
+      <a:schemeClr val="lt1"/>
+    </dgm:linClrLst>
+    <dgm:effectClrLst/>
+    <dgm:txLinClrLst/>
+    <dgm:txFillClrLst meth="repeat">
+      <a:schemeClr val="dk1"/>
+    </dgm:txFillClrLst>
+    <dgm:txEffectClrLst/>
+  </dgm:styleLbl>
+  <dgm:styleLbl name="revTx">
+    <dgm:fillClrLst meth="repeat">
+      <a:schemeClr val="lt1">
+        <a:alpha val="0"/>
+      </a:schemeClr>
+    </dgm:fillClrLst>
+    <dgm:linClrLst meth="repeat">
+      <a:schemeClr val="dk1">
+        <a:alpha val="0"/>
+      </a:schemeClr>
+    </dgm:linClrLst>
+    <dgm:effectClrLst/>
+    <dgm:txLinClrLst/>
+    <dgm:txFillClrLst meth="repeat">
+      <a:schemeClr val="tx1"/>
+    </dgm:txFillClrLst>
+    <dgm:txEffectClrLst/>
+  </dgm:styleLbl>
+</dgm:colorsDef>
+</file>
+
+<file path=ppt/diagrams/data1.xml><?xml version="1.0" encoding="utf-8"?>
+<dgm:dataModel xmlns:dgm="http://schemas.openxmlformats.org/drawingml/2006/diagram" xmlns:a="http://schemas.openxmlformats.org/drawingml/2006/main">
+  <dgm:ptLst>
+    <dgm:pt modelId="{A510AC13-5502-46BA-BC2F-F0A1419B9836}" type="doc">
+      <dgm:prSet loTypeId="urn:microsoft.com/office/officeart/2005/8/layout/vList2" loCatId="list" qsTypeId="urn:microsoft.com/office/officeart/2005/8/quickstyle/simple1" qsCatId="simple" csTypeId="urn:microsoft.com/office/officeart/2005/8/colors/accent1_2" csCatId="accent1" phldr="1"/>
+      <dgm:spPr/>
+      <dgm:t>
+        <a:bodyPr/>
+        <a:lstStyle/>
+        <a:p>
+          <a:endParaRPr lang="en-US"/>
+        </a:p>
+      </dgm:t>
+    </dgm:pt>
+    <dgm:pt modelId="{0E96815C-A767-468B-9B16-EA362CBB6089}">
+      <dgm:prSet/>
+      <dgm:spPr/>
+      <dgm:t>
+        <a:bodyPr/>
+        <a:lstStyle/>
+        <a:p>
+          <a:r>
+            <a:rPr lang="en-US"/>
+            <a:t>React </a:t>
+          </a:r>
+        </a:p>
+      </dgm:t>
+    </dgm:pt>
+    <dgm:pt modelId="{B7659300-A347-4C81-8773-97095D60A35A}" type="parTrans" cxnId="{FD63617F-093F-4284-8A9A-55BCDE5B0052}">
+      <dgm:prSet/>
+      <dgm:spPr/>
+      <dgm:t>
+        <a:bodyPr/>
+        <a:lstStyle/>
+        <a:p>
+          <a:endParaRPr lang="en-US"/>
+        </a:p>
+      </dgm:t>
+    </dgm:pt>
+    <dgm:pt modelId="{8A470E74-73B5-4AFB-8571-8A18DA5E1D43}" type="sibTrans" cxnId="{FD63617F-093F-4284-8A9A-55BCDE5B0052}">
+      <dgm:prSet/>
+      <dgm:spPr/>
+      <dgm:t>
+        <a:bodyPr/>
+        <a:lstStyle/>
+        <a:p>
+          <a:endParaRPr lang="en-US"/>
+        </a:p>
+      </dgm:t>
+    </dgm:pt>
+    <dgm:pt modelId="{0E29B875-462A-4472-8DEC-990A9BA1C712}">
+      <dgm:prSet/>
+      <dgm:spPr/>
+      <dgm:t>
+        <a:bodyPr/>
+        <a:lstStyle/>
+        <a:p>
+          <a:r>
+            <a:rPr lang="en-US" dirty="0"/>
+            <a:t>Hibernate </a:t>
+          </a:r>
+        </a:p>
+      </dgm:t>
+    </dgm:pt>
+    <dgm:pt modelId="{9AE69C90-9E79-42DC-8E01-B86D72B263FF}" type="parTrans" cxnId="{4CCDB46F-FBD7-436C-B9A3-0B881C313BC8}">
+      <dgm:prSet/>
+      <dgm:spPr/>
+      <dgm:t>
+        <a:bodyPr/>
+        <a:lstStyle/>
+        <a:p>
+          <a:endParaRPr lang="en-US"/>
+        </a:p>
+      </dgm:t>
+    </dgm:pt>
+    <dgm:pt modelId="{E1F30906-9B94-44D8-8AA2-8E919986A979}" type="sibTrans" cxnId="{4CCDB46F-FBD7-436C-B9A3-0B881C313BC8}">
+      <dgm:prSet/>
+      <dgm:spPr/>
+      <dgm:t>
+        <a:bodyPr/>
+        <a:lstStyle/>
+        <a:p>
+          <a:endParaRPr lang="en-US"/>
+        </a:p>
+      </dgm:t>
+    </dgm:pt>
+    <dgm:pt modelId="{04E261EC-9704-442C-9525-2ADD6BBB5830}">
+      <dgm:prSet/>
+      <dgm:spPr/>
+      <dgm:t>
+        <a:bodyPr/>
+        <a:lstStyle/>
+        <a:p>
+          <a:r>
+            <a:rPr lang="en-US" dirty="0"/>
+            <a:t>JUnit </a:t>
+          </a:r>
+        </a:p>
+      </dgm:t>
+    </dgm:pt>
+    <dgm:pt modelId="{C70BB3BF-A587-4B8D-9C89-E2E1B8F35AC8}" type="parTrans" cxnId="{E10F3261-E246-4531-B107-34896C93E033}">
+      <dgm:prSet/>
+      <dgm:spPr/>
+      <dgm:t>
+        <a:bodyPr/>
+        <a:lstStyle/>
+        <a:p>
+          <a:endParaRPr lang="en-US"/>
+        </a:p>
+      </dgm:t>
+    </dgm:pt>
+    <dgm:pt modelId="{9CF8512B-A7E4-48F9-88AD-53C20AE5E1D8}" type="sibTrans" cxnId="{E10F3261-E246-4531-B107-34896C93E033}">
+      <dgm:prSet/>
+      <dgm:spPr/>
+      <dgm:t>
+        <a:bodyPr/>
+        <a:lstStyle/>
+        <a:p>
+          <a:endParaRPr lang="en-US"/>
+        </a:p>
+      </dgm:t>
+    </dgm:pt>
+    <dgm:pt modelId="{1904D2A6-CEC6-4960-9291-4159B88172E1}">
+      <dgm:prSet/>
+      <dgm:spPr/>
+      <dgm:t>
+        <a:bodyPr/>
+        <a:lstStyle/>
+        <a:p>
+          <a:r>
+            <a:rPr lang="en-US" dirty="0"/>
+            <a:t>Dictionary API </a:t>
+          </a:r>
+        </a:p>
+      </dgm:t>
+    </dgm:pt>
+    <dgm:pt modelId="{FBD9ACFE-0956-494B-8D1B-85239B776BFC}" type="parTrans" cxnId="{C3BA9CA5-2439-4F63-ADA2-72C0102CBC78}">
+      <dgm:prSet/>
+      <dgm:spPr/>
+      <dgm:t>
+        <a:bodyPr/>
+        <a:lstStyle/>
+        <a:p>
+          <a:endParaRPr lang="en-US"/>
+        </a:p>
+      </dgm:t>
+    </dgm:pt>
+    <dgm:pt modelId="{8F2FEB73-F326-426D-9053-DDE3E0663ADE}" type="sibTrans" cxnId="{C3BA9CA5-2439-4F63-ADA2-72C0102CBC78}">
+      <dgm:prSet/>
+      <dgm:spPr/>
+      <dgm:t>
+        <a:bodyPr/>
+        <a:lstStyle/>
+        <a:p>
+          <a:endParaRPr lang="en-US"/>
+        </a:p>
+      </dgm:t>
+    </dgm:pt>
+    <dgm:pt modelId="{FE3456FA-D8DB-40F6-9906-784CD64CBB12}" type="pres">
+      <dgm:prSet presAssocID="{A510AC13-5502-46BA-BC2F-F0A1419B9836}" presName="linear" presStyleCnt="0">
+        <dgm:presLayoutVars>
+          <dgm:animLvl val="lvl"/>
+          <dgm:resizeHandles val="exact"/>
+        </dgm:presLayoutVars>
+      </dgm:prSet>
+      <dgm:spPr/>
+    </dgm:pt>
+    <dgm:pt modelId="{874C5B21-274B-4B20-9335-4A82A8BB80E4}" type="pres">
+      <dgm:prSet presAssocID="{0E96815C-A767-468B-9B16-EA362CBB6089}" presName="parentText" presStyleLbl="node1" presStyleIdx="0" presStyleCnt="4">
+        <dgm:presLayoutVars>
+          <dgm:chMax val="0"/>
+          <dgm:bulletEnabled val="1"/>
+        </dgm:presLayoutVars>
+      </dgm:prSet>
+      <dgm:spPr/>
+    </dgm:pt>
+    <dgm:pt modelId="{9BDCA996-7DCB-47DC-A023-F3F103E35DC4}" type="pres">
+      <dgm:prSet presAssocID="{8A470E74-73B5-4AFB-8571-8A18DA5E1D43}" presName="spacer" presStyleCnt="0"/>
+      <dgm:spPr/>
+    </dgm:pt>
+    <dgm:pt modelId="{357E9CE9-91E0-4D1C-942F-71239156DB5C}" type="pres">
+      <dgm:prSet presAssocID="{0E29B875-462A-4472-8DEC-990A9BA1C712}" presName="parentText" presStyleLbl="node1" presStyleIdx="1" presStyleCnt="4">
+        <dgm:presLayoutVars>
+          <dgm:chMax val="0"/>
+          <dgm:bulletEnabled val="1"/>
+        </dgm:presLayoutVars>
+      </dgm:prSet>
+      <dgm:spPr/>
+    </dgm:pt>
+    <dgm:pt modelId="{73D3B338-D63A-4801-8A46-CF5FCD236A8A}" type="pres">
+      <dgm:prSet presAssocID="{E1F30906-9B94-44D8-8AA2-8E919986A979}" presName="spacer" presStyleCnt="0"/>
+      <dgm:spPr/>
+    </dgm:pt>
+    <dgm:pt modelId="{39374A9D-8D0D-4D26-A0EB-5B3774223993}" type="pres">
+      <dgm:prSet presAssocID="{04E261EC-9704-442C-9525-2ADD6BBB5830}" presName="parentText" presStyleLbl="node1" presStyleIdx="2" presStyleCnt="4">
+        <dgm:presLayoutVars>
+          <dgm:chMax val="0"/>
+          <dgm:bulletEnabled val="1"/>
+        </dgm:presLayoutVars>
+      </dgm:prSet>
+      <dgm:spPr/>
+    </dgm:pt>
+    <dgm:pt modelId="{0A9169F0-5DEB-4895-8FCC-AFF0722A5847}" type="pres">
+      <dgm:prSet presAssocID="{9CF8512B-A7E4-48F9-88AD-53C20AE5E1D8}" presName="spacer" presStyleCnt="0"/>
+      <dgm:spPr/>
+    </dgm:pt>
+    <dgm:pt modelId="{D599FD71-221B-4183-8701-C90D5577104E}" type="pres">
+      <dgm:prSet presAssocID="{1904D2A6-CEC6-4960-9291-4159B88172E1}" presName="parentText" presStyleLbl="node1" presStyleIdx="3" presStyleCnt="4">
+        <dgm:presLayoutVars>
+          <dgm:chMax val="0"/>
+          <dgm:bulletEnabled val="1"/>
+        </dgm:presLayoutVars>
+      </dgm:prSet>
+      <dgm:spPr/>
+    </dgm:pt>
+  </dgm:ptLst>
+  <dgm:cxnLst>
+    <dgm:cxn modelId="{0FDE592B-8B9A-4FB0-A660-2705487883E6}" type="presOf" srcId="{04E261EC-9704-442C-9525-2ADD6BBB5830}" destId="{39374A9D-8D0D-4D26-A0EB-5B3774223993}" srcOrd="0" destOrd="0" presId="urn:microsoft.com/office/officeart/2005/8/layout/vList2"/>
+    <dgm:cxn modelId="{E10F3261-E246-4531-B107-34896C93E033}" srcId="{A510AC13-5502-46BA-BC2F-F0A1419B9836}" destId="{04E261EC-9704-442C-9525-2ADD6BBB5830}" srcOrd="2" destOrd="0" parTransId="{C70BB3BF-A587-4B8D-9C89-E2E1B8F35AC8}" sibTransId="{9CF8512B-A7E4-48F9-88AD-53C20AE5E1D8}"/>
+    <dgm:cxn modelId="{4CCDB46F-FBD7-436C-B9A3-0B881C313BC8}" srcId="{A510AC13-5502-46BA-BC2F-F0A1419B9836}" destId="{0E29B875-462A-4472-8DEC-990A9BA1C712}" srcOrd="1" destOrd="0" parTransId="{9AE69C90-9E79-42DC-8E01-B86D72B263FF}" sibTransId="{E1F30906-9B94-44D8-8AA2-8E919986A979}"/>
+    <dgm:cxn modelId="{3F16F274-F0B1-490A-83FC-597D3C047EA9}" type="presOf" srcId="{A510AC13-5502-46BA-BC2F-F0A1419B9836}" destId="{FE3456FA-D8DB-40F6-9906-784CD64CBB12}" srcOrd="0" destOrd="0" presId="urn:microsoft.com/office/officeart/2005/8/layout/vList2"/>
+    <dgm:cxn modelId="{FD63617F-093F-4284-8A9A-55BCDE5B0052}" srcId="{A510AC13-5502-46BA-BC2F-F0A1419B9836}" destId="{0E96815C-A767-468B-9B16-EA362CBB6089}" srcOrd="0" destOrd="0" parTransId="{B7659300-A347-4C81-8773-97095D60A35A}" sibTransId="{8A470E74-73B5-4AFB-8571-8A18DA5E1D43}"/>
+    <dgm:cxn modelId="{987BB4A2-EC81-4B89-939B-ED84700778EB}" type="presOf" srcId="{1904D2A6-CEC6-4960-9291-4159B88172E1}" destId="{D599FD71-221B-4183-8701-C90D5577104E}" srcOrd="0" destOrd="0" presId="urn:microsoft.com/office/officeart/2005/8/layout/vList2"/>
+    <dgm:cxn modelId="{C3BA9CA5-2439-4F63-ADA2-72C0102CBC78}" srcId="{A510AC13-5502-46BA-BC2F-F0A1419B9836}" destId="{1904D2A6-CEC6-4960-9291-4159B88172E1}" srcOrd="3" destOrd="0" parTransId="{FBD9ACFE-0956-494B-8D1B-85239B776BFC}" sibTransId="{8F2FEB73-F326-426D-9053-DDE3E0663ADE}"/>
+    <dgm:cxn modelId="{9AA678B7-2409-4395-BFB8-A33E89215C5E}" type="presOf" srcId="{0E96815C-A767-468B-9B16-EA362CBB6089}" destId="{874C5B21-274B-4B20-9335-4A82A8BB80E4}" srcOrd="0" destOrd="0" presId="urn:microsoft.com/office/officeart/2005/8/layout/vList2"/>
+    <dgm:cxn modelId="{A988FAFF-A545-4538-8E4F-BDDCFBEA3D4A}" type="presOf" srcId="{0E29B875-462A-4472-8DEC-990A9BA1C712}" destId="{357E9CE9-91E0-4D1C-942F-71239156DB5C}" srcOrd="0" destOrd="0" presId="urn:microsoft.com/office/officeart/2005/8/layout/vList2"/>
+    <dgm:cxn modelId="{1534F7B9-285E-40BA-A701-C7982A505B5B}" type="presParOf" srcId="{FE3456FA-D8DB-40F6-9906-784CD64CBB12}" destId="{874C5B21-274B-4B20-9335-4A82A8BB80E4}" srcOrd="0" destOrd="0" presId="urn:microsoft.com/office/officeart/2005/8/layout/vList2"/>
+    <dgm:cxn modelId="{5E1261CC-0F1F-492A-8D85-294DD3C2AF84}" type="presParOf" srcId="{FE3456FA-D8DB-40F6-9906-784CD64CBB12}" destId="{9BDCA996-7DCB-47DC-A023-F3F103E35DC4}" srcOrd="1" destOrd="0" presId="urn:microsoft.com/office/officeart/2005/8/layout/vList2"/>
+    <dgm:cxn modelId="{394F7551-31C6-4A86-94C6-7FBBF5691FF9}" type="presParOf" srcId="{FE3456FA-D8DB-40F6-9906-784CD64CBB12}" destId="{357E9CE9-91E0-4D1C-942F-71239156DB5C}" srcOrd="2" destOrd="0" presId="urn:microsoft.com/office/officeart/2005/8/layout/vList2"/>
+    <dgm:cxn modelId="{D268738A-2EA7-4D0F-A0B8-412482FB2889}" type="presParOf" srcId="{FE3456FA-D8DB-40F6-9906-784CD64CBB12}" destId="{73D3B338-D63A-4801-8A46-CF5FCD236A8A}" srcOrd="3" destOrd="0" presId="urn:microsoft.com/office/officeart/2005/8/layout/vList2"/>
+    <dgm:cxn modelId="{ADE009DC-1955-4B5F-94DA-402EBABE4DB0}" type="presParOf" srcId="{FE3456FA-D8DB-40F6-9906-784CD64CBB12}" destId="{39374A9D-8D0D-4D26-A0EB-5B3774223993}" srcOrd="4" destOrd="0" presId="urn:microsoft.com/office/officeart/2005/8/layout/vList2"/>
+    <dgm:cxn modelId="{14F67913-7ECB-49ED-93B9-31D0462A92E6}" type="presParOf" srcId="{FE3456FA-D8DB-40F6-9906-784CD64CBB12}" destId="{0A9169F0-5DEB-4895-8FCC-AFF0722A5847}" srcOrd="5" destOrd="0" presId="urn:microsoft.com/office/officeart/2005/8/layout/vList2"/>
+    <dgm:cxn modelId="{866D1EC0-71A3-40E9-9D36-DD6A69D08EC9}" type="presParOf" srcId="{FE3456FA-D8DB-40F6-9906-784CD64CBB12}" destId="{D599FD71-221B-4183-8701-C90D5577104E}" srcOrd="6" destOrd="0" presId="urn:microsoft.com/office/officeart/2005/8/layout/vList2"/>
+  </dgm:cxnLst>
+  <dgm:bg/>
+  <dgm:whole/>
+  <dgm:extLst>
+    <a:ext uri="http://schemas.microsoft.com/office/drawing/2008/diagram">
+      <dsp:dataModelExt xmlns:dsp="http://schemas.microsoft.com/office/drawing/2008/diagram" relId="rId6" minVer="http://schemas.openxmlformats.org/drawingml/2006/diagram"/>
+    </a:ext>
+  </dgm:extLst>
+</dgm:dataModel>
+</file>
+
+<file path=ppt/diagrams/data2.xml><?xml version="1.0" encoding="utf-8"?>
+<dgm:dataModel xmlns:dgm="http://schemas.openxmlformats.org/drawingml/2006/diagram" xmlns:a="http://schemas.openxmlformats.org/drawingml/2006/main">
+  <dgm:ptLst>
+    <dgm:pt modelId="{8294B192-F64A-461D-AD0D-6D41DD8F8F90}" type="doc">
+      <dgm:prSet loTypeId="urn:microsoft.com/office/officeart/2018/2/layout/IconCircleList" loCatId="icon" qsTypeId="urn:microsoft.com/office/officeart/2005/8/quickstyle/simple1" qsCatId="simple" csTypeId="urn:microsoft.com/office/officeart/2018/5/colors/Iconchunking_neutralbg_accent3_2" csCatId="accent3" phldr="1"/>
+      <dgm:spPr/>
+      <dgm:t>
+        <a:bodyPr/>
+        <a:lstStyle/>
+        <a:p>
+          <a:endParaRPr lang="en-US"/>
+        </a:p>
+      </dgm:t>
+    </dgm:pt>
+    <dgm:pt modelId="{85458CEB-94D9-47EB-A83B-48EA7E2BC6A8}">
+      <dgm:prSet/>
+      <dgm:spPr/>
+      <dgm:t>
+        <a:bodyPr/>
+        <a:lstStyle/>
+        <a:p>
+          <a:r>
+            <a:rPr lang="en-US"/>
+            <a:t>There is a lot of room to add some extra fun details in the future</a:t>
+          </a:r>
+        </a:p>
+      </dgm:t>
+    </dgm:pt>
+    <dgm:pt modelId="{0FF9A633-A201-46D4-BDBC-7B8B76105663}" type="parTrans" cxnId="{320CDFAA-7921-478F-8681-E852B9676EFD}">
+      <dgm:prSet/>
+      <dgm:spPr/>
+      <dgm:t>
+        <a:bodyPr/>
+        <a:lstStyle/>
+        <a:p>
+          <a:endParaRPr lang="en-US"/>
+        </a:p>
+      </dgm:t>
+    </dgm:pt>
+    <dgm:pt modelId="{CBA67F9A-1A12-4EE4-8310-5B914D7913C3}" type="sibTrans" cxnId="{320CDFAA-7921-478F-8681-E852B9676EFD}">
+      <dgm:prSet/>
+      <dgm:spPr/>
+      <dgm:t>
+        <a:bodyPr/>
+        <a:lstStyle/>
+        <a:p>
+          <a:endParaRPr lang="en-US"/>
+        </a:p>
+      </dgm:t>
+    </dgm:pt>
+    <dgm:pt modelId="{5DAE2330-6766-4AFD-8DD4-0454C2F9F6A7}">
+      <dgm:prSet/>
+      <dgm:spPr/>
+      <dgm:t>
+        <a:bodyPr/>
+        <a:lstStyle/>
+        <a:p>
+          <a:r>
+            <a:rPr lang="en-US"/>
+            <a:t>Adding some more strings to the database so that there is the ability to create more unique words, and to make each round completely different</a:t>
+          </a:r>
+        </a:p>
+      </dgm:t>
+    </dgm:pt>
+    <dgm:pt modelId="{30DFDD20-4668-4B14-85F4-D5C664DA483C}" type="parTrans" cxnId="{D988D6E2-F544-4F2C-921C-5C32364D80B2}">
+      <dgm:prSet/>
+      <dgm:spPr/>
+      <dgm:t>
+        <a:bodyPr/>
+        <a:lstStyle/>
+        <a:p>
+          <a:endParaRPr lang="en-US"/>
+        </a:p>
+      </dgm:t>
+    </dgm:pt>
+    <dgm:pt modelId="{9F64DB21-F84D-45D6-9082-341D9D547EC1}" type="sibTrans" cxnId="{D988D6E2-F544-4F2C-921C-5C32364D80B2}">
+      <dgm:prSet/>
+      <dgm:spPr/>
+      <dgm:t>
+        <a:bodyPr/>
+        <a:lstStyle/>
+        <a:p>
+          <a:endParaRPr lang="en-US"/>
+        </a:p>
+      </dgm:t>
+    </dgm:pt>
+    <dgm:pt modelId="{D1D8707A-1375-418C-B9FD-EE01E8D8BDE3}" type="pres">
+      <dgm:prSet presAssocID="{8294B192-F64A-461D-AD0D-6D41DD8F8F90}" presName="root" presStyleCnt="0">
+        <dgm:presLayoutVars>
+          <dgm:dir/>
+          <dgm:resizeHandles val="exact"/>
+        </dgm:presLayoutVars>
+      </dgm:prSet>
+      <dgm:spPr/>
+    </dgm:pt>
+    <dgm:pt modelId="{9260980D-3065-4CE5-8EC0-CBF890C059ED}" type="pres">
+      <dgm:prSet presAssocID="{8294B192-F64A-461D-AD0D-6D41DD8F8F90}" presName="container" presStyleCnt="0">
+        <dgm:presLayoutVars>
+          <dgm:dir/>
+          <dgm:resizeHandles val="exact"/>
+        </dgm:presLayoutVars>
+      </dgm:prSet>
+      <dgm:spPr/>
+    </dgm:pt>
+    <dgm:pt modelId="{42D89688-65FC-47DC-83E6-FAE475FCFC7D}" type="pres">
+      <dgm:prSet presAssocID="{85458CEB-94D9-47EB-A83B-48EA7E2BC6A8}" presName="compNode" presStyleCnt="0"/>
+      <dgm:spPr/>
+    </dgm:pt>
+    <dgm:pt modelId="{D1340BD3-7BE4-45A1-A996-C7DD5FD322C6}" type="pres">
+      <dgm:prSet presAssocID="{85458CEB-94D9-47EB-A83B-48EA7E2BC6A8}" presName="iconBgRect" presStyleLbl="bgShp" presStyleIdx="0" presStyleCnt="2"/>
+      <dgm:spPr/>
+    </dgm:pt>
+    <dgm:pt modelId="{9D1420A8-3BBD-42FB-9C81-2E9679114C01}" type="pres">
+      <dgm:prSet presAssocID="{85458CEB-94D9-47EB-A83B-48EA7E2BC6A8}" presName="iconRect" presStyleLbl="node1" presStyleIdx="0" presStyleCnt="2"/>
+      <dgm:spPr>
+        <a:blipFill>
+          <a:blip xmlns:r="http://schemas.openxmlformats.org/officeDocument/2006/relationships" r:embed="rId1">
+            <a:extLst>
+              <a:ext uri="{28A0092B-C50C-407E-A947-70E740481C1C}">
+                <a14:useLocalDpi xmlns:a14="http://schemas.microsoft.com/office/drawing/2010/main" val="0"/>
+              </a:ext>
+              <a:ext uri="{96DAC541-7B7A-43D3-8B79-37D633B846F1}">
+                <asvg:svgBlip xmlns:asvg="http://schemas.microsoft.com/office/drawing/2016/SVG/main" r:embed="rId2"/>
+              </a:ext>
+            </a:extLst>
+          </a:blip>
+          <a:stretch>
+            <a:fillRect/>
+          </a:stretch>
+        </a:blipFill>
+        <a:ln>
+          <a:noFill/>
+        </a:ln>
+      </dgm:spPr>
+      <dgm:extLst>
+        <a:ext uri="{E40237B7-FDA0-4F09-8148-C483321AD2D9}">
+          <dgm14:cNvPr xmlns:dgm14="http://schemas.microsoft.com/office/drawing/2010/diagram" id="0" name="" descr="Smiling Face with No Fill"/>
+        </a:ext>
+      </dgm:extLst>
+    </dgm:pt>
+    <dgm:pt modelId="{7FF4A6B9-E87E-4BA9-85A5-F31B8B4237C0}" type="pres">
+      <dgm:prSet presAssocID="{85458CEB-94D9-47EB-A83B-48EA7E2BC6A8}" presName="spaceRect" presStyleCnt="0"/>
+      <dgm:spPr/>
+    </dgm:pt>
+    <dgm:pt modelId="{63960624-2314-4466-997E-90A7EBD55DD9}" type="pres">
+      <dgm:prSet presAssocID="{85458CEB-94D9-47EB-A83B-48EA7E2BC6A8}" presName="textRect" presStyleLbl="revTx" presStyleIdx="0" presStyleCnt="2">
+        <dgm:presLayoutVars>
+          <dgm:chMax val="1"/>
+          <dgm:chPref val="1"/>
+        </dgm:presLayoutVars>
+      </dgm:prSet>
+      <dgm:spPr/>
+    </dgm:pt>
+    <dgm:pt modelId="{3668CBDD-C148-4EAF-9847-5D4E2305650D}" type="pres">
+      <dgm:prSet presAssocID="{CBA67F9A-1A12-4EE4-8310-5B914D7913C3}" presName="sibTrans" presStyleLbl="sibTrans2D1" presStyleIdx="0" presStyleCnt="0"/>
+      <dgm:spPr/>
+    </dgm:pt>
+    <dgm:pt modelId="{FAC070DE-0C50-4E95-9885-7AE6E533B024}" type="pres">
+      <dgm:prSet presAssocID="{5DAE2330-6766-4AFD-8DD4-0454C2F9F6A7}" presName="compNode" presStyleCnt="0"/>
+      <dgm:spPr/>
+    </dgm:pt>
+    <dgm:pt modelId="{6DB7707A-B2C7-4C95-9DB5-AB25911D3670}" type="pres">
+      <dgm:prSet presAssocID="{5DAE2330-6766-4AFD-8DD4-0454C2F9F6A7}" presName="iconBgRect" presStyleLbl="bgShp" presStyleIdx="1" presStyleCnt="2"/>
+      <dgm:spPr/>
+    </dgm:pt>
+    <dgm:pt modelId="{E301F710-0060-46CE-B1DD-F75D1EEFFC49}" type="pres">
+      <dgm:prSet presAssocID="{5DAE2330-6766-4AFD-8DD4-0454C2F9F6A7}" presName="iconRect" presStyleLbl="node1" presStyleIdx="1" presStyleCnt="2"/>
+      <dgm:spPr>
+        <a:blipFill>
+          <a:blip xmlns:r="http://schemas.openxmlformats.org/officeDocument/2006/relationships" r:embed="rId3">
+            <a:extLst>
+              <a:ext uri="{28A0092B-C50C-407E-A947-70E740481C1C}">
+                <a14:useLocalDpi xmlns:a14="http://schemas.microsoft.com/office/drawing/2010/main" val="0"/>
+              </a:ext>
+              <a:ext uri="{96DAC541-7B7A-43D3-8B79-37D633B846F1}">
+                <asvg:svgBlip xmlns:asvg="http://schemas.microsoft.com/office/drawing/2016/SVG/main" r:embed="rId4"/>
+              </a:ext>
+            </a:extLst>
+          </a:blip>
+          <a:stretch>
+            <a:fillRect/>
+          </a:stretch>
+        </a:blipFill>
+        <a:ln>
+          <a:noFill/>
+        </a:ln>
+      </dgm:spPr>
+      <dgm:extLst>
+        <a:ext uri="{E40237B7-FDA0-4F09-8148-C483321AD2D9}">
+          <dgm14:cNvPr xmlns:dgm14="http://schemas.microsoft.com/office/drawing/2010/diagram" id="0" name="" descr="Flowchart"/>
+        </a:ext>
+      </dgm:extLst>
+    </dgm:pt>
+    <dgm:pt modelId="{D2444CCC-41EC-46AC-8509-CCCAEAC8F316}" type="pres">
+      <dgm:prSet presAssocID="{5DAE2330-6766-4AFD-8DD4-0454C2F9F6A7}" presName="spaceRect" presStyleCnt="0"/>
+      <dgm:spPr/>
+    </dgm:pt>
+    <dgm:pt modelId="{C2A9E82B-8C60-4527-9574-D55A48FBCF08}" type="pres">
+      <dgm:prSet presAssocID="{5DAE2330-6766-4AFD-8DD4-0454C2F9F6A7}" presName="textRect" presStyleLbl="revTx" presStyleIdx="1" presStyleCnt="2">
+        <dgm:presLayoutVars>
+          <dgm:chMax val="1"/>
+          <dgm:chPref val="1"/>
+        </dgm:presLayoutVars>
+      </dgm:prSet>
+      <dgm:spPr/>
+    </dgm:pt>
+  </dgm:ptLst>
+  <dgm:cxnLst>
+    <dgm:cxn modelId="{34B99806-3D07-4D80-BAE5-400C1806313D}" type="presOf" srcId="{CBA67F9A-1A12-4EE4-8310-5B914D7913C3}" destId="{3668CBDD-C148-4EAF-9847-5D4E2305650D}" srcOrd="0" destOrd="0" presId="urn:microsoft.com/office/officeart/2018/2/layout/IconCircleList"/>
+    <dgm:cxn modelId="{F23D4F8D-51E3-4EF3-B2ED-17FC370F9974}" type="presOf" srcId="{5DAE2330-6766-4AFD-8DD4-0454C2F9F6A7}" destId="{C2A9E82B-8C60-4527-9574-D55A48FBCF08}" srcOrd="0" destOrd="0" presId="urn:microsoft.com/office/officeart/2018/2/layout/IconCircleList"/>
+    <dgm:cxn modelId="{85FD81A1-CDB0-4423-AF9C-80861C6F128E}" type="presOf" srcId="{8294B192-F64A-461D-AD0D-6D41DD8F8F90}" destId="{D1D8707A-1375-418C-B9FD-EE01E8D8BDE3}" srcOrd="0" destOrd="0" presId="urn:microsoft.com/office/officeart/2018/2/layout/IconCircleList"/>
+    <dgm:cxn modelId="{320CDFAA-7921-478F-8681-E852B9676EFD}" srcId="{8294B192-F64A-461D-AD0D-6D41DD8F8F90}" destId="{85458CEB-94D9-47EB-A83B-48EA7E2BC6A8}" srcOrd="0" destOrd="0" parTransId="{0FF9A633-A201-46D4-BDBC-7B8B76105663}" sibTransId="{CBA67F9A-1A12-4EE4-8310-5B914D7913C3}"/>
+    <dgm:cxn modelId="{186BF1D8-2530-43DB-BDA8-DE634C4EFEA4}" type="presOf" srcId="{85458CEB-94D9-47EB-A83B-48EA7E2BC6A8}" destId="{63960624-2314-4466-997E-90A7EBD55DD9}" srcOrd="0" destOrd="0" presId="urn:microsoft.com/office/officeart/2018/2/layout/IconCircleList"/>
+    <dgm:cxn modelId="{D988D6E2-F544-4F2C-921C-5C32364D80B2}" srcId="{8294B192-F64A-461D-AD0D-6D41DD8F8F90}" destId="{5DAE2330-6766-4AFD-8DD4-0454C2F9F6A7}" srcOrd="1" destOrd="0" parTransId="{30DFDD20-4668-4B14-85F4-D5C664DA483C}" sibTransId="{9F64DB21-F84D-45D6-9082-341D9D547EC1}"/>
+    <dgm:cxn modelId="{F885B1C0-4860-4A14-8E2F-F5CAE41FFBD5}" type="presParOf" srcId="{D1D8707A-1375-418C-B9FD-EE01E8D8BDE3}" destId="{9260980D-3065-4CE5-8EC0-CBF890C059ED}" srcOrd="0" destOrd="0" presId="urn:microsoft.com/office/officeart/2018/2/layout/IconCircleList"/>
+    <dgm:cxn modelId="{EBAA6F49-68D6-4533-9D9C-81759416B185}" type="presParOf" srcId="{9260980D-3065-4CE5-8EC0-CBF890C059ED}" destId="{42D89688-65FC-47DC-83E6-FAE475FCFC7D}" srcOrd="0" destOrd="0" presId="urn:microsoft.com/office/officeart/2018/2/layout/IconCircleList"/>
+    <dgm:cxn modelId="{BB897FB2-9CB3-4471-847F-06855254CFE1}" type="presParOf" srcId="{42D89688-65FC-47DC-83E6-FAE475FCFC7D}" destId="{D1340BD3-7BE4-45A1-A996-C7DD5FD322C6}" srcOrd="0" destOrd="0" presId="urn:microsoft.com/office/officeart/2018/2/layout/IconCircleList"/>
+    <dgm:cxn modelId="{DA73DCA0-6AE2-47BF-B074-78DF7C7DEC4E}" type="presParOf" srcId="{42D89688-65FC-47DC-83E6-FAE475FCFC7D}" destId="{9D1420A8-3BBD-42FB-9C81-2E9679114C01}" srcOrd="1" destOrd="0" presId="urn:microsoft.com/office/officeart/2018/2/layout/IconCircleList"/>
+    <dgm:cxn modelId="{1041DD8D-AFF5-4400-9F9D-680F4F014E6F}" type="presParOf" srcId="{42D89688-65FC-47DC-83E6-FAE475FCFC7D}" destId="{7FF4A6B9-E87E-4BA9-85A5-F31B8B4237C0}" srcOrd="2" destOrd="0" presId="urn:microsoft.com/office/officeart/2018/2/layout/IconCircleList"/>
+    <dgm:cxn modelId="{62E171BE-4A7F-4486-B9C0-4A48746A53DA}" type="presParOf" srcId="{42D89688-65FC-47DC-83E6-FAE475FCFC7D}" destId="{63960624-2314-4466-997E-90A7EBD55DD9}" srcOrd="3" destOrd="0" presId="urn:microsoft.com/office/officeart/2018/2/layout/IconCircleList"/>
+    <dgm:cxn modelId="{B0333579-07BF-40EB-9782-23896E849509}" type="presParOf" srcId="{9260980D-3065-4CE5-8EC0-CBF890C059ED}" destId="{3668CBDD-C148-4EAF-9847-5D4E2305650D}" srcOrd="1" destOrd="0" presId="urn:microsoft.com/office/officeart/2018/2/layout/IconCircleList"/>
+    <dgm:cxn modelId="{28D5E91B-2826-4850-9A7F-4D948510FD5E}" type="presParOf" srcId="{9260980D-3065-4CE5-8EC0-CBF890C059ED}" destId="{FAC070DE-0C50-4E95-9885-7AE6E533B024}" srcOrd="2" destOrd="0" presId="urn:microsoft.com/office/officeart/2018/2/layout/IconCircleList"/>
+    <dgm:cxn modelId="{74F79A12-5CD4-405D-98D8-0AAA3BE5955D}" type="presParOf" srcId="{FAC070DE-0C50-4E95-9885-7AE6E533B024}" destId="{6DB7707A-B2C7-4C95-9DB5-AB25911D3670}" srcOrd="0" destOrd="0" presId="urn:microsoft.com/office/officeart/2018/2/layout/IconCircleList"/>
+    <dgm:cxn modelId="{AC443504-3A4B-4FF7-81D0-822AF1A009AE}" type="presParOf" srcId="{FAC070DE-0C50-4E95-9885-7AE6E533B024}" destId="{E301F710-0060-46CE-B1DD-F75D1EEFFC49}" srcOrd="1" destOrd="0" presId="urn:microsoft.com/office/officeart/2018/2/layout/IconCircleList"/>
+    <dgm:cxn modelId="{DBDED463-FD76-4497-90D3-7156E7E3A00E}" type="presParOf" srcId="{FAC070DE-0C50-4E95-9885-7AE6E533B024}" destId="{D2444CCC-41EC-46AC-8509-CCCAEAC8F316}" srcOrd="2" destOrd="0" presId="urn:microsoft.com/office/officeart/2018/2/layout/IconCircleList"/>
+    <dgm:cxn modelId="{1ACD9CBD-52DB-4F85-A679-72DCBBDB8FF1}" type="presParOf" srcId="{FAC070DE-0C50-4E95-9885-7AE6E533B024}" destId="{C2A9E82B-8C60-4527-9574-D55A48FBCF08}" srcOrd="3" destOrd="0" presId="urn:microsoft.com/office/officeart/2018/2/layout/IconCircleList"/>
+  </dgm:cxnLst>
+  <dgm:bg/>
+  <dgm:whole/>
+  <dgm:extLst>
+    <a:ext uri="http://schemas.microsoft.com/office/drawing/2008/diagram">
+      <dsp:dataModelExt xmlns:dsp="http://schemas.microsoft.com/office/drawing/2008/diagram" relId="rId7" minVer="http://schemas.openxmlformats.org/drawingml/2006/diagram"/>
+    </a:ext>
+  </dgm:extLst>
+</dgm:dataModel>
+</file>
+
+<file path=ppt/diagrams/drawing1.xml><?xml version="1.0" encoding="utf-8"?>
+<dsp:drawing xmlns:dgm="http://schemas.openxmlformats.org/drawingml/2006/diagram" xmlns:dsp="http://schemas.microsoft.com/office/drawing/2008/diagram" xmlns:a="http://schemas.openxmlformats.org/drawingml/2006/main">
+  <dsp:spTree>
+    <dsp:nvGrpSpPr>
+      <dsp:cNvPr id="0" name=""/>
+      <dsp:cNvGrpSpPr/>
+    </dsp:nvGrpSpPr>
+    <dsp:grpSpPr/>
+    <dsp:sp modelId="{874C5B21-274B-4B20-9335-4A82A8BB80E4}">
+      <dsp:nvSpPr>
+        <dsp:cNvPr id="0" name=""/>
+        <dsp:cNvSpPr/>
+      </dsp:nvSpPr>
+      <dsp:spPr>
+        <a:xfrm>
+          <a:off x="0" y="31779"/>
+          <a:ext cx="10515600" cy="983384"/>
+        </a:xfrm>
+        <a:prstGeom prst="roundRect">
+          <a:avLst/>
+        </a:prstGeom>
+        <a:solidFill>
+          <a:schemeClr val="accent1">
+            <a:hueOff val="0"/>
+            <a:satOff val="0"/>
+            <a:lumOff val="0"/>
+            <a:alphaOff val="0"/>
+          </a:schemeClr>
+        </a:solidFill>
+        <a:ln w="12700" cap="flat" cmpd="sng" algn="ctr">
+          <a:solidFill>
+            <a:schemeClr val="lt1">
+              <a:hueOff val="0"/>
+              <a:satOff val="0"/>
+              <a:lumOff val="0"/>
+              <a:alphaOff val="0"/>
+            </a:schemeClr>
+          </a:solidFill>
+          <a:prstDash val="solid"/>
+          <a:miter lim="800000"/>
+        </a:ln>
+        <a:effectLst/>
+      </dsp:spPr>
+      <dsp:style>
+        <a:lnRef idx="2">
+          <a:scrgbClr r="0" g="0" b="0"/>
+        </a:lnRef>
+        <a:fillRef idx="1">
+          <a:scrgbClr r="0" g="0" b="0"/>
+        </a:fillRef>
+        <a:effectRef idx="0">
+          <a:scrgbClr r="0" g="0" b="0"/>
+        </a:effectRef>
+        <a:fontRef idx="minor">
+          <a:schemeClr val="lt1"/>
+        </a:fontRef>
+      </dsp:style>
+      <dsp:txBody>
+        <a:bodyPr spcFirstLastPara="0" vert="horz" wrap="square" lIns="156210" tIns="156210" rIns="156210" bIns="156210" numCol="1" spcCol="1270" anchor="ctr" anchorCtr="0">
+          <a:noAutofit/>
+        </a:bodyPr>
+        <a:lstStyle/>
+        <a:p>
+          <a:pPr marL="0" lvl="0" indent="0" algn="l" defTabSz="1822450">
+            <a:lnSpc>
+              <a:spcPct val="90000"/>
+            </a:lnSpc>
+            <a:spcBef>
+              <a:spcPct val="0"/>
+            </a:spcBef>
+            <a:spcAft>
+              <a:spcPct val="35000"/>
+            </a:spcAft>
+            <a:buNone/>
+          </a:pPr>
+          <a:r>
+            <a:rPr lang="en-US" sz="4100" kern="1200"/>
+            <a:t>React </a:t>
+          </a:r>
+        </a:p>
+      </dsp:txBody>
+      <dsp:txXfrm>
+        <a:off x="48005" y="79784"/>
+        <a:ext cx="10419590" cy="887374"/>
+      </dsp:txXfrm>
+    </dsp:sp>
+    <dsp:sp modelId="{357E9CE9-91E0-4D1C-942F-71239156DB5C}">
+      <dsp:nvSpPr>
+        <dsp:cNvPr id="0" name=""/>
+        <dsp:cNvSpPr/>
+      </dsp:nvSpPr>
+      <dsp:spPr>
+        <a:xfrm>
+          <a:off x="0" y="1133244"/>
+          <a:ext cx="10515600" cy="983384"/>
+        </a:xfrm>
+        <a:prstGeom prst="roundRect">
+          <a:avLst/>
+        </a:prstGeom>
+        <a:solidFill>
+          <a:schemeClr val="accent1">
+            <a:hueOff val="0"/>
+            <a:satOff val="0"/>
+            <a:lumOff val="0"/>
+            <a:alphaOff val="0"/>
+          </a:schemeClr>
+        </a:solidFill>
+        <a:ln w="12700" cap="flat" cmpd="sng" algn="ctr">
+          <a:solidFill>
+            <a:schemeClr val="lt1">
+              <a:hueOff val="0"/>
+              <a:satOff val="0"/>
+              <a:lumOff val="0"/>
+              <a:alphaOff val="0"/>
+            </a:schemeClr>
+          </a:solidFill>
+          <a:prstDash val="solid"/>
+          <a:miter lim="800000"/>
+        </a:ln>
+        <a:effectLst/>
+      </dsp:spPr>
+      <dsp:style>
+        <a:lnRef idx="2">
+          <a:scrgbClr r="0" g="0" b="0"/>
+        </a:lnRef>
+        <a:fillRef idx="1">
+          <a:scrgbClr r="0" g="0" b="0"/>
+        </a:fillRef>
+        <a:effectRef idx="0">
+          <a:scrgbClr r="0" g="0" b="0"/>
+        </a:effectRef>
+        <a:fontRef idx="minor">
+          <a:schemeClr val="lt1"/>
+        </a:fontRef>
+      </dsp:style>
+      <dsp:txBody>
+        <a:bodyPr spcFirstLastPara="0" vert="horz" wrap="square" lIns="156210" tIns="156210" rIns="156210" bIns="156210" numCol="1" spcCol="1270" anchor="ctr" anchorCtr="0">
+          <a:noAutofit/>
+        </a:bodyPr>
+        <a:lstStyle/>
+        <a:p>
+          <a:pPr marL="0" lvl="0" indent="0" algn="l" defTabSz="1822450">
+            <a:lnSpc>
+              <a:spcPct val="90000"/>
+            </a:lnSpc>
+            <a:spcBef>
+              <a:spcPct val="0"/>
+            </a:spcBef>
+            <a:spcAft>
+              <a:spcPct val="35000"/>
+            </a:spcAft>
+            <a:buNone/>
+          </a:pPr>
+          <a:r>
+            <a:rPr lang="en-US" sz="4100" kern="1200" dirty="0"/>
+            <a:t>Hibernate </a:t>
+          </a:r>
+        </a:p>
+      </dsp:txBody>
+      <dsp:txXfrm>
+        <a:off x="48005" y="1181249"/>
+        <a:ext cx="10419590" cy="887374"/>
+      </dsp:txXfrm>
+    </dsp:sp>
+    <dsp:sp modelId="{39374A9D-8D0D-4D26-A0EB-5B3774223993}">
+      <dsp:nvSpPr>
+        <dsp:cNvPr id="0" name=""/>
+        <dsp:cNvSpPr/>
+      </dsp:nvSpPr>
+      <dsp:spPr>
+        <a:xfrm>
+          <a:off x="0" y="2234709"/>
+          <a:ext cx="10515600" cy="983384"/>
+        </a:xfrm>
+        <a:prstGeom prst="roundRect">
+          <a:avLst/>
+        </a:prstGeom>
+        <a:solidFill>
+          <a:schemeClr val="accent1">
+            <a:hueOff val="0"/>
+            <a:satOff val="0"/>
+            <a:lumOff val="0"/>
+            <a:alphaOff val="0"/>
+          </a:schemeClr>
+        </a:solidFill>
+        <a:ln w="12700" cap="flat" cmpd="sng" algn="ctr">
+          <a:solidFill>
+            <a:schemeClr val="lt1">
+              <a:hueOff val="0"/>
+              <a:satOff val="0"/>
+              <a:lumOff val="0"/>
+              <a:alphaOff val="0"/>
+            </a:schemeClr>
+          </a:solidFill>
+          <a:prstDash val="solid"/>
+          <a:miter lim="800000"/>
+        </a:ln>
+        <a:effectLst/>
+      </dsp:spPr>
+      <dsp:style>
+        <a:lnRef idx="2">
+          <a:scrgbClr r="0" g="0" b="0"/>
+        </a:lnRef>
+        <a:fillRef idx="1">
+          <a:scrgbClr r="0" g="0" b="0"/>
+        </a:fillRef>
+        <a:effectRef idx="0">
+          <a:scrgbClr r="0" g="0" b="0"/>
+        </a:effectRef>
+        <a:fontRef idx="minor">
+          <a:schemeClr val="lt1"/>
+        </a:fontRef>
+      </dsp:style>
+      <dsp:txBody>
+        <a:bodyPr spcFirstLastPara="0" vert="horz" wrap="square" lIns="156210" tIns="156210" rIns="156210" bIns="156210" numCol="1" spcCol="1270" anchor="ctr" anchorCtr="0">
+          <a:noAutofit/>
+        </a:bodyPr>
+        <a:lstStyle/>
+        <a:p>
+          <a:pPr marL="0" lvl="0" indent="0" algn="l" defTabSz="1822450">
+            <a:lnSpc>
+              <a:spcPct val="90000"/>
+            </a:lnSpc>
+            <a:spcBef>
+              <a:spcPct val="0"/>
+            </a:spcBef>
+            <a:spcAft>
+              <a:spcPct val="35000"/>
+            </a:spcAft>
+            <a:buNone/>
+          </a:pPr>
+          <a:r>
+            <a:rPr lang="en-US" sz="4100" kern="1200" dirty="0"/>
+            <a:t>JUnit </a:t>
+          </a:r>
+        </a:p>
+      </dsp:txBody>
+      <dsp:txXfrm>
+        <a:off x="48005" y="2282714"/>
+        <a:ext cx="10419590" cy="887374"/>
+      </dsp:txXfrm>
+    </dsp:sp>
+    <dsp:sp modelId="{D599FD71-221B-4183-8701-C90D5577104E}">
+      <dsp:nvSpPr>
+        <dsp:cNvPr id="0" name=""/>
+        <dsp:cNvSpPr/>
+      </dsp:nvSpPr>
+      <dsp:spPr>
+        <a:xfrm>
+          <a:off x="0" y="3336174"/>
+          <a:ext cx="10515600" cy="983384"/>
+        </a:xfrm>
+        <a:prstGeom prst="roundRect">
+          <a:avLst/>
+        </a:prstGeom>
+        <a:solidFill>
+          <a:schemeClr val="accent1">
+            <a:hueOff val="0"/>
+            <a:satOff val="0"/>
+            <a:lumOff val="0"/>
+            <a:alphaOff val="0"/>
+          </a:schemeClr>
+        </a:solidFill>
+        <a:ln w="12700" cap="flat" cmpd="sng" algn="ctr">
+          <a:solidFill>
+            <a:schemeClr val="lt1">
+              <a:hueOff val="0"/>
+              <a:satOff val="0"/>
+              <a:lumOff val="0"/>
+              <a:alphaOff val="0"/>
+            </a:schemeClr>
+          </a:solidFill>
+          <a:prstDash val="solid"/>
+          <a:miter lim="800000"/>
+        </a:ln>
+        <a:effectLst/>
+      </dsp:spPr>
+      <dsp:style>
+        <a:lnRef idx="2">
+          <a:scrgbClr r="0" g="0" b="0"/>
+        </a:lnRef>
+        <a:fillRef idx="1">
+          <a:scrgbClr r="0" g="0" b="0"/>
+        </a:fillRef>
+        <a:effectRef idx="0">
+          <a:scrgbClr r="0" g="0" b="0"/>
+        </a:effectRef>
+        <a:fontRef idx="minor">
+          <a:schemeClr val="lt1"/>
+        </a:fontRef>
+      </dsp:style>
+      <dsp:txBody>
+        <a:bodyPr spcFirstLastPara="0" vert="horz" wrap="square" lIns="156210" tIns="156210" rIns="156210" bIns="156210" numCol="1" spcCol="1270" anchor="ctr" anchorCtr="0">
+          <a:noAutofit/>
+        </a:bodyPr>
+        <a:lstStyle/>
+        <a:p>
+          <a:pPr marL="0" lvl="0" indent="0" algn="l" defTabSz="1822450">
+            <a:lnSpc>
+              <a:spcPct val="90000"/>
+            </a:lnSpc>
+            <a:spcBef>
+              <a:spcPct val="0"/>
+            </a:spcBef>
+            <a:spcAft>
+              <a:spcPct val="35000"/>
+            </a:spcAft>
+            <a:buNone/>
+          </a:pPr>
+          <a:r>
+            <a:rPr lang="en-US" sz="4100" kern="1200" dirty="0"/>
+            <a:t>Dictionary API </a:t>
+          </a:r>
+        </a:p>
+      </dsp:txBody>
+      <dsp:txXfrm>
+        <a:off x="48005" y="3384179"/>
+        <a:ext cx="10419590" cy="887374"/>
+      </dsp:txXfrm>
+    </dsp:sp>
+  </dsp:spTree>
+</dsp:drawing>
+</file>
+
+<file path=ppt/diagrams/drawing2.xml><?xml version="1.0" encoding="utf-8"?>
+<dsp:drawing xmlns:dgm="http://schemas.openxmlformats.org/drawingml/2006/diagram" xmlns:dsp="http://schemas.microsoft.com/office/drawing/2008/diagram" xmlns:a="http://schemas.openxmlformats.org/drawingml/2006/main">
+  <dsp:spTree>
+    <dsp:nvGrpSpPr>
+      <dsp:cNvPr id="0" name=""/>
+      <dsp:cNvGrpSpPr/>
+    </dsp:nvGrpSpPr>
+    <dsp:grpSpPr/>
+    <dsp:sp modelId="{D1340BD3-7BE4-45A1-A996-C7DD5FD322C6}">
+      <dsp:nvSpPr>
+        <dsp:cNvPr id="0" name=""/>
+        <dsp:cNvSpPr/>
+      </dsp:nvSpPr>
+      <dsp:spPr>
+        <a:xfrm>
+          <a:off x="60328" y="1344156"/>
+          <a:ext cx="687606" cy="687606"/>
+        </a:xfrm>
+        <a:prstGeom prst="ellipse">
+          <a:avLst/>
+        </a:prstGeom>
+        <a:solidFill>
+          <a:schemeClr val="bg1">
+            <a:lumMod val="95000"/>
+            <a:hueOff val="0"/>
+            <a:satOff val="0"/>
+            <a:lumOff val="0"/>
+            <a:alphaOff val="0"/>
+          </a:schemeClr>
+        </a:solidFill>
+        <a:ln>
+          <a:noFill/>
+        </a:ln>
+        <a:effectLst/>
+      </dsp:spPr>
+      <dsp:style>
+        <a:lnRef idx="0">
+          <a:scrgbClr r="0" g="0" b="0"/>
+        </a:lnRef>
+        <a:fillRef idx="1">
+          <a:scrgbClr r="0" g="0" b="0"/>
+        </a:fillRef>
+        <a:effectRef idx="0">
+          <a:scrgbClr r="0" g="0" b="0"/>
+        </a:effectRef>
+        <a:fontRef idx="minor"/>
+      </dsp:style>
+    </dsp:sp>
+    <dsp:sp modelId="{9D1420A8-3BBD-42FB-9C81-2E9679114C01}">
+      <dsp:nvSpPr>
+        <dsp:cNvPr id="0" name=""/>
+        <dsp:cNvSpPr/>
+      </dsp:nvSpPr>
+      <dsp:spPr>
+        <a:xfrm>
+          <a:off x="204725" y="1488554"/>
+          <a:ext cx="398811" cy="398811"/>
+        </a:xfrm>
+        <a:prstGeom prst="rect">
+          <a:avLst/>
+        </a:prstGeom>
+        <a:blipFill>
+          <a:blip xmlns:r="http://schemas.openxmlformats.org/officeDocument/2006/relationships" r:embed="rId1">
+            <a:extLst>
+              <a:ext uri="{28A0092B-C50C-407E-A947-70E740481C1C}">
+                <a14:useLocalDpi xmlns:a14="http://schemas.microsoft.com/office/drawing/2010/main" val="0"/>
+              </a:ext>
+              <a:ext uri="{96DAC541-7B7A-43D3-8B79-37D633B846F1}">
+                <asvg:svgBlip xmlns:asvg="http://schemas.microsoft.com/office/drawing/2016/SVG/main" r:embed="rId2"/>
+              </a:ext>
+            </a:extLst>
+          </a:blip>
+          <a:stretch>
+            <a:fillRect/>
+          </a:stretch>
+        </a:blipFill>
+        <a:ln w="12700" cap="flat" cmpd="sng" algn="ctr">
+          <a:noFill/>
+          <a:prstDash val="solid"/>
+          <a:miter lim="800000"/>
+        </a:ln>
+        <a:effectLst/>
+      </dsp:spPr>
+      <dsp:style>
+        <a:lnRef idx="2">
+          <a:scrgbClr r="0" g="0" b="0"/>
+        </a:lnRef>
+        <a:fillRef idx="1">
+          <a:scrgbClr r="0" g="0" b="0"/>
+        </a:fillRef>
+        <a:effectRef idx="0">
+          <a:scrgbClr r="0" g="0" b="0"/>
+        </a:effectRef>
+        <a:fontRef idx="minor">
+          <a:schemeClr val="lt1"/>
+        </a:fontRef>
+      </dsp:style>
+    </dsp:sp>
+    <dsp:sp modelId="{63960624-2314-4466-997E-90A7EBD55DD9}">
+      <dsp:nvSpPr>
+        <dsp:cNvPr id="0" name=""/>
+        <dsp:cNvSpPr/>
+      </dsp:nvSpPr>
+      <dsp:spPr>
+        <a:xfrm>
+          <a:off x="895279" y="1344156"/>
+          <a:ext cx="1620787" cy="687606"/>
+        </a:xfrm>
+        <a:prstGeom prst="rect">
+          <a:avLst/>
+        </a:prstGeom>
+        <a:noFill/>
+        <a:ln>
+          <a:noFill/>
+        </a:ln>
+        <a:effectLst/>
+      </dsp:spPr>
+      <dsp:style>
+        <a:lnRef idx="0">
+          <a:scrgbClr r="0" g="0" b="0"/>
+        </a:lnRef>
+        <a:fillRef idx="0">
+          <a:scrgbClr r="0" g="0" b="0"/>
+        </a:fillRef>
+        <a:effectRef idx="0">
+          <a:scrgbClr r="0" g="0" b="0"/>
+        </a:effectRef>
+        <a:fontRef idx="minor"/>
+      </dsp:style>
+      <dsp:txBody>
+        <a:bodyPr spcFirstLastPara="0" vert="horz" wrap="square" lIns="0" tIns="0" rIns="0" bIns="0" numCol="1" spcCol="1270" anchor="ctr" anchorCtr="0">
+          <a:noAutofit/>
+        </a:bodyPr>
+        <a:lstStyle/>
+        <a:p>
+          <a:pPr marL="0" lvl="0" indent="0" algn="l" defTabSz="488950">
+            <a:lnSpc>
+              <a:spcPct val="90000"/>
+            </a:lnSpc>
+            <a:spcBef>
+              <a:spcPct val="0"/>
+            </a:spcBef>
+            <a:spcAft>
+              <a:spcPct val="35000"/>
+            </a:spcAft>
+            <a:buNone/>
+          </a:pPr>
+          <a:r>
+            <a:rPr lang="en-US" sz="1100" kern="1200"/>
+            <a:t>There is a lot of room to add some extra fun details in the future</a:t>
+          </a:r>
+        </a:p>
+      </dsp:txBody>
+      <dsp:txXfrm>
+        <a:off x="895279" y="1344156"/>
+        <a:ext cx="1620787" cy="687606"/>
+      </dsp:txXfrm>
+    </dsp:sp>
+    <dsp:sp modelId="{6DB7707A-B2C7-4C95-9DB5-AB25911D3670}">
+      <dsp:nvSpPr>
+        <dsp:cNvPr id="0" name=""/>
+        <dsp:cNvSpPr/>
+      </dsp:nvSpPr>
+      <dsp:spPr>
+        <a:xfrm>
+          <a:off x="2798476" y="1344156"/>
+          <a:ext cx="687606" cy="687606"/>
+        </a:xfrm>
+        <a:prstGeom prst="ellipse">
+          <a:avLst/>
+        </a:prstGeom>
+        <a:solidFill>
+          <a:schemeClr val="bg1">
+            <a:lumMod val="95000"/>
+            <a:hueOff val="0"/>
+            <a:satOff val="0"/>
+            <a:lumOff val="0"/>
+            <a:alphaOff val="0"/>
+          </a:schemeClr>
+        </a:solidFill>
+        <a:ln>
+          <a:noFill/>
+        </a:ln>
+        <a:effectLst/>
+      </dsp:spPr>
+      <dsp:style>
+        <a:lnRef idx="0">
+          <a:scrgbClr r="0" g="0" b="0"/>
+        </a:lnRef>
+        <a:fillRef idx="1">
+          <a:scrgbClr r="0" g="0" b="0"/>
+        </a:fillRef>
+        <a:effectRef idx="0">
+          <a:scrgbClr r="0" g="0" b="0"/>
+        </a:effectRef>
+        <a:fontRef idx="minor"/>
+      </dsp:style>
+    </dsp:sp>
+    <dsp:sp modelId="{E301F710-0060-46CE-B1DD-F75D1EEFFC49}">
+      <dsp:nvSpPr>
+        <dsp:cNvPr id="0" name=""/>
+        <dsp:cNvSpPr/>
+      </dsp:nvSpPr>
+      <dsp:spPr>
+        <a:xfrm>
+          <a:off x="2942873" y="1488554"/>
+          <a:ext cx="398811" cy="398811"/>
+        </a:xfrm>
+        <a:prstGeom prst="rect">
+          <a:avLst/>
+        </a:prstGeom>
+        <a:blipFill>
+          <a:blip xmlns:r="http://schemas.openxmlformats.org/officeDocument/2006/relationships" r:embed="rId3">
+            <a:extLst>
+              <a:ext uri="{28A0092B-C50C-407E-A947-70E740481C1C}">
+                <a14:useLocalDpi xmlns:a14="http://schemas.microsoft.com/office/drawing/2010/main" val="0"/>
+              </a:ext>
+              <a:ext uri="{96DAC541-7B7A-43D3-8B79-37D633B846F1}">
+                <asvg:svgBlip xmlns:asvg="http://schemas.microsoft.com/office/drawing/2016/SVG/main" r:embed="rId4"/>
+              </a:ext>
+            </a:extLst>
+          </a:blip>
+          <a:stretch>
+            <a:fillRect/>
+          </a:stretch>
+        </a:blipFill>
+        <a:ln w="12700" cap="flat" cmpd="sng" algn="ctr">
+          <a:noFill/>
+          <a:prstDash val="solid"/>
+          <a:miter lim="800000"/>
+        </a:ln>
+        <a:effectLst/>
+      </dsp:spPr>
+      <dsp:style>
+        <a:lnRef idx="2">
+          <a:scrgbClr r="0" g="0" b="0"/>
+        </a:lnRef>
+        <a:fillRef idx="1">
+          <a:scrgbClr r="0" g="0" b="0"/>
+        </a:fillRef>
+        <a:effectRef idx="0">
+          <a:scrgbClr r="0" g="0" b="0"/>
+        </a:effectRef>
+        <a:fontRef idx="minor">
+          <a:schemeClr val="lt1"/>
+        </a:fontRef>
+      </dsp:style>
+    </dsp:sp>
+    <dsp:sp modelId="{C2A9E82B-8C60-4527-9574-D55A48FBCF08}">
+      <dsp:nvSpPr>
+        <dsp:cNvPr id="0" name=""/>
+        <dsp:cNvSpPr/>
+      </dsp:nvSpPr>
+      <dsp:spPr>
+        <a:xfrm>
+          <a:off x="3633427" y="1344156"/>
+          <a:ext cx="1620787" cy="687606"/>
+        </a:xfrm>
+        <a:prstGeom prst="rect">
+          <a:avLst/>
+        </a:prstGeom>
+        <a:noFill/>
+        <a:ln>
+          <a:noFill/>
+        </a:ln>
+        <a:effectLst/>
+      </dsp:spPr>
+      <dsp:style>
+        <a:lnRef idx="0">
+          <a:scrgbClr r="0" g="0" b="0"/>
+        </a:lnRef>
+        <a:fillRef idx="0">
+          <a:scrgbClr r="0" g="0" b="0"/>
+        </a:fillRef>
+        <a:effectRef idx="0">
+          <a:scrgbClr r="0" g="0" b="0"/>
+        </a:effectRef>
+        <a:fontRef idx="minor"/>
+      </dsp:style>
+      <dsp:txBody>
+        <a:bodyPr spcFirstLastPara="0" vert="horz" wrap="square" lIns="0" tIns="0" rIns="0" bIns="0" numCol="1" spcCol="1270" anchor="ctr" anchorCtr="0">
+          <a:noAutofit/>
+        </a:bodyPr>
+        <a:lstStyle/>
+        <a:p>
+          <a:pPr marL="0" lvl="0" indent="0" algn="l" defTabSz="488950">
+            <a:lnSpc>
+              <a:spcPct val="90000"/>
+            </a:lnSpc>
+            <a:spcBef>
+              <a:spcPct val="0"/>
+            </a:spcBef>
+            <a:spcAft>
+              <a:spcPct val="35000"/>
+            </a:spcAft>
+            <a:buNone/>
+          </a:pPr>
+          <a:r>
+            <a:rPr lang="en-US" sz="1100" kern="1200"/>
+            <a:t>Adding some more strings to the database so that there is the ability to create more unique words, and to make each round completely different</a:t>
+          </a:r>
+        </a:p>
+      </dsp:txBody>
+      <dsp:txXfrm>
+        <a:off x="3633427" y="1344156"/>
+        <a:ext cx="1620787" cy="687606"/>
+      </dsp:txXfrm>
+    </dsp:sp>
+  </dsp:spTree>
+</dsp:drawing>
+</file>
+
+<file path=ppt/diagrams/layout1.xml><?xml version="1.0" encoding="utf-8"?>
+<dgm:layoutDef xmlns:dgm="http://schemas.openxmlformats.org/drawingml/2006/diagram" xmlns:a="http://schemas.openxmlformats.org/drawingml/2006/main" uniqueId="urn:microsoft.com/office/officeart/2005/8/layout/vList2">
+  <dgm:title val=""/>
+  <dgm:desc val=""/>
+  <dgm:catLst>
+    <dgm:cat type="list" pri="3000"/>
+    <dgm:cat type="convert" pri="1000"/>
+  </dgm:catLst>
+  <dgm:sampData>
+    <dgm:dataModel>
+      <dgm:ptLst>
+        <dgm:pt modelId="0" type="doc"/>
+        <dgm:pt modelId="1">
+          <dgm:prSet phldr="1"/>
+        </dgm:pt>
+        <dgm:pt modelId="11">
+          <dgm:prSet phldr="1"/>
+        </dgm:pt>
+        <dgm:pt modelId="2">
+          <dgm:prSet phldr="1"/>
+        </dgm:pt>
+        <dgm:pt modelId="21">
+          <dgm:prSet phldr="1"/>
+        </dgm:pt>
+      </dgm:ptLst>
+      <dgm:cxnLst>
+        <dgm:cxn modelId="4" srcId="0" destId="1" srcOrd="0" destOrd="0"/>
+        <dgm:cxn modelId="5" srcId="0" destId="2" srcOrd="1" destOrd="0"/>
+        <dgm:cxn modelId="12" srcId="1" destId="11" srcOrd="0" destOrd="0"/>
+        <dgm:cxn modelId="23" srcId="2" destId="21" srcOrd="0" destOrd="0"/>
+      </dgm:cxnLst>
+      <dgm:bg/>
+      <dgm:whole/>
+    </dgm:dataModel>
+  </dgm:sampData>
+  <dgm:styleData>
+    <dgm:dataModel>
+      <dgm:ptLst>
+        <dgm:pt modelId="0" type="doc"/>
+        <dgm:pt modelId="1"/>
+        <dgm:pt modelId="2"/>
+      </dgm:ptLst>
+      <dgm:cxnLst>
+        <dgm:cxn modelId="3" srcId="0" destId="1" srcOrd="0" destOrd="0"/>
+        <dgm:cxn modelId="4" srcId="0" destId="2" srcOrd="1" destOrd="0"/>
+      </dgm:cxnLst>
+      <dgm:bg/>
+      <dgm:whole/>
+    </dgm:dataModel>
+  </dgm:styleData>
+  <dgm:clrData>
+    <dgm:dataModel>
+      <dgm:ptLst>
+        <dgm:pt modelId="0" type="doc"/>
+        <dgm:pt modelId="1"/>
+        <dgm:pt modelId="2"/>
+        <dgm:pt modelId="3"/>
+        <dgm:pt modelId="4"/>
+      </dgm:ptLst>
+      <dgm:cxnLst>
+        <dgm:cxn modelId="5" srcId="0" destId="1" srcOrd="0" destOrd="0"/>
+        <dgm:cxn modelId="6" srcId="0" destId="2" srcOrd="1" destOrd="0"/>
+        <dgm:cxn modelId="7" srcId="0" destId="3" srcOrd="2" destOrd="0"/>
+        <dgm:cxn modelId="8" srcId="0" destId="4" srcOrd="3" destOrd="0"/>
+      </dgm:cxnLst>
+      <dgm:bg/>
+      <dgm:whole/>
+    </dgm:dataModel>
+  </dgm:clrData>
+  <dgm:layoutNode name="linear">
+    <dgm:varLst>
+      <dgm:animLvl val="lvl"/>
+      <dgm:resizeHandles val="exact"/>
+    </dgm:varLst>
+    <dgm:alg type="lin">
+      <dgm:param type="linDir" val="fromT"/>
+      <dgm:param type="vertAlign" val="mid"/>
+    </dgm:alg>
+    <dgm:shape xmlns:r="http://schemas.openxmlformats.org/officeDocument/2006/relationships" r:blip="">
+      <dgm:adjLst/>
+    </dgm:shape>
+    <dgm:presOf/>
+    <dgm:constrLst>
+      <dgm:constr type="w" for="ch" forName="parentText" refType="w"/>
+      <dgm:constr type="h" for="ch" forName="parentText" refType="primFontSz" refFor="ch" refForName="parentText" fact="0.52"/>
+      <dgm:constr type="w" for="ch" forName="childText" refType="w"/>
+      <dgm:constr type="h" for="ch" forName="childText" refType="primFontSz" refFor="ch" refForName="parentText" fact="0.46"/>
+      <dgm:constr type="h" for="ch" forName="parentText" op="equ"/>
+      <dgm:constr type="primFontSz" for="ch" forName="parentText" op="equ" val="65"/>
+      <dgm:constr type="primFontSz" for="ch" forName="childText" refType="primFontSz" refFor="ch" refForName="parentText" op="equ"/>
+      <dgm:constr type="h" for="ch" forName="spacer" refType="primFontSz" refFor="ch" refForName="parentText" fact="0.08"/>
+    </dgm:constrLst>
+    <dgm:ruleLst>
+      <dgm:rule type="primFontSz" for="ch" forName="parentText" val="5" fact="NaN" max="NaN"/>
+    </dgm:ruleLst>
+    <dgm:forEach name="Name0" axis="ch" ptType="node">
+      <dgm:layoutNode name="parentText" styleLbl="node1">
+        <dgm:varLst>
+          <dgm:chMax val="0"/>
+          <dgm:bulletEnabled val="1"/>
+        </dgm:varLst>
+        <dgm:alg type="tx">
+          <dgm:param type="parTxLTRAlign" val="l"/>
+          <dgm:param type="parTxRTLAlign" val="r"/>
+        </dgm:alg>
+        <dgm:shape xmlns:r="http://schemas.openxmlformats.org/officeDocument/2006/relationships" type="roundRect" r:blip="">
+          <dgm:adjLst/>
+        </dgm:shape>
+        <dgm:presOf axis="self"/>
+        <dgm:constrLst>
+          <dgm:constr type="tMarg" refType="primFontSz" fact="0.3"/>
+          <dgm:constr type="bMarg" refType="primFontSz" fact="0.3"/>
+          <dgm:constr type="lMarg" refType="primFontSz" fact="0.3"/>
+          <dgm:constr type="rMarg" refType="primFontSz" fact="0.3"/>
+        </dgm:constrLst>
+        <dgm:ruleLst>
+          <dgm:rule type="h" val="INF" fact="NaN" max="NaN"/>
+        </dgm:ruleLst>
+      </dgm:layoutNode>
+      <dgm:choose name="Name1">
+        <dgm:if name="Name2" axis="ch" ptType="node" func="cnt" op="gte" val="1">
+          <dgm:layoutNode name="childText" styleLbl="revTx">
+            <dgm:varLst>
+              <dgm:bulletEnabled val="1"/>
+            </dgm:varLst>
+            <dgm:alg type="tx">
+              <dgm:param type="stBulletLvl" val="1"/>
+              <dgm:param type="lnSpAfChP" val="20"/>
+            </dgm:alg>
+            <dgm:shape xmlns:r="http://schemas.openxmlformats.org/officeDocument/2006/relationships" type="rect" r:blip="">
+              <dgm:adjLst/>
+            </dgm:shape>
+            <dgm:presOf axis="des" ptType="node"/>
+            <dgm:constrLst>
+              <dgm:constr type="tMarg" refType="primFontSz" fact="0.1"/>
+              <dgm:constr type="bMarg" refType="primFontSz" fact="0.1"/>
+              <dgm:constr type="lMarg" refType="w" fact="0.09"/>
+            </dgm:constrLst>
+            <dgm:ruleLst>
+              <dgm:rule type="h" val="INF" fact="NaN" max="NaN"/>
+            </dgm:ruleLst>
+          </dgm:layoutNode>
+        </dgm:if>
+        <dgm:else name="Name3">
+          <dgm:choose name="Name4">
+            <dgm:if name="Name5" axis="par ch" ptType="doc node" func="cnt" op="gte" val="2">
+              <dgm:forEach name="Name6" axis="followSib" ptType="sibTrans" cnt="1">
+                <dgm:layoutNode name="spacer">
+                  <dgm:alg type="sp"/>
+                  <dgm:shape xmlns:r="http://schemas.openxmlformats.org/officeDocument/2006/relationships" r:blip="">
+                    <dgm:adjLst/>
+                  </dgm:shape>
+                  <dgm:presOf/>
+                  <dgm:constrLst/>
+                  <dgm:ruleLst/>
+                </dgm:layoutNode>
+              </dgm:forEach>
+            </dgm:if>
+            <dgm:else name="Name7"/>
+          </dgm:choose>
+        </dgm:else>
+      </dgm:choose>
+    </dgm:forEach>
+  </dgm:layoutNode>
+</dgm:layoutDef>
+</file>
+
+<file path=ppt/diagrams/layout2.xml><?xml version="1.0" encoding="utf-8"?>
+<dgm:layoutDef xmlns:dgm="http://schemas.openxmlformats.org/drawingml/2006/diagram" xmlns:a="http://schemas.openxmlformats.org/drawingml/2006/main" uniqueId="urn:microsoft.com/office/officeart/2018/2/layout/IconCircleList">
+  <dgm:title val="Icon Circle List"/>
+  <dgm:desc val="Use to show non-sequential or grouped chunks of information accompanied by related visuals. Circular shapes can hold an icon or small picture and corresponding text box shows Level 1 text. Works best for icons or small pictures with medium-length descriptions."/>
+  <dgm:catLst>
+    <dgm:cat type="icon" pri="500"/>
+  </dgm:catLst>
+  <dgm:sampData useDef="1">
+    <dgm:dataModel>
+      <dgm:ptLst/>
+      <dgm:bg/>
+      <dgm:whole/>
+    </dgm:dataModel>
+  </dgm:sampData>
+  <dgm:styleData useDef="1">
+    <dgm:dataModel>
+      <dgm:ptLst/>
+      <dgm:bg/>
+      <dgm:whole/>
+    </dgm:dataModel>
+  </dgm:styleData>
+  <dgm:clrData useDef="1">
+    <dgm:dataModel>
+      <dgm:ptLst/>
+      <dgm:bg/>
+      <dgm:whole/>
+    </dgm:dataModel>
+  </dgm:clrData>
+  <dgm:layoutNode name="root">
+    <dgm:varLst>
+      <dgm:dir/>
+      <dgm:resizeHandles val="exact"/>
+    </dgm:varLst>
+    <dgm:alg type="sp"/>
+    <dgm:shape xmlns:r="http://schemas.openxmlformats.org/officeDocument/2006/relationships" r:blip="">
+      <dgm:adjLst/>
+    </dgm:shape>
+    <dgm:presOf/>
+    <dgm:choose name="Name0">
+      <dgm:if name="Name1" axis="ch" ptType="node" func="cnt" op="lte" val="3">
+        <dgm:constrLst>
+          <dgm:constr type="w" for="ch" forName="container" refType="w"/>
+          <dgm:constr type="h" for="ch" forName="container" refType="h" fact="0.4"/>
+        </dgm:constrLst>
+      </dgm:if>
+      <dgm:else name="Name2">
+        <dgm:constrLst>
+          <dgm:constr type="w" for="ch" forName="container" refType="w"/>
+          <dgm:constr type="h" for="ch" forName="container" refType="h"/>
+        </dgm:constrLst>
+      </dgm:else>
+    </dgm:choose>
+    <dgm:ruleLst>
+      <dgm:rule type="h" for="ch" forName="container" val="INF" fact="NaN" max="NaN"/>
+    </dgm:ruleLst>
+    <dgm:layoutNode name="container">
+      <dgm:varLst>
+        <dgm:dir/>
+        <dgm:resizeHandles val="exact"/>
+      </dgm:varLst>
+      <dgm:choose name="Name3">
+        <dgm:if name="Name4" axis="self" func="var" arg="dir" op="equ" val="norm">
+          <dgm:alg type="snake">
+            <dgm:param type="grDir" val="tL"/>
+            <dgm:param type="flowDir" val="row"/>
+            <dgm:param type="contDir" val="sameDir"/>
+          </dgm:alg>
+        </dgm:if>
+        <dgm:else name="Name5">
+          <dgm:alg type="snake">
+            <dgm:param type="grDir" val="tR"/>
+            <dgm:param type="flowDir" val="row"/>
+            <dgm:param type="contDir" val="sameDir"/>
+          </dgm:alg>
+        </dgm:else>
+      </dgm:choose>
+      <dgm:shape xmlns:r="http://schemas.openxmlformats.org/officeDocument/2006/relationships" r:blip="">
+        <dgm:adjLst/>
+      </dgm:shape>
+      <dgm:presOf/>
+      <dgm:constrLst>
+        <dgm:constr type="w" for="ch" forName="compNode" refType="w"/>
+        <dgm:constr type="h" for="ch" forName="compNode" refType="w" fact="0.28"/>
+        <dgm:constr type="w" for="ch" forName="sibTrans" refType="w" refFor="ch" refForName="compNode" fact="0.115"/>
+        <dgm:constr type="sp" refType="h" op="equ" fact="0.17"/>
+        <dgm:constr type="primFontSz" for="des" ptType="node" op="equ" val="24"/>
+        <dgm:constr type="h" for="des" forName="compNode" op="equ"/>
+        <dgm:constr type="h" for="des" forName="iconBgRect" op="equ"/>
+      </dgm:constrLst>
+      <dgm:ruleLst>
+        <dgm:rule type="w" for="ch" forName="compNode" val="60" fact="NaN" max="NaN"/>
+      </dgm:ruleLst>
+      <dgm:forEach name="Name6" axis="ch" ptType="node">
+        <dgm:layoutNode name="compNode">
+          <dgm:alg type="composite"/>
+          <dgm:shape xmlns:r="http://schemas.openxmlformats.org/officeDocument/2006/relationships" r:blip="">
+            <dgm:adjLst/>
+          </dgm:shape>
+          <dgm:presOf axis="self"/>
+          <dgm:constrLst>
+            <dgm:constr type="w" for="ch" forName="iconBgRect" refType="w" fact="0.28"/>
+            <dgm:constr type="h" for="ch" forName="iconBgRect" refType="w" refFor="ch" refForName="iconBgRect"/>
+            <dgm:constr type="t" for="ch" forName="iconBgRect"/>
+            <dgm:constr type="l" for="ch" forName="iconBgRect"/>
+            <dgm:constr type="w" for="ch" forName="iconRect" refType="w" refFor="ch" refForName="iconBgRect" fact="0.58"/>
+            <dgm:constr type="h" for="ch" forName="iconRect" refType="w" refFor="ch" refForName="iconRect"/>
+            <dgm:constr type="ctrX" for="ch" forName="iconRect" refType="ctrX" refFor="ch" refForName="iconBgRect"/>
+            <dgm:constr type="ctrY" for="ch" forName="iconRect" refType="ctrY" refFor="ch" refForName="iconBgRect"/>
+            <dgm:constr type="w" for="ch" forName="spaceRect" refType="w" fact="0.06"/>
+            <dgm:constr type="h" for="ch" forName="spaceRect" refType="h" refFor="ch" refForName="iconBgRect"/>
+            <dgm:constr type="t" for="ch" forName="spaceRect" refType="t" refFor="ch" refForName="iconBgRect"/>
+            <dgm:constr type="l" for="ch" forName="spaceRect" refType="r" refFor="ch" refForName="iconBgRect"/>
+            <dgm:constr type="h" for="ch" forName="textRect" refType="h" refFor="ch" refForName="iconBgRect"/>
+            <dgm:constr type="t" for="ch" forName="textRect" refType="t" refFor="ch" refForName="iconBgRect"/>
+            <dgm:constr type="l" for="ch" forName="textRect" refType="r" refFor="ch" refForName="spaceRect"/>
+          </dgm:constrLst>
+          <dgm:ruleLst/>
+          <dgm:layoutNode name="iconBgRect" styleLbl="bgShp">
+            <dgm:alg type="sp"/>
+            <dgm:shape xmlns:r="http://schemas.openxmlformats.org/officeDocument/2006/relationships" type="ellipse" r:blip="">
+              <dgm:adjLst/>
+            </dgm:shape>
+            <dgm:presOf/>
+            <dgm:constrLst/>
+            <dgm:ruleLst/>
+          </dgm:layoutNode>
+          <dgm:layoutNode name="iconRect" styleLbl="node1">
+            <dgm:alg type="sp"/>
+            <dgm:shape xmlns:r="http://schemas.openxmlformats.org/officeDocument/2006/relationships" type="rect" r:blip="" blipPhldr="1">
+              <dgm:adjLst/>
+            </dgm:shape>
+            <dgm:presOf/>
+            <dgm:constrLst/>
+            <dgm:ruleLst/>
+          </dgm:layoutNode>
+          <dgm:layoutNode name="spaceRect">
+            <dgm:alg type="sp"/>
+            <dgm:shape xmlns:r="http://schemas.openxmlformats.org/officeDocument/2006/relationships" r:blip="">
+              <dgm:adjLst/>
+            </dgm:shape>
+            <dgm:presOf/>
+            <dgm:constrLst/>
+            <dgm:ruleLst/>
+          </dgm:layoutNode>
+          <dgm:layoutNode name="textRect" styleLbl="revTx">
+            <dgm:varLst>
+              <dgm:chMax val="1"/>
+              <dgm:chPref val="1"/>
+            </dgm:varLst>
+            <dgm:choose name="Name7">
+              <dgm:if name="Name8" func="var" arg="dir" op="equ" val="norm">
+                <dgm:alg type="tx">
+                  <dgm:param type="txAnchorVert" val="mid"/>
+                  <dgm:param type="parTxLTRAlign" val="l"/>
+                  <dgm:param type="shpTxLTRAlignCh" val="l"/>
+                  <dgm:param type="parTxRTLAlign" val="l"/>
+                  <dgm:param type="shpTxRTLAlignCh" val="l"/>
+                </dgm:alg>
+              </dgm:if>
+              <dgm:else name="Name9">
+                <dgm:alg type="tx">
+                  <dgm:param type="txAnchorVert" val="mid"/>
+                  <dgm:param type="parTxLTRAlign" val="r"/>
+                  <dgm:param type="shpTxLTRAlignCh" val="r"/>
+                  <dgm:param type="parTxRTLAlign" val="r"/>
+                  <dgm:param type="shpTxRTLAlignCh" val="r"/>
+                </dgm:alg>
+              </dgm:else>
+            </dgm:choose>
+            <dgm:shape xmlns:r="http://schemas.openxmlformats.org/officeDocument/2006/relationships" type="rect" r:blip="">
+              <dgm:adjLst/>
+            </dgm:shape>
+            <dgm:presOf axis="self" ptType="node"/>
+            <dgm:constrLst>
+              <dgm:constr type="lMarg"/>
+              <dgm:constr type="rMarg"/>
+              <dgm:constr type="tMarg"/>
+              <dgm:constr type="bMarg"/>
+            </dgm:constrLst>
+            <dgm:ruleLst>
+              <dgm:rule type="primFontSz" val="11" fact="NaN" max="NaN"/>
+            </dgm:ruleLst>
+          </dgm:layoutNode>
+        </dgm:layoutNode>
+        <dgm:forEach name="Name10" axis="followSib" ptType="sibTrans" cnt="1">
+          <dgm:layoutNode name="sibTrans">
+            <dgm:alg type="sp"/>
+            <dgm:shape xmlns:r="http://schemas.openxmlformats.org/officeDocument/2006/relationships" type="rect" r:blip="" hideGeom="1">
+              <dgm:adjLst/>
+            </dgm:shape>
+            <dgm:presOf axis="self"/>
+            <dgm:constrLst/>
+            <dgm:ruleLst/>
+          </dgm:layoutNode>
+        </dgm:forEach>
+      </dgm:forEach>
+    </dgm:layoutNode>
+  </dgm:layoutNode>
+  <dgm:extLst>
+    <a:ext uri="{68A01E43-0DF5-4B5B-8FA6-DAF915123BFB}">
+      <dgm1612:lstStyle xmlns:dgm1612="http://schemas.microsoft.com/office/drawing/2016/12/diagram">
+        <a:lvl1pPr>
+          <a:lnSpc>
+            <a:spcPct val="100000"/>
+          </a:lnSpc>
+        </a:lvl1pPr>
+      </dgm1612:lstStyle>
+    </a:ext>
+  </dgm:extLst>
+</dgm:layoutDef>
+</file>
+
+<file path=ppt/diagrams/quickStyle1.xml><?xml version="1.0" encoding="utf-8"?>
+<dgm:styleDef xmlns:dgm="http://schemas.openxmlformats.org/drawingml/2006/diagram" xmlns:a="http://schemas.openxmlformats.org/drawingml/2006/main" uniqueId="urn:microsoft.com/office/officeart/2005/8/quickstyle/simple1">
+  <dgm:title val=""/>
+  <dgm:desc val=""/>
+  <dgm:catLst>
+    <dgm:cat type="simple" pri="10100"/>
+  </dgm:catLst>
+  <dgm:scene3d>
+    <a:camera prst="orthographicFront"/>
+    <a:lightRig rig="threePt" dir="t"/>
+  </dgm:scene3d>
+  <dgm:styleLbl name="node0">
+    <dgm:scene3d>
+      <a:camera prst="orthographicFront"/>
+      <a:lightRig rig="threePt" dir="t"/>
+    </dgm:scene3d>
+    <dgm:sp3d/>
+    <dgm:txPr/>
+    <dgm:style>
+      <a:lnRef idx="2">
+        <a:scrgbClr r="0" g="0" b="0"/>
+      </a:lnRef>
+      <a:fillRef idx="1">
+        <a:scrgbClr r="0" g="0" b="0"/>
+      </a:fillRef>
+      <a:effectRef idx="0">
+        <a:scrgbClr r="0" g="0" b="0"/>
+      </a:effectRef>
+      <a:fontRef idx="minor">
+        <a:schemeClr val="lt1"/>
+      </a:fontRef>
+    </dgm:style>
+  </dgm:styleLbl>
+  <dgm:styleLbl name="lnNode1">
+    <dgm:scene3d>
+      <a:camera prst="orthographicFront"/>
+      <a:lightRig rig="threePt" dir="t"/>
+    </dgm:scene3d>
+    <dgm:sp3d/>
+    <dgm:txPr/>
+    <dgm:style>
+      <a:lnRef idx="2">
+        <a:scrgbClr r="0" g="0" b="0"/>
+      </a:lnRef>
+      <a:fillRef idx="1">
+        <a:scrgbClr r="0" g="0" b="0"/>
+      </a:fillRef>
+      <a:effectRef idx="0">
+        <a:scrgbClr r="0" g="0" b="0"/>
+      </a:effectRef>
+      <a:fontRef idx="minor">
+        <a:schemeClr val="lt1"/>
+      </a:fontRef>
+    </dgm:style>
+  </dgm:styleLbl>
+  <dgm:styleLbl name="vennNode1">
+    <dgm:scene3d>
+      <a:camera prst="orthographicFront"/>
+      <a:lightRig rig="threePt" dir="t"/>
+    </dgm:scene3d>
+    <dgm:sp3d/>
+    <dgm:txPr/>
+    <dgm:style>
+      <a:lnRef idx="2">
+        <a:scrgbClr r="0" g="0" b="0"/>
+      </a:lnRef>
+      <a:fillRef idx="1">
+        <a:scrgbClr r="0" g="0" b="0"/>
+      </a:fillRef>
+      <a:effectRef idx="0">
+        <a:scrgbClr r="0" g="0" b="0"/>
+      </a:effectRef>
+      <a:fontRef idx="minor">
+        <a:schemeClr val="tx1"/>
+      </a:fontRef>
+    </dgm:style>
+  </dgm:styleLbl>
+  <dgm:styleLbl name="alignNode1">
+    <dgm:scene3d>
+      <a:camera prst="orthographicFront"/>
+      <a:lightRig rig="threePt" dir="t"/>
+    </dgm:scene3d>
+    <dgm:sp3d/>
+    <dgm:txPr/>
+    <dgm:style>
+      <a:lnRef idx="2">
+        <a:scrgbClr r="0" g="0" b="0"/>
+      </a:lnRef>
+      <a:fillRef idx="1">
+        <a:scrgbClr r="0" g="0" b="0"/>
+      </a:fillRef>
+      <a:effectRef idx="0">
+        <a:scrgbClr r="0" g="0" b="0"/>
+      </a:effectRef>
+      <a:fontRef idx="minor">
+        <a:schemeClr val="lt1"/>
+      </a:fontRef>
+    </dgm:style>
+  </dgm:styleLbl>
+  <dgm:styleLbl name="node1">
+    <dgm:scene3d>
+      <a:camera prst="orthographicFront"/>
+      <a:lightRig rig="threePt" dir="t"/>
+    </dgm:scene3d>
+    <dgm:sp3d/>
+    <dgm:txPr/>
+    <dgm:style>
+      <a:lnRef idx="2">
+        <a:scrgbClr r="0" g="0" b="0"/>
+      </a:lnRef>
+      <a:fillRef idx="1">
+        <a:scrgbClr r="0" g="0" b="0"/>
+      </a:fillRef>
+      <a:effectRef idx="0">
+        <a:scrgbClr r="0" g="0" b="0"/>
+      </a:effectRef>
+      <a:fontRef idx="minor">
+        <a:schemeClr val="lt1"/>
+      </a:fontRef>
+    </dgm:style>
+  </dgm:styleLbl>
+  <dgm:styleLbl name="node2">
+    <dgm:scene3d>
+      <a:camera prst="orthographicFront"/>
+      <a:lightRig rig="threePt" dir="t"/>
+    </dgm:scene3d>
+    <dgm:sp3d/>
+    <dgm:txPr/>
+    <dgm:style>
+      <a:lnRef idx="2">
+        <a:scrgbClr r="0" g="0" b="0"/>
+      </a:lnRef>
+      <a:fillRef idx="1">
+        <a:scrgbClr r="0" g="0" b="0"/>
+      </a:fillRef>
+      <a:effectRef idx="0">
+        <a:scrgbClr r="0" g="0" b="0"/>
+      </a:effectRef>
+      <a:fontRef idx="minor">
+        <a:schemeClr val="lt1"/>
+      </a:fontRef>
+    </dgm:style>
+  </dgm:styleLbl>
+  <dgm:styleLbl name="node3">
+    <dgm:scene3d>
+      <a:camera prst="orthographicFront"/>
+      <a:lightRig rig="threePt" dir="t"/>
+    </dgm:scene3d>
+    <dgm:sp3d/>
+    <dgm:txPr/>
+    <dgm:style>
+      <a:lnRef idx="2">
+        <a:scrgbClr r="0" g="0" b="0"/>
+      </a:lnRef>
+      <a:fillRef idx="1">
+        <a:scrgbClr r="0" g="0" b="0"/>
+      </a:fillRef>
+      <a:effectRef idx="0">
+        <a:scrgbClr r="0" g="0" b="0"/>
+      </a:effectRef>
+      <a:fontRef idx="minor">
+        <a:schemeClr val="lt1"/>
+      </a:fontRef>
+    </dgm:style>
+  </dgm:styleLbl>
+  <dgm:styleLbl name="node4">
+    <dgm:scene3d>
+      <a:camera prst="orthographicFront"/>
+      <a:lightRig rig="threePt" dir="t"/>
+    </dgm:scene3d>
+    <dgm:sp3d/>
+    <dgm:txPr/>
+    <dgm:style>
+      <a:lnRef idx="2">
+        <a:scrgbClr r="0" g="0" b="0"/>
+      </a:lnRef>
+      <a:fillRef idx="1">
+        <a:scrgbClr r="0" g="0" b="0"/>
+      </a:fillRef>
+      <a:effectRef idx="0">
+        <a:scrgbClr r="0" g="0" b="0"/>
+      </a:effectRef>
+      <a:fontRef idx="minor">
+        <a:schemeClr val="lt1"/>
+      </a:fontRef>
+    </dgm:style>
+  </dgm:styleLbl>
+  <dgm:styleLbl name="fgImgPlace1">
+    <dgm:scene3d>
+      <a:camera prst="orthographicFront"/>
+      <a:lightRig rig="threePt" dir="t"/>
+    </dgm:scene3d>
+    <dgm:sp3d/>
+    <dgm:txPr/>
+    <dgm:style>
+      <a:lnRef idx="2">
+        <a:scrgbClr r="0" g="0" b="0"/>
+      </a:lnRef>
+      <a:fillRef idx="1">
+        <a:scrgbClr r="0" g="0" b="0"/>
+      </a:fillRef>
+      <a:effectRef idx="0">
+        <a:scrgbClr r="0" g="0" b="0"/>
+      </a:effectRef>
+      <a:fontRef idx="minor"/>
+    </dgm:style>
+  </dgm:styleLbl>
+  <dgm:styleLbl name="alignImgPlace1">
+    <dgm:scene3d>
+      <a:camera prst="orthographicFront"/>
+      <a:lightRig rig="threePt" dir="t"/>
+    </dgm:scene3d>
+    <dgm:sp3d/>
+    <dgm:txPr/>
+    <dgm:style>
+      <a:lnRef idx="2">
+        <a:scrgbClr r="0" g="0" b="0"/>
+      </a:lnRef>
+      <a:fillRef idx="1">
+        <a:scrgbClr r="0" g="0" b="0"/>
+      </a:fillRef>
+      <a:effectRef idx="0">
+        <a:scrgbClr r="0" g="0" b="0"/>
+      </a:effectRef>
+      <a:fontRef idx="minor"/>
+    </dgm:style>
+  </dgm:styleLbl>
+  <dgm:styleLbl name="bgImgPlace1">
+    <dgm:scene3d>
+      <a:camera prst="orthographicFront"/>
+      <a:lightRig rig="threePt" dir="t"/>
+    </dgm:scene3d>
+    <dgm:sp3d/>
+    <dgm:txPr/>
+    <dgm:style>
+      <a:lnRef idx="2">
+        <a:scrgbClr r="0" g="0" b="0"/>
+      </a:lnRef>
+      <a:fillRef idx="1">
+        <a:scrgbClr r="0" g="0" b="0"/>
+      </a:fillRef>
+      <a:effectRef idx="0">
+        <a:scrgbClr r="0" g="0" b="0"/>
+      </a:effectRef>
+      <a:fontRef idx="minor"/>
+    </dgm:style>
+  </dgm:styleLbl>
+  <dgm:styleLbl name="sibTrans2D1">
+    <dgm:scene3d>
+      <a:camera prst="orthographicFront"/>
+      <a:lightRig rig="threePt" dir="t"/>
+    </dgm:scene3d>
+    <dgm:sp3d/>
+    <dgm:txPr/>
+    <dgm:style>
+      <a:lnRef idx="0">
+        <a:scrgbClr r="0" g="0" b="0"/>
+      </a:lnRef>
+      <a:fillRef idx="1">
+        <a:scrgbClr r="0" g="0" b="0"/>
+      </a:fillRef>
+      <a:effectRef idx="0">
+        <a:scrgbClr r="0" g="0" b="0"/>
+      </a:effectRef>
+      <a:fontRef idx="minor">
+        <a:schemeClr val="lt1"/>
+      </a:fontRef>
+    </dgm:style>
+  </dgm:styleLbl>
+  <dgm:styleLbl name="fgSibTrans2D1">
+    <dgm:scene3d>
+      <a:camera prst="orthographicFront"/>
+      <a:lightRig rig="threePt" dir="t"/>
+    </dgm:scene3d>
+    <dgm:sp3d/>
+    <dgm:txPr/>
+    <dgm:style>
+      <a:lnRef idx="0">
+        <a:scrgbClr r="0" g="0" b="0"/>
+      </a:lnRef>
+      <a:fillRef idx="1">
+        <a:scrgbClr r="0" g="0" b="0"/>
+      </a:fillRef>
+      <a:effectRef idx="0">
+        <a:scrgbClr r="0" g="0" b="0"/>
+      </a:effectRef>
+      <a:fontRef idx="minor">
+        <a:schemeClr val="lt1"/>
+      </a:fontRef>
+    </dgm:style>
+  </dgm:styleLbl>
+  <dgm:styleLbl name="bgSibTrans2D1">
+    <dgm:scene3d>
+      <a:camera prst="orthographicFront"/>
+      <a:lightRig rig="threePt" dir="t"/>
+    </dgm:scene3d>
+    <dgm:sp3d/>
+    <dgm:txPr/>
+    <dgm:style>
+      <a:lnRef idx="0">
+        <a:scrgbClr r="0" g="0" b="0"/>
+      </a:lnRef>
+      <a:fillRef idx="1">
+        <a:scrgbClr r="0" g="0" b="0"/>
+      </a:fillRef>
+      <a:effectRef idx="0">
+        <a:scrgbClr r="0" g="0" b="0"/>
+      </a:effectRef>
+      <a:fontRef idx="minor">
+        <a:schemeClr val="lt1"/>
+      </a:fontRef>
+    </dgm:style>
+  </dgm:styleLbl>
+  <dgm:styleLbl name="sibTrans1D1">
+    <dgm:scene3d>
+      <a:camera prst="orthographicFront"/>
+      <a:lightRig rig="threePt" dir="t"/>
+    </dgm:scene3d>
+    <dgm:sp3d/>
+    <dgm:txPr/>
+    <dgm:style>
+      <a:lnRef idx="1">
+        <a:scrgbClr r="0" g="0" b="0"/>
+      </a:lnRef>
+      <a:fillRef idx="0">
+        <a:scrgbClr r="0" g="0" b="0"/>
+      </a:fillRef>
+      <a:effectRef idx="0">
+        <a:scrgbClr r="0" g="0" b="0"/>
+      </a:effectRef>
+      <a:fontRef idx="minor"/>
+    </dgm:style>
+  </dgm:styleLbl>
+  <dgm:styleLbl name="callout">
+    <dgm:scene3d>
+      <a:camera prst="orthographicFront"/>
+      <a:lightRig rig="threePt" dir="t"/>
+    </dgm:scene3d>
+    <dgm:sp3d/>
+    <dgm:txPr/>
+    <dgm:style>
+      <a:lnRef idx="2">
+        <a:scrgbClr r="0" g="0" b="0"/>
+      </a:lnRef>
+      <a:fillRef idx="1">
+        <a:scrgbClr r="0" g="0" b="0"/>
+      </a:fillRef>
+      <a:effectRef idx="0">
+        <a:scrgbClr r="0" g="0" b="0"/>
+      </a:effectRef>
+      <a:fontRef idx="minor"/>
+    </dgm:style>
+  </dgm:styleLbl>
+  <dgm:styleLbl name="asst0">
+    <dgm:scene3d>
+      <a:camera prst="orthographicFront"/>
+      <a:lightRig rig="threePt" dir="t"/>
+    </dgm:scene3d>
+    <dgm:sp3d/>
+    <dgm:txPr/>
+    <dgm:style>
+      <a:lnRef idx="2">
+        <a:scrgbClr r="0" g="0" b="0"/>
+      </a:lnRef>
+      <a:fillRef idx="1">
+        <a:scrgbClr r="0" g="0" b="0"/>
+      </a:fillRef>
+      <a:effectRef idx="0">
+        <a:scrgbClr r="0" g="0" b="0"/>
+      </a:effectRef>
+      <a:fontRef idx="minor">
+        <a:schemeClr val="lt1"/>
+      </a:fontRef>
+    </dgm:style>
+  </dgm:styleLbl>
+  <dgm:styleLbl name="asst1">
+    <dgm:scene3d>
+      <a:camera prst="orthographicFront"/>
+      <a:lightRig rig="threePt" dir="t"/>
+    </dgm:scene3d>
+    <dgm:sp3d/>
+    <dgm:txPr/>
+    <dgm:style>
+      <a:lnRef idx="2">
+        <a:scrgbClr r="0" g="0" b="0"/>
+      </a:lnRef>
+      <a:fillRef idx="1">
+        <a:scrgbClr r="0" g="0" b="0"/>
+      </a:fillRef>
+      <a:effectRef idx="0">
+        <a:scrgbClr r="0" g="0" b="0"/>
+      </a:effectRef>
+      <a:fontRef idx="minor">
+        <a:schemeClr val="lt1"/>
+      </a:fontRef>
+    </dgm:style>
+  </dgm:styleLbl>
+  <dgm:styleLbl name="asst2">
+    <dgm:scene3d>
+      <a:camera prst="orthographicFront"/>
+      <a:lightRig rig="threePt" dir="t"/>
+    </dgm:scene3d>
+    <dgm:sp3d/>
+    <dgm:txPr/>
+    <dgm:style>
+      <a:lnRef idx="2">
+        <a:scrgbClr r="0" g="0" b="0"/>
+      </a:lnRef>
+      <a:fillRef idx="1">
+        <a:scrgbClr r="0" g="0" b="0"/>
+      </a:fillRef>
+      <a:effectRef idx="0">
+        <a:scrgbClr r="0" g="0" b="0"/>
+      </a:effectRef>
+      <a:fontRef idx="minor">
+        <a:schemeClr val="lt1"/>
+      </a:fontRef>
+    </dgm:style>
+  </dgm:styleLbl>
+  <dgm:styleLbl name="asst3">
+    <dgm:scene3d>
+      <a:camera prst="orthographicFront"/>
+      <a:lightRig rig="threePt" dir="t"/>
+    </dgm:scene3d>
+    <dgm:sp3d/>
+    <dgm:txPr/>
+    <dgm:style>
+      <a:lnRef idx="2">
+        <a:scrgbClr r="0" g="0" b="0"/>
+      </a:lnRef>
+      <a:fillRef idx="1">
+        <a:scrgbClr r="0" g="0" b="0"/>
+      </a:fillRef>
+      <a:effectRef idx="0">
+        <a:scrgbClr r="0" g="0" b="0"/>
+      </a:effectRef>
+      <a:fontRef idx="minor">
+        <a:schemeClr val="lt1"/>
+      </a:fontRef>
+    </dgm:style>
+  </dgm:styleLbl>
+  <dgm:styleLbl name="asst4">
+    <dgm:scene3d>
+      <a:camera prst="orthographicFront"/>
+      <a:lightRig rig="threePt" dir="t"/>
+    </dgm:scene3d>
+    <dgm:sp3d/>
+    <dgm:txPr/>
+    <dgm:style>
+      <a:lnRef idx="2">
+        <a:scrgbClr r="0" g="0" b="0"/>
+      </a:lnRef>
+      <a:fillRef idx="1">
+        <a:scrgbClr r="0" g="0" b="0"/>
+      </a:fillRef>
+      <a:effectRef idx="0">
+        <a:scrgbClr r="0" g="0" b="0"/>
+      </a:effectRef>
+      <a:fontRef idx="minor">
+        <a:schemeClr val="lt1"/>
+      </a:fontRef>
+    </dgm:style>
+  </dgm:styleLbl>
+  <dgm:styleLbl name="parChTrans2D1">
+    <dgm:scene3d>
+      <a:camera prst="orthographicFront"/>
+      <a:lightRig rig="threePt" dir="t"/>
+    </dgm:scene3d>
+    <dgm:sp3d/>
+    <dgm:txPr/>
+    <dgm:style>
+      <a:lnRef idx="2">
+        <a:scrgbClr r="0" g="0" b="0"/>
+      </a:lnRef>
+      <a:fillRef idx="1">
+        <a:scrgbClr r="0" g="0" b="0"/>
+      </a:fillRef>
+      <a:effectRef idx="0">
+        <a:scrgbClr r="0" g="0" b="0"/>
+      </a:effectRef>
+      <a:fontRef idx="minor">
+        <a:schemeClr val="lt1"/>
+      </a:fontRef>
+    </dgm:style>
+  </dgm:styleLbl>
+  <dgm:styleLbl name="parChTrans2D2">
+    <dgm:scene3d>
+      <a:camera prst="orthographicFront"/>
+      <a:lightRig rig="threePt" dir="t"/>
+    </dgm:scene3d>
+    <dgm:sp3d/>
+    <dgm:txPr/>
+    <dgm:style>
+      <a:lnRef idx="2">
+        <a:scrgbClr r="0" g="0" b="0"/>
+      </a:lnRef>
+      <a:fillRef idx="1">
+        <a:scrgbClr r="0" g="0" b="0"/>
+      </a:fillRef>
+      <a:effectRef idx="0">
+        <a:scrgbClr r="0" g="0" b="0"/>
+      </a:effectRef>
+      <a:fontRef idx="minor">
+        <a:schemeClr val="lt1"/>
+      </a:fontRef>
+    </dgm:style>
+  </dgm:styleLbl>
+  <dgm:styleLbl name="parChTrans2D3">
+    <dgm:scene3d>
+      <a:camera prst="orthographicFront"/>
+      <a:lightRig rig="threePt" dir="t"/>
+    </dgm:scene3d>
+    <dgm:sp3d/>
+    <dgm:txPr/>
+    <dgm:style>
+      <a:lnRef idx="2">
+        <a:scrgbClr r="0" g="0" b="0"/>
+      </a:lnRef>
+      <a:fillRef idx="1">
+        <a:scrgbClr r="0" g="0" b="0"/>
+      </a:fillRef>
+      <a:effectRef idx="0">
+        <a:scrgbClr r="0" g="0" b="0"/>
+      </a:effectRef>
+      <a:fontRef idx="minor">
+        <a:schemeClr val="lt1"/>
+      </a:fontRef>
+    </dgm:style>
+  </dgm:styleLbl>
+  <dgm:styleLbl name="parChTrans2D4">
+    <dgm:scene3d>
+      <a:camera prst="orthographicFront"/>
+      <a:lightRig rig="threePt" dir="t"/>
+    </dgm:scene3d>
+    <dgm:sp3d/>
+    <dgm:txPr/>
+    <dgm:style>
+      <a:lnRef idx="2">
+        <a:scrgbClr r="0" g="0" b="0"/>
+      </a:lnRef>
+      <a:fillRef idx="1">
+        <a:scrgbClr r="0" g="0" b="0"/>
+      </a:fillRef>
+      <a:effectRef idx="0">
+        <a:scrgbClr r="0" g="0" b="0"/>
+      </a:effectRef>
+      <a:fontRef idx="minor">
+        <a:schemeClr val="lt1"/>
+      </a:fontRef>
+    </dgm:style>
+  </dgm:styleLbl>
+  <dgm:styleLbl name="parChTrans1D1">
+    <dgm:scene3d>
+      <a:camera prst="orthographicFront"/>
+      <a:lightRig rig="threePt" dir="t"/>
+    </dgm:scene3d>
+    <dgm:sp3d/>
+    <dgm:txPr/>
+    <dgm:style>
+      <a:lnRef idx="2">
+        <a:scrgbClr r="0" g="0" b="0"/>
+      </a:lnRef>
+      <a:fillRef idx="0">
+        <a:scrgbClr r="0" g="0" b="0"/>
+      </a:fillRef>
+      <a:effectRef idx="0">
+        <a:scrgbClr r="0" g="0" b="0"/>
+      </a:effectRef>
+      <a:fontRef idx="minor"/>
+    </dgm:style>
+  </dgm:styleLbl>
+  <dgm:styleLbl name="parChTrans1D2">
+    <dgm:scene3d>
+      <a:camera prst="orthographicFront"/>
+      <a:lightRig rig="threePt" dir="t"/>
+    </dgm:scene3d>
+    <dgm:sp3d/>
+    <dgm:txPr/>
+    <dgm:style>
+      <a:lnRef idx="2">
+        <a:scrgbClr r="0" g="0" b="0"/>
+      </a:lnRef>
+      <a:fillRef idx="0">
+        <a:scrgbClr r="0" g="0" b="0"/>
+      </a:fillRef>
+      <a:effectRef idx="0">
+        <a:scrgbClr r="0" g="0" b="0"/>
+      </a:effectRef>
+      <a:fontRef idx="minor"/>
+    </dgm:style>
+  </dgm:styleLbl>
+  <dgm:styleLbl name="parChTrans1D3">
+    <dgm:scene3d>
+      <a:camera prst="orthographicFront"/>
+      <a:lightRig rig="threePt" dir="t"/>
+    </dgm:scene3d>
+    <dgm:sp3d/>
+    <dgm:txPr/>
+    <dgm:style>
+      <a:lnRef idx="2">
+        <a:scrgbClr r="0" g="0" b="0"/>
+      </a:lnRef>
+      <a:fillRef idx="0">
+        <a:scrgbClr r="0" g="0" b="0"/>
+      </a:fillRef>
+      <a:effectRef idx="0">
+        <a:scrgbClr r="0" g="0" b="0"/>
+      </a:effectRef>
+      <a:fontRef idx="minor"/>
+    </dgm:style>
+  </dgm:styleLbl>
+  <dgm:styleLbl name="parChTrans1D4">
+    <dgm:scene3d>
+      <a:camera prst="orthographicFront"/>
+      <a:lightRig rig="threePt" dir="t"/>
+    </dgm:scene3d>
+    <dgm:sp3d/>
+    <dgm:txPr/>
+    <dgm:style>
+      <a:lnRef idx="2">
+        <a:scrgbClr r="0" g="0" b="0"/>
+      </a:lnRef>
+      <a:fillRef idx="0">
+        <a:scrgbClr r="0" g="0" b="0"/>
+      </a:fillRef>
+      <a:effectRef idx="0">
+        <a:scrgbClr r="0" g="0" b="0"/>
+      </a:effectRef>
+      <a:fontRef idx="minor"/>
+    </dgm:style>
+  </dgm:styleLbl>
+  <dgm:styleLbl name="fgAcc1">
+    <dgm:scene3d>
+      <a:camera prst="orthographicFront"/>
+      <a:lightRig rig="threePt" dir="t"/>
+    </dgm:scene3d>
+    <dgm:sp3d/>
+    <dgm:txPr/>
+    <dgm:style>
+      <a:lnRef idx="2">
+        <a:scrgbClr r="0" g="0" b="0"/>
+      </a:lnRef>
+      <a:fillRef idx="1">
+        <a:scrgbClr r="0" g="0" b="0"/>
+      </a:fillRef>
+      <a:effectRef idx="0">
+        <a:scrgbClr r="0" g="0" b="0"/>
+      </a:effectRef>
+      <a:fontRef idx="minor"/>
+    </dgm:style>
+  </dgm:styleLbl>
+  <dgm:styleLbl name="conFgAcc1">
+    <dgm:scene3d>
+      <a:camera prst="orthographicFront"/>
+      <a:lightRig rig="threePt" dir="t"/>
+    </dgm:scene3d>
+    <dgm:sp3d/>
+    <dgm:txPr/>
+    <dgm:style>
+      <a:lnRef idx="2">
+        <a:scrgbClr r="0" g="0" b="0"/>
+      </a:lnRef>
+      <a:fillRef idx="1">
+        <a:scrgbClr r="0" g="0" b="0"/>
+      </a:fillRef>
+      <a:effectRef idx="0">
+        <a:scrgbClr r="0" g="0" b="0"/>
+      </a:effectRef>
+      <a:fontRef idx="minor"/>
+    </dgm:style>
+  </dgm:styleLbl>
+  <dgm:styleLbl name="alignAcc1">
+    <dgm:scene3d>
+      <a:camera prst="orthographicFront"/>
+      <a:lightRig rig="threePt" dir="t"/>
+    </dgm:scene3d>
+    <dgm:sp3d/>
+    <dgm:txPr/>
+    <dgm:style>
+      <a:lnRef idx="2">
+        <a:scrgbClr r="0" g="0" b="0"/>
+      </a:lnRef>
+      <a:fillRef idx="1">
+        <a:scrgbClr r="0" g="0" b="0"/>
+      </a:fillRef>
+      <a:effectRef idx="0">
+        <a:scrgbClr r="0" g="0" b="0"/>
+      </a:effectRef>
+      <a:fontRef idx="minor"/>
+    </dgm:style>
+  </dgm:styleLbl>
+  <dgm:styleLbl name="trAlignAcc1">
+    <dgm:scene3d>
+      <a:camera prst="orthographicFront"/>
+      <a:lightRig rig="threePt" dir="t"/>
+    </dgm:scene3d>
+    <dgm:sp3d/>
+    <dgm:txPr/>
+    <dgm:style>
+      <a:lnRef idx="1">
+        <a:scrgbClr r="0" g="0" b="0"/>
+      </a:lnRef>
+      <a:fillRef idx="1">
+        <a:scrgbClr r="0" g="0" b="0"/>
+      </a:fillRef>
+      <a:effectRef idx="0">
+        <a:scrgbClr r="0" g="0" b="0"/>
+      </a:effectRef>
+      <a:fontRef idx="minor"/>
+    </dgm:style>
+  </dgm:styleLbl>
+  <dgm:styleLbl name="bgAcc1">
+    <dgm:scene3d>
+      <a:camera prst="orthographicFront"/>
+      <a:lightRig rig="threePt" dir="t"/>
+    </dgm:scene3d>
+    <dgm:sp3d/>
+    <dgm:txPr/>
+    <dgm:style>
+      <a:lnRef idx="2">
+        <a:scrgbClr r="0" g="0" b="0"/>
+      </a:lnRef>
+      <a:fillRef idx="1">
+        <a:scrgbClr r="0" g="0" b="0"/>
+      </a:fillRef>
+      <a:effectRef idx="0">
+        <a:scrgbClr r="0" g="0" b="0"/>
+      </a:effectRef>
+      <a:fontRef idx="minor"/>
+    </dgm:style>
+  </dgm:styleLbl>
+  <dgm:styleLbl name="solidFgAcc1">
+    <dgm:scene3d>
+      <a:camera prst="orthographicFront"/>
+      <a:lightRig rig="threePt" dir="t"/>
+    </dgm:scene3d>
+    <dgm:sp3d/>
+    <dgm:txPr/>
+    <dgm:style>
+      <a:lnRef idx="2">
+        <a:scrgbClr r="0" g="0" b="0"/>
+      </a:lnRef>
+      <a:fillRef idx="1">
+        <a:scrgbClr r="0" g="0" b="0"/>
+      </a:fillRef>
+      <a:effectRef idx="0">
+        <a:scrgbClr r="0" g="0" b="0"/>
+      </a:effectRef>
+      <a:fontRef idx="minor"/>
+    </dgm:style>
+  </dgm:styleLbl>
+  <dgm:styleLbl name="solidAlignAcc1">
+    <dgm:scene3d>
+      <a:camera prst="orthographicFront"/>
+      <a:lightRig rig="threePt" dir="t"/>
+    </dgm:scene3d>
+    <dgm:sp3d/>
+    <dgm:txPr/>
+    <dgm:style>
+      <a:lnRef idx="2">
+        <a:scrgbClr r="0" g="0" b="0"/>
+      </a:lnRef>
+      <a:fillRef idx="1">
+        <a:scrgbClr r="0" g="0" b="0"/>
+      </a:fillRef>
+      <a:effectRef idx="0">
+        <a:scrgbClr r="0" g="0" b="0"/>
+      </a:effectRef>
+      <a:fontRef idx="minor"/>
+    </dgm:style>
+  </dgm:styleLbl>
+  <dgm:styleLbl name="solidBgAcc1">
+    <dgm:scene3d>
+      <a:camera prst="orthographicFront"/>
+      <a:lightRig rig="threePt" dir="t"/>
+    </dgm:scene3d>
+    <dgm:sp3d/>
+    <dgm:txPr/>
+    <dgm:style>
+      <a:lnRef idx="2">
+        <a:scrgbClr r="0" g="0" b="0"/>
+      </a:lnRef>
+      <a:fillRef idx="1">
+        <a:scrgbClr r="0" g="0" b="0"/>
+      </a:fillRef>
+      <a:effectRef idx="0">
+        <a:scrgbClr r="0" g="0" b="0"/>
+      </a:effectRef>
+      <a:fontRef idx="minor"/>
+    </dgm:style>
+  </dgm:styleLbl>
+  <dgm:styleLbl name="fgAccFollowNode1">
+    <dgm:scene3d>
+      <a:camera prst="orthographicFront"/>
+      <a:lightRig rig="threePt" dir="t"/>
+    </dgm:scene3d>
+    <dgm:sp3d/>
+    <dgm:txPr/>
+    <dgm:style>
+      <a:lnRef idx="2">
+        <a:scrgbClr r="0" g="0" b="0"/>
+      </a:lnRef>
+      <a:fillRef idx="1">
+        <a:scrgbClr r="0" g="0" b="0"/>
+      </a:fillRef>
+      <a:effectRef idx="0">
+        <a:scrgbClr r="0" g="0" b="0"/>
+      </a:effectRef>
+      <a:fontRef idx="minor"/>
+    </dgm:style>
+  </dgm:styleLbl>
+  <dgm:styleLbl name="alignAccFollowNode1">
+    <dgm:scene3d>
+      <a:camera prst="orthographicFront"/>
+      <a:lightRig rig="threePt" dir="t"/>
+    </dgm:scene3d>
+    <dgm:sp3d/>
+    <dgm:txPr/>
+    <dgm:style>
+      <a:lnRef idx="2">
+        <a:scrgbClr r="0" g="0" b="0"/>
+      </a:lnRef>
+      <a:fillRef idx="1">
+        <a:scrgbClr r="0" g="0" b="0"/>
+      </a:fillRef>
+      <a:effectRef idx="0">
+        <a:scrgbClr r="0" g="0" b="0"/>
+      </a:effectRef>
+      <a:fontRef idx="minor"/>
+    </dgm:style>
+  </dgm:styleLbl>
+  <dgm:styleLbl name="bgAccFollowNode1">
+    <dgm:scene3d>
+      <a:camera prst="orthographicFront"/>
+      <a:lightRig rig="threePt" dir="t"/>
+    </dgm:scene3d>
+    <dgm:sp3d/>
+    <dgm:txPr/>
+    <dgm:style>
+      <a:lnRef idx="2">
+        <a:scrgbClr r="0" g="0" b="0"/>
+      </a:lnRef>
+      <a:fillRef idx="1">
+        <a:scrgbClr r="0" g="0" b="0"/>
+      </a:fillRef>
+      <a:effectRef idx="0">
+        <a:scrgbClr r="0" g="0" b="0"/>
+      </a:effectRef>
+      <a:fontRef idx="minor"/>
+    </dgm:style>
+  </dgm:styleLbl>
+  <dgm:styleLbl name="fgAcc0">
+    <dgm:scene3d>
+      <a:camera prst="orthographicFront"/>
+      <a:lightRig rig="threePt" dir="t"/>
+    </dgm:scene3d>
+    <dgm:sp3d/>
+    <dgm:txPr/>
+    <dgm:style>
+      <a:lnRef idx="2">
+        <a:scrgbClr r="0" g="0" b="0"/>
+      </a:lnRef>
+      <a:fillRef idx="1">
+        <a:scrgbClr r="0" g="0" b="0"/>
+      </a:fillRef>
+      <a:effectRef idx="0">
+        <a:scrgbClr r="0" g="0" b="0"/>
+      </a:effectRef>
+      <a:fontRef idx="minor"/>
+    </dgm:style>
+  </dgm:styleLbl>
+  <dgm:styleLbl name="fgAcc2">
+    <dgm:scene3d>
+      <a:camera prst="orthographicFront"/>
+      <a:lightRig rig="threePt" dir="t"/>
+    </dgm:scene3d>
+    <dgm:sp3d/>
+    <dgm:txPr/>
+    <dgm:style>
+      <a:lnRef idx="2">
+        <a:scrgbClr r="0" g="0" b="0"/>
+      </a:lnRef>
+      <a:fillRef idx="1">
+        <a:scrgbClr r="0" g="0" b="0"/>
+      </a:fillRef>
+      <a:effectRef idx="0">
+        <a:scrgbClr r="0" g="0" b="0"/>
+      </a:effectRef>
+      <a:fontRef idx="minor"/>
+    </dgm:style>
+  </dgm:styleLbl>
+  <dgm:styleLbl name="fgAcc3">
+    <dgm:scene3d>
+      <a:camera prst="orthographicFront"/>
+      <a:lightRig rig="threePt" dir="t"/>
+    </dgm:scene3d>
+    <dgm:sp3d/>
+    <dgm:txPr/>
+    <dgm:style>
+      <a:lnRef idx="2">
+        <a:scrgbClr r="0" g="0" b="0"/>
+      </a:lnRef>
+      <a:fillRef idx="1">
+        <a:scrgbClr r="0" g="0" b="0"/>
+      </a:fillRef>
+      <a:effectRef idx="0">
+        <a:scrgbClr r="0" g="0" b="0"/>
+      </a:effectRef>
+      <a:fontRef idx="minor"/>
+    </dgm:style>
+  </dgm:styleLbl>
+  <dgm:styleLbl name="fgAcc4">
+    <dgm:scene3d>
+      <a:camera prst="orthographicFront"/>
+      <a:lightRig rig="threePt" dir="t"/>
+    </dgm:scene3d>
+    <dgm:sp3d/>
+    <dgm:txPr/>
+    <dgm:style>
+      <a:lnRef idx="2">
+        <a:scrgbClr r="0" g="0" b="0"/>
+      </a:lnRef>
+      <a:fillRef idx="1">
+        <a:scrgbClr r="0" g="0" b="0"/>
+      </a:fillRef>
+      <a:effectRef idx="0">
+        <a:scrgbClr r="0" g="0" b="0"/>
+      </a:effectRef>
+      <a:fontRef idx="minor"/>
+    </dgm:style>
+  </dgm:styleLbl>
+  <dgm:styleLbl name="bgShp">
+    <dgm:scene3d>
+      <a:camera prst="orthographicFront"/>
+      <a:lightRig rig="threePt" dir="t"/>
+    </dgm:scene3d>
+    <dgm:sp3d/>
+    <dgm:txPr/>
+    <dgm:style>
+      <a:lnRef idx="0">
+        <a:scrgbClr r="0" g="0" b="0"/>
+      </a:lnRef>
+      <a:fillRef idx="1">
+        <a:scrgbClr r="0" g="0" b="0"/>
+      </a:fillRef>
+      <a:effectRef idx="0">
+        <a:scrgbClr r="0" g="0" b="0"/>
+      </a:effectRef>
+      <a:fontRef idx="minor"/>
+    </dgm:style>
+  </dgm:styleLbl>
+  <dgm:styleLbl name="dkBgShp">
+    <dgm:scene3d>
+      <a:camera prst="orthographicFront"/>
+      <a:lightRig rig="threePt" dir="t"/>
+    </dgm:scene3d>
+    <dgm:sp3d/>
+    <dgm:txPr/>
+    <dgm:style>
+      <a:lnRef idx="0">
+        <a:scrgbClr r="0" g="0" b="0"/>
+      </a:lnRef>
+      <a:fillRef idx="1">
+        <a:scrgbClr r="0" g="0" b="0"/>
+      </a:fillRef>
+      <a:effectRef idx="0">
+        <a:scrgbClr r="0" g="0" b="0"/>
+      </a:effectRef>
+      <a:fontRef idx="minor"/>
+    </dgm:style>
+  </dgm:styleLbl>
+  <dgm:styleLbl name="trBgShp">
+    <dgm:scene3d>
+      <a:camera prst="orthographicFront"/>
+      <a:lightRig rig="threePt" dir="t"/>
+    </dgm:scene3d>
+    <dgm:sp3d/>
+    <dgm:txPr/>
+    <dgm:style>
+      <a:lnRef idx="0">
+        <a:scrgbClr r="0" g="0" b="0"/>
+      </a:lnRef>
+      <a:fillRef idx="1">
+        <a:scrgbClr r="0" g="0" b="0"/>
+      </a:fillRef>
+      <a:effectRef idx="0">
+        <a:scrgbClr r="0" g="0" b="0"/>
+      </a:effectRef>
+      <a:fontRef idx="minor"/>
+    </dgm:style>
+  </dgm:styleLbl>
+  <dgm:styleLbl name="fgShp">
+    <dgm:scene3d>
+      <a:camera prst="orthographicFront"/>
+      <a:lightRig rig="threePt" dir="t"/>
+    </dgm:scene3d>
+    <dgm:sp3d/>
+    <dgm:txPr/>
+    <dgm:style>
+      <a:lnRef idx="2">
+        <a:scrgbClr r="0" g="0" b="0"/>
+      </a:lnRef>
+      <a:fillRef idx="1">
+        <a:scrgbClr r="0" g="0" b="0"/>
+      </a:fillRef>
+      <a:effectRef idx="0">
+        <a:scrgbClr r="0" g="0" b="0"/>
+      </a:effectRef>
+      <a:fontRef idx="minor"/>
+    </dgm:style>
+  </dgm:styleLbl>
+  <dgm:styleLbl name="revTx">
+    <dgm:scene3d>
+      <a:camera prst="orthographicFront"/>
+      <a:lightRig rig="threePt" dir="t"/>
+    </dgm:scene3d>
+    <dgm:sp3d/>
+    <dgm:txPr/>
+    <dgm:style>
+      <a:lnRef idx="0">
+        <a:scrgbClr r="0" g="0" b="0"/>
+      </a:lnRef>
+      <a:fillRef idx="0">
+        <a:scrgbClr r="0" g="0" b="0"/>
+      </a:fillRef>
+      <a:effectRef idx="0">
+        <a:scrgbClr r="0" g="0" b="0"/>
+      </a:effectRef>
+      <a:fontRef idx="minor"/>
+    </dgm:style>
+  </dgm:styleLbl>
+</dgm:styleDef>
+</file>
+
+<file path=ppt/diagrams/quickStyle2.xml><?xml version="1.0" encoding="utf-8"?>
+<dgm:styleDef xmlns:dgm="http://schemas.openxmlformats.org/drawingml/2006/diagram" xmlns:a="http://schemas.openxmlformats.org/drawingml/2006/main" uniqueId="urn:microsoft.com/office/officeart/2005/8/quickstyle/simple1">
+  <dgm:title val=""/>
+  <dgm:desc val=""/>
+  <dgm:catLst>
+    <dgm:cat type="simple" pri="10100"/>
+  </dgm:catLst>
+  <dgm:scene3d>
+    <a:camera prst="orthographicFront"/>
+    <a:lightRig rig="threePt" dir="t"/>
+  </dgm:scene3d>
+  <dgm:styleLbl name="node0">
+    <dgm:scene3d>
+      <a:camera prst="orthographicFront"/>
+      <a:lightRig rig="threePt" dir="t"/>
+    </dgm:scene3d>
+    <dgm:sp3d/>
+    <dgm:txPr/>
+    <dgm:style>
+      <a:lnRef idx="2">
+        <a:scrgbClr r="0" g="0" b="0"/>
+      </a:lnRef>
+      <a:fillRef idx="1">
+        <a:scrgbClr r="0" g="0" b="0"/>
+      </a:fillRef>
+      <a:effectRef idx="0">
+        <a:scrgbClr r="0" g="0" b="0"/>
+      </a:effectRef>
+      <a:fontRef idx="minor">
+        <a:schemeClr val="lt1"/>
+      </a:fontRef>
+    </dgm:style>
+  </dgm:styleLbl>
+  <dgm:styleLbl name="lnNode1">
+    <dgm:scene3d>
+      <a:camera prst="orthographicFront"/>
+      <a:lightRig rig="threePt" dir="t"/>
+    </dgm:scene3d>
+    <dgm:sp3d/>
+    <dgm:txPr/>
+    <dgm:style>
+      <a:lnRef idx="2">
+        <a:scrgbClr r="0" g="0" b="0"/>
+      </a:lnRef>
+      <a:fillRef idx="1">
+        <a:scrgbClr r="0" g="0" b="0"/>
+      </a:fillRef>
+      <a:effectRef idx="0">
+        <a:scrgbClr r="0" g="0" b="0"/>
+      </a:effectRef>
+      <a:fontRef idx="minor">
+        <a:schemeClr val="lt1"/>
+      </a:fontRef>
+    </dgm:style>
+  </dgm:styleLbl>
+  <dgm:styleLbl name="vennNode1">
+    <dgm:scene3d>
+      <a:camera prst="orthographicFront"/>
+      <a:lightRig rig="threePt" dir="t"/>
+    </dgm:scene3d>
+    <dgm:sp3d/>
+    <dgm:txPr/>
+    <dgm:style>
+      <a:lnRef idx="2">
+        <a:scrgbClr r="0" g="0" b="0"/>
+      </a:lnRef>
+      <a:fillRef idx="1">
+        <a:scrgbClr r="0" g="0" b="0"/>
+      </a:fillRef>
+      <a:effectRef idx="0">
+        <a:scrgbClr r="0" g="0" b="0"/>
+      </a:effectRef>
+      <a:fontRef idx="minor">
+        <a:schemeClr val="tx1"/>
+      </a:fontRef>
+    </dgm:style>
+  </dgm:styleLbl>
+  <dgm:styleLbl name="alignNode1">
+    <dgm:scene3d>
+      <a:camera prst="orthographicFront"/>
+      <a:lightRig rig="threePt" dir="t"/>
+    </dgm:scene3d>
+    <dgm:sp3d/>
+    <dgm:txPr/>
+    <dgm:style>
+      <a:lnRef idx="2">
+        <a:scrgbClr r="0" g="0" b="0"/>
+      </a:lnRef>
+      <a:fillRef idx="1">
+        <a:scrgbClr r="0" g="0" b="0"/>
+      </a:fillRef>
+      <a:effectRef idx="0">
+        <a:scrgbClr r="0" g="0" b="0"/>
+      </a:effectRef>
+      <a:fontRef idx="minor">
+        <a:schemeClr val="lt1"/>
+      </a:fontRef>
+    </dgm:style>
+  </dgm:styleLbl>
+  <dgm:styleLbl name="node1">
+    <dgm:scene3d>
+      <a:camera prst="orthographicFront"/>
+      <a:lightRig rig="threePt" dir="t"/>
+    </dgm:scene3d>
+    <dgm:sp3d/>
+    <dgm:txPr/>
+    <dgm:style>
+      <a:lnRef idx="2">
+        <a:scrgbClr r="0" g="0" b="0"/>
+      </a:lnRef>
+      <a:fillRef idx="1">
+        <a:scrgbClr r="0" g="0" b="0"/>
+      </a:fillRef>
+      <a:effectRef idx="0">
+        <a:scrgbClr r="0" g="0" b="0"/>
+      </a:effectRef>
+      <a:fontRef idx="minor">
+        <a:schemeClr val="lt1"/>
+      </a:fontRef>
+    </dgm:style>
+  </dgm:styleLbl>
+  <dgm:styleLbl name="node2">
+    <dgm:scene3d>
+      <a:camera prst="orthographicFront"/>
+      <a:lightRig rig="threePt" dir="t"/>
+    </dgm:scene3d>
+    <dgm:sp3d/>
+    <dgm:txPr/>
+    <dgm:style>
+      <a:lnRef idx="2">
+        <a:scrgbClr r="0" g="0" b="0"/>
+      </a:lnRef>
+      <a:fillRef idx="1">
+        <a:scrgbClr r="0" g="0" b="0"/>
+      </a:fillRef>
+      <a:effectRef idx="0">
+        <a:scrgbClr r="0" g="0" b="0"/>
+      </a:effectRef>
+      <a:fontRef idx="minor">
+        <a:schemeClr val="lt1"/>
+      </a:fontRef>
+    </dgm:style>
+  </dgm:styleLbl>
+  <dgm:styleLbl name="node3">
+    <dgm:scene3d>
+      <a:camera prst="orthographicFront"/>
+      <a:lightRig rig="threePt" dir="t"/>
+    </dgm:scene3d>
+    <dgm:sp3d/>
+    <dgm:txPr/>
+    <dgm:style>
+      <a:lnRef idx="2">
+        <a:scrgbClr r="0" g="0" b="0"/>
+      </a:lnRef>
+      <a:fillRef idx="1">
+        <a:scrgbClr r="0" g="0" b="0"/>
+      </a:fillRef>
+      <a:effectRef idx="0">
+        <a:scrgbClr r="0" g="0" b="0"/>
+      </a:effectRef>
+      <a:fontRef idx="minor">
+        <a:schemeClr val="lt1"/>
+      </a:fontRef>
+    </dgm:style>
+  </dgm:styleLbl>
+  <dgm:styleLbl name="node4">
+    <dgm:scene3d>
+      <a:camera prst="orthographicFront"/>
+      <a:lightRig rig="threePt" dir="t"/>
+    </dgm:scene3d>
+    <dgm:sp3d/>
+    <dgm:txPr/>
+    <dgm:style>
+      <a:lnRef idx="2">
+        <a:scrgbClr r="0" g="0" b="0"/>
+      </a:lnRef>
+      <a:fillRef idx="1">
+        <a:scrgbClr r="0" g="0" b="0"/>
+      </a:fillRef>
+      <a:effectRef idx="0">
+        <a:scrgbClr r="0" g="0" b="0"/>
+      </a:effectRef>
+      <a:fontRef idx="minor">
+        <a:schemeClr val="lt1"/>
+      </a:fontRef>
+    </dgm:style>
+  </dgm:styleLbl>
+  <dgm:styleLbl name="fgImgPlace1">
+    <dgm:scene3d>
+      <a:camera prst="orthographicFront"/>
+      <a:lightRig rig="threePt" dir="t"/>
+    </dgm:scene3d>
+    <dgm:sp3d/>
+    <dgm:txPr/>
+    <dgm:style>
+      <a:lnRef idx="2">
+        <a:scrgbClr r="0" g="0" b="0"/>
+      </a:lnRef>
+      <a:fillRef idx="1">
+        <a:scrgbClr r="0" g="0" b="0"/>
+      </a:fillRef>
+      <a:effectRef idx="0">
+        <a:scrgbClr r="0" g="0" b="0"/>
+      </a:effectRef>
+      <a:fontRef idx="minor"/>
+    </dgm:style>
+  </dgm:styleLbl>
+  <dgm:styleLbl name="alignImgPlace1">
+    <dgm:scene3d>
+      <a:camera prst="orthographicFront"/>
+      <a:lightRig rig="threePt" dir="t"/>
+    </dgm:scene3d>
+    <dgm:sp3d/>
+    <dgm:txPr/>
+    <dgm:style>
+      <a:lnRef idx="2">
+        <a:scrgbClr r="0" g="0" b="0"/>
+      </a:lnRef>
+      <a:fillRef idx="1">
+        <a:scrgbClr r="0" g="0" b="0"/>
+      </a:fillRef>
+      <a:effectRef idx="0">
+        <a:scrgbClr r="0" g="0" b="0"/>
+      </a:effectRef>
+      <a:fontRef idx="minor"/>
+    </dgm:style>
+  </dgm:styleLbl>
+  <dgm:styleLbl name="bgImgPlace1">
+    <dgm:scene3d>
+      <a:camera prst="orthographicFront"/>
+      <a:lightRig rig="threePt" dir="t"/>
+    </dgm:scene3d>
+    <dgm:sp3d/>
+    <dgm:txPr/>
+    <dgm:style>
+      <a:lnRef idx="2">
+        <a:scrgbClr r="0" g="0" b="0"/>
+      </a:lnRef>
+      <a:fillRef idx="1">
+        <a:scrgbClr r="0" g="0" b="0"/>
+      </a:fillRef>
+      <a:effectRef idx="0">
+        <a:scrgbClr r="0" g="0" b="0"/>
+      </a:effectRef>
+      <a:fontRef idx="minor"/>
+    </dgm:style>
+  </dgm:styleLbl>
+  <dgm:styleLbl name="sibTrans2D1">
+    <dgm:scene3d>
+      <a:camera prst="orthographicFront"/>
+      <a:lightRig rig="threePt" dir="t"/>
+    </dgm:scene3d>
+    <dgm:sp3d/>
+    <dgm:txPr/>
+    <dgm:style>
+      <a:lnRef idx="0">
+        <a:scrgbClr r="0" g="0" b="0"/>
+      </a:lnRef>
+      <a:fillRef idx="1">
+        <a:scrgbClr r="0" g="0" b="0"/>
+      </a:fillRef>
+      <a:effectRef idx="0">
+        <a:scrgbClr r="0" g="0" b="0"/>
+      </a:effectRef>
+      <a:fontRef idx="minor">
+        <a:schemeClr val="lt1"/>
+      </a:fontRef>
+    </dgm:style>
+  </dgm:styleLbl>
+  <dgm:styleLbl name="fgSibTrans2D1">
+    <dgm:scene3d>
+      <a:camera prst="orthographicFront"/>
+      <a:lightRig rig="threePt" dir="t"/>
+    </dgm:scene3d>
+    <dgm:sp3d/>
+    <dgm:txPr/>
+    <dgm:style>
+      <a:lnRef idx="0">
+        <a:scrgbClr r="0" g="0" b="0"/>
+      </a:lnRef>
+      <a:fillRef idx="1">
+        <a:scrgbClr r="0" g="0" b="0"/>
+      </a:fillRef>
+      <a:effectRef idx="0">
+        <a:scrgbClr r="0" g="0" b="0"/>
+      </a:effectRef>
+      <a:fontRef idx="minor">
+        <a:schemeClr val="lt1"/>
+      </a:fontRef>
+    </dgm:style>
+  </dgm:styleLbl>
+  <dgm:styleLbl name="bgSibTrans2D1">
+    <dgm:scene3d>
+      <a:camera prst="orthographicFront"/>
+      <a:lightRig rig="threePt" dir="t"/>
+    </dgm:scene3d>
+    <dgm:sp3d/>
+    <dgm:txPr/>
+    <dgm:style>
+      <a:lnRef idx="0">
+        <a:scrgbClr r="0" g="0" b="0"/>
+      </a:lnRef>
+      <a:fillRef idx="1">
+        <a:scrgbClr r="0" g="0" b="0"/>
+      </a:fillRef>
+      <a:effectRef idx="0">
+        <a:scrgbClr r="0" g="0" b="0"/>
+      </a:effectRef>
+      <a:fontRef idx="minor">
+        <a:schemeClr val="lt1"/>
+      </a:fontRef>
+    </dgm:style>
+  </dgm:styleLbl>
+  <dgm:styleLbl name="sibTrans1D1">
+    <dgm:scene3d>
+      <a:camera prst="orthographicFront"/>
+      <a:lightRig rig="threePt" dir="t"/>
+    </dgm:scene3d>
+    <dgm:sp3d/>
+    <dgm:txPr/>
+    <dgm:style>
+      <a:lnRef idx="1">
+        <a:scrgbClr r="0" g="0" b="0"/>
+      </a:lnRef>
+      <a:fillRef idx="0">
+        <a:scrgbClr r="0" g="0" b="0"/>
+      </a:fillRef>
+      <a:effectRef idx="0">
+        <a:scrgbClr r="0" g="0" b="0"/>
+      </a:effectRef>
+      <a:fontRef idx="minor"/>
+    </dgm:style>
+  </dgm:styleLbl>
+  <dgm:styleLbl name="callout">
+    <dgm:scene3d>
+      <a:camera prst="orthographicFront"/>
+      <a:lightRig rig="threePt" dir="t"/>
+    </dgm:scene3d>
+    <dgm:sp3d/>
+    <dgm:txPr/>
+    <dgm:style>
+      <a:lnRef idx="2">
+        <a:scrgbClr r="0" g="0" b="0"/>
+      </a:lnRef>
+      <a:fillRef idx="1">
+        <a:scrgbClr r="0" g="0" b="0"/>
+      </a:fillRef>
+      <a:effectRef idx="0">
+        <a:scrgbClr r="0" g="0" b="0"/>
+      </a:effectRef>
+      <a:fontRef idx="minor"/>
+    </dgm:style>
+  </dgm:styleLbl>
+  <dgm:styleLbl name="asst0">
+    <dgm:scene3d>
+      <a:camera prst="orthographicFront"/>
+      <a:lightRig rig="threePt" dir="t"/>
+    </dgm:scene3d>
+    <dgm:sp3d/>
+    <dgm:txPr/>
+    <dgm:style>
+      <a:lnRef idx="2">
+        <a:scrgbClr r="0" g="0" b="0"/>
+      </a:lnRef>
+      <a:fillRef idx="1">
+        <a:scrgbClr r="0" g="0" b="0"/>
+      </a:fillRef>
+      <a:effectRef idx="0">
+        <a:scrgbClr r="0" g="0" b="0"/>
+      </a:effectRef>
+      <a:fontRef idx="minor">
+        <a:schemeClr val="lt1"/>
+      </a:fontRef>
+    </dgm:style>
+  </dgm:styleLbl>
+  <dgm:styleLbl name="asst1">
+    <dgm:scene3d>
+      <a:camera prst="orthographicFront"/>
+      <a:lightRig rig="threePt" dir="t"/>
+    </dgm:scene3d>
+    <dgm:sp3d/>
+    <dgm:txPr/>
+    <dgm:style>
+      <a:lnRef idx="2">
+        <a:scrgbClr r="0" g="0" b="0"/>
+      </a:lnRef>
+      <a:fillRef idx="1">
+        <a:scrgbClr r="0" g="0" b="0"/>
+      </a:fillRef>
+      <a:effectRef idx="0">
+        <a:scrgbClr r="0" g="0" b="0"/>
+      </a:effectRef>
+      <a:fontRef idx="minor">
+        <a:schemeClr val="lt1"/>
+      </a:fontRef>
+    </dgm:style>
+  </dgm:styleLbl>
+  <dgm:styleLbl name="asst2">
+    <dgm:scene3d>
+      <a:camera prst="orthographicFront"/>
+      <a:lightRig rig="threePt" dir="t"/>
+    </dgm:scene3d>
+    <dgm:sp3d/>
+    <dgm:txPr/>
+    <dgm:style>
+      <a:lnRef idx="2">
+        <a:scrgbClr r="0" g="0" b="0"/>
+      </a:lnRef>
+      <a:fillRef idx="1">
+        <a:scrgbClr r="0" g="0" b="0"/>
+      </a:fillRef>
+      <a:effectRef idx="0">
+        <a:scrgbClr r="0" g="0" b="0"/>
+      </a:effectRef>
+      <a:fontRef idx="minor">
+        <a:schemeClr val="lt1"/>
+      </a:fontRef>
+    </dgm:style>
+  </dgm:styleLbl>
+  <dgm:styleLbl name="asst3">
+    <dgm:scene3d>
+      <a:camera prst="orthographicFront"/>
+      <a:lightRig rig="threePt" dir="t"/>
+    </dgm:scene3d>
+    <dgm:sp3d/>
+    <dgm:txPr/>
+    <dgm:style>
+      <a:lnRef idx="2">
+        <a:scrgbClr r="0" g="0" b="0"/>
+      </a:lnRef>
+      <a:fillRef idx="1">
+        <a:scrgbClr r="0" g="0" b="0"/>
+      </a:fillRef>
+      <a:effectRef idx="0">
+        <a:scrgbClr r="0" g="0" b="0"/>
+      </a:effectRef>
+      <a:fontRef idx="minor">
+        <a:schemeClr val="lt1"/>
+      </a:fontRef>
+    </dgm:style>
+  </dgm:styleLbl>
+  <dgm:styleLbl name="asst4">
+    <dgm:scene3d>
+      <a:camera prst="orthographicFront"/>
+      <a:lightRig rig="threePt" dir="t"/>
+    </dgm:scene3d>
+    <dgm:sp3d/>
+    <dgm:txPr/>
+    <dgm:style>
+      <a:lnRef idx="2">
+        <a:scrgbClr r="0" g="0" b="0"/>
+      </a:lnRef>
+      <a:fillRef idx="1">
+        <a:scrgbClr r="0" g="0" b="0"/>
+      </a:fillRef>
+      <a:effectRef idx="0">
+        <a:scrgbClr r="0" g="0" b="0"/>
+      </a:effectRef>
+      <a:fontRef idx="minor">
+        <a:schemeClr val="lt1"/>
+      </a:fontRef>
+    </dgm:style>
+  </dgm:styleLbl>
+  <dgm:styleLbl name="parChTrans2D1">
+    <dgm:scene3d>
+      <a:camera prst="orthographicFront"/>
+      <a:lightRig rig="threePt" dir="t"/>
+    </dgm:scene3d>
+    <dgm:sp3d/>
+    <dgm:txPr/>
+    <dgm:style>
+      <a:lnRef idx="2">
+        <a:scrgbClr r="0" g="0" b="0"/>
+      </a:lnRef>
+      <a:fillRef idx="1">
+        <a:scrgbClr r="0" g="0" b="0"/>
+      </a:fillRef>
+      <a:effectRef idx="0">
+        <a:scrgbClr r="0" g="0" b="0"/>
+      </a:effectRef>
+      <a:fontRef idx="minor">
+        <a:schemeClr val="lt1"/>
+      </a:fontRef>
+    </dgm:style>
+  </dgm:styleLbl>
+  <dgm:styleLbl name="parChTrans2D2">
+    <dgm:scene3d>
+      <a:camera prst="orthographicFront"/>
+      <a:lightRig rig="threePt" dir="t"/>
+    </dgm:scene3d>
+    <dgm:sp3d/>
+    <dgm:txPr/>
+    <dgm:style>
+      <a:lnRef idx="2">
+        <a:scrgbClr r="0" g="0" b="0"/>
+      </a:lnRef>
+      <a:fillRef idx="1">
+        <a:scrgbClr r="0" g="0" b="0"/>
+      </a:fillRef>
+      <a:effectRef idx="0">
+        <a:scrgbClr r="0" g="0" b="0"/>
+      </a:effectRef>
+      <a:fontRef idx="minor">
+        <a:schemeClr val="lt1"/>
+      </a:fontRef>
+    </dgm:style>
+  </dgm:styleLbl>
+  <dgm:styleLbl name="parChTrans2D3">
+    <dgm:scene3d>
+      <a:camera prst="orthographicFront"/>
+      <a:lightRig rig="threePt" dir="t"/>
+    </dgm:scene3d>
+    <dgm:sp3d/>
+    <dgm:txPr/>
+    <dgm:style>
+      <a:lnRef idx="2">
+        <a:scrgbClr r="0" g="0" b="0"/>
+      </a:lnRef>
+      <a:fillRef idx="1">
+        <a:scrgbClr r="0" g="0" b="0"/>
+      </a:fillRef>
+      <a:effectRef idx="0">
+        <a:scrgbClr r="0" g="0" b="0"/>
+      </a:effectRef>
+      <a:fontRef idx="minor">
+        <a:schemeClr val="lt1"/>
+      </a:fontRef>
+    </dgm:style>
+  </dgm:styleLbl>
+  <dgm:styleLbl name="parChTrans2D4">
+    <dgm:scene3d>
+      <a:camera prst="orthographicFront"/>
+      <a:lightRig rig="threePt" dir="t"/>
+    </dgm:scene3d>
+    <dgm:sp3d/>
+    <dgm:txPr/>
+    <dgm:style>
+      <a:lnRef idx="2">
+        <a:scrgbClr r="0" g="0" b="0"/>
+      </a:lnRef>
+      <a:fillRef idx="1">
+        <a:scrgbClr r="0" g="0" b="0"/>
+      </a:fillRef>
+      <a:effectRef idx="0">
+        <a:scrgbClr r="0" g="0" b="0"/>
+      </a:effectRef>
+      <a:fontRef idx="minor">
+        <a:schemeClr val="lt1"/>
+      </a:fontRef>
+    </dgm:style>
+  </dgm:styleLbl>
+  <dgm:styleLbl name="parChTrans1D1">
+    <dgm:scene3d>
+      <a:camera prst="orthographicFront"/>
+      <a:lightRig rig="threePt" dir="t"/>
+    </dgm:scene3d>
+    <dgm:sp3d/>
+    <dgm:txPr/>
+    <dgm:style>
+      <a:lnRef idx="2">
+        <a:scrgbClr r="0" g="0" b="0"/>
+      </a:lnRef>
+      <a:fillRef idx="0">
+        <a:scrgbClr r="0" g="0" b="0"/>
+      </a:fillRef>
+      <a:effectRef idx="0">
+        <a:scrgbClr r="0" g="0" b="0"/>
+      </a:effectRef>
+      <a:fontRef idx="minor"/>
+    </dgm:style>
+  </dgm:styleLbl>
+  <dgm:styleLbl name="parChTrans1D2">
+    <dgm:scene3d>
+      <a:camera prst="orthographicFront"/>
+      <a:lightRig rig="threePt" dir="t"/>
+    </dgm:scene3d>
+    <dgm:sp3d/>
+    <dgm:txPr/>
+    <dgm:style>
+      <a:lnRef idx="2">
+        <a:scrgbClr r="0" g="0" b="0"/>
+      </a:lnRef>
+      <a:fillRef idx="0">
+        <a:scrgbClr r="0" g="0" b="0"/>
+      </a:fillRef>
+      <a:effectRef idx="0">
+        <a:scrgbClr r="0" g="0" b="0"/>
+      </a:effectRef>
+      <a:fontRef idx="minor"/>
+    </dgm:style>
+  </dgm:styleLbl>
+  <dgm:styleLbl name="parChTrans1D3">
+    <dgm:scene3d>
+      <a:camera prst="orthographicFront"/>
+      <a:lightRig rig="threePt" dir="t"/>
+    </dgm:scene3d>
+    <dgm:sp3d/>
+    <dgm:txPr/>
+    <dgm:style>
+      <a:lnRef idx="2">
+        <a:scrgbClr r="0" g="0" b="0"/>
+      </a:lnRef>
+      <a:fillRef idx="0">
+        <a:scrgbClr r="0" g="0" b="0"/>
+      </a:fillRef>
+      <a:effectRef idx="0">
+        <a:scrgbClr r="0" g="0" b="0"/>
+      </a:effectRef>
+      <a:fontRef idx="minor"/>
+    </dgm:style>
+  </dgm:styleLbl>
+  <dgm:styleLbl name="parChTrans1D4">
+    <dgm:scene3d>
+      <a:camera prst="orthographicFront"/>
+      <a:lightRig rig="threePt" dir="t"/>
+    </dgm:scene3d>
+    <dgm:sp3d/>
+    <dgm:txPr/>
+    <dgm:style>
+      <a:lnRef idx="2">
+        <a:scrgbClr r="0" g="0" b="0"/>
+      </a:lnRef>
+      <a:fillRef idx="0">
+        <a:scrgbClr r="0" g="0" b="0"/>
+      </a:fillRef>
+      <a:effectRef idx="0">
+        <a:scrgbClr r="0" g="0" b="0"/>
+      </a:effectRef>
+      <a:fontRef idx="minor"/>
+    </dgm:style>
+  </dgm:styleLbl>
+  <dgm:styleLbl name="fgAcc1">
+    <dgm:scene3d>
+      <a:camera prst="orthographicFront"/>
+      <a:lightRig rig="threePt" dir="t"/>
+    </dgm:scene3d>
+    <dgm:sp3d/>
+    <dgm:txPr/>
+    <dgm:style>
+      <a:lnRef idx="2">
+        <a:scrgbClr r="0" g="0" b="0"/>
+      </a:lnRef>
+      <a:fillRef idx="1">
+        <a:scrgbClr r="0" g="0" b="0"/>
+      </a:fillRef>
+      <a:effectRef idx="0">
+        <a:scrgbClr r="0" g="0" b="0"/>
+      </a:effectRef>
+      <a:fontRef idx="minor"/>
+    </dgm:style>
+  </dgm:styleLbl>
+  <dgm:styleLbl name="conFgAcc1">
+    <dgm:scene3d>
+      <a:camera prst="orthographicFront"/>
+      <a:lightRig rig="threePt" dir="t"/>
+    </dgm:scene3d>
+    <dgm:sp3d/>
+    <dgm:txPr/>
+    <dgm:style>
+      <a:lnRef idx="2">
+        <a:scrgbClr r="0" g="0" b="0"/>
+      </a:lnRef>
+      <a:fillRef idx="1">
+        <a:scrgbClr r="0" g="0" b="0"/>
+      </a:fillRef>
+      <a:effectRef idx="0">
+        <a:scrgbClr r="0" g="0" b="0"/>
+      </a:effectRef>
+      <a:fontRef idx="minor"/>
+    </dgm:style>
+  </dgm:styleLbl>
+  <dgm:styleLbl name="alignAcc1">
+    <dgm:scene3d>
+      <a:camera prst="orthographicFront"/>
+      <a:lightRig rig="threePt" dir="t"/>
+    </dgm:scene3d>
+    <dgm:sp3d/>
+    <dgm:txPr/>
+    <dgm:style>
+      <a:lnRef idx="2">
+        <a:scrgbClr r="0" g="0" b="0"/>
+      </a:lnRef>
+      <a:fillRef idx="1">
+        <a:scrgbClr r="0" g="0" b="0"/>
+      </a:fillRef>
+      <a:effectRef idx="0">
+        <a:scrgbClr r="0" g="0" b="0"/>
+      </a:effectRef>
+      <a:fontRef idx="minor"/>
+    </dgm:style>
+  </dgm:styleLbl>
+  <dgm:styleLbl name="trAlignAcc1">
+    <dgm:scene3d>
+      <a:camera prst="orthographicFront"/>
+      <a:lightRig rig="threePt" dir="t"/>
+    </dgm:scene3d>
+    <dgm:sp3d/>
+    <dgm:txPr/>
+    <dgm:style>
+      <a:lnRef idx="1">
+        <a:scrgbClr r="0" g="0" b="0"/>
+      </a:lnRef>
+      <a:fillRef idx="1">
+        <a:scrgbClr r="0" g="0" b="0"/>
+      </a:fillRef>
+      <a:effectRef idx="0">
+        <a:scrgbClr r="0" g="0" b="0"/>
+      </a:effectRef>
+      <a:fontRef idx="minor"/>
+    </dgm:style>
+  </dgm:styleLbl>
+  <dgm:styleLbl name="bgAcc1">
+    <dgm:scene3d>
+      <a:camera prst="orthographicFront"/>
+      <a:lightRig rig="threePt" dir="t"/>
+    </dgm:scene3d>
+    <dgm:sp3d/>
+    <dgm:txPr/>
+    <dgm:style>
+      <a:lnRef idx="2">
+        <a:scrgbClr r="0" g="0" b="0"/>
+      </a:lnRef>
+      <a:fillRef idx="1">
+        <a:scrgbClr r="0" g="0" b="0"/>
+      </a:fillRef>
+      <a:effectRef idx="0">
+        <a:scrgbClr r="0" g="0" b="0"/>
+      </a:effectRef>
+      <a:fontRef idx="minor"/>
+    </dgm:style>
+  </dgm:styleLbl>
+  <dgm:styleLbl name="solidFgAcc1">
+    <dgm:scene3d>
+      <a:camera prst="orthographicFront"/>
+      <a:lightRig rig="threePt" dir="t"/>
+    </dgm:scene3d>
+    <dgm:sp3d/>
+    <dgm:txPr/>
+    <dgm:style>
+      <a:lnRef idx="2">
+        <a:scrgbClr r="0" g="0" b="0"/>
+      </a:lnRef>
+      <a:fillRef idx="1">
+        <a:scrgbClr r="0" g="0" b="0"/>
+      </a:fillRef>
+      <a:effectRef idx="0">
+        <a:scrgbClr r="0" g="0" b="0"/>
+      </a:effectRef>
+      <a:fontRef idx="minor"/>
+    </dgm:style>
+  </dgm:styleLbl>
+  <dgm:styleLbl name="solidAlignAcc1">
+    <dgm:scene3d>
+      <a:camera prst="orthographicFront"/>
+      <a:lightRig rig="threePt" dir="t"/>
+    </dgm:scene3d>
+    <dgm:sp3d/>
+    <dgm:txPr/>
+    <dgm:style>
+      <a:lnRef idx="2">
+        <a:scrgbClr r="0" g="0" b="0"/>
+      </a:lnRef>
+      <a:fillRef idx="1">
+        <a:scrgbClr r="0" g="0" b="0"/>
+      </a:fillRef>
+      <a:effectRef idx="0">
+        <a:scrgbClr r="0" g="0" b="0"/>
+      </a:effectRef>
+      <a:fontRef idx="minor"/>
+    </dgm:style>
+  </dgm:styleLbl>
+  <dgm:styleLbl name="solidBgAcc1">
+    <dgm:scene3d>
+      <a:camera prst="orthographicFront"/>
+      <a:lightRig rig="threePt" dir="t"/>
+    </dgm:scene3d>
+    <dgm:sp3d/>
+    <dgm:txPr/>
+    <dgm:style>
+      <a:lnRef idx="2">
+        <a:scrgbClr r="0" g="0" b="0"/>
+      </a:lnRef>
+      <a:fillRef idx="1">
+        <a:scrgbClr r="0" g="0" b="0"/>
+      </a:fillRef>
+      <a:effectRef idx="0">
+        <a:scrgbClr r="0" g="0" b="0"/>
+      </a:effectRef>
+      <a:fontRef idx="minor"/>
+    </dgm:style>
+  </dgm:styleLbl>
+  <dgm:styleLbl name="fgAccFollowNode1">
+    <dgm:scene3d>
+      <a:camera prst="orthographicFront"/>
+      <a:lightRig rig="threePt" dir="t"/>
+    </dgm:scene3d>
+    <dgm:sp3d/>
+    <dgm:txPr/>
+    <dgm:style>
+      <a:lnRef idx="2">
+        <a:scrgbClr r="0" g="0" b="0"/>
+      </a:lnRef>
+      <a:fillRef idx="1">
+        <a:scrgbClr r="0" g="0" b="0"/>
+      </a:fillRef>
+      <a:effectRef idx="0">
+        <a:scrgbClr r="0" g="0" b="0"/>
+      </a:effectRef>
+      <a:fontRef idx="minor"/>
+    </dgm:style>
+  </dgm:styleLbl>
+  <dgm:styleLbl name="alignAccFollowNode1">
+    <dgm:scene3d>
+      <a:camera prst="orthographicFront"/>
+      <a:lightRig rig="threePt" dir="t"/>
+    </dgm:scene3d>
+    <dgm:sp3d/>
+    <dgm:txPr/>
+    <dgm:style>
+      <a:lnRef idx="2">
+        <a:scrgbClr r="0" g="0" b="0"/>
+      </a:lnRef>
+      <a:fillRef idx="1">
+        <a:scrgbClr r="0" g="0" b="0"/>
+      </a:fillRef>
+      <a:effectRef idx="0">
+        <a:scrgbClr r="0" g="0" b="0"/>
+      </a:effectRef>
+      <a:fontRef idx="minor"/>
+    </dgm:style>
+  </dgm:styleLbl>
+  <dgm:styleLbl name="bgAccFollowNode1">
+    <dgm:scene3d>
+      <a:camera prst="orthographicFront"/>
+      <a:lightRig rig="threePt" dir="t"/>
+    </dgm:scene3d>
+    <dgm:sp3d/>
+    <dgm:txPr/>
+    <dgm:style>
+      <a:lnRef idx="2">
+        <a:scrgbClr r="0" g="0" b="0"/>
+      </a:lnRef>
+      <a:fillRef idx="1">
+        <a:scrgbClr r="0" g="0" b="0"/>
+      </a:fillRef>
+      <a:effectRef idx="0">
+        <a:scrgbClr r="0" g="0" b="0"/>
+      </a:effectRef>
+      <a:fontRef idx="minor"/>
+    </dgm:style>
+  </dgm:styleLbl>
+  <dgm:styleLbl name="fgAcc0">
+    <dgm:scene3d>
+      <a:camera prst="orthographicFront"/>
+      <a:lightRig rig="threePt" dir="t"/>
+    </dgm:scene3d>
+    <dgm:sp3d/>
+    <dgm:txPr/>
+    <dgm:style>
+      <a:lnRef idx="2">
+        <a:scrgbClr r="0" g="0" b="0"/>
+      </a:lnRef>
+      <a:fillRef idx="1">
+        <a:scrgbClr r="0" g="0" b="0"/>
+      </a:fillRef>
+      <a:effectRef idx="0">
+        <a:scrgbClr r="0" g="0" b="0"/>
+      </a:effectRef>
+      <a:fontRef idx="minor"/>
+    </dgm:style>
+  </dgm:styleLbl>
+  <dgm:styleLbl name="fgAcc2">
+    <dgm:scene3d>
+      <a:camera prst="orthographicFront"/>
+      <a:lightRig rig="threePt" dir="t"/>
+    </dgm:scene3d>
+    <dgm:sp3d/>
+    <dgm:txPr/>
+    <dgm:style>
+      <a:lnRef idx="2">
+        <a:scrgbClr r="0" g="0" b="0"/>
+      </a:lnRef>
+      <a:fillRef idx="1">
+        <a:scrgbClr r="0" g="0" b="0"/>
+      </a:fillRef>
+      <a:effectRef idx="0">
+        <a:scrgbClr r="0" g="0" b="0"/>
+      </a:effectRef>
+      <a:fontRef idx="minor"/>
+    </dgm:style>
+  </dgm:styleLbl>
+  <dgm:styleLbl name="fgAcc3">
+    <dgm:scene3d>
+      <a:camera prst="orthographicFront"/>
+      <a:lightRig rig="threePt" dir="t"/>
+    </dgm:scene3d>
+    <dgm:sp3d/>
+    <dgm:txPr/>
+    <dgm:style>
+      <a:lnRef idx="2">
+        <a:scrgbClr r="0" g="0" b="0"/>
+      </a:lnRef>
+      <a:fillRef idx="1">
+        <a:scrgbClr r="0" g="0" b="0"/>
+      </a:fillRef>
+      <a:effectRef idx="0">
+        <a:scrgbClr r="0" g="0" b="0"/>
+      </a:effectRef>
+      <a:fontRef idx="minor"/>
+    </dgm:style>
+  </dgm:styleLbl>
+  <dgm:styleLbl name="fgAcc4">
+    <dgm:scene3d>
+      <a:camera prst="orthographicFront"/>
+      <a:lightRig rig="threePt" dir="t"/>
+    </dgm:scene3d>
+    <dgm:sp3d/>
+    <dgm:txPr/>
+    <dgm:style>
+      <a:lnRef idx="2">
+        <a:scrgbClr r="0" g="0" b="0"/>
+      </a:lnRef>
+      <a:fillRef idx="1">
+        <a:scrgbClr r="0" g="0" b="0"/>
+      </a:fillRef>
+      <a:effectRef idx="0">
+        <a:scrgbClr r="0" g="0" b="0"/>
+      </a:effectRef>
+      <a:fontRef idx="minor"/>
+    </dgm:style>
+  </dgm:styleLbl>
+  <dgm:styleLbl name="bgShp">
+    <dgm:scene3d>
+      <a:camera prst="orthographicFront"/>
+      <a:lightRig rig="threePt" dir="t"/>
+    </dgm:scene3d>
+    <dgm:sp3d/>
+    <dgm:txPr/>
+    <dgm:style>
+      <a:lnRef idx="0">
+        <a:scrgbClr r="0" g="0" b="0"/>
+      </a:lnRef>
+      <a:fillRef idx="1">
+        <a:scrgbClr r="0" g="0" b="0"/>
+      </a:fillRef>
+      <a:effectRef idx="0">
+        <a:scrgbClr r="0" g="0" b="0"/>
+      </a:effectRef>
+      <a:fontRef idx="minor"/>
+    </dgm:style>
+  </dgm:styleLbl>
+  <dgm:styleLbl name="dkBgShp">
+    <dgm:scene3d>
+      <a:camera prst="orthographicFront"/>
+      <a:lightRig rig="threePt" dir="t"/>
+    </dgm:scene3d>
+    <dgm:sp3d/>
+    <dgm:txPr/>
+    <dgm:style>
+      <a:lnRef idx="0">
+        <a:scrgbClr r="0" g="0" b="0"/>
+      </a:lnRef>
+      <a:fillRef idx="1">
+        <a:scrgbClr r="0" g="0" b="0"/>
+      </a:fillRef>
+      <a:effectRef idx="0">
+        <a:scrgbClr r="0" g="0" b="0"/>
+      </a:effectRef>
+      <a:fontRef idx="minor"/>
+    </dgm:style>
+  </dgm:styleLbl>
+  <dgm:styleLbl name="trBgShp">
+    <dgm:scene3d>
+      <a:camera prst="orthographicFront"/>
+      <a:lightRig rig="threePt" dir="t"/>
+    </dgm:scene3d>
+    <dgm:sp3d/>
+    <dgm:txPr/>
+    <dgm:style>
+      <a:lnRef idx="0">
+        <a:scrgbClr r="0" g="0" b="0"/>
+      </a:lnRef>
+      <a:fillRef idx="1">
+        <a:scrgbClr r="0" g="0" b="0"/>
+      </a:fillRef>
+      <a:effectRef idx="0">
+        <a:scrgbClr r="0" g="0" b="0"/>
+      </a:effectRef>
+      <a:fontRef idx="minor"/>
+    </dgm:style>
+  </dgm:styleLbl>
+  <dgm:styleLbl name="fgShp">
+    <dgm:scene3d>
+      <a:camera prst="orthographicFront"/>
+      <a:lightRig rig="threePt" dir="t"/>
+    </dgm:scene3d>
+    <dgm:sp3d/>
+    <dgm:txPr/>
+    <dgm:style>
+      <a:lnRef idx="2">
+        <a:scrgbClr r="0" g="0" b="0"/>
+      </a:lnRef>
+      <a:fillRef idx="1">
+        <a:scrgbClr r="0" g="0" b="0"/>
+      </a:fillRef>
+      <a:effectRef idx="0">
+        <a:scrgbClr r="0" g="0" b="0"/>
+      </a:effectRef>
+      <a:fontRef idx="minor"/>
+    </dgm:style>
+  </dgm:styleLbl>
+  <dgm:styleLbl name="revTx">
+    <dgm:scene3d>
+      <a:camera prst="orthographicFront"/>
+      <a:lightRig rig="threePt" dir="t"/>
+    </dgm:scene3d>
+    <dgm:sp3d/>
+    <dgm:txPr/>
+    <dgm:style>
+      <a:lnRef idx="0">
+        <a:scrgbClr r="0" g="0" b="0"/>
+      </a:lnRef>
+      <a:fillRef idx="0">
+        <a:scrgbClr r="0" g="0" b="0"/>
+      </a:fillRef>
+      <a:effectRef idx="0">
+        <a:scrgbClr r="0" g="0" b="0"/>
+      </a:effectRef>
+      <a:fontRef idx="minor"/>
+    </dgm:style>
+  </dgm:styleLbl>
+</dgm:styleDef>
 </file>
 
 <file path=ppt/slideLayouts/slideLayout1.xml><?xml version="1.0" encoding="utf-8"?>
@@ -736,7 +6154,7 @@
           <a:p>
             <a:fld id="{544D4549-F06F-4B9D-98C5-17C0E1A7D196}" type="datetimeFigureOut">
               <a:rPr lang="en-US" smtClean="0"/>
-              <a:t>5/20/2022</a:t>
+              <a:t>5/23/2022</a:t>
             </a:fld>
             <a:endParaRPr lang="en-US"/>
           </a:p>
@@ -906,7 +6324,7 @@
           <a:p>
             <a:fld id="{544D4549-F06F-4B9D-98C5-17C0E1A7D196}" type="datetimeFigureOut">
               <a:rPr lang="en-US" smtClean="0"/>
-              <a:t>5/20/2022</a:t>
+              <a:t>5/23/2022</a:t>
             </a:fld>
             <a:endParaRPr lang="en-US"/>
           </a:p>
@@ -1086,7 +6504,7 @@
           <a:p>
             <a:fld id="{544D4549-F06F-4B9D-98C5-17C0E1A7D196}" type="datetimeFigureOut">
               <a:rPr lang="en-US" smtClean="0"/>
-              <a:t>5/20/2022</a:t>
+              <a:t>5/23/2022</a:t>
             </a:fld>
             <a:endParaRPr lang="en-US"/>
           </a:p>
@@ -1256,7 +6674,7 @@
           <a:p>
             <a:fld id="{544D4549-F06F-4B9D-98C5-17C0E1A7D196}" type="datetimeFigureOut">
               <a:rPr lang="en-US" smtClean="0"/>
-              <a:t>5/20/2022</a:t>
+              <a:t>5/23/2022</a:t>
             </a:fld>
             <a:endParaRPr lang="en-US"/>
           </a:p>
@@ -1502,7 +6920,7 @@
           <a:p>
             <a:fld id="{544D4549-F06F-4B9D-98C5-17C0E1A7D196}" type="datetimeFigureOut">
               <a:rPr lang="en-US" smtClean="0"/>
-              <a:t>5/20/2022</a:t>
+              <a:t>5/23/2022</a:t>
             </a:fld>
             <a:endParaRPr lang="en-US"/>
           </a:p>
@@ -1734,7 +7152,7 @@
           <a:p>
             <a:fld id="{544D4549-F06F-4B9D-98C5-17C0E1A7D196}" type="datetimeFigureOut">
               <a:rPr lang="en-US" smtClean="0"/>
-              <a:t>5/20/2022</a:t>
+              <a:t>5/23/2022</a:t>
             </a:fld>
             <a:endParaRPr lang="en-US"/>
           </a:p>
@@ -2101,7 +7519,7 @@
           <a:p>
             <a:fld id="{544D4549-F06F-4B9D-98C5-17C0E1A7D196}" type="datetimeFigureOut">
               <a:rPr lang="en-US" smtClean="0"/>
-              <a:t>5/20/2022</a:t>
+              <a:t>5/23/2022</a:t>
             </a:fld>
             <a:endParaRPr lang="en-US"/>
           </a:p>
@@ -2219,7 +7637,7 @@
           <a:p>
             <a:fld id="{544D4549-F06F-4B9D-98C5-17C0E1A7D196}" type="datetimeFigureOut">
               <a:rPr lang="en-US" smtClean="0"/>
-              <a:t>5/20/2022</a:t>
+              <a:t>5/23/2022</a:t>
             </a:fld>
             <a:endParaRPr lang="en-US"/>
           </a:p>
@@ -2314,7 +7732,7 @@
           <a:p>
             <a:fld id="{544D4549-F06F-4B9D-98C5-17C0E1A7D196}" type="datetimeFigureOut">
               <a:rPr lang="en-US" smtClean="0"/>
-              <a:t>5/20/2022</a:t>
+              <a:t>5/23/2022</a:t>
             </a:fld>
             <a:endParaRPr lang="en-US"/>
           </a:p>
@@ -2591,7 +8009,7 @@
           <a:p>
             <a:fld id="{544D4549-F06F-4B9D-98C5-17C0E1A7D196}" type="datetimeFigureOut">
               <a:rPr lang="en-US" smtClean="0"/>
-              <a:t>5/20/2022</a:t>
+              <a:t>5/23/2022</a:t>
             </a:fld>
             <a:endParaRPr lang="en-US"/>
           </a:p>
@@ -2848,7 +8266,7 @@
           <a:p>
             <a:fld id="{544D4549-F06F-4B9D-98C5-17C0E1A7D196}" type="datetimeFigureOut">
               <a:rPr lang="en-US" smtClean="0"/>
-              <a:t>5/20/2022</a:t>
+              <a:t>5/23/2022</a:t>
             </a:fld>
             <a:endParaRPr lang="en-US"/>
           </a:p>
@@ -3061,7 +8479,7 @@
           <a:p>
             <a:fld id="{544D4549-F06F-4B9D-98C5-17C0E1A7D196}" type="datetimeFigureOut">
               <a:rPr lang="en-US" smtClean="0"/>
-              <a:t>5/20/2022</a:t>
+              <a:t>5/23/2022</a:t>
             </a:fld>
             <a:endParaRPr lang="en-US"/>
           </a:p>
@@ -3711,7 +9129,7 @@
           <a:lstStyle/>
           <a:p>
             <a:r>
-              <a:rPr lang="en-US">
+              <a:rPr lang="en-US" dirty="0">
                 <a:solidFill>
                   <a:srgbClr val="FFFFFF"/>
                 </a:solidFill>
@@ -3751,16 +9169,10 @@
           <a:lstStyle/>
           <a:p>
             <a:r>
-              <a:rPr lang="en-US" sz="2000" dirty="0" err="1">
-                <a:latin typeface="Digital-7" panose="02000000000000000000" pitchFamily="2" charset="0"/>
-              </a:rPr>
-              <a:t>Codalz</a:t>
-            </a:r>
-            <a:r>
               <a:rPr lang="en-US" sz="2000" dirty="0">
                 <a:latin typeface="Digital-7" panose="02000000000000000000" pitchFamily="2" charset="0"/>
               </a:rPr>
-              <a:t> is a word game</a:t>
+              <a:t>Codalz is a word game</a:t>
             </a:r>
           </a:p>
           <a:p>
@@ -4174,6 +9586,3119 @@
 </p:sld>
 </file>
 
+<file path=ppt/slides/slide4.xml><?xml version="1.0" encoding="utf-8"?>
+<p:sld xmlns:a="http://schemas.openxmlformats.org/drawingml/2006/main" xmlns:r="http://schemas.openxmlformats.org/officeDocument/2006/relationships" xmlns:p="http://schemas.openxmlformats.org/presentationml/2006/main">
+  <p:cSld>
+    <p:spTree>
+      <p:nvGrpSpPr>
+        <p:cNvPr id="1" name=""/>
+        <p:cNvGrpSpPr/>
+        <p:nvPr/>
+      </p:nvGrpSpPr>
+      <p:grpSpPr>
+        <a:xfrm>
+          <a:off x="0" y="0"/>
+          <a:ext cx="0" cy="0"/>
+          <a:chOff x="0" y="0"/>
+          <a:chExt cx="0" cy="0"/>
+        </a:xfrm>
+      </p:grpSpPr>
+      <p:sp>
+        <p:nvSpPr>
+          <p:cNvPr id="2" name="Title 1">
+            <a:extLst>
+              <a:ext uri="{FF2B5EF4-FFF2-40B4-BE49-F238E27FC236}">
+                <a16:creationId xmlns:a16="http://schemas.microsoft.com/office/drawing/2014/main" id="{6E2F7399-C8D4-D949-7BA5-B44E62082C49}"/>
+              </a:ext>
+            </a:extLst>
+          </p:cNvPr>
+          <p:cNvSpPr>
+            <a:spLocks noGrp="1"/>
+          </p:cNvSpPr>
+          <p:nvPr>
+            <p:ph type="title"/>
+          </p:nvPr>
+        </p:nvSpPr>
+        <p:spPr/>
+        <p:txBody>
+          <a:bodyPr/>
+          <a:lstStyle/>
+          <a:p>
+            <a:r>
+              <a:rPr lang="en-US">
+                <a:solidFill>
+                  <a:srgbClr val="00FF00"/>
+                </a:solidFill>
+                <a:latin typeface="Digital dream" panose="00000400000000000000" pitchFamily="1" charset="0"/>
+              </a:rPr>
+              <a:t>Technologies</a:t>
+            </a:r>
+            <a:endParaRPr lang="en-US" dirty="0">
+              <a:solidFill>
+                <a:srgbClr val="00FF00"/>
+              </a:solidFill>
+              <a:latin typeface="Digital dream" panose="00000400000000000000" pitchFamily="1" charset="0"/>
+            </a:endParaRPr>
+          </a:p>
+        </p:txBody>
+      </p:sp>
+      <p:graphicFrame>
+        <p:nvGraphicFramePr>
+          <p:cNvPr id="11" name="Content Placeholder 2">
+            <a:extLst>
+              <a:ext uri="{FF2B5EF4-FFF2-40B4-BE49-F238E27FC236}">
+                <a16:creationId xmlns:a16="http://schemas.microsoft.com/office/drawing/2014/main" id="{35054625-0AA5-D195-F570-FDCA8B503929}"/>
+              </a:ext>
+            </a:extLst>
+          </p:cNvPr>
+          <p:cNvGraphicFramePr>
+            <a:graphicFrameLocks noGrp="1"/>
+          </p:cNvGraphicFramePr>
+          <p:nvPr>
+            <p:ph idx="1"/>
+            <p:extLst>
+              <p:ext uri="{D42A27DB-BD31-4B8C-83A1-F6EECF244321}">
+                <p14:modId xmlns:p14="http://schemas.microsoft.com/office/powerpoint/2010/main" val="1871620896"/>
+              </p:ext>
+            </p:extLst>
+          </p:nvPr>
+        </p:nvGraphicFramePr>
+        <p:xfrm>
+          <a:off x="838200" y="1825625"/>
+          <a:ext cx="10515600" cy="4351338"/>
+        </p:xfrm>
+        <a:graphic>
+          <a:graphicData uri="http://schemas.openxmlformats.org/drawingml/2006/diagram">
+            <dgm:relIds xmlns:dgm="http://schemas.openxmlformats.org/drawingml/2006/diagram" xmlns:r="http://schemas.openxmlformats.org/officeDocument/2006/relationships" r:dm="rId2" r:lo="rId3" r:qs="rId4" r:cs="rId5"/>
+          </a:graphicData>
+        </a:graphic>
+      </p:graphicFrame>
+    </p:spTree>
+    <p:extLst>
+      <p:ext uri="{BB962C8B-B14F-4D97-AF65-F5344CB8AC3E}">
+        <p14:creationId xmlns:p14="http://schemas.microsoft.com/office/powerpoint/2010/main" val="1014499566"/>
+      </p:ext>
+    </p:extLst>
+  </p:cSld>
+  <p:clrMapOvr>
+    <a:masterClrMapping/>
+  </p:clrMapOvr>
+</p:sld>
+</file>
+
+<file path=ppt/slides/slide5.xml><?xml version="1.0" encoding="utf-8"?>
+<p:sld xmlns:a="http://schemas.openxmlformats.org/drawingml/2006/main" xmlns:r="http://schemas.openxmlformats.org/officeDocument/2006/relationships" xmlns:p="http://schemas.openxmlformats.org/presentationml/2006/main">
+  <p:cSld>
+    <p:spTree>
+      <p:nvGrpSpPr>
+        <p:cNvPr id="1" name=""/>
+        <p:cNvGrpSpPr/>
+        <p:nvPr/>
+      </p:nvGrpSpPr>
+      <p:grpSpPr>
+        <a:xfrm>
+          <a:off x="0" y="0"/>
+          <a:ext cx="0" cy="0"/>
+          <a:chOff x="0" y="0"/>
+          <a:chExt cx="0" cy="0"/>
+        </a:xfrm>
+      </p:grpSpPr>
+      <p:sp>
+        <p:nvSpPr>
+          <p:cNvPr id="3" name="Content Placeholder 2">
+            <a:extLst>
+              <a:ext uri="{FF2B5EF4-FFF2-40B4-BE49-F238E27FC236}">
+                <a16:creationId xmlns:a16="http://schemas.microsoft.com/office/drawing/2014/main" id="{DE0E3D90-8BF7-A563-CD7C-121009B899CC}"/>
+              </a:ext>
+            </a:extLst>
+          </p:cNvPr>
+          <p:cNvSpPr>
+            <a:spLocks noGrp="1"/>
+          </p:cNvSpPr>
+          <p:nvPr>
+            <p:ph idx="1"/>
+          </p:nvPr>
+        </p:nvSpPr>
+        <p:spPr>
+          <a:xfrm>
+            <a:off x="838200" y="537466"/>
+            <a:ext cx="10515600" cy="943212"/>
+          </a:xfrm>
+        </p:spPr>
+        <p:txBody>
+          <a:bodyPr>
+            <a:normAutofit lnSpcReduction="10000"/>
+          </a:bodyPr>
+          <a:lstStyle/>
+          <a:p>
+            <a:pPr marL="0" indent="0">
+              <a:buNone/>
+            </a:pPr>
+            <a:r>
+              <a:rPr lang="en-US" sz="6600" dirty="0">
+                <a:latin typeface="Digital dream" panose="00000400000000000000" pitchFamily="1" charset="0"/>
+              </a:rPr>
+              <a:t>Codalz Database</a:t>
+            </a:r>
+          </a:p>
+        </p:txBody>
+      </p:sp>
+      <p:pic>
+        <p:nvPicPr>
+          <p:cNvPr id="2050" name="Picture 2">
+            <a:extLst>
+              <a:ext uri="{FF2B5EF4-FFF2-40B4-BE49-F238E27FC236}">
+                <a16:creationId xmlns:a16="http://schemas.microsoft.com/office/drawing/2014/main" id="{A18D523D-1A95-D74F-1BDA-820F0E7D70C9}"/>
+              </a:ext>
+            </a:extLst>
+          </p:cNvPr>
+          <p:cNvPicPr>
+            <a:picLocks noChangeAspect="1" noChangeArrowheads="1"/>
+          </p:cNvPicPr>
+          <p:nvPr/>
+        </p:nvPicPr>
+        <p:blipFill>
+          <a:blip r:embed="rId2">
+            <a:extLst>
+              <a:ext uri="{28A0092B-C50C-407E-A947-70E740481C1C}">
+                <a14:useLocalDpi xmlns:a14="http://schemas.microsoft.com/office/drawing/2010/main" val="0"/>
+              </a:ext>
+            </a:extLst>
+          </a:blip>
+          <a:srcRect/>
+          <a:stretch>
+            <a:fillRect/>
+          </a:stretch>
+        </p:blipFill>
+        <p:spPr bwMode="auto">
+          <a:xfrm>
+            <a:off x="1469015" y="2173288"/>
+            <a:ext cx="9420225" cy="3324225"/>
+          </a:xfrm>
+          <a:prstGeom prst="rect">
+            <a:avLst/>
+          </a:prstGeom>
+          <a:noFill/>
+          <a:extLst>
+            <a:ext uri="{909E8E84-426E-40DD-AFC4-6F175D3DCCD1}">
+              <a14:hiddenFill xmlns:a14="http://schemas.microsoft.com/office/drawing/2010/main">
+                <a:solidFill>
+                  <a:srgbClr val="FFFFFF"/>
+                </a:solidFill>
+              </a14:hiddenFill>
+            </a:ext>
+          </a:extLst>
+        </p:spPr>
+      </p:pic>
+    </p:spTree>
+    <p:extLst>
+      <p:ext uri="{BB962C8B-B14F-4D97-AF65-F5344CB8AC3E}">
+        <p14:creationId xmlns:p14="http://schemas.microsoft.com/office/powerpoint/2010/main" val="1417870166"/>
+      </p:ext>
+    </p:extLst>
+  </p:cSld>
+  <p:clrMapOvr>
+    <a:masterClrMapping/>
+  </p:clrMapOvr>
+</p:sld>
+</file>
+
+<file path=ppt/slides/slide6.xml><?xml version="1.0" encoding="utf-8"?>
+<p:sld xmlns:a="http://schemas.openxmlformats.org/drawingml/2006/main" xmlns:r="http://schemas.openxmlformats.org/officeDocument/2006/relationships" xmlns:p="http://schemas.openxmlformats.org/presentationml/2006/main">
+  <p:cSld>
+    <p:bg>
+      <p:bgPr>
+        <a:solidFill>
+          <a:schemeClr val="bg1">
+            <a:tint val="95000"/>
+            <a:satMod val="170000"/>
+          </a:schemeClr>
+        </a:solidFill>
+        <a:effectLst/>
+      </p:bgPr>
+    </p:bg>
+    <p:spTree>
+      <p:nvGrpSpPr>
+        <p:cNvPr id="1" name=""/>
+        <p:cNvGrpSpPr/>
+        <p:nvPr/>
+      </p:nvGrpSpPr>
+      <p:grpSpPr>
+        <a:xfrm>
+          <a:off x="0" y="0"/>
+          <a:ext cx="0" cy="0"/>
+          <a:chOff x="0" y="0"/>
+          <a:chExt cx="0" cy="0"/>
+        </a:xfrm>
+      </p:grpSpPr>
+      <p:sp>
+        <p:nvSpPr>
+          <p:cNvPr id="2" name="Title 1">
+            <a:extLst>
+              <a:ext uri="{FF2B5EF4-FFF2-40B4-BE49-F238E27FC236}">
+                <a16:creationId xmlns:a16="http://schemas.microsoft.com/office/drawing/2014/main" id="{8852AD87-62AD-E4B8-3ED8-C5F9CC1EBED6}"/>
+              </a:ext>
+            </a:extLst>
+          </p:cNvPr>
+          <p:cNvSpPr>
+            <a:spLocks noGrp="1"/>
+          </p:cNvSpPr>
+          <p:nvPr>
+            <p:ph type="title"/>
+          </p:nvPr>
+        </p:nvSpPr>
+        <p:spPr>
+          <a:xfrm>
+            <a:off x="6234330" y="803325"/>
+            <a:ext cx="5314536" cy="1325563"/>
+          </a:xfrm>
+        </p:spPr>
+        <p:txBody>
+          <a:bodyPr>
+            <a:normAutofit fontScale="90000"/>
+          </a:bodyPr>
+          <a:lstStyle/>
+          <a:p>
+            <a:r>
+              <a:rPr lang="en-US">
+                <a:latin typeface="Digital dream" panose="00000400000000000000" pitchFamily="1" charset="0"/>
+              </a:rPr>
+              <a:t>Possible Improvements</a:t>
+            </a:r>
+          </a:p>
+        </p:txBody>
+      </p:sp>
+      <p:sp>
+        <p:nvSpPr>
+          <p:cNvPr id="14" name="Freeform: Shape 9">
+            <a:extLst>
+              <a:ext uri="{FF2B5EF4-FFF2-40B4-BE49-F238E27FC236}">
+                <a16:creationId xmlns:a16="http://schemas.microsoft.com/office/drawing/2014/main" id="{CF62D2A7-8207-488C-9F46-316BA81A16C8}"/>
+              </a:ext>
+              <a:ext uri="{C183D7F6-B498-43B3-948B-1728B52AA6E4}">
+                <adec:decorative xmlns:adec="http://schemas.microsoft.com/office/drawing/2017/decorative" val="1"/>
+              </a:ext>
+            </a:extLst>
+          </p:cNvPr>
+          <p:cNvSpPr>
+            <a:spLocks noGrp="1" noRot="1" noChangeAspect="1" noMove="1" noResize="1" noEditPoints="1" noAdjustHandles="1" noChangeArrowheads="1" noChangeShapeType="1" noTextEdit="1"/>
+          </p:cNvSpPr>
+          <p:nvPr>
+            <p:extLst>
+              <p:ext uri="{386F3935-93C4-4BCD-93E2-E3B085C9AB24}">
+                <p16:designElem xmlns:p16="http://schemas.microsoft.com/office/powerpoint/2015/main" val="1"/>
+              </p:ext>
+            </p:extLst>
+          </p:nvPr>
+        </p:nvSpPr>
+        <p:spPr>
+          <a:xfrm>
+            <a:off x="0" y="-2008"/>
+            <a:ext cx="5609220" cy="5840278"/>
+          </a:xfrm>
+          <a:custGeom>
+            <a:avLst/>
+            <a:gdLst>
+              <a:gd name="connsiteX0" fmla="*/ 0 w 5609220"/>
+              <a:gd name="connsiteY0" fmla="*/ 0 h 5840278"/>
+              <a:gd name="connsiteX1" fmla="*/ 4637091 w 5609220"/>
+              <a:gd name="connsiteY1" fmla="*/ 0 h 5840278"/>
+              <a:gd name="connsiteX2" fmla="*/ 4822569 w 5609220"/>
+              <a:gd name="connsiteY2" fmla="*/ 204077 h 5840278"/>
+              <a:gd name="connsiteX3" fmla="*/ 5609220 w 5609220"/>
+              <a:gd name="connsiteY3" fmla="*/ 2395363 h 5840278"/>
+              <a:gd name="connsiteX4" fmla="*/ 2164305 w 5609220"/>
+              <a:gd name="connsiteY4" fmla="*/ 5840278 h 5840278"/>
+              <a:gd name="connsiteX5" fmla="*/ 238220 w 5609220"/>
+              <a:gd name="connsiteY5" fmla="*/ 5251941 h 5840278"/>
+              <a:gd name="connsiteX6" fmla="*/ 0 w 5609220"/>
+              <a:gd name="connsiteY6" fmla="*/ 5073803 h 5840278"/>
+            </a:gdLst>
+            <a:ahLst/>
+            <a:cxnLst>
+              <a:cxn ang="0">
+                <a:pos x="connsiteX0" y="connsiteY0"/>
+              </a:cxn>
+              <a:cxn ang="0">
+                <a:pos x="connsiteX1" y="connsiteY1"/>
+              </a:cxn>
+              <a:cxn ang="0">
+                <a:pos x="connsiteX2" y="connsiteY2"/>
+              </a:cxn>
+              <a:cxn ang="0">
+                <a:pos x="connsiteX3" y="connsiteY3"/>
+              </a:cxn>
+              <a:cxn ang="0">
+                <a:pos x="connsiteX4" y="connsiteY4"/>
+              </a:cxn>
+              <a:cxn ang="0">
+                <a:pos x="connsiteX5" y="connsiteY5"/>
+              </a:cxn>
+              <a:cxn ang="0">
+                <a:pos x="connsiteX6" y="connsiteY6"/>
+              </a:cxn>
+            </a:cxnLst>
+            <a:rect l="l" t="t" r="r" b="b"/>
+            <a:pathLst>
+              <a:path w="5609220" h="5840278">
+                <a:moveTo>
+                  <a:pt x="0" y="0"/>
+                </a:moveTo>
+                <a:lnTo>
+                  <a:pt x="4637091" y="0"/>
+                </a:lnTo>
+                <a:lnTo>
+                  <a:pt x="4822569" y="204077"/>
+                </a:lnTo>
+                <a:cubicBezTo>
+                  <a:pt x="5314007" y="799562"/>
+                  <a:pt x="5609220" y="1562987"/>
+                  <a:pt x="5609220" y="2395363"/>
+                </a:cubicBezTo>
+                <a:cubicBezTo>
+                  <a:pt x="5609220" y="4297937"/>
+                  <a:pt x="4066879" y="5840278"/>
+                  <a:pt x="2164305" y="5840278"/>
+                </a:cubicBezTo>
+                <a:cubicBezTo>
+                  <a:pt x="1450840" y="5840278"/>
+                  <a:pt x="788032" y="5623387"/>
+                  <a:pt x="238220" y="5251941"/>
+                </a:cubicBezTo>
+                <a:lnTo>
+                  <a:pt x="0" y="5073803"/>
+                </a:lnTo>
+                <a:close/>
+              </a:path>
+            </a:pathLst>
+          </a:custGeom>
+          <a:solidFill>
+            <a:srgbClr val="FFFFFF">
+              <a:alpha val="80000"/>
+            </a:srgbClr>
+          </a:solidFill>
+          <a:ln>
+            <a:noFill/>
+          </a:ln>
+        </p:spPr>
+        <p:style>
+          <a:lnRef idx="2">
+            <a:schemeClr val="accent1">
+              <a:shade val="50000"/>
+            </a:schemeClr>
+          </a:lnRef>
+          <a:fillRef idx="1">
+            <a:schemeClr val="accent1"/>
+          </a:fillRef>
+          <a:effectRef idx="0">
+            <a:schemeClr val="accent1"/>
+          </a:effectRef>
+          <a:fontRef idx="minor">
+            <a:schemeClr val="lt1"/>
+          </a:fontRef>
+        </p:style>
+        <p:txBody>
+          <a:bodyPr rtlCol="0" anchor="ctr"/>
+          <a:lstStyle/>
+          <a:p>
+            <a:pPr marL="0" marR="0" lvl="0" indent="0" algn="ctr" defTabSz="914400" rtl="0" eaLnBrk="1" fontAlgn="auto" latinLnBrk="0" hangingPunct="1">
+              <a:lnSpc>
+                <a:spcPct val="100000"/>
+              </a:lnSpc>
+              <a:spcBef>
+                <a:spcPts val="0"/>
+              </a:spcBef>
+              <a:spcAft>
+                <a:spcPts val="0"/>
+              </a:spcAft>
+              <a:buClrTx/>
+              <a:buSzTx/>
+              <a:buFontTx/>
+              <a:buNone/>
+              <a:tabLst/>
+              <a:defRPr/>
+            </a:pPr>
+            <a:endParaRPr kumimoji="0" lang="en-US" sz="1800" b="0" i="0" u="none" strike="noStrike" kern="1200" cap="none" spc="0" normalizeH="0" baseline="0" noProof="0">
+              <a:ln>
+                <a:noFill/>
+              </a:ln>
+              <a:solidFill>
+                <a:prstClr val="white"/>
+              </a:solidFill>
+              <a:effectLst/>
+              <a:uLnTx/>
+              <a:uFillTx/>
+              <a:latin typeface="Calibri" panose="020F0502020204030204"/>
+              <a:ea typeface="+mn-ea"/>
+              <a:cs typeface="+mn-cs"/>
+            </a:endParaRPr>
+          </a:p>
+        </p:txBody>
+      </p:sp>
+      <p:pic>
+        <p:nvPicPr>
+          <p:cNvPr id="15" name="Picture 5">
+            <a:extLst>
+              <a:ext uri="{FF2B5EF4-FFF2-40B4-BE49-F238E27FC236}">
+                <a16:creationId xmlns:a16="http://schemas.microsoft.com/office/drawing/2014/main" id="{A53D8173-CBBE-74A3-51C2-650638388752}"/>
+              </a:ext>
+            </a:extLst>
+          </p:cNvPr>
+          <p:cNvPicPr>
+            <a:picLocks noChangeAspect="1"/>
+          </p:cNvPicPr>
+          <p:nvPr/>
+        </p:nvPicPr>
+        <p:blipFill rotWithShape="1">
+          <a:blip r:embed="rId2"/>
+          <a:srcRect l="18764" r="17002" b="2"/>
+          <a:stretch/>
+        </p:blipFill>
+        <p:spPr>
+          <a:xfrm>
+            <a:off x="2" y="-2"/>
+            <a:ext cx="5441859" cy="5654940"/>
+          </a:xfrm>
+          <a:custGeom>
+            <a:avLst/>
+            <a:gdLst/>
+            <a:ahLst/>
+            <a:cxnLst/>
+            <a:rect l="l" t="t" r="r" b="b"/>
+            <a:pathLst>
+              <a:path w="5441859" h="5654940">
+                <a:moveTo>
+                  <a:pt x="0" y="0"/>
+                </a:moveTo>
+                <a:lnTo>
+                  <a:pt x="4400491" y="0"/>
+                </a:lnTo>
+                <a:lnTo>
+                  <a:pt x="4484766" y="76595"/>
+                </a:lnTo>
+                <a:cubicBezTo>
+                  <a:pt x="5076107" y="667936"/>
+                  <a:pt x="5441859" y="1484866"/>
+                  <a:pt x="5441859" y="2387221"/>
+                </a:cubicBezTo>
+                <a:cubicBezTo>
+                  <a:pt x="5441859" y="4191932"/>
+                  <a:pt x="3978851" y="5654940"/>
+                  <a:pt x="2174140" y="5654940"/>
+                </a:cubicBezTo>
+                <a:cubicBezTo>
+                  <a:pt x="1412778" y="5654940"/>
+                  <a:pt x="712231" y="5394557"/>
+                  <a:pt x="156693" y="4957981"/>
+                </a:cubicBezTo>
+                <a:lnTo>
+                  <a:pt x="0" y="4820612"/>
+                </a:lnTo>
+                <a:close/>
+              </a:path>
+            </a:pathLst>
+          </a:custGeom>
+        </p:spPr>
+      </p:pic>
+      <p:graphicFrame>
+        <p:nvGraphicFramePr>
+          <p:cNvPr id="16" name="Content Placeholder 2">
+            <a:extLst>
+              <a:ext uri="{FF2B5EF4-FFF2-40B4-BE49-F238E27FC236}">
+                <a16:creationId xmlns:a16="http://schemas.microsoft.com/office/drawing/2014/main" id="{E0FDFEEF-4E50-756A-EBDD-E5CFB97B7804}"/>
+              </a:ext>
+            </a:extLst>
+          </p:cNvPr>
+          <p:cNvGraphicFramePr>
+            <a:graphicFrameLocks noGrp="1"/>
+          </p:cNvGraphicFramePr>
+          <p:nvPr>
+            <p:ph idx="1"/>
+            <p:extLst>
+              <p:ext uri="{D42A27DB-BD31-4B8C-83A1-F6EECF244321}">
+                <p14:modId xmlns:p14="http://schemas.microsoft.com/office/powerpoint/2010/main" val="2630979179"/>
+              </p:ext>
+            </p:extLst>
+          </p:nvPr>
+        </p:nvGraphicFramePr>
+        <p:xfrm>
+          <a:off x="6234329" y="2279018"/>
+          <a:ext cx="5314543" cy="3375920"/>
+        </p:xfrm>
+        <a:graphic>
+          <a:graphicData uri="http://schemas.openxmlformats.org/drawingml/2006/diagram">
+            <dgm:relIds xmlns:dgm="http://schemas.openxmlformats.org/drawingml/2006/diagram" xmlns:r="http://schemas.openxmlformats.org/officeDocument/2006/relationships" r:dm="rId3" r:lo="rId4" r:qs="rId5" r:cs="rId6"/>
+          </a:graphicData>
+        </a:graphic>
+      </p:graphicFrame>
+    </p:spTree>
+    <p:extLst>
+      <p:ext uri="{BB962C8B-B14F-4D97-AF65-F5344CB8AC3E}">
+        <p14:creationId xmlns:p14="http://schemas.microsoft.com/office/powerpoint/2010/main" val="722501673"/>
+      </p:ext>
+    </p:extLst>
+  </p:cSld>
+  <p:clrMapOvr>
+    <a:masterClrMapping/>
+  </p:clrMapOvr>
+</p:sld>
+</file>
+
+<file path=ppt/slides/slide7.xml><?xml version="1.0" encoding="utf-8"?>
+<p:sld xmlns:a="http://schemas.openxmlformats.org/drawingml/2006/main" xmlns:r="http://schemas.openxmlformats.org/officeDocument/2006/relationships" xmlns:p="http://schemas.openxmlformats.org/presentationml/2006/main">
+  <p:cSld>
+    <p:bg>
+      <p:bgPr>
+        <a:solidFill>
+          <a:schemeClr val="bg1"/>
+        </a:solidFill>
+        <a:effectLst/>
+      </p:bgPr>
+    </p:bg>
+    <p:spTree>
+      <p:nvGrpSpPr>
+        <p:cNvPr id="1" name=""/>
+        <p:cNvGrpSpPr/>
+        <p:nvPr/>
+      </p:nvGrpSpPr>
+      <p:grpSpPr>
+        <a:xfrm>
+          <a:off x="0" y="0"/>
+          <a:ext cx="0" cy="0"/>
+          <a:chOff x="0" y="0"/>
+          <a:chExt cx="0" cy="0"/>
+        </a:xfrm>
+      </p:grpSpPr>
+      <p:sp>
+        <p:nvSpPr>
+          <p:cNvPr id="19" name="Rectangle 18">
+            <a:extLst>
+              <a:ext uri="{FF2B5EF4-FFF2-40B4-BE49-F238E27FC236}">
+                <a16:creationId xmlns:a16="http://schemas.microsoft.com/office/drawing/2014/main" id="{ACBE1851-2230-47A9-B000-CE9046EA61B9}"/>
+              </a:ext>
+              <a:ext uri="{C183D7F6-B498-43B3-948B-1728B52AA6E4}">
+                <adec:decorative xmlns:adec="http://schemas.microsoft.com/office/drawing/2017/decorative" val="1"/>
+              </a:ext>
+            </a:extLst>
+          </p:cNvPr>
+          <p:cNvSpPr>
+            <a:spLocks noGrp="1" noRot="1" noChangeAspect="1" noMove="1" noResize="1" noEditPoints="1" noAdjustHandles="1" noChangeArrowheads="1" noChangeShapeType="1" noTextEdit="1"/>
+          </p:cNvSpPr>
+          <p:nvPr>
+            <p:extLst>
+              <p:ext uri="{386F3935-93C4-4BCD-93E2-E3B085C9AB24}">
+                <p16:designElem xmlns:p16="http://schemas.microsoft.com/office/powerpoint/2015/main" val="1"/>
+              </p:ext>
+            </p:extLst>
+          </p:nvPr>
+        </p:nvSpPr>
+        <p:spPr>
+          <a:xfrm>
+            <a:off x="0" y="0"/>
+            <a:ext cx="5468548" cy="6858000"/>
+          </a:xfrm>
+          <a:prstGeom prst="rect">
+            <a:avLst/>
+          </a:prstGeom>
+          <a:solidFill>
+            <a:schemeClr val="accent1"/>
+          </a:solidFill>
+          <a:ln>
+            <a:noFill/>
+          </a:ln>
+        </p:spPr>
+        <p:style>
+          <a:lnRef idx="2">
+            <a:schemeClr val="accent1">
+              <a:shade val="50000"/>
+            </a:schemeClr>
+          </a:lnRef>
+          <a:fillRef idx="1">
+            <a:schemeClr val="accent1"/>
+          </a:fillRef>
+          <a:effectRef idx="0">
+            <a:schemeClr val="accent1"/>
+          </a:effectRef>
+          <a:fontRef idx="minor">
+            <a:schemeClr val="lt1"/>
+          </a:fontRef>
+        </p:style>
+        <p:txBody>
+          <a:bodyPr rtlCol="0" anchor="ctr"/>
+          <a:lstStyle/>
+          <a:p>
+            <a:pPr algn="ctr"/>
+            <a:endParaRPr lang="en-US"/>
+          </a:p>
+        </p:txBody>
+      </p:sp>
+      <p:sp>
+        <p:nvSpPr>
+          <p:cNvPr id="2" name="Title 1">
+            <a:extLst>
+              <a:ext uri="{FF2B5EF4-FFF2-40B4-BE49-F238E27FC236}">
+                <a16:creationId xmlns:a16="http://schemas.microsoft.com/office/drawing/2014/main" id="{1CA1A256-B99A-E5FF-B782-BFC350AD8409}"/>
+              </a:ext>
+            </a:extLst>
+          </p:cNvPr>
+          <p:cNvSpPr>
+            <a:spLocks noGrp="1"/>
+          </p:cNvSpPr>
+          <p:nvPr>
+            <p:ph type="title"/>
+          </p:nvPr>
+        </p:nvSpPr>
+        <p:spPr>
+          <a:xfrm>
+            <a:off x="634276" y="803705"/>
+            <a:ext cx="4208656" cy="3034857"/>
+          </a:xfrm>
+        </p:spPr>
+        <p:txBody>
+          <a:bodyPr vert="horz" lIns="91440" tIns="45720" rIns="91440" bIns="45720" rtlCol="0" anchor="b">
+            <a:normAutofit/>
+          </a:bodyPr>
+          <a:lstStyle/>
+          <a:p>
+            <a:pPr algn="r"/>
+            <a:r>
+              <a:rPr lang="en-US" sz="5400" kern="1200" dirty="0">
+                <a:solidFill>
+                  <a:srgbClr val="00FF00"/>
+                </a:solidFill>
+                <a:latin typeface="Digital dream" panose="00000400000000000000" pitchFamily="1" charset="0"/>
+              </a:rPr>
+              <a:t>PROJECT DEMO</a:t>
+            </a:r>
+          </a:p>
+        </p:txBody>
+      </p:sp>
+      <p:cxnSp>
+        <p:nvCxnSpPr>
+          <p:cNvPr id="21" name="Straight Connector 20">
+            <a:extLst>
+              <a:ext uri="{FF2B5EF4-FFF2-40B4-BE49-F238E27FC236}">
+                <a16:creationId xmlns:a16="http://schemas.microsoft.com/office/drawing/2014/main" id="{23B93832-6514-44F4-849B-5EE2C8A2337D}"/>
+              </a:ext>
+              <a:ext uri="{C183D7F6-B498-43B3-948B-1728B52AA6E4}">
+                <adec:decorative xmlns:adec="http://schemas.microsoft.com/office/drawing/2017/decorative" val="1"/>
+              </a:ext>
+            </a:extLst>
+          </p:cNvPr>
+          <p:cNvCxnSpPr>
+            <a:cxnSpLocks noGrp="1" noRot="1" noChangeAspect="1" noMove="1" noResize="1" noEditPoints="1" noAdjustHandles="1" noChangeArrowheads="1" noChangeShapeType="1"/>
+          </p:cNvCxnSpPr>
+          <p:nvPr>
+            <p:extLst>
+              <p:ext uri="{386F3935-93C4-4BCD-93E2-E3B085C9AB24}">
+                <p16:designElem xmlns:p16="http://schemas.microsoft.com/office/powerpoint/2015/main" val="1"/>
+              </p:ext>
+            </p:extLst>
+          </p:nvPr>
+        </p:nvCxnSpPr>
+        <p:spPr>
+          <a:xfrm>
+            <a:off x="786679" y="3928939"/>
+            <a:ext cx="3931920" cy="0"/>
+          </a:xfrm>
+          <a:prstGeom prst="line">
+            <a:avLst/>
+          </a:prstGeom>
+          <a:ln w="19050">
+            <a:solidFill>
+              <a:srgbClr val="FFFFFF">
+                <a:alpha val="80000"/>
+              </a:srgbClr>
+            </a:solidFill>
+          </a:ln>
+        </p:spPr>
+        <p:style>
+          <a:lnRef idx="1">
+            <a:schemeClr val="accent1"/>
+          </a:lnRef>
+          <a:fillRef idx="0">
+            <a:schemeClr val="accent1"/>
+          </a:fillRef>
+          <a:effectRef idx="0">
+            <a:schemeClr val="accent1"/>
+          </a:effectRef>
+          <a:fontRef idx="minor">
+            <a:schemeClr val="tx1"/>
+          </a:fontRef>
+        </p:style>
+      </p:cxnSp>
+      <p:pic>
+        <p:nvPicPr>
+          <p:cNvPr id="6" name="Graphic 5" descr="Teacher">
+            <a:extLst>
+              <a:ext uri="{FF2B5EF4-FFF2-40B4-BE49-F238E27FC236}">
+                <a16:creationId xmlns:a16="http://schemas.microsoft.com/office/drawing/2014/main" id="{4553489A-E305-72D9-B260-22FE75184DE8}"/>
+              </a:ext>
+            </a:extLst>
+          </p:cNvPr>
+          <p:cNvPicPr>
+            <a:picLocks noChangeAspect="1"/>
+          </p:cNvPicPr>
+          <p:nvPr/>
+        </p:nvPicPr>
+        <p:blipFill>
+          <a:blip r:embed="rId2">
+            <a:extLst>
+              <a:ext uri="{28A0092B-C50C-407E-A947-70E740481C1C}">
+                <a14:useLocalDpi xmlns:a14="http://schemas.microsoft.com/office/drawing/2010/main" val="0"/>
+              </a:ext>
+              <a:ext uri="{96DAC541-7B7A-43D3-8B79-37D633B846F1}">
+                <asvg:svgBlip xmlns:asvg="http://schemas.microsoft.com/office/drawing/2016/SVG/main" r:embed="rId3"/>
+              </a:ext>
+            </a:extLst>
+          </a:blip>
+          <a:stretch>
+            <a:fillRect/>
+          </a:stretch>
+        </p:blipFill>
+        <p:spPr>
+          <a:xfrm>
+            <a:off x="6096000" y="699753"/>
+            <a:ext cx="5459470" cy="5459470"/>
+          </a:xfrm>
+          <a:prstGeom prst="rect">
+            <a:avLst/>
+          </a:prstGeom>
+        </p:spPr>
+      </p:pic>
+    </p:spTree>
+    <p:extLst>
+      <p:ext uri="{BB962C8B-B14F-4D97-AF65-F5344CB8AC3E}">
+        <p14:creationId xmlns:p14="http://schemas.microsoft.com/office/powerpoint/2010/main" val="1264885474"/>
+      </p:ext>
+    </p:extLst>
+  </p:cSld>
+  <p:clrMapOvr>
+    <a:masterClrMapping/>
+  </p:clrMapOvr>
+</p:sld>
+</file>
+
+<file path=ppt/slides/slide8.xml><?xml version="1.0" encoding="utf-8"?>
+<p:sld xmlns:a="http://schemas.openxmlformats.org/drawingml/2006/main" xmlns:r="http://schemas.openxmlformats.org/officeDocument/2006/relationships" xmlns:p="http://schemas.openxmlformats.org/presentationml/2006/main">
+  <p:cSld>
+    <p:bg>
+      <p:bgPr>
+        <a:solidFill>
+          <a:schemeClr val="bg1"/>
+        </a:solidFill>
+        <a:effectLst/>
+      </p:bgPr>
+    </p:bg>
+    <p:spTree>
+      <p:nvGrpSpPr>
+        <p:cNvPr id="1" name=""/>
+        <p:cNvGrpSpPr/>
+        <p:nvPr/>
+      </p:nvGrpSpPr>
+      <p:grpSpPr>
+        <a:xfrm>
+          <a:off x="0" y="0"/>
+          <a:ext cx="0" cy="0"/>
+          <a:chOff x="0" y="0"/>
+          <a:chExt cx="0" cy="0"/>
+        </a:xfrm>
+      </p:grpSpPr>
+      <p:sp useBgFill="1">
+        <p:nvSpPr>
+          <p:cNvPr id="9" name="Rectangle 8">
+            <a:extLst>
+              <a:ext uri="{FF2B5EF4-FFF2-40B4-BE49-F238E27FC236}">
+                <a16:creationId xmlns:a16="http://schemas.microsoft.com/office/drawing/2014/main" id="{A3363022-C969-41E9-8EB2-E4C94908C1FA}"/>
+              </a:ext>
+              <a:ext uri="{C183D7F6-B498-43B3-948B-1728B52AA6E4}">
+                <adec:decorative xmlns:adec="http://schemas.microsoft.com/office/drawing/2017/decorative" val="1"/>
+              </a:ext>
+            </a:extLst>
+          </p:cNvPr>
+          <p:cNvSpPr>
+            <a:spLocks noGrp="1" noRot="1" noChangeAspect="1" noMove="1" noResize="1" noEditPoints="1" noAdjustHandles="1" noChangeArrowheads="1" noChangeShapeType="1" noTextEdit="1"/>
+          </p:cNvSpPr>
+          <p:nvPr>
+            <p:extLst>
+              <p:ext uri="{386F3935-93C4-4BCD-93E2-E3B085C9AB24}">
+                <p16:designElem xmlns:p16="http://schemas.microsoft.com/office/powerpoint/2015/main" val="1"/>
+              </p:ext>
+            </p:extLst>
+          </p:nvPr>
+        </p:nvSpPr>
+        <p:spPr>
+          <a:xfrm>
+            <a:off x="0" y="-1"/>
+            <a:ext cx="12191695" cy="6852025"/>
+          </a:xfrm>
+          <a:prstGeom prst="rect">
+            <a:avLst/>
+          </a:prstGeom>
+          <a:ln>
+            <a:noFill/>
+          </a:ln>
+        </p:spPr>
+        <p:style>
+          <a:lnRef idx="2">
+            <a:schemeClr val="accent1">
+              <a:shade val="50000"/>
+            </a:schemeClr>
+          </a:lnRef>
+          <a:fillRef idx="1">
+            <a:schemeClr val="accent1"/>
+          </a:fillRef>
+          <a:effectRef idx="0">
+            <a:schemeClr val="accent1"/>
+          </a:effectRef>
+          <a:fontRef idx="minor">
+            <a:schemeClr val="lt1"/>
+          </a:fontRef>
+        </p:style>
+        <p:txBody>
+          <a:bodyPr rtlCol="0" anchor="ctr"/>
+          <a:lstStyle/>
+          <a:p>
+            <a:pPr algn="ctr"/>
+            <a:endParaRPr lang="en-US"/>
+          </a:p>
+        </p:txBody>
+      </p:sp>
+      <p:sp>
+        <p:nvSpPr>
+          <p:cNvPr id="11" name="Rectangle 10">
+            <a:extLst>
+              <a:ext uri="{FF2B5EF4-FFF2-40B4-BE49-F238E27FC236}">
+                <a16:creationId xmlns:a16="http://schemas.microsoft.com/office/drawing/2014/main" id="{8D1AD6B3-BE88-4CEB-BA17-790657CC4729}"/>
+              </a:ext>
+              <a:ext uri="{C183D7F6-B498-43B3-948B-1728B52AA6E4}">
+                <adec:decorative xmlns:adec="http://schemas.microsoft.com/office/drawing/2017/decorative" val="1"/>
+              </a:ext>
+            </a:extLst>
+          </p:cNvPr>
+          <p:cNvSpPr>
+            <a:spLocks noGrp="1" noRot="1" noChangeAspect="1" noMove="1" noResize="1" noEditPoints="1" noAdjustHandles="1" noChangeArrowheads="1" noChangeShapeType="1" noTextEdit="1"/>
+          </p:cNvSpPr>
+          <p:nvPr>
+            <p:extLst>
+              <p:ext uri="{386F3935-93C4-4BCD-93E2-E3B085C9AB24}">
+                <p16:designElem xmlns:p16="http://schemas.microsoft.com/office/powerpoint/2015/main" val="1"/>
+              </p:ext>
+            </p:extLst>
+          </p:nvPr>
+        </p:nvSpPr>
+        <p:spPr>
+          <a:xfrm>
+            <a:off x="305" y="0"/>
+            <a:ext cx="12191695" cy="6858000"/>
+          </a:xfrm>
+          <a:prstGeom prst="rect">
+            <a:avLst/>
+          </a:prstGeom>
+          <a:solidFill>
+            <a:schemeClr val="bg1"/>
+          </a:solidFill>
+          <a:ln>
+            <a:noFill/>
+          </a:ln>
+        </p:spPr>
+        <p:style>
+          <a:lnRef idx="2">
+            <a:schemeClr val="accent1">
+              <a:shade val="50000"/>
+            </a:schemeClr>
+          </a:lnRef>
+          <a:fillRef idx="1">
+            <a:schemeClr val="accent1"/>
+          </a:fillRef>
+          <a:effectRef idx="0">
+            <a:schemeClr val="accent1"/>
+          </a:effectRef>
+          <a:fontRef idx="minor">
+            <a:schemeClr val="lt1"/>
+          </a:fontRef>
+        </p:style>
+        <p:txBody>
+          <a:bodyPr rtlCol="0" anchor="ctr"/>
+          <a:lstStyle/>
+          <a:p>
+            <a:pPr algn="ctr"/>
+            <a:endParaRPr lang="en-US"/>
+          </a:p>
+        </p:txBody>
+      </p:sp>
+      <p:sp>
+        <p:nvSpPr>
+          <p:cNvPr id="2" name="Title 1">
+            <a:extLst>
+              <a:ext uri="{FF2B5EF4-FFF2-40B4-BE49-F238E27FC236}">
+                <a16:creationId xmlns:a16="http://schemas.microsoft.com/office/drawing/2014/main" id="{14067D4E-C4F3-2115-5BF4-C899B2CD663C}"/>
+              </a:ext>
+            </a:extLst>
+          </p:cNvPr>
+          <p:cNvSpPr>
+            <a:spLocks noGrp="1"/>
+          </p:cNvSpPr>
+          <p:nvPr>
+            <p:ph type="title"/>
+          </p:nvPr>
+        </p:nvSpPr>
+        <p:spPr>
+          <a:xfrm>
+            <a:off x="6810060" y="3237642"/>
+            <a:ext cx="4805996" cy="1297115"/>
+          </a:xfrm>
+        </p:spPr>
+        <p:txBody>
+          <a:bodyPr vert="horz" lIns="91440" tIns="45720" rIns="91440" bIns="45720" rtlCol="0" anchor="t">
+            <a:normAutofit/>
+          </a:bodyPr>
+          <a:lstStyle/>
+          <a:p>
+            <a:r>
+              <a:rPr lang="en-US" sz="4000" kern="1200" dirty="0">
+                <a:solidFill>
+                  <a:srgbClr val="00FF00"/>
+                </a:solidFill>
+                <a:latin typeface="Digital dream" panose="00000400000000000000" pitchFamily="1" charset="0"/>
+              </a:rPr>
+              <a:t>Questions?</a:t>
+            </a:r>
+          </a:p>
+        </p:txBody>
+      </p:sp>
+      <p:pic>
+        <p:nvPicPr>
+          <p:cNvPr id="6" name="Graphic 5" descr="Question mark">
+            <a:extLst>
+              <a:ext uri="{FF2B5EF4-FFF2-40B4-BE49-F238E27FC236}">
+                <a16:creationId xmlns:a16="http://schemas.microsoft.com/office/drawing/2014/main" id="{FAA183A1-B9D3-DE4B-BDAA-674774363A84}"/>
+              </a:ext>
+            </a:extLst>
+          </p:cNvPr>
+          <p:cNvPicPr>
+            <a:picLocks noChangeAspect="1"/>
+          </p:cNvPicPr>
+          <p:nvPr/>
+        </p:nvPicPr>
+        <p:blipFill>
+          <a:blip r:embed="rId2">
+            <a:extLst>
+              <a:ext uri="{28A0092B-C50C-407E-A947-70E740481C1C}">
+                <a14:useLocalDpi xmlns:a14="http://schemas.microsoft.com/office/drawing/2010/main" val="0"/>
+              </a:ext>
+              <a:ext uri="{96DAC541-7B7A-43D3-8B79-37D633B846F1}">
+                <asvg:svgBlip xmlns:asvg="http://schemas.microsoft.com/office/drawing/2016/SVG/main" r:embed="rId3"/>
+              </a:ext>
+            </a:extLst>
+          </a:blip>
+          <a:stretch>
+            <a:fillRect/>
+          </a:stretch>
+        </p:blipFill>
+        <p:spPr>
+          <a:xfrm>
+            <a:off x="340470" y="1815320"/>
+            <a:ext cx="4141760" cy="4141760"/>
+          </a:xfrm>
+          <a:custGeom>
+            <a:avLst/>
+            <a:gdLst/>
+            <a:ahLst/>
+            <a:cxnLst/>
+            <a:rect l="l" t="t" r="r" b="b"/>
+            <a:pathLst>
+              <a:path w="4141760" h="4377846">
+                <a:moveTo>
+                  <a:pt x="0" y="0"/>
+                </a:moveTo>
+                <a:lnTo>
+                  <a:pt x="4141760" y="0"/>
+                </a:lnTo>
+                <a:lnTo>
+                  <a:pt x="4141760" y="4377846"/>
+                </a:lnTo>
+                <a:lnTo>
+                  <a:pt x="0" y="4377846"/>
+                </a:lnTo>
+                <a:close/>
+              </a:path>
+            </a:pathLst>
+          </a:custGeom>
+        </p:spPr>
+      </p:pic>
+      <p:grpSp>
+        <p:nvGrpSpPr>
+          <p:cNvPr id="13" name="Group 12">
+            <a:extLst>
+              <a:ext uri="{FF2B5EF4-FFF2-40B4-BE49-F238E27FC236}">
+                <a16:creationId xmlns:a16="http://schemas.microsoft.com/office/drawing/2014/main" id="{89D1390B-7E13-4B4F-9CB2-391063412E54}"/>
+              </a:ext>
+              <a:ext uri="{C183D7F6-B498-43B3-948B-1728B52AA6E4}">
+                <adec:decorative xmlns:adec="http://schemas.microsoft.com/office/drawing/2017/decorative" val="1"/>
+              </a:ext>
+            </a:extLst>
+          </p:cNvPr>
+          <p:cNvGrpSpPr>
+            <a:grpSpLocks noGrp="1" noUngrp="1" noRot="1" noChangeAspect="1" noMove="1" noResize="1"/>
+          </p:cNvGrpSpPr>
+          <p:nvPr>
+            <p:extLst>
+              <p:ext uri="{386F3935-93C4-4BCD-93E2-E3B085C9AB24}">
+                <p16:designElem xmlns:p16="http://schemas.microsoft.com/office/powerpoint/2015/main" val="1"/>
+              </p:ext>
+            </p:extLst>
+          </p:nvPr>
+        </p:nvGrpSpPr>
+        <p:grpSpPr>
+          <a:xfrm>
+            <a:off x="-4253" y="-5977"/>
+            <a:ext cx="6238675" cy="6863979"/>
+            <a:chOff x="305" y="-5977"/>
+            <a:chExt cx="6238675" cy="6863979"/>
+          </a:xfrm>
+        </p:grpSpPr>
+        <p:sp>
+          <p:nvSpPr>
+            <p:cNvPr id="14" name="Freeform: Shape 13">
+              <a:extLst>
+                <a:ext uri="{FF2B5EF4-FFF2-40B4-BE49-F238E27FC236}">
+                  <a16:creationId xmlns:a16="http://schemas.microsoft.com/office/drawing/2014/main" id="{9E720206-AA49-4786-A932-A2650DE09183}"/>
+                </a:ext>
+                <a:ext uri="{C183D7F6-B498-43B3-948B-1728B52AA6E4}">
+                  <adec:decorative xmlns:adec="http://schemas.microsoft.com/office/drawing/2017/decorative" val="1"/>
+                </a:ext>
+              </a:extLst>
+            </p:cNvPr>
+            <p:cNvSpPr/>
+            <p:nvPr>
+              <p:extLst>
+                <p:ext uri="{386F3935-93C4-4BCD-93E2-E3B085C9AB24}">
+                  <p16:designElem xmlns:p16="http://schemas.microsoft.com/office/powerpoint/2015/main" val="1"/>
+                </p:ext>
+              </p:extLst>
+            </p:nvPr>
+          </p:nvSpPr>
+          <p:spPr>
+            <a:xfrm flipH="1">
+              <a:off x="305" y="34854"/>
+              <a:ext cx="6028697" cy="6817170"/>
+            </a:xfrm>
+            <a:custGeom>
+              <a:avLst/>
+              <a:gdLst>
+                <a:gd name="connsiteX0" fmla="*/ 6028697 w 6028697"/>
+                <a:gd name="connsiteY0" fmla="*/ 6155323 h 6817170"/>
+                <a:gd name="connsiteX1" fmla="*/ 6028697 w 6028697"/>
+                <a:gd name="connsiteY1" fmla="*/ 6817170 h 6817170"/>
+                <a:gd name="connsiteX2" fmla="*/ 5157862 w 6028697"/>
+                <a:gd name="connsiteY2" fmla="*/ 6817170 h 6817170"/>
+                <a:gd name="connsiteX3" fmla="*/ 5347156 w 6028697"/>
+                <a:gd name="connsiteY3" fmla="*/ 6687553 h 6817170"/>
+                <a:gd name="connsiteX4" fmla="*/ 5487470 w 6028697"/>
+                <a:gd name="connsiteY4" fmla="*/ 6581714 h 6817170"/>
+                <a:gd name="connsiteX5" fmla="*/ 5627642 w 6028697"/>
+                <a:gd name="connsiteY5" fmla="*/ 6472328 h 6817170"/>
+                <a:gd name="connsiteX6" fmla="*/ 5911392 w 6028697"/>
+                <a:gd name="connsiteY6" fmla="*/ 6245328 h 6817170"/>
+                <a:gd name="connsiteX7" fmla="*/ 4481066 w 6028697"/>
+                <a:gd name="connsiteY7" fmla="*/ 478 h 6817170"/>
+                <a:gd name="connsiteX8" fmla="*/ 4672258 w 6028697"/>
+                <a:gd name="connsiteY8" fmla="*/ 7519 h 6817170"/>
+                <a:gd name="connsiteX9" fmla="*/ 5429869 w 6028697"/>
+                <a:gd name="connsiteY9" fmla="*/ 125134 h 6817170"/>
+                <a:gd name="connsiteX10" fmla="*/ 5976319 w 6028697"/>
+                <a:gd name="connsiteY10" fmla="*/ 314893 h 6817170"/>
+                <a:gd name="connsiteX11" fmla="*/ 6028697 w 6028697"/>
+                <a:gd name="connsiteY11" fmla="*/ 339901 h 6817170"/>
+                <a:gd name="connsiteX12" fmla="*/ 6028697 w 6028697"/>
+                <a:gd name="connsiteY12" fmla="*/ 732458 h 6817170"/>
+                <a:gd name="connsiteX13" fmla="*/ 5990985 w 6028697"/>
+                <a:gd name="connsiteY13" fmla="*/ 712211 h 6817170"/>
+                <a:gd name="connsiteX14" fmla="*/ 5341339 w 6028697"/>
+                <a:gd name="connsiteY14" fmla="*/ 475281 h 6817170"/>
+                <a:gd name="connsiteX15" fmla="*/ 4651969 w 6028697"/>
+                <a:gd name="connsiteY15" fmla="*/ 377104 h 6817170"/>
+                <a:gd name="connsiteX16" fmla="*/ 3953093 w 6028697"/>
+                <a:gd name="connsiteY16" fmla="*/ 402498 h 6817170"/>
+                <a:gd name="connsiteX17" fmla="*/ 3267413 w 6028697"/>
+                <a:gd name="connsiteY17" fmla="*/ 546643 h 6817170"/>
+                <a:gd name="connsiteX18" fmla="*/ 1439498 w 6028697"/>
+                <a:gd name="connsiteY18" fmla="*/ 1568141 h 6817170"/>
+                <a:gd name="connsiteX19" fmla="*/ 960671 w 6028697"/>
+                <a:gd name="connsiteY19" fmla="*/ 2082013 h 6817170"/>
+                <a:gd name="connsiteX20" fmla="*/ 581866 w 6028697"/>
+                <a:gd name="connsiteY20" fmla="*/ 2672638 h 6817170"/>
+                <a:gd name="connsiteX21" fmla="*/ 324789 w 6028697"/>
+                <a:gd name="connsiteY21" fmla="*/ 3325262 h 6817170"/>
+                <a:gd name="connsiteX22" fmla="*/ 231151 w 6028697"/>
+                <a:gd name="connsiteY22" fmla="*/ 4022292 h 6817170"/>
+                <a:gd name="connsiteX23" fmla="*/ 270592 w 6028697"/>
+                <a:gd name="connsiteY23" fmla="*/ 4362792 h 6817170"/>
+                <a:gd name="connsiteX24" fmla="*/ 387213 w 6028697"/>
+                <a:gd name="connsiteY24" fmla="*/ 4681585 h 6817170"/>
+                <a:gd name="connsiteX25" fmla="*/ 468507 w 6028697"/>
+                <a:gd name="connsiteY25" fmla="*/ 4831546 h 6817170"/>
+                <a:gd name="connsiteX26" fmla="*/ 561862 w 6028697"/>
+                <a:gd name="connsiteY26" fmla="*/ 4976826 h 6817170"/>
+                <a:gd name="connsiteX27" fmla="*/ 777511 w 6028697"/>
+                <a:gd name="connsiteY27" fmla="*/ 5257597 h 6817170"/>
+                <a:gd name="connsiteX28" fmla="*/ 1010895 w 6028697"/>
+                <a:gd name="connsiteY28" fmla="*/ 5540494 h 6817170"/>
+                <a:gd name="connsiteX29" fmla="*/ 1126948 w 6028697"/>
+                <a:gd name="connsiteY29" fmla="*/ 5688186 h 6817170"/>
+                <a:gd name="connsiteX30" fmla="*/ 1182706 w 6028697"/>
+                <a:gd name="connsiteY30" fmla="*/ 5760543 h 6817170"/>
+                <a:gd name="connsiteX31" fmla="*/ 1237327 w 6028697"/>
+                <a:gd name="connsiteY31" fmla="*/ 5830060 h 6817170"/>
+                <a:gd name="connsiteX32" fmla="*/ 1706649 w 6028697"/>
+                <a:gd name="connsiteY32" fmla="*/ 6342797 h 6817170"/>
+                <a:gd name="connsiteX33" fmla="*/ 1956207 w 6028697"/>
+                <a:gd name="connsiteY33" fmla="*/ 6573484 h 6817170"/>
+                <a:gd name="connsiteX34" fmla="*/ 2217681 w 6028697"/>
+                <a:gd name="connsiteY34" fmla="*/ 6786297 h 6817170"/>
+                <a:gd name="connsiteX35" fmla="*/ 2260820 w 6028697"/>
+                <a:gd name="connsiteY35" fmla="*/ 6817170 h 6817170"/>
+                <a:gd name="connsiteX36" fmla="*/ 1429497 w 6028697"/>
+                <a:gd name="connsiteY36" fmla="*/ 6817170 h 6817170"/>
+                <a:gd name="connsiteX37" fmla="*/ 1327275 w 6028697"/>
+                <a:gd name="connsiteY37" fmla="*/ 6713800 h 6817170"/>
+                <a:gd name="connsiteX38" fmla="*/ 1080556 w 6028697"/>
+                <a:gd name="connsiteY38" fmla="*/ 6414443 h 6817170"/>
+                <a:gd name="connsiteX39" fmla="*/ 865189 w 6028697"/>
+                <a:gd name="connsiteY39" fmla="*/ 6097496 h 6817170"/>
+                <a:gd name="connsiteX40" fmla="*/ 814823 w 6028697"/>
+                <a:gd name="connsiteY40" fmla="*/ 6016911 h 6817170"/>
+                <a:gd name="connsiteX41" fmla="*/ 766729 w 6028697"/>
+                <a:gd name="connsiteY41" fmla="*/ 5938453 h 6817170"/>
+                <a:gd name="connsiteX42" fmla="*/ 671672 w 6028697"/>
+                <a:gd name="connsiteY42" fmla="*/ 5786648 h 6817170"/>
+                <a:gd name="connsiteX43" fmla="*/ 474608 w 6028697"/>
+                <a:gd name="connsiteY43" fmla="*/ 5474664 h 6817170"/>
+                <a:gd name="connsiteX44" fmla="*/ 282652 w 6028697"/>
+                <a:gd name="connsiteY44" fmla="*/ 5146508 h 6817170"/>
+                <a:gd name="connsiteX45" fmla="*/ 196108 w 6028697"/>
+                <a:gd name="connsiteY45" fmla="*/ 4972712 h 6817170"/>
+                <a:gd name="connsiteX46" fmla="*/ 122474 w 6028697"/>
+                <a:gd name="connsiteY46" fmla="*/ 4791821 h 6817170"/>
+                <a:gd name="connsiteX47" fmla="*/ 65724 w 6028697"/>
+                <a:gd name="connsiteY47" fmla="*/ 4603129 h 6817170"/>
+                <a:gd name="connsiteX48" fmla="*/ 44727 w 6028697"/>
+                <a:gd name="connsiteY48" fmla="*/ 4506937 h 6817170"/>
+                <a:gd name="connsiteX49" fmla="*/ 35505 w 6028697"/>
+                <a:gd name="connsiteY49" fmla="*/ 4458699 h 6817170"/>
+                <a:gd name="connsiteX50" fmla="*/ 27845 w 6028697"/>
+                <a:gd name="connsiteY50" fmla="*/ 4410320 h 6817170"/>
+                <a:gd name="connsiteX51" fmla="*/ 37 w 6028697"/>
+                <a:gd name="connsiteY51" fmla="*/ 4022292 h 6817170"/>
+                <a:gd name="connsiteX52" fmla="*/ 78777 w 6028697"/>
+                <a:gd name="connsiteY52" fmla="*/ 3267236 h 6817170"/>
+                <a:gd name="connsiteX53" fmla="*/ 315424 w 6028697"/>
+                <a:gd name="connsiteY53" fmla="*/ 2543673 h 6817170"/>
+                <a:gd name="connsiteX54" fmla="*/ 1202710 w 6028697"/>
+                <a:gd name="connsiteY54" fmla="*/ 1314895 h 6817170"/>
+                <a:gd name="connsiteX55" fmla="*/ 1791065 w 6028697"/>
+                <a:gd name="connsiteY55" fmla="*/ 833514 h 6817170"/>
+                <a:gd name="connsiteX56" fmla="*/ 3908404 w 6028697"/>
+                <a:gd name="connsiteY56" fmla="*/ 29794 h 6817170"/>
+                <a:gd name="connsiteX57" fmla="*/ 4481066 w 6028697"/>
+                <a:gd name="connsiteY57" fmla="*/ 478 h 6817170"/>
+              </a:gdLst>
+              <a:ahLst/>
+              <a:cxnLst>
+                <a:cxn ang="0">
+                  <a:pos x="connsiteX0" y="connsiteY0"/>
+                </a:cxn>
+                <a:cxn ang="0">
+                  <a:pos x="connsiteX1" y="connsiteY1"/>
+                </a:cxn>
+                <a:cxn ang="0">
+                  <a:pos x="connsiteX2" y="connsiteY2"/>
+                </a:cxn>
+                <a:cxn ang="0">
+                  <a:pos x="connsiteX3" y="connsiteY3"/>
+                </a:cxn>
+                <a:cxn ang="0">
+                  <a:pos x="connsiteX4" y="connsiteY4"/>
+                </a:cxn>
+                <a:cxn ang="0">
+                  <a:pos x="connsiteX5" y="connsiteY5"/>
+                </a:cxn>
+                <a:cxn ang="0">
+                  <a:pos x="connsiteX6" y="connsiteY6"/>
+                </a:cxn>
+                <a:cxn ang="0">
+                  <a:pos x="connsiteX7" y="connsiteY7"/>
+                </a:cxn>
+                <a:cxn ang="0">
+                  <a:pos x="connsiteX8" y="connsiteY8"/>
+                </a:cxn>
+                <a:cxn ang="0">
+                  <a:pos x="connsiteX9" y="connsiteY9"/>
+                </a:cxn>
+                <a:cxn ang="0">
+                  <a:pos x="connsiteX10" y="connsiteY10"/>
+                </a:cxn>
+                <a:cxn ang="0">
+                  <a:pos x="connsiteX11" y="connsiteY11"/>
+                </a:cxn>
+                <a:cxn ang="0">
+                  <a:pos x="connsiteX12" y="connsiteY12"/>
+                </a:cxn>
+                <a:cxn ang="0">
+                  <a:pos x="connsiteX13" y="connsiteY13"/>
+                </a:cxn>
+                <a:cxn ang="0">
+                  <a:pos x="connsiteX14" y="connsiteY14"/>
+                </a:cxn>
+                <a:cxn ang="0">
+                  <a:pos x="connsiteX15" y="connsiteY15"/>
+                </a:cxn>
+                <a:cxn ang="0">
+                  <a:pos x="connsiteX16" y="connsiteY16"/>
+                </a:cxn>
+                <a:cxn ang="0">
+                  <a:pos x="connsiteX17" y="connsiteY17"/>
+                </a:cxn>
+                <a:cxn ang="0">
+                  <a:pos x="connsiteX18" y="connsiteY18"/>
+                </a:cxn>
+                <a:cxn ang="0">
+                  <a:pos x="connsiteX19" y="connsiteY19"/>
+                </a:cxn>
+                <a:cxn ang="0">
+                  <a:pos x="connsiteX20" y="connsiteY20"/>
+                </a:cxn>
+                <a:cxn ang="0">
+                  <a:pos x="connsiteX21" y="connsiteY21"/>
+                </a:cxn>
+                <a:cxn ang="0">
+                  <a:pos x="connsiteX22" y="connsiteY22"/>
+                </a:cxn>
+                <a:cxn ang="0">
+                  <a:pos x="connsiteX23" y="connsiteY23"/>
+                </a:cxn>
+                <a:cxn ang="0">
+                  <a:pos x="connsiteX24" y="connsiteY24"/>
+                </a:cxn>
+                <a:cxn ang="0">
+                  <a:pos x="connsiteX25" y="connsiteY25"/>
+                </a:cxn>
+                <a:cxn ang="0">
+                  <a:pos x="connsiteX26" y="connsiteY26"/>
+                </a:cxn>
+                <a:cxn ang="0">
+                  <a:pos x="connsiteX27" y="connsiteY27"/>
+                </a:cxn>
+                <a:cxn ang="0">
+                  <a:pos x="connsiteX28" y="connsiteY28"/>
+                </a:cxn>
+                <a:cxn ang="0">
+                  <a:pos x="connsiteX29" y="connsiteY29"/>
+                </a:cxn>
+                <a:cxn ang="0">
+                  <a:pos x="connsiteX30" y="connsiteY30"/>
+                </a:cxn>
+                <a:cxn ang="0">
+                  <a:pos x="connsiteX31" y="connsiteY31"/>
+                </a:cxn>
+                <a:cxn ang="0">
+                  <a:pos x="connsiteX32" y="connsiteY32"/>
+                </a:cxn>
+                <a:cxn ang="0">
+                  <a:pos x="connsiteX33" y="connsiteY33"/>
+                </a:cxn>
+                <a:cxn ang="0">
+                  <a:pos x="connsiteX34" y="connsiteY34"/>
+                </a:cxn>
+                <a:cxn ang="0">
+                  <a:pos x="connsiteX35" y="connsiteY35"/>
+                </a:cxn>
+                <a:cxn ang="0">
+                  <a:pos x="connsiteX36" y="connsiteY36"/>
+                </a:cxn>
+                <a:cxn ang="0">
+                  <a:pos x="connsiteX37" y="connsiteY37"/>
+                </a:cxn>
+                <a:cxn ang="0">
+                  <a:pos x="connsiteX38" y="connsiteY38"/>
+                </a:cxn>
+                <a:cxn ang="0">
+                  <a:pos x="connsiteX39" y="connsiteY39"/>
+                </a:cxn>
+                <a:cxn ang="0">
+                  <a:pos x="connsiteX40" y="connsiteY40"/>
+                </a:cxn>
+                <a:cxn ang="0">
+                  <a:pos x="connsiteX41" y="connsiteY41"/>
+                </a:cxn>
+                <a:cxn ang="0">
+                  <a:pos x="connsiteX42" y="connsiteY42"/>
+                </a:cxn>
+                <a:cxn ang="0">
+                  <a:pos x="connsiteX43" y="connsiteY43"/>
+                </a:cxn>
+                <a:cxn ang="0">
+                  <a:pos x="connsiteX44" y="connsiteY44"/>
+                </a:cxn>
+                <a:cxn ang="0">
+                  <a:pos x="connsiteX45" y="connsiteY45"/>
+                </a:cxn>
+                <a:cxn ang="0">
+                  <a:pos x="connsiteX46" y="connsiteY46"/>
+                </a:cxn>
+                <a:cxn ang="0">
+                  <a:pos x="connsiteX47" y="connsiteY47"/>
+                </a:cxn>
+                <a:cxn ang="0">
+                  <a:pos x="connsiteX48" y="connsiteY48"/>
+                </a:cxn>
+                <a:cxn ang="0">
+                  <a:pos x="connsiteX49" y="connsiteY49"/>
+                </a:cxn>
+                <a:cxn ang="0">
+                  <a:pos x="connsiteX50" y="connsiteY50"/>
+                </a:cxn>
+                <a:cxn ang="0">
+                  <a:pos x="connsiteX51" y="connsiteY51"/>
+                </a:cxn>
+                <a:cxn ang="0">
+                  <a:pos x="connsiteX52" y="connsiteY52"/>
+                </a:cxn>
+                <a:cxn ang="0">
+                  <a:pos x="connsiteX53" y="connsiteY53"/>
+                </a:cxn>
+                <a:cxn ang="0">
+                  <a:pos x="connsiteX54" y="connsiteY54"/>
+                </a:cxn>
+                <a:cxn ang="0">
+                  <a:pos x="connsiteX55" y="connsiteY55"/>
+                </a:cxn>
+                <a:cxn ang="0">
+                  <a:pos x="connsiteX56" y="connsiteY56"/>
+                </a:cxn>
+                <a:cxn ang="0">
+                  <a:pos x="connsiteX57" y="connsiteY57"/>
+                </a:cxn>
+              </a:cxnLst>
+              <a:rect l="l" t="t" r="r" b="b"/>
+              <a:pathLst>
+                <a:path w="6028697" h="6817170">
+                  <a:moveTo>
+                    <a:pt x="6028697" y="6155323"/>
+                  </a:moveTo>
+                  <a:lnTo>
+                    <a:pt x="6028697" y="6817170"/>
+                  </a:lnTo>
+                  <a:lnTo>
+                    <a:pt x="5157862" y="6817170"/>
+                  </a:lnTo>
+                  <a:lnTo>
+                    <a:pt x="5347156" y="6687553"/>
+                  </a:lnTo>
+                  <a:cubicBezTo>
+                    <a:pt x="5394117" y="6653219"/>
+                    <a:pt x="5440793" y="6617608"/>
+                    <a:pt x="5487470" y="6581714"/>
+                  </a:cubicBezTo>
+                  <a:cubicBezTo>
+                    <a:pt x="5534147" y="6545820"/>
+                    <a:pt x="5580966" y="6509358"/>
+                    <a:pt x="5627642" y="6472328"/>
+                  </a:cubicBezTo>
+                  <a:lnTo>
+                    <a:pt x="5911392" y="6245328"/>
+                  </a:lnTo>
+                  <a:close/>
+                  <a:moveTo>
+                    <a:pt x="4481066" y="478"/>
+                  </a:moveTo>
+                  <a:cubicBezTo>
+                    <a:pt x="4544817" y="1422"/>
+                    <a:pt x="4608563" y="3769"/>
+                    <a:pt x="4672258" y="7519"/>
+                  </a:cubicBezTo>
+                  <a:cubicBezTo>
+                    <a:pt x="4927973" y="22364"/>
+                    <a:pt x="5181687" y="61751"/>
+                    <a:pt x="5429869" y="125134"/>
+                  </a:cubicBezTo>
+                  <a:cubicBezTo>
+                    <a:pt x="5617090" y="173104"/>
+                    <a:pt x="5799867" y="236595"/>
+                    <a:pt x="5976319" y="314893"/>
+                  </a:cubicBezTo>
+                  <a:lnTo>
+                    <a:pt x="6028697" y="339901"/>
+                  </a:lnTo>
+                  <a:lnTo>
+                    <a:pt x="6028697" y="732458"/>
+                  </a:lnTo>
+                  <a:lnTo>
+                    <a:pt x="5990985" y="712211"/>
+                  </a:lnTo>
+                  <a:cubicBezTo>
+                    <a:pt x="5783917" y="609342"/>
+                    <a:pt x="5566013" y="529876"/>
+                    <a:pt x="5341339" y="475281"/>
+                  </a:cubicBezTo>
+                  <a:cubicBezTo>
+                    <a:pt x="5115233" y="420503"/>
+                    <a:pt x="4884375" y="387624"/>
+                    <a:pt x="4651969" y="377104"/>
+                  </a:cubicBezTo>
+                  <a:cubicBezTo>
+                    <a:pt x="4418713" y="365171"/>
+                    <a:pt x="4184861" y="373670"/>
+                    <a:pt x="3953093" y="402498"/>
+                  </a:cubicBezTo>
+                  <a:cubicBezTo>
+                    <a:pt x="3721001" y="431832"/>
+                    <a:pt x="3491675" y="480040"/>
+                    <a:pt x="3267413" y="546643"/>
+                  </a:cubicBezTo>
+                  <a:cubicBezTo>
+                    <a:pt x="2591323" y="750761"/>
+                    <a:pt x="1967642" y="1099289"/>
+                    <a:pt x="1439498" y="1568141"/>
+                  </a:cubicBezTo>
+                  <a:cubicBezTo>
+                    <a:pt x="1265589" y="1725523"/>
+                    <a:pt x="1105393" y="1897434"/>
+                    <a:pt x="960671" y="2082013"/>
+                  </a:cubicBezTo>
+                  <a:cubicBezTo>
+                    <a:pt x="815775" y="2266294"/>
+                    <a:pt x="688923" y="2464081"/>
+                    <a:pt x="581866" y="2672638"/>
+                  </a:cubicBezTo>
+                  <a:cubicBezTo>
+                    <a:pt x="473765" y="2880669"/>
+                    <a:pt x="387610" y="3099397"/>
+                    <a:pt x="324789" y="3325262"/>
+                  </a:cubicBezTo>
+                  <a:cubicBezTo>
+                    <a:pt x="262714" y="3552403"/>
+                    <a:pt x="231223" y="3786822"/>
+                    <a:pt x="231151" y="4022292"/>
+                  </a:cubicBezTo>
+                  <a:cubicBezTo>
+                    <a:pt x="231413" y="4136912"/>
+                    <a:pt x="244645" y="4251136"/>
+                    <a:pt x="270592" y="4362792"/>
+                  </a:cubicBezTo>
+                  <a:cubicBezTo>
+                    <a:pt x="297885" y="4472943"/>
+                    <a:pt x="336983" y="4579833"/>
+                    <a:pt x="387213" y="4681585"/>
+                  </a:cubicBezTo>
+                  <a:cubicBezTo>
+                    <a:pt x="412042" y="4732517"/>
+                    <a:pt x="439423" y="4782457"/>
+                    <a:pt x="468507" y="4831546"/>
+                  </a:cubicBezTo>
+                  <a:cubicBezTo>
+                    <a:pt x="497591" y="4880636"/>
+                    <a:pt x="529230" y="4929015"/>
+                    <a:pt x="561862" y="4976826"/>
+                  </a:cubicBezTo>
+                  <a:cubicBezTo>
+                    <a:pt x="627975" y="5072166"/>
+                    <a:pt x="701466" y="5164668"/>
+                    <a:pt x="777511" y="5257597"/>
+                  </a:cubicBezTo>
+                  <a:cubicBezTo>
+                    <a:pt x="853556" y="5350524"/>
+                    <a:pt x="933574" y="5443594"/>
+                    <a:pt x="1010895" y="5540494"/>
+                  </a:cubicBezTo>
+                  <a:cubicBezTo>
+                    <a:pt x="1049957" y="5588732"/>
+                    <a:pt x="1088642" y="5637963"/>
+                    <a:pt x="1126948" y="5688186"/>
+                  </a:cubicBezTo>
+                  <a:lnTo>
+                    <a:pt x="1182706" y="5760543"/>
+                  </a:lnTo>
+                  <a:cubicBezTo>
+                    <a:pt x="1201007" y="5783669"/>
+                    <a:pt x="1218458" y="5807503"/>
+                    <a:pt x="1237327" y="5830060"/>
+                  </a:cubicBezTo>
+                  <a:cubicBezTo>
+                    <a:pt x="1383714" y="6009916"/>
+                    <a:pt x="1540413" y="6181116"/>
+                    <a:pt x="1706649" y="6342797"/>
+                  </a:cubicBezTo>
+                  <a:cubicBezTo>
+                    <a:pt x="1788084" y="6422531"/>
+                    <a:pt x="1871265" y="6499427"/>
+                    <a:pt x="1956207" y="6573484"/>
+                  </a:cubicBezTo>
+                  <a:cubicBezTo>
+                    <a:pt x="2041332" y="6647402"/>
+                    <a:pt x="2127733" y="6718907"/>
+                    <a:pt x="2217681" y="6786297"/>
+                  </a:cubicBezTo>
+                  <a:lnTo>
+                    <a:pt x="2260820" y="6817170"/>
+                  </a:lnTo>
+                  <a:lnTo>
+                    <a:pt x="1429497" y="6817170"/>
+                  </a:lnTo>
+                  <a:lnTo>
+                    <a:pt x="1327275" y="6713800"/>
+                  </a:lnTo>
+                  <a:cubicBezTo>
+                    <a:pt x="1239186" y="6618984"/>
+                    <a:pt x="1156797" y="6519019"/>
+                    <a:pt x="1080556" y="6414443"/>
+                  </a:cubicBezTo>
+                  <a:cubicBezTo>
+                    <a:pt x="1004653" y="6310734"/>
+                    <a:pt x="932439" y="6205177"/>
+                    <a:pt x="865189" y="6097496"/>
+                  </a:cubicBezTo>
+                  <a:cubicBezTo>
+                    <a:pt x="847881" y="6070823"/>
+                    <a:pt x="831565" y="6043725"/>
+                    <a:pt x="814823" y="6016911"/>
+                  </a:cubicBezTo>
+                  <a:lnTo>
+                    <a:pt x="766729" y="5938453"/>
+                  </a:lnTo>
+                  <a:cubicBezTo>
+                    <a:pt x="735941" y="5887947"/>
+                    <a:pt x="703878" y="5837581"/>
+                    <a:pt x="671672" y="5786648"/>
+                  </a:cubicBezTo>
+                  <a:lnTo>
+                    <a:pt x="474608" y="5474664"/>
+                  </a:lnTo>
+                  <a:cubicBezTo>
+                    <a:pt x="408778" y="5368968"/>
+                    <a:pt x="343516" y="5260008"/>
+                    <a:pt x="282652" y="5146508"/>
+                  </a:cubicBezTo>
+                  <a:cubicBezTo>
+                    <a:pt x="252290" y="5089759"/>
+                    <a:pt x="223065" y="5032015"/>
+                    <a:pt x="196108" y="4972712"/>
+                  </a:cubicBezTo>
+                  <a:cubicBezTo>
+                    <a:pt x="169152" y="4913408"/>
+                    <a:pt x="144607" y="4853111"/>
+                    <a:pt x="122474" y="4791821"/>
+                  </a:cubicBezTo>
+                  <a:cubicBezTo>
+                    <a:pt x="100342" y="4730532"/>
+                    <a:pt x="81757" y="4666830"/>
+                    <a:pt x="65724" y="4603129"/>
+                  </a:cubicBezTo>
+                  <a:cubicBezTo>
+                    <a:pt x="58205" y="4571064"/>
+                    <a:pt x="50828" y="4539143"/>
+                    <a:pt x="44727" y="4506937"/>
+                  </a:cubicBezTo>
+                  <a:lnTo>
+                    <a:pt x="35505" y="4458699"/>
+                  </a:lnTo>
+                  <a:lnTo>
+                    <a:pt x="27845" y="4410320"/>
+                  </a:lnTo>
+                  <a:cubicBezTo>
+                    <a:pt x="8635" y="4281881"/>
+                    <a:pt x="-661" y="4152150"/>
+                    <a:pt x="37" y="4022292"/>
+                  </a:cubicBezTo>
+                  <a:cubicBezTo>
+                    <a:pt x="712" y="3768592"/>
+                    <a:pt x="27094" y="3515615"/>
+                    <a:pt x="78777" y="3267236"/>
+                  </a:cubicBezTo>
+                  <a:cubicBezTo>
+                    <a:pt x="130048" y="3017876"/>
+                    <a:pt x="209439" y="2775142"/>
+                    <a:pt x="315424" y="2543673"/>
+                  </a:cubicBezTo>
+                  <a:cubicBezTo>
+                    <a:pt x="528236" y="2081161"/>
+                    <a:pt x="838234" y="1667312"/>
+                    <a:pt x="1202710" y="1314895"/>
+                  </a:cubicBezTo>
+                  <a:cubicBezTo>
+                    <a:pt x="1385514" y="1138814"/>
+                    <a:pt x="1582282" y="977831"/>
+                    <a:pt x="1791065" y="833514"/>
+                  </a:cubicBezTo>
+                  <a:cubicBezTo>
+                    <a:pt x="2420037" y="395614"/>
+                    <a:pt x="3147288" y="119557"/>
+                    <a:pt x="3908404" y="29794"/>
+                  </a:cubicBezTo>
+                  <a:cubicBezTo>
+                    <a:pt x="4098509" y="7429"/>
+                    <a:pt x="4289811" y="-2355"/>
+                    <a:pt x="4481066" y="478"/>
+                  </a:cubicBezTo>
+                  <a:close/>
+                </a:path>
+              </a:pathLst>
+            </a:custGeom>
+            <a:gradFill>
+              <a:gsLst>
+                <a:gs pos="2000">
+                  <a:schemeClr val="bg1">
+                    <a:alpha val="10000"/>
+                  </a:schemeClr>
+                </a:gs>
+                <a:gs pos="16000">
+                  <a:schemeClr val="accent6">
+                    <a:alpha val="10000"/>
+                  </a:schemeClr>
+                </a:gs>
+                <a:gs pos="100000">
+                  <a:schemeClr val="bg1">
+                    <a:alpha val="10000"/>
+                  </a:schemeClr>
+                </a:gs>
+                <a:gs pos="85000">
+                  <a:schemeClr val="accent1">
+                    <a:alpha val="10000"/>
+                  </a:schemeClr>
+                </a:gs>
+              </a:gsLst>
+              <a:lin ang="12000000" scaled="0"/>
+            </a:gradFill>
+            <a:ln>
+              <a:noFill/>
+            </a:ln>
+          </p:spPr>
+          <p:style>
+            <a:lnRef idx="2">
+              <a:schemeClr val="accent1">
+                <a:shade val="50000"/>
+              </a:schemeClr>
+            </a:lnRef>
+            <a:fillRef idx="1">
+              <a:schemeClr val="accent1"/>
+            </a:fillRef>
+            <a:effectRef idx="0">
+              <a:schemeClr val="accent1"/>
+            </a:effectRef>
+            <a:fontRef idx="minor">
+              <a:schemeClr val="lt1"/>
+            </a:fontRef>
+          </p:style>
+          <p:txBody>
+            <a:bodyPr rtlCol="0" anchor="ctr"/>
+            <a:lstStyle/>
+            <a:p>
+              <a:pPr algn="ctr"/>
+              <a:endParaRPr lang="en-US" dirty="0"/>
+            </a:p>
+          </p:txBody>
+        </p:sp>
+        <p:sp>
+          <p:nvSpPr>
+            <p:cNvPr id="15" name="Freeform: Shape 14">
+              <a:extLst>
+                <a:ext uri="{FF2B5EF4-FFF2-40B4-BE49-F238E27FC236}">
+                  <a16:creationId xmlns:a16="http://schemas.microsoft.com/office/drawing/2014/main" id="{C72F6EE6-EDE9-45A5-8F6D-02B9B7CB2C2F}"/>
+                </a:ext>
+                <a:ext uri="{C183D7F6-B498-43B3-948B-1728B52AA6E4}">
+                  <adec:decorative xmlns:adec="http://schemas.microsoft.com/office/drawing/2017/decorative" val="1"/>
+                </a:ext>
+              </a:extLst>
+            </p:cNvPr>
+            <p:cNvSpPr/>
+            <p:nvPr>
+              <p:extLst>
+                <p:ext uri="{386F3935-93C4-4BCD-93E2-E3B085C9AB24}">
+                  <p16:designElem xmlns:p16="http://schemas.microsoft.com/office/powerpoint/2015/main" val="1"/>
+                </p:ext>
+              </p:extLst>
+            </p:nvPr>
+          </p:nvSpPr>
+          <p:spPr>
+            <a:xfrm flipH="1">
+              <a:off x="305" y="1"/>
+              <a:ext cx="6165116" cy="6858001"/>
+            </a:xfrm>
+            <a:custGeom>
+              <a:avLst/>
+              <a:gdLst>
+                <a:gd name="connsiteX0" fmla="*/ 6264586 w 6264586"/>
+                <a:gd name="connsiteY0" fmla="*/ 6646464 h 6858001"/>
+                <a:gd name="connsiteX1" fmla="*/ 6264586 w 6264586"/>
+                <a:gd name="connsiteY1" fmla="*/ 6858001 h 6858001"/>
+                <a:gd name="connsiteX2" fmla="*/ 5997170 w 6264586"/>
+                <a:gd name="connsiteY2" fmla="*/ 6858001 h 6858001"/>
+                <a:gd name="connsiteX3" fmla="*/ 6121512 w 6264586"/>
+                <a:gd name="connsiteY3" fmla="*/ 6761029 h 6858001"/>
+                <a:gd name="connsiteX4" fmla="*/ 2693206 w 6264586"/>
+                <a:gd name="connsiteY4" fmla="*/ 0 h 6858001"/>
+                <a:gd name="connsiteX5" fmla="*/ 5872285 w 6264586"/>
+                <a:gd name="connsiteY5" fmla="*/ 0 h 6858001"/>
+                <a:gd name="connsiteX6" fmla="*/ 6024875 w 6264586"/>
+                <a:gd name="connsiteY6" fmla="*/ 68385 h 6858001"/>
+                <a:gd name="connsiteX7" fmla="*/ 6206432 w 6264586"/>
+                <a:gd name="connsiteY7" fmla="*/ 162336 h 6858001"/>
+                <a:gd name="connsiteX8" fmla="*/ 6264586 w 6264586"/>
+                <a:gd name="connsiteY8" fmla="*/ 196704 h 6858001"/>
+                <a:gd name="connsiteX9" fmla="*/ 6264586 w 6264586"/>
+                <a:gd name="connsiteY9" fmla="*/ 537242 h 6858001"/>
+                <a:gd name="connsiteX10" fmla="*/ 6230189 w 6264586"/>
+                <a:gd name="connsiteY10" fmla="*/ 517260 h 6858001"/>
+                <a:gd name="connsiteX11" fmla="*/ 5540536 w 6264586"/>
+                <a:gd name="connsiteY11" fmla="*/ 249543 h 6858001"/>
+                <a:gd name="connsiteX12" fmla="*/ 5178896 w 6264586"/>
+                <a:gd name="connsiteY12" fmla="*/ 178606 h 6858001"/>
+                <a:gd name="connsiteX13" fmla="*/ 4814279 w 6264586"/>
+                <a:gd name="connsiteY13" fmla="*/ 146683 h 6858001"/>
+                <a:gd name="connsiteX14" fmla="*/ 4655095 w 6264586"/>
+                <a:gd name="connsiteY14" fmla="*/ 143421 h 6858001"/>
+                <a:gd name="connsiteX15" fmla="*/ 4081069 w 6264586"/>
+                <a:gd name="connsiteY15" fmla="*/ 185983 h 6858001"/>
+                <a:gd name="connsiteX16" fmla="*/ 3720566 w 6264586"/>
+                <a:gd name="connsiteY16" fmla="*/ 256921 h 6858001"/>
+                <a:gd name="connsiteX17" fmla="*/ 3365879 w 6264586"/>
+                <a:gd name="connsiteY17" fmla="*/ 357651 h 6858001"/>
+                <a:gd name="connsiteX18" fmla="*/ 3020555 w 6264586"/>
+                <a:gd name="connsiteY18" fmla="*/ 486190 h 6858001"/>
+                <a:gd name="connsiteX19" fmla="*/ 2685163 w 6264586"/>
+                <a:gd name="connsiteY19" fmla="*/ 641542 h 6858001"/>
+                <a:gd name="connsiteX20" fmla="*/ 2047720 w 6264586"/>
+                <a:gd name="connsiteY20" fmla="*/ 1025030 h 6858001"/>
+                <a:gd name="connsiteX21" fmla="*/ 1897333 w 6264586"/>
+                <a:gd name="connsiteY21" fmla="*/ 1134983 h 6858001"/>
+                <a:gd name="connsiteX22" fmla="*/ 1835758 w 6264586"/>
+                <a:gd name="connsiteY22" fmla="*/ 1182227 h 6858001"/>
+                <a:gd name="connsiteX23" fmla="*/ 1823273 w 6264586"/>
+                <a:gd name="connsiteY23" fmla="*/ 1192016 h 6858001"/>
+                <a:gd name="connsiteX24" fmla="*/ 1750918 w 6264586"/>
+                <a:gd name="connsiteY24" fmla="*/ 1249760 h 6858001"/>
+                <a:gd name="connsiteX25" fmla="*/ 1469297 w 6264586"/>
+                <a:gd name="connsiteY25" fmla="*/ 1496906 h 6858001"/>
+                <a:gd name="connsiteX26" fmla="*/ 967769 w 6264586"/>
+                <a:gd name="connsiteY26" fmla="*/ 2056602 h 6858001"/>
+                <a:gd name="connsiteX27" fmla="*/ 754105 w 6264586"/>
+                <a:gd name="connsiteY27" fmla="*/ 2368727 h 6858001"/>
+                <a:gd name="connsiteX28" fmla="*/ 572364 w 6264586"/>
+                <a:gd name="connsiteY28" fmla="*/ 2701140 h 6858001"/>
+                <a:gd name="connsiteX29" fmla="*/ 532497 w 6264586"/>
+                <a:gd name="connsiteY29" fmla="*/ 2786265 h 6858001"/>
+                <a:gd name="connsiteX30" fmla="*/ 512918 w 6264586"/>
+                <a:gd name="connsiteY30" fmla="*/ 2828827 h 6858001"/>
+                <a:gd name="connsiteX31" fmla="*/ 494475 w 6264586"/>
+                <a:gd name="connsiteY31" fmla="*/ 2872240 h 6858001"/>
+                <a:gd name="connsiteX32" fmla="*/ 491637 w 6264586"/>
+                <a:gd name="connsiteY32" fmla="*/ 2878908 h 6858001"/>
+                <a:gd name="connsiteX33" fmla="*/ 459290 w 6264586"/>
+                <a:gd name="connsiteY33" fmla="*/ 2959635 h 6858001"/>
+                <a:gd name="connsiteX34" fmla="*/ 446805 w 6264586"/>
+                <a:gd name="connsiteY34" fmla="*/ 2992408 h 6858001"/>
+                <a:gd name="connsiteX35" fmla="*/ 426090 w 6264586"/>
+                <a:gd name="connsiteY35" fmla="*/ 3049158 h 6858001"/>
+                <a:gd name="connsiteX36" fmla="*/ 426090 w 6264586"/>
+                <a:gd name="connsiteY36" fmla="*/ 3049867 h 6858001"/>
+                <a:gd name="connsiteX37" fmla="*/ 318124 w 6264586"/>
+                <a:gd name="connsiteY37" fmla="*/ 3414202 h 6858001"/>
+                <a:gd name="connsiteX38" fmla="*/ 230729 w 6264586"/>
+                <a:gd name="connsiteY38" fmla="*/ 4169260 h 6858001"/>
+                <a:gd name="connsiteX39" fmla="*/ 268893 w 6264586"/>
+                <a:gd name="connsiteY39" fmla="*/ 4544236 h 6858001"/>
+                <a:gd name="connsiteX40" fmla="*/ 379840 w 6264586"/>
+                <a:gd name="connsiteY40" fmla="*/ 4900056 h 6858001"/>
+                <a:gd name="connsiteX41" fmla="*/ 406512 w 6264586"/>
+                <a:gd name="connsiteY41" fmla="*/ 4960211 h 6858001"/>
+                <a:gd name="connsiteX42" fmla="*/ 417862 w 6264586"/>
+                <a:gd name="connsiteY42" fmla="*/ 4984613 h 6858001"/>
+                <a:gd name="connsiteX43" fmla="*/ 428077 w 6264586"/>
+                <a:gd name="connsiteY43" fmla="*/ 5005043 h 6858001"/>
+                <a:gd name="connsiteX44" fmla="*/ 460140 w 6264586"/>
+                <a:gd name="connsiteY44" fmla="*/ 5067327 h 6858001"/>
+                <a:gd name="connsiteX45" fmla="*/ 555197 w 6264586"/>
+                <a:gd name="connsiteY45" fmla="*/ 5229773 h 6858001"/>
+                <a:gd name="connsiteX46" fmla="*/ 660611 w 6264586"/>
+                <a:gd name="connsiteY46" fmla="*/ 5387396 h 6858001"/>
+                <a:gd name="connsiteX47" fmla="*/ 774110 w 6264586"/>
+                <a:gd name="connsiteY47" fmla="*/ 5542182 h 6858001"/>
+                <a:gd name="connsiteX48" fmla="*/ 917829 w 6264586"/>
+                <a:gd name="connsiteY48" fmla="*/ 5727896 h 6858001"/>
+                <a:gd name="connsiteX49" fmla="*/ 1012885 w 6264586"/>
+                <a:gd name="connsiteY49" fmla="*/ 5849767 h 6858001"/>
+                <a:gd name="connsiteX50" fmla="*/ 1133053 w 6264586"/>
+                <a:gd name="connsiteY50" fmla="*/ 6006822 h 6858001"/>
+                <a:gd name="connsiteX51" fmla="*/ 1194343 w 6264586"/>
+                <a:gd name="connsiteY51" fmla="*/ 6090245 h 6858001"/>
+                <a:gd name="connsiteX52" fmla="*/ 1249390 w 6264586"/>
+                <a:gd name="connsiteY52" fmla="*/ 6165155 h 6858001"/>
+                <a:gd name="connsiteX53" fmla="*/ 1345724 w 6264586"/>
+                <a:gd name="connsiteY53" fmla="*/ 6292132 h 6858001"/>
+                <a:gd name="connsiteX54" fmla="*/ 1364310 w 6264586"/>
+                <a:gd name="connsiteY54" fmla="*/ 6316251 h 6858001"/>
+                <a:gd name="connsiteX55" fmla="*/ 1373673 w 6264586"/>
+                <a:gd name="connsiteY55" fmla="*/ 6327885 h 6858001"/>
+                <a:gd name="connsiteX56" fmla="*/ 1484619 w 6264586"/>
+                <a:gd name="connsiteY56" fmla="*/ 6462240 h 6858001"/>
+                <a:gd name="connsiteX57" fmla="*/ 1739000 w 6264586"/>
+                <a:gd name="connsiteY57" fmla="*/ 6737335 h 6858001"/>
+                <a:gd name="connsiteX58" fmla="*/ 1866801 w 6264586"/>
+                <a:gd name="connsiteY58" fmla="*/ 6858001 h 6858001"/>
+                <a:gd name="connsiteX59" fmla="*/ 1144149 w 6264586"/>
+                <a:gd name="connsiteY59" fmla="*/ 6858001 h 6858001"/>
+                <a:gd name="connsiteX60" fmla="*/ 1058349 w 6264586"/>
+                <a:gd name="connsiteY60" fmla="*/ 6766452 h 6858001"/>
+                <a:gd name="connsiteX61" fmla="*/ 580309 w 6264586"/>
+                <a:gd name="connsiteY61" fmla="*/ 6105000 h 6858001"/>
+                <a:gd name="connsiteX62" fmla="*/ 1 w 6264586"/>
+                <a:gd name="connsiteY62" fmla="*/ 3960094 h 6858001"/>
+                <a:gd name="connsiteX63" fmla="*/ 2599292 w 6264586"/>
+                <a:gd name="connsiteY63" fmla="*/ 37050 h 6858001"/>
+              </a:gdLst>
+              <a:ahLst/>
+              <a:cxnLst>
+                <a:cxn ang="0">
+                  <a:pos x="connsiteX0" y="connsiteY0"/>
+                </a:cxn>
+                <a:cxn ang="0">
+                  <a:pos x="connsiteX1" y="connsiteY1"/>
+                </a:cxn>
+                <a:cxn ang="0">
+                  <a:pos x="connsiteX2" y="connsiteY2"/>
+                </a:cxn>
+                <a:cxn ang="0">
+                  <a:pos x="connsiteX3" y="connsiteY3"/>
+                </a:cxn>
+                <a:cxn ang="0">
+                  <a:pos x="connsiteX4" y="connsiteY4"/>
+                </a:cxn>
+                <a:cxn ang="0">
+                  <a:pos x="connsiteX5" y="connsiteY5"/>
+                </a:cxn>
+                <a:cxn ang="0">
+                  <a:pos x="connsiteX6" y="connsiteY6"/>
+                </a:cxn>
+                <a:cxn ang="0">
+                  <a:pos x="connsiteX7" y="connsiteY7"/>
+                </a:cxn>
+                <a:cxn ang="0">
+                  <a:pos x="connsiteX8" y="connsiteY8"/>
+                </a:cxn>
+                <a:cxn ang="0">
+                  <a:pos x="connsiteX9" y="connsiteY9"/>
+                </a:cxn>
+                <a:cxn ang="0">
+                  <a:pos x="connsiteX10" y="connsiteY10"/>
+                </a:cxn>
+                <a:cxn ang="0">
+                  <a:pos x="connsiteX11" y="connsiteY11"/>
+                </a:cxn>
+                <a:cxn ang="0">
+                  <a:pos x="connsiteX12" y="connsiteY12"/>
+                </a:cxn>
+                <a:cxn ang="0">
+                  <a:pos x="connsiteX13" y="connsiteY13"/>
+                </a:cxn>
+                <a:cxn ang="0">
+                  <a:pos x="connsiteX14" y="connsiteY14"/>
+                </a:cxn>
+                <a:cxn ang="0">
+                  <a:pos x="connsiteX15" y="connsiteY15"/>
+                </a:cxn>
+                <a:cxn ang="0">
+                  <a:pos x="connsiteX16" y="connsiteY16"/>
+                </a:cxn>
+                <a:cxn ang="0">
+                  <a:pos x="connsiteX17" y="connsiteY17"/>
+                </a:cxn>
+                <a:cxn ang="0">
+                  <a:pos x="connsiteX18" y="connsiteY18"/>
+                </a:cxn>
+                <a:cxn ang="0">
+                  <a:pos x="connsiteX19" y="connsiteY19"/>
+                </a:cxn>
+                <a:cxn ang="0">
+                  <a:pos x="connsiteX20" y="connsiteY20"/>
+                </a:cxn>
+                <a:cxn ang="0">
+                  <a:pos x="connsiteX21" y="connsiteY21"/>
+                </a:cxn>
+                <a:cxn ang="0">
+                  <a:pos x="connsiteX22" y="connsiteY22"/>
+                </a:cxn>
+                <a:cxn ang="0">
+                  <a:pos x="connsiteX23" y="connsiteY23"/>
+                </a:cxn>
+                <a:cxn ang="0">
+                  <a:pos x="connsiteX24" y="connsiteY24"/>
+                </a:cxn>
+                <a:cxn ang="0">
+                  <a:pos x="connsiteX25" y="connsiteY25"/>
+                </a:cxn>
+                <a:cxn ang="0">
+                  <a:pos x="connsiteX26" y="connsiteY26"/>
+                </a:cxn>
+                <a:cxn ang="0">
+                  <a:pos x="connsiteX27" y="connsiteY27"/>
+                </a:cxn>
+                <a:cxn ang="0">
+                  <a:pos x="connsiteX28" y="connsiteY28"/>
+                </a:cxn>
+                <a:cxn ang="0">
+                  <a:pos x="connsiteX29" y="connsiteY29"/>
+                </a:cxn>
+                <a:cxn ang="0">
+                  <a:pos x="connsiteX30" y="connsiteY30"/>
+                </a:cxn>
+                <a:cxn ang="0">
+                  <a:pos x="connsiteX31" y="connsiteY31"/>
+                </a:cxn>
+                <a:cxn ang="0">
+                  <a:pos x="connsiteX32" y="connsiteY32"/>
+                </a:cxn>
+                <a:cxn ang="0">
+                  <a:pos x="connsiteX33" y="connsiteY33"/>
+                </a:cxn>
+                <a:cxn ang="0">
+                  <a:pos x="connsiteX34" y="connsiteY34"/>
+                </a:cxn>
+                <a:cxn ang="0">
+                  <a:pos x="connsiteX35" y="connsiteY35"/>
+                </a:cxn>
+                <a:cxn ang="0">
+                  <a:pos x="connsiteX36" y="connsiteY36"/>
+                </a:cxn>
+                <a:cxn ang="0">
+                  <a:pos x="connsiteX37" y="connsiteY37"/>
+                </a:cxn>
+                <a:cxn ang="0">
+                  <a:pos x="connsiteX38" y="connsiteY38"/>
+                </a:cxn>
+                <a:cxn ang="0">
+                  <a:pos x="connsiteX39" y="connsiteY39"/>
+                </a:cxn>
+                <a:cxn ang="0">
+                  <a:pos x="connsiteX40" y="connsiteY40"/>
+                </a:cxn>
+                <a:cxn ang="0">
+                  <a:pos x="connsiteX41" y="connsiteY41"/>
+                </a:cxn>
+                <a:cxn ang="0">
+                  <a:pos x="connsiteX42" y="connsiteY42"/>
+                </a:cxn>
+                <a:cxn ang="0">
+                  <a:pos x="connsiteX43" y="connsiteY43"/>
+                </a:cxn>
+                <a:cxn ang="0">
+                  <a:pos x="connsiteX44" y="connsiteY44"/>
+                </a:cxn>
+                <a:cxn ang="0">
+                  <a:pos x="connsiteX45" y="connsiteY45"/>
+                </a:cxn>
+                <a:cxn ang="0">
+                  <a:pos x="connsiteX46" y="connsiteY46"/>
+                </a:cxn>
+                <a:cxn ang="0">
+                  <a:pos x="connsiteX47" y="connsiteY47"/>
+                </a:cxn>
+                <a:cxn ang="0">
+                  <a:pos x="connsiteX48" y="connsiteY48"/>
+                </a:cxn>
+                <a:cxn ang="0">
+                  <a:pos x="connsiteX49" y="connsiteY49"/>
+                </a:cxn>
+                <a:cxn ang="0">
+                  <a:pos x="connsiteX50" y="connsiteY50"/>
+                </a:cxn>
+                <a:cxn ang="0">
+                  <a:pos x="connsiteX51" y="connsiteY51"/>
+                </a:cxn>
+                <a:cxn ang="0">
+                  <a:pos x="connsiteX52" y="connsiteY52"/>
+                </a:cxn>
+                <a:cxn ang="0">
+                  <a:pos x="connsiteX53" y="connsiteY53"/>
+                </a:cxn>
+                <a:cxn ang="0">
+                  <a:pos x="connsiteX54" y="connsiteY54"/>
+                </a:cxn>
+                <a:cxn ang="0">
+                  <a:pos x="connsiteX55" y="connsiteY55"/>
+                </a:cxn>
+                <a:cxn ang="0">
+                  <a:pos x="connsiteX56" y="connsiteY56"/>
+                </a:cxn>
+                <a:cxn ang="0">
+                  <a:pos x="connsiteX57" y="connsiteY57"/>
+                </a:cxn>
+                <a:cxn ang="0">
+                  <a:pos x="connsiteX58" y="connsiteY58"/>
+                </a:cxn>
+                <a:cxn ang="0">
+                  <a:pos x="connsiteX59" y="connsiteY59"/>
+                </a:cxn>
+                <a:cxn ang="0">
+                  <a:pos x="connsiteX60" y="connsiteY60"/>
+                </a:cxn>
+                <a:cxn ang="0">
+                  <a:pos x="connsiteX61" y="connsiteY61"/>
+                </a:cxn>
+                <a:cxn ang="0">
+                  <a:pos x="connsiteX62" y="connsiteY62"/>
+                </a:cxn>
+                <a:cxn ang="0">
+                  <a:pos x="connsiteX63" y="connsiteY63"/>
+                </a:cxn>
+              </a:cxnLst>
+              <a:rect l="l" t="t" r="r" b="b"/>
+              <a:pathLst>
+                <a:path w="6264586" h="6858001">
+                  <a:moveTo>
+                    <a:pt x="6264586" y="6646464"/>
+                  </a:moveTo>
+                  <a:lnTo>
+                    <a:pt x="6264586" y="6858001"/>
+                  </a:lnTo>
+                  <a:lnTo>
+                    <a:pt x="5997170" y="6858001"/>
+                  </a:lnTo>
+                  <a:lnTo>
+                    <a:pt x="6121512" y="6761029"/>
+                  </a:lnTo>
+                  <a:close/>
+                  <a:moveTo>
+                    <a:pt x="2693206" y="0"/>
+                  </a:moveTo>
+                  <a:lnTo>
+                    <a:pt x="5872285" y="0"/>
+                  </a:lnTo>
+                  <a:lnTo>
+                    <a:pt x="6024875" y="68385"/>
+                  </a:lnTo>
+                  <a:cubicBezTo>
+                    <a:pt x="6086250" y="97989"/>
+                    <a:pt x="6146793" y="129318"/>
+                    <a:pt x="6206432" y="162336"/>
+                  </a:cubicBezTo>
+                  <a:lnTo>
+                    <a:pt x="6264586" y="196704"/>
+                  </a:lnTo>
+                  <a:lnTo>
+                    <a:pt x="6264586" y="537242"/>
+                  </a:lnTo>
+                  <a:lnTo>
+                    <a:pt x="6230189" y="517260"/>
+                  </a:lnTo>
+                  <a:cubicBezTo>
+                    <a:pt x="6012226" y="399931"/>
+                    <a:pt x="5780573" y="310008"/>
+                    <a:pt x="5540536" y="249543"/>
+                  </a:cubicBezTo>
+                  <a:cubicBezTo>
+                    <a:pt x="5421375" y="219324"/>
+                    <a:pt x="5300641" y="195644"/>
+                    <a:pt x="5178896" y="178606"/>
+                  </a:cubicBezTo>
+                  <a:cubicBezTo>
+                    <a:pt x="5057977" y="161840"/>
+                    <a:pt x="4936276" y="151186"/>
+                    <a:pt x="4814279" y="146683"/>
+                  </a:cubicBezTo>
+                  <a:cubicBezTo>
+                    <a:pt x="4761501" y="144556"/>
+                    <a:pt x="4708015" y="143421"/>
+                    <a:pt x="4655095" y="143421"/>
+                  </a:cubicBezTo>
+                  <a:cubicBezTo>
+                    <a:pt x="4462968" y="143573"/>
+                    <a:pt x="4271111" y="157799"/>
+                    <a:pt x="4081069" y="185983"/>
+                  </a:cubicBezTo>
+                  <a:cubicBezTo>
+                    <a:pt x="3956361" y="205703"/>
+                    <a:pt x="3835058" y="229396"/>
+                    <a:pt x="3720566" y="256921"/>
+                  </a:cubicBezTo>
+                  <a:cubicBezTo>
+                    <a:pt x="3596708" y="286714"/>
+                    <a:pt x="3477677" y="320905"/>
+                    <a:pt x="3365879" y="357651"/>
+                  </a:cubicBezTo>
+                  <a:cubicBezTo>
+                    <a:pt x="3249257" y="395958"/>
+                    <a:pt x="3133487" y="438945"/>
+                    <a:pt x="3020555" y="486190"/>
+                  </a:cubicBezTo>
+                  <a:cubicBezTo>
+                    <a:pt x="2907623" y="533434"/>
+                    <a:pt x="2794832" y="585786"/>
+                    <a:pt x="2685163" y="641542"/>
+                  </a:cubicBezTo>
+                  <a:cubicBezTo>
+                    <a:pt x="2463995" y="754348"/>
+                    <a:pt x="2250998" y="882488"/>
+                    <a:pt x="2047720" y="1025030"/>
+                  </a:cubicBezTo>
+                  <a:cubicBezTo>
+                    <a:pt x="2006151" y="1054399"/>
+                    <a:pt x="1951528" y="1093415"/>
+                    <a:pt x="1897333" y="1134983"/>
+                  </a:cubicBezTo>
+                  <a:cubicBezTo>
+                    <a:pt x="1876761" y="1150164"/>
+                    <a:pt x="1855905" y="1166479"/>
+                    <a:pt x="1835758" y="1182227"/>
+                  </a:cubicBezTo>
+                  <a:lnTo>
+                    <a:pt x="1823273" y="1192016"/>
+                  </a:lnTo>
+                  <a:cubicBezTo>
+                    <a:pt x="1797027" y="1211879"/>
+                    <a:pt x="1772057" y="1232309"/>
+                    <a:pt x="1750918" y="1249760"/>
+                  </a:cubicBezTo>
+                  <a:cubicBezTo>
+                    <a:pt x="1645931" y="1335737"/>
+                    <a:pt x="1554422" y="1416605"/>
+                    <a:pt x="1469297" y="1496906"/>
+                  </a:cubicBezTo>
+                  <a:cubicBezTo>
+                    <a:pt x="1286595" y="1668957"/>
+                    <a:pt x="1118818" y="1856190"/>
+                    <a:pt x="967769" y="2056602"/>
+                  </a:cubicBezTo>
+                  <a:cubicBezTo>
+                    <a:pt x="890731" y="2159603"/>
+                    <a:pt x="818800" y="2264590"/>
+                    <a:pt x="754105" y="2368727"/>
+                  </a:cubicBezTo>
+                  <a:cubicBezTo>
+                    <a:pt x="681749" y="2488328"/>
+                    <a:pt x="622304" y="2596720"/>
+                    <a:pt x="572364" y="2701140"/>
+                  </a:cubicBezTo>
+                  <a:cubicBezTo>
+                    <a:pt x="557609" y="2730507"/>
+                    <a:pt x="543989" y="2760443"/>
+                    <a:pt x="532497" y="2786265"/>
+                  </a:cubicBezTo>
+                  <a:lnTo>
+                    <a:pt x="512918" y="2828827"/>
+                  </a:lnTo>
+                  <a:lnTo>
+                    <a:pt x="494475" y="2872240"/>
+                  </a:lnTo>
+                  <a:lnTo>
+                    <a:pt x="491637" y="2878908"/>
+                  </a:lnTo>
+                  <a:cubicBezTo>
+                    <a:pt x="480146" y="2906575"/>
+                    <a:pt x="469220" y="2932821"/>
+                    <a:pt x="459290" y="2959635"/>
+                  </a:cubicBezTo>
+                  <a:cubicBezTo>
+                    <a:pt x="455176" y="2970559"/>
+                    <a:pt x="451060" y="2981484"/>
+                    <a:pt x="446805" y="2992408"/>
+                  </a:cubicBezTo>
+                  <a:cubicBezTo>
+                    <a:pt x="439427" y="3012412"/>
+                    <a:pt x="432333" y="3030572"/>
+                    <a:pt x="426090" y="3049158"/>
+                  </a:cubicBezTo>
+                  <a:lnTo>
+                    <a:pt x="426090" y="3049867"/>
+                  </a:lnTo>
+                  <a:cubicBezTo>
+                    <a:pt x="383010" y="3169099"/>
+                    <a:pt x="346959" y="3290756"/>
+                    <a:pt x="318124" y="3414202"/>
+                  </a:cubicBezTo>
+                  <a:cubicBezTo>
+                    <a:pt x="260107" y="3661703"/>
+                    <a:pt x="230780" y="3915049"/>
+                    <a:pt x="230729" y="4169260"/>
+                  </a:cubicBezTo>
+                  <a:cubicBezTo>
+                    <a:pt x="231621" y="4295173"/>
+                    <a:pt x="244398" y="4420719"/>
+                    <a:pt x="268893" y="4544236"/>
+                  </a:cubicBezTo>
+                  <a:cubicBezTo>
+                    <a:pt x="293708" y="4666304"/>
+                    <a:pt x="330882" y="4785521"/>
+                    <a:pt x="379840" y="4900056"/>
+                  </a:cubicBezTo>
+                  <a:cubicBezTo>
+                    <a:pt x="387926" y="4919919"/>
+                    <a:pt x="397006" y="4939498"/>
+                    <a:pt x="406512" y="4960211"/>
+                  </a:cubicBezTo>
+                  <a:cubicBezTo>
+                    <a:pt x="410343" y="4968299"/>
+                    <a:pt x="414173" y="4976385"/>
+                    <a:pt x="417862" y="4984613"/>
+                  </a:cubicBezTo>
+                  <a:lnTo>
+                    <a:pt x="428077" y="5005043"/>
+                  </a:lnTo>
+                  <a:cubicBezTo>
+                    <a:pt x="438860" y="5026751"/>
+                    <a:pt x="449075" y="5047181"/>
+                    <a:pt x="460140" y="5067327"/>
+                  </a:cubicBezTo>
+                  <a:cubicBezTo>
+                    <a:pt x="485536" y="5116273"/>
+                    <a:pt x="514763" y="5165789"/>
+                    <a:pt x="555197" y="5229773"/>
+                  </a:cubicBezTo>
+                  <a:cubicBezTo>
+                    <a:pt x="586836" y="5280282"/>
+                    <a:pt x="620318" y="5329511"/>
+                    <a:pt x="660611" y="5387396"/>
+                  </a:cubicBezTo>
+                  <a:cubicBezTo>
+                    <a:pt x="698065" y="5440741"/>
+                    <a:pt x="737223" y="5493094"/>
+                    <a:pt x="774110" y="5542182"/>
+                  </a:cubicBezTo>
+                  <a:cubicBezTo>
+                    <a:pt x="821070" y="5604324"/>
+                    <a:pt x="870301" y="5667173"/>
+                    <a:pt x="917829" y="5727896"/>
+                  </a:cubicBezTo>
+                  <a:cubicBezTo>
+                    <a:pt x="949042" y="5767762"/>
+                    <a:pt x="979828" y="5807063"/>
+                    <a:pt x="1012885" y="5849767"/>
+                  </a:cubicBezTo>
+                  <a:cubicBezTo>
+                    <a:pt x="1045942" y="5892471"/>
+                    <a:pt x="1089497" y="5948796"/>
+                    <a:pt x="1133053" y="6006822"/>
+                  </a:cubicBezTo>
+                  <a:cubicBezTo>
+                    <a:pt x="1153624" y="6034345"/>
+                    <a:pt x="1175332" y="6063998"/>
+                    <a:pt x="1194343" y="6090245"/>
+                  </a:cubicBezTo>
+                  <a:cubicBezTo>
+                    <a:pt x="1213355" y="6116491"/>
+                    <a:pt x="1231372" y="6141178"/>
+                    <a:pt x="1249390" y="6165155"/>
+                  </a:cubicBezTo>
+                  <a:cubicBezTo>
+                    <a:pt x="1280461" y="6208000"/>
+                    <a:pt x="1313659" y="6250847"/>
+                    <a:pt x="1345724" y="6292132"/>
+                  </a:cubicBezTo>
+                  <a:lnTo>
+                    <a:pt x="1364310" y="6316251"/>
+                  </a:lnTo>
+                  <a:lnTo>
+                    <a:pt x="1373673" y="6327885"/>
+                  </a:lnTo>
+                  <a:cubicBezTo>
+                    <a:pt x="1409566" y="6372433"/>
+                    <a:pt x="1446738" y="6418542"/>
+                    <a:pt x="1484619" y="6462240"/>
+                  </a:cubicBezTo>
+                  <a:cubicBezTo>
+                    <a:pt x="1567899" y="6559850"/>
+                    <a:pt x="1653876" y="6652211"/>
+                    <a:pt x="1739000" y="6737335"/>
+                  </a:cubicBezTo>
+                  <a:lnTo>
+                    <a:pt x="1866801" y="6858001"/>
+                  </a:lnTo>
+                  <a:lnTo>
+                    <a:pt x="1144149" y="6858001"/>
+                  </a:lnTo>
+                  <a:lnTo>
+                    <a:pt x="1058349" y="6766452"/>
+                  </a:lnTo>
+                  <a:cubicBezTo>
+                    <a:pt x="878978" y="6562465"/>
+                    <a:pt x="718756" y="6341104"/>
+                    <a:pt x="580309" y="6105000"/>
+                  </a:cubicBezTo>
+                  <a:cubicBezTo>
+                    <a:pt x="200401" y="5454007"/>
+                    <a:pt x="146" y="4713831"/>
+                    <a:pt x="1" y="3960094"/>
+                  </a:cubicBezTo>
+                  <a:cubicBezTo>
+                    <a:pt x="-335" y="2196754"/>
+                    <a:pt x="1071479" y="683605"/>
+                    <a:pt x="2599292" y="37050"/>
+                  </a:cubicBezTo>
+                  <a:close/>
+                </a:path>
+              </a:pathLst>
+            </a:custGeom>
+            <a:gradFill>
+              <a:gsLst>
+                <a:gs pos="2000">
+                  <a:schemeClr val="bg1">
+                    <a:alpha val="10000"/>
+                  </a:schemeClr>
+                </a:gs>
+                <a:gs pos="16000">
+                  <a:schemeClr val="accent6">
+                    <a:alpha val="10000"/>
+                  </a:schemeClr>
+                </a:gs>
+                <a:gs pos="100000">
+                  <a:schemeClr val="bg1">
+                    <a:alpha val="10000"/>
+                  </a:schemeClr>
+                </a:gs>
+                <a:gs pos="85000">
+                  <a:schemeClr val="accent1">
+                    <a:alpha val="10000"/>
+                  </a:schemeClr>
+                </a:gs>
+              </a:gsLst>
+              <a:lin ang="12000000" scaled="0"/>
+            </a:gradFill>
+            <a:ln>
+              <a:noFill/>
+            </a:ln>
+          </p:spPr>
+          <p:style>
+            <a:lnRef idx="2">
+              <a:schemeClr val="accent1">
+                <a:shade val="50000"/>
+              </a:schemeClr>
+            </a:lnRef>
+            <a:fillRef idx="1">
+              <a:schemeClr val="accent1"/>
+            </a:fillRef>
+            <a:effectRef idx="0">
+              <a:schemeClr val="accent1"/>
+            </a:effectRef>
+            <a:fontRef idx="minor">
+              <a:schemeClr val="lt1"/>
+            </a:fontRef>
+          </p:style>
+          <p:txBody>
+            <a:bodyPr rtlCol="0" anchor="ctr"/>
+            <a:lstStyle/>
+            <a:p>
+              <a:pPr algn="ctr"/>
+              <a:endParaRPr lang="en-US" dirty="0"/>
+            </a:p>
+          </p:txBody>
+        </p:sp>
+        <p:sp>
+          <p:nvSpPr>
+            <p:cNvPr id="16" name="Freeform: Shape 15">
+              <a:extLst>
+                <a:ext uri="{FF2B5EF4-FFF2-40B4-BE49-F238E27FC236}">
+                  <a16:creationId xmlns:a16="http://schemas.microsoft.com/office/drawing/2014/main" id="{C093DC50-3BD7-46B1-A300-CD207E152FF4}"/>
+                </a:ext>
+                <a:ext uri="{C183D7F6-B498-43B3-948B-1728B52AA6E4}">
+                  <adec:decorative xmlns:adec="http://schemas.microsoft.com/office/drawing/2017/decorative" val="1"/>
+                </a:ext>
+              </a:extLst>
+            </p:cNvPr>
+            <p:cNvSpPr/>
+            <p:nvPr>
+              <p:extLst>
+                <p:ext uri="{386F3935-93C4-4BCD-93E2-E3B085C9AB24}">
+                  <p16:designElem xmlns:p16="http://schemas.microsoft.com/office/powerpoint/2015/main" val="1"/>
+                </p:ext>
+              </p:extLst>
+            </p:nvPr>
+          </p:nvSpPr>
+          <p:spPr>
+            <a:xfrm flipH="1">
+              <a:off x="305" y="-5977"/>
+              <a:ext cx="6238675" cy="6858001"/>
+            </a:xfrm>
+            <a:custGeom>
+              <a:avLst/>
+              <a:gdLst>
+                <a:gd name="connsiteX0" fmla="*/ 6264586 w 6264586"/>
+                <a:gd name="connsiteY0" fmla="*/ 6646464 h 6858001"/>
+                <a:gd name="connsiteX1" fmla="*/ 6264586 w 6264586"/>
+                <a:gd name="connsiteY1" fmla="*/ 6858001 h 6858001"/>
+                <a:gd name="connsiteX2" fmla="*/ 5997170 w 6264586"/>
+                <a:gd name="connsiteY2" fmla="*/ 6858001 h 6858001"/>
+                <a:gd name="connsiteX3" fmla="*/ 6121512 w 6264586"/>
+                <a:gd name="connsiteY3" fmla="*/ 6761029 h 6858001"/>
+                <a:gd name="connsiteX4" fmla="*/ 2693206 w 6264586"/>
+                <a:gd name="connsiteY4" fmla="*/ 0 h 6858001"/>
+                <a:gd name="connsiteX5" fmla="*/ 5872285 w 6264586"/>
+                <a:gd name="connsiteY5" fmla="*/ 0 h 6858001"/>
+                <a:gd name="connsiteX6" fmla="*/ 6024875 w 6264586"/>
+                <a:gd name="connsiteY6" fmla="*/ 68385 h 6858001"/>
+                <a:gd name="connsiteX7" fmla="*/ 6206432 w 6264586"/>
+                <a:gd name="connsiteY7" fmla="*/ 162336 h 6858001"/>
+                <a:gd name="connsiteX8" fmla="*/ 6264586 w 6264586"/>
+                <a:gd name="connsiteY8" fmla="*/ 196704 h 6858001"/>
+                <a:gd name="connsiteX9" fmla="*/ 6264586 w 6264586"/>
+                <a:gd name="connsiteY9" fmla="*/ 537242 h 6858001"/>
+                <a:gd name="connsiteX10" fmla="*/ 6230189 w 6264586"/>
+                <a:gd name="connsiteY10" fmla="*/ 517260 h 6858001"/>
+                <a:gd name="connsiteX11" fmla="*/ 5540536 w 6264586"/>
+                <a:gd name="connsiteY11" fmla="*/ 249543 h 6858001"/>
+                <a:gd name="connsiteX12" fmla="*/ 5178896 w 6264586"/>
+                <a:gd name="connsiteY12" fmla="*/ 178606 h 6858001"/>
+                <a:gd name="connsiteX13" fmla="*/ 4814279 w 6264586"/>
+                <a:gd name="connsiteY13" fmla="*/ 146683 h 6858001"/>
+                <a:gd name="connsiteX14" fmla="*/ 4655095 w 6264586"/>
+                <a:gd name="connsiteY14" fmla="*/ 143421 h 6858001"/>
+                <a:gd name="connsiteX15" fmla="*/ 4081069 w 6264586"/>
+                <a:gd name="connsiteY15" fmla="*/ 185983 h 6858001"/>
+                <a:gd name="connsiteX16" fmla="*/ 3720566 w 6264586"/>
+                <a:gd name="connsiteY16" fmla="*/ 256921 h 6858001"/>
+                <a:gd name="connsiteX17" fmla="*/ 3365879 w 6264586"/>
+                <a:gd name="connsiteY17" fmla="*/ 357651 h 6858001"/>
+                <a:gd name="connsiteX18" fmla="*/ 3020555 w 6264586"/>
+                <a:gd name="connsiteY18" fmla="*/ 486190 h 6858001"/>
+                <a:gd name="connsiteX19" fmla="*/ 2685163 w 6264586"/>
+                <a:gd name="connsiteY19" fmla="*/ 641542 h 6858001"/>
+                <a:gd name="connsiteX20" fmla="*/ 2047720 w 6264586"/>
+                <a:gd name="connsiteY20" fmla="*/ 1025030 h 6858001"/>
+                <a:gd name="connsiteX21" fmla="*/ 1897333 w 6264586"/>
+                <a:gd name="connsiteY21" fmla="*/ 1134983 h 6858001"/>
+                <a:gd name="connsiteX22" fmla="*/ 1835758 w 6264586"/>
+                <a:gd name="connsiteY22" fmla="*/ 1182227 h 6858001"/>
+                <a:gd name="connsiteX23" fmla="*/ 1823273 w 6264586"/>
+                <a:gd name="connsiteY23" fmla="*/ 1192016 h 6858001"/>
+                <a:gd name="connsiteX24" fmla="*/ 1750918 w 6264586"/>
+                <a:gd name="connsiteY24" fmla="*/ 1249760 h 6858001"/>
+                <a:gd name="connsiteX25" fmla="*/ 1469297 w 6264586"/>
+                <a:gd name="connsiteY25" fmla="*/ 1496906 h 6858001"/>
+                <a:gd name="connsiteX26" fmla="*/ 967769 w 6264586"/>
+                <a:gd name="connsiteY26" fmla="*/ 2056602 h 6858001"/>
+                <a:gd name="connsiteX27" fmla="*/ 754105 w 6264586"/>
+                <a:gd name="connsiteY27" fmla="*/ 2368727 h 6858001"/>
+                <a:gd name="connsiteX28" fmla="*/ 572364 w 6264586"/>
+                <a:gd name="connsiteY28" fmla="*/ 2701140 h 6858001"/>
+                <a:gd name="connsiteX29" fmla="*/ 532497 w 6264586"/>
+                <a:gd name="connsiteY29" fmla="*/ 2786265 h 6858001"/>
+                <a:gd name="connsiteX30" fmla="*/ 512918 w 6264586"/>
+                <a:gd name="connsiteY30" fmla="*/ 2828827 h 6858001"/>
+                <a:gd name="connsiteX31" fmla="*/ 494475 w 6264586"/>
+                <a:gd name="connsiteY31" fmla="*/ 2872240 h 6858001"/>
+                <a:gd name="connsiteX32" fmla="*/ 491637 w 6264586"/>
+                <a:gd name="connsiteY32" fmla="*/ 2878908 h 6858001"/>
+                <a:gd name="connsiteX33" fmla="*/ 459290 w 6264586"/>
+                <a:gd name="connsiteY33" fmla="*/ 2959635 h 6858001"/>
+                <a:gd name="connsiteX34" fmla="*/ 446805 w 6264586"/>
+                <a:gd name="connsiteY34" fmla="*/ 2992408 h 6858001"/>
+                <a:gd name="connsiteX35" fmla="*/ 426090 w 6264586"/>
+                <a:gd name="connsiteY35" fmla="*/ 3049158 h 6858001"/>
+                <a:gd name="connsiteX36" fmla="*/ 426090 w 6264586"/>
+                <a:gd name="connsiteY36" fmla="*/ 3049867 h 6858001"/>
+                <a:gd name="connsiteX37" fmla="*/ 318124 w 6264586"/>
+                <a:gd name="connsiteY37" fmla="*/ 3414202 h 6858001"/>
+                <a:gd name="connsiteX38" fmla="*/ 230729 w 6264586"/>
+                <a:gd name="connsiteY38" fmla="*/ 4169260 h 6858001"/>
+                <a:gd name="connsiteX39" fmla="*/ 268893 w 6264586"/>
+                <a:gd name="connsiteY39" fmla="*/ 4544236 h 6858001"/>
+                <a:gd name="connsiteX40" fmla="*/ 379840 w 6264586"/>
+                <a:gd name="connsiteY40" fmla="*/ 4900056 h 6858001"/>
+                <a:gd name="connsiteX41" fmla="*/ 406512 w 6264586"/>
+                <a:gd name="connsiteY41" fmla="*/ 4960211 h 6858001"/>
+                <a:gd name="connsiteX42" fmla="*/ 417862 w 6264586"/>
+                <a:gd name="connsiteY42" fmla="*/ 4984613 h 6858001"/>
+                <a:gd name="connsiteX43" fmla="*/ 428077 w 6264586"/>
+                <a:gd name="connsiteY43" fmla="*/ 5005043 h 6858001"/>
+                <a:gd name="connsiteX44" fmla="*/ 460140 w 6264586"/>
+                <a:gd name="connsiteY44" fmla="*/ 5067327 h 6858001"/>
+                <a:gd name="connsiteX45" fmla="*/ 555197 w 6264586"/>
+                <a:gd name="connsiteY45" fmla="*/ 5229773 h 6858001"/>
+                <a:gd name="connsiteX46" fmla="*/ 660611 w 6264586"/>
+                <a:gd name="connsiteY46" fmla="*/ 5387396 h 6858001"/>
+                <a:gd name="connsiteX47" fmla="*/ 774110 w 6264586"/>
+                <a:gd name="connsiteY47" fmla="*/ 5542182 h 6858001"/>
+                <a:gd name="connsiteX48" fmla="*/ 917829 w 6264586"/>
+                <a:gd name="connsiteY48" fmla="*/ 5727896 h 6858001"/>
+                <a:gd name="connsiteX49" fmla="*/ 1012885 w 6264586"/>
+                <a:gd name="connsiteY49" fmla="*/ 5849767 h 6858001"/>
+                <a:gd name="connsiteX50" fmla="*/ 1133053 w 6264586"/>
+                <a:gd name="connsiteY50" fmla="*/ 6006822 h 6858001"/>
+                <a:gd name="connsiteX51" fmla="*/ 1194343 w 6264586"/>
+                <a:gd name="connsiteY51" fmla="*/ 6090245 h 6858001"/>
+                <a:gd name="connsiteX52" fmla="*/ 1249390 w 6264586"/>
+                <a:gd name="connsiteY52" fmla="*/ 6165155 h 6858001"/>
+                <a:gd name="connsiteX53" fmla="*/ 1345724 w 6264586"/>
+                <a:gd name="connsiteY53" fmla="*/ 6292132 h 6858001"/>
+                <a:gd name="connsiteX54" fmla="*/ 1364310 w 6264586"/>
+                <a:gd name="connsiteY54" fmla="*/ 6316251 h 6858001"/>
+                <a:gd name="connsiteX55" fmla="*/ 1373673 w 6264586"/>
+                <a:gd name="connsiteY55" fmla="*/ 6327885 h 6858001"/>
+                <a:gd name="connsiteX56" fmla="*/ 1484619 w 6264586"/>
+                <a:gd name="connsiteY56" fmla="*/ 6462240 h 6858001"/>
+                <a:gd name="connsiteX57" fmla="*/ 1739000 w 6264586"/>
+                <a:gd name="connsiteY57" fmla="*/ 6737335 h 6858001"/>
+                <a:gd name="connsiteX58" fmla="*/ 1866801 w 6264586"/>
+                <a:gd name="connsiteY58" fmla="*/ 6858001 h 6858001"/>
+                <a:gd name="connsiteX59" fmla="*/ 1144149 w 6264586"/>
+                <a:gd name="connsiteY59" fmla="*/ 6858001 h 6858001"/>
+                <a:gd name="connsiteX60" fmla="*/ 1058349 w 6264586"/>
+                <a:gd name="connsiteY60" fmla="*/ 6766452 h 6858001"/>
+                <a:gd name="connsiteX61" fmla="*/ 580309 w 6264586"/>
+                <a:gd name="connsiteY61" fmla="*/ 6105000 h 6858001"/>
+                <a:gd name="connsiteX62" fmla="*/ 1 w 6264586"/>
+                <a:gd name="connsiteY62" fmla="*/ 3960094 h 6858001"/>
+                <a:gd name="connsiteX63" fmla="*/ 2599292 w 6264586"/>
+                <a:gd name="connsiteY63" fmla="*/ 37050 h 6858001"/>
+              </a:gdLst>
+              <a:ahLst/>
+              <a:cxnLst>
+                <a:cxn ang="0">
+                  <a:pos x="connsiteX0" y="connsiteY0"/>
+                </a:cxn>
+                <a:cxn ang="0">
+                  <a:pos x="connsiteX1" y="connsiteY1"/>
+                </a:cxn>
+                <a:cxn ang="0">
+                  <a:pos x="connsiteX2" y="connsiteY2"/>
+                </a:cxn>
+                <a:cxn ang="0">
+                  <a:pos x="connsiteX3" y="connsiteY3"/>
+                </a:cxn>
+                <a:cxn ang="0">
+                  <a:pos x="connsiteX4" y="connsiteY4"/>
+                </a:cxn>
+                <a:cxn ang="0">
+                  <a:pos x="connsiteX5" y="connsiteY5"/>
+                </a:cxn>
+                <a:cxn ang="0">
+                  <a:pos x="connsiteX6" y="connsiteY6"/>
+                </a:cxn>
+                <a:cxn ang="0">
+                  <a:pos x="connsiteX7" y="connsiteY7"/>
+                </a:cxn>
+                <a:cxn ang="0">
+                  <a:pos x="connsiteX8" y="connsiteY8"/>
+                </a:cxn>
+                <a:cxn ang="0">
+                  <a:pos x="connsiteX9" y="connsiteY9"/>
+                </a:cxn>
+                <a:cxn ang="0">
+                  <a:pos x="connsiteX10" y="connsiteY10"/>
+                </a:cxn>
+                <a:cxn ang="0">
+                  <a:pos x="connsiteX11" y="connsiteY11"/>
+                </a:cxn>
+                <a:cxn ang="0">
+                  <a:pos x="connsiteX12" y="connsiteY12"/>
+                </a:cxn>
+                <a:cxn ang="0">
+                  <a:pos x="connsiteX13" y="connsiteY13"/>
+                </a:cxn>
+                <a:cxn ang="0">
+                  <a:pos x="connsiteX14" y="connsiteY14"/>
+                </a:cxn>
+                <a:cxn ang="0">
+                  <a:pos x="connsiteX15" y="connsiteY15"/>
+                </a:cxn>
+                <a:cxn ang="0">
+                  <a:pos x="connsiteX16" y="connsiteY16"/>
+                </a:cxn>
+                <a:cxn ang="0">
+                  <a:pos x="connsiteX17" y="connsiteY17"/>
+                </a:cxn>
+                <a:cxn ang="0">
+                  <a:pos x="connsiteX18" y="connsiteY18"/>
+                </a:cxn>
+                <a:cxn ang="0">
+                  <a:pos x="connsiteX19" y="connsiteY19"/>
+                </a:cxn>
+                <a:cxn ang="0">
+                  <a:pos x="connsiteX20" y="connsiteY20"/>
+                </a:cxn>
+                <a:cxn ang="0">
+                  <a:pos x="connsiteX21" y="connsiteY21"/>
+                </a:cxn>
+                <a:cxn ang="0">
+                  <a:pos x="connsiteX22" y="connsiteY22"/>
+                </a:cxn>
+                <a:cxn ang="0">
+                  <a:pos x="connsiteX23" y="connsiteY23"/>
+                </a:cxn>
+                <a:cxn ang="0">
+                  <a:pos x="connsiteX24" y="connsiteY24"/>
+                </a:cxn>
+                <a:cxn ang="0">
+                  <a:pos x="connsiteX25" y="connsiteY25"/>
+                </a:cxn>
+                <a:cxn ang="0">
+                  <a:pos x="connsiteX26" y="connsiteY26"/>
+                </a:cxn>
+                <a:cxn ang="0">
+                  <a:pos x="connsiteX27" y="connsiteY27"/>
+                </a:cxn>
+                <a:cxn ang="0">
+                  <a:pos x="connsiteX28" y="connsiteY28"/>
+                </a:cxn>
+                <a:cxn ang="0">
+                  <a:pos x="connsiteX29" y="connsiteY29"/>
+                </a:cxn>
+                <a:cxn ang="0">
+                  <a:pos x="connsiteX30" y="connsiteY30"/>
+                </a:cxn>
+                <a:cxn ang="0">
+                  <a:pos x="connsiteX31" y="connsiteY31"/>
+                </a:cxn>
+                <a:cxn ang="0">
+                  <a:pos x="connsiteX32" y="connsiteY32"/>
+                </a:cxn>
+                <a:cxn ang="0">
+                  <a:pos x="connsiteX33" y="connsiteY33"/>
+                </a:cxn>
+                <a:cxn ang="0">
+                  <a:pos x="connsiteX34" y="connsiteY34"/>
+                </a:cxn>
+                <a:cxn ang="0">
+                  <a:pos x="connsiteX35" y="connsiteY35"/>
+                </a:cxn>
+                <a:cxn ang="0">
+                  <a:pos x="connsiteX36" y="connsiteY36"/>
+                </a:cxn>
+                <a:cxn ang="0">
+                  <a:pos x="connsiteX37" y="connsiteY37"/>
+                </a:cxn>
+                <a:cxn ang="0">
+                  <a:pos x="connsiteX38" y="connsiteY38"/>
+                </a:cxn>
+                <a:cxn ang="0">
+                  <a:pos x="connsiteX39" y="connsiteY39"/>
+                </a:cxn>
+                <a:cxn ang="0">
+                  <a:pos x="connsiteX40" y="connsiteY40"/>
+                </a:cxn>
+                <a:cxn ang="0">
+                  <a:pos x="connsiteX41" y="connsiteY41"/>
+                </a:cxn>
+                <a:cxn ang="0">
+                  <a:pos x="connsiteX42" y="connsiteY42"/>
+                </a:cxn>
+                <a:cxn ang="0">
+                  <a:pos x="connsiteX43" y="connsiteY43"/>
+                </a:cxn>
+                <a:cxn ang="0">
+                  <a:pos x="connsiteX44" y="connsiteY44"/>
+                </a:cxn>
+                <a:cxn ang="0">
+                  <a:pos x="connsiteX45" y="connsiteY45"/>
+                </a:cxn>
+                <a:cxn ang="0">
+                  <a:pos x="connsiteX46" y="connsiteY46"/>
+                </a:cxn>
+                <a:cxn ang="0">
+                  <a:pos x="connsiteX47" y="connsiteY47"/>
+                </a:cxn>
+                <a:cxn ang="0">
+                  <a:pos x="connsiteX48" y="connsiteY48"/>
+                </a:cxn>
+                <a:cxn ang="0">
+                  <a:pos x="connsiteX49" y="connsiteY49"/>
+                </a:cxn>
+                <a:cxn ang="0">
+                  <a:pos x="connsiteX50" y="connsiteY50"/>
+                </a:cxn>
+                <a:cxn ang="0">
+                  <a:pos x="connsiteX51" y="connsiteY51"/>
+                </a:cxn>
+                <a:cxn ang="0">
+                  <a:pos x="connsiteX52" y="connsiteY52"/>
+                </a:cxn>
+                <a:cxn ang="0">
+                  <a:pos x="connsiteX53" y="connsiteY53"/>
+                </a:cxn>
+                <a:cxn ang="0">
+                  <a:pos x="connsiteX54" y="connsiteY54"/>
+                </a:cxn>
+                <a:cxn ang="0">
+                  <a:pos x="connsiteX55" y="connsiteY55"/>
+                </a:cxn>
+                <a:cxn ang="0">
+                  <a:pos x="connsiteX56" y="connsiteY56"/>
+                </a:cxn>
+                <a:cxn ang="0">
+                  <a:pos x="connsiteX57" y="connsiteY57"/>
+                </a:cxn>
+                <a:cxn ang="0">
+                  <a:pos x="connsiteX58" y="connsiteY58"/>
+                </a:cxn>
+                <a:cxn ang="0">
+                  <a:pos x="connsiteX59" y="connsiteY59"/>
+                </a:cxn>
+                <a:cxn ang="0">
+                  <a:pos x="connsiteX60" y="connsiteY60"/>
+                </a:cxn>
+                <a:cxn ang="0">
+                  <a:pos x="connsiteX61" y="connsiteY61"/>
+                </a:cxn>
+                <a:cxn ang="0">
+                  <a:pos x="connsiteX62" y="connsiteY62"/>
+                </a:cxn>
+                <a:cxn ang="0">
+                  <a:pos x="connsiteX63" y="connsiteY63"/>
+                </a:cxn>
+              </a:cxnLst>
+              <a:rect l="l" t="t" r="r" b="b"/>
+              <a:pathLst>
+                <a:path w="6264586" h="6858001">
+                  <a:moveTo>
+                    <a:pt x="6264586" y="6646464"/>
+                  </a:moveTo>
+                  <a:lnTo>
+                    <a:pt x="6264586" y="6858001"/>
+                  </a:lnTo>
+                  <a:lnTo>
+                    <a:pt x="5997170" y="6858001"/>
+                  </a:lnTo>
+                  <a:lnTo>
+                    <a:pt x="6121512" y="6761029"/>
+                  </a:lnTo>
+                  <a:close/>
+                  <a:moveTo>
+                    <a:pt x="2693206" y="0"/>
+                  </a:moveTo>
+                  <a:lnTo>
+                    <a:pt x="5872285" y="0"/>
+                  </a:lnTo>
+                  <a:lnTo>
+                    <a:pt x="6024875" y="68385"/>
+                  </a:lnTo>
+                  <a:cubicBezTo>
+                    <a:pt x="6086250" y="97989"/>
+                    <a:pt x="6146793" y="129318"/>
+                    <a:pt x="6206432" y="162336"/>
+                  </a:cubicBezTo>
+                  <a:lnTo>
+                    <a:pt x="6264586" y="196704"/>
+                  </a:lnTo>
+                  <a:lnTo>
+                    <a:pt x="6264586" y="537242"/>
+                  </a:lnTo>
+                  <a:lnTo>
+                    <a:pt x="6230189" y="517260"/>
+                  </a:lnTo>
+                  <a:cubicBezTo>
+                    <a:pt x="6012226" y="399931"/>
+                    <a:pt x="5780573" y="310008"/>
+                    <a:pt x="5540536" y="249543"/>
+                  </a:cubicBezTo>
+                  <a:cubicBezTo>
+                    <a:pt x="5421375" y="219324"/>
+                    <a:pt x="5300641" y="195644"/>
+                    <a:pt x="5178896" y="178606"/>
+                  </a:cubicBezTo>
+                  <a:cubicBezTo>
+                    <a:pt x="5057977" y="161840"/>
+                    <a:pt x="4936276" y="151186"/>
+                    <a:pt x="4814279" y="146683"/>
+                  </a:cubicBezTo>
+                  <a:cubicBezTo>
+                    <a:pt x="4761501" y="144556"/>
+                    <a:pt x="4708015" y="143421"/>
+                    <a:pt x="4655095" y="143421"/>
+                  </a:cubicBezTo>
+                  <a:cubicBezTo>
+                    <a:pt x="4462968" y="143573"/>
+                    <a:pt x="4271111" y="157799"/>
+                    <a:pt x="4081069" y="185983"/>
+                  </a:cubicBezTo>
+                  <a:cubicBezTo>
+                    <a:pt x="3956361" y="205703"/>
+                    <a:pt x="3835058" y="229396"/>
+                    <a:pt x="3720566" y="256921"/>
+                  </a:cubicBezTo>
+                  <a:cubicBezTo>
+                    <a:pt x="3596708" y="286714"/>
+                    <a:pt x="3477677" y="320905"/>
+                    <a:pt x="3365879" y="357651"/>
+                  </a:cubicBezTo>
+                  <a:cubicBezTo>
+                    <a:pt x="3249257" y="395958"/>
+                    <a:pt x="3133487" y="438945"/>
+                    <a:pt x="3020555" y="486190"/>
+                  </a:cubicBezTo>
+                  <a:cubicBezTo>
+                    <a:pt x="2907623" y="533434"/>
+                    <a:pt x="2794832" y="585786"/>
+                    <a:pt x="2685163" y="641542"/>
+                  </a:cubicBezTo>
+                  <a:cubicBezTo>
+                    <a:pt x="2463995" y="754348"/>
+                    <a:pt x="2250998" y="882488"/>
+                    <a:pt x="2047720" y="1025030"/>
+                  </a:cubicBezTo>
+                  <a:cubicBezTo>
+                    <a:pt x="2006151" y="1054399"/>
+                    <a:pt x="1951528" y="1093415"/>
+                    <a:pt x="1897333" y="1134983"/>
+                  </a:cubicBezTo>
+                  <a:cubicBezTo>
+                    <a:pt x="1876761" y="1150164"/>
+                    <a:pt x="1855905" y="1166479"/>
+                    <a:pt x="1835758" y="1182227"/>
+                  </a:cubicBezTo>
+                  <a:lnTo>
+                    <a:pt x="1823273" y="1192016"/>
+                  </a:lnTo>
+                  <a:cubicBezTo>
+                    <a:pt x="1797027" y="1211879"/>
+                    <a:pt x="1772057" y="1232309"/>
+                    <a:pt x="1750918" y="1249760"/>
+                  </a:cubicBezTo>
+                  <a:cubicBezTo>
+                    <a:pt x="1645931" y="1335737"/>
+                    <a:pt x="1554422" y="1416605"/>
+                    <a:pt x="1469297" y="1496906"/>
+                  </a:cubicBezTo>
+                  <a:cubicBezTo>
+                    <a:pt x="1286595" y="1668957"/>
+                    <a:pt x="1118818" y="1856190"/>
+                    <a:pt x="967769" y="2056602"/>
+                  </a:cubicBezTo>
+                  <a:cubicBezTo>
+                    <a:pt x="890731" y="2159603"/>
+                    <a:pt x="818800" y="2264590"/>
+                    <a:pt x="754105" y="2368727"/>
+                  </a:cubicBezTo>
+                  <a:cubicBezTo>
+                    <a:pt x="681749" y="2488328"/>
+                    <a:pt x="622304" y="2596720"/>
+                    <a:pt x="572364" y="2701140"/>
+                  </a:cubicBezTo>
+                  <a:cubicBezTo>
+                    <a:pt x="557609" y="2730507"/>
+                    <a:pt x="543989" y="2760443"/>
+                    <a:pt x="532497" y="2786265"/>
+                  </a:cubicBezTo>
+                  <a:lnTo>
+                    <a:pt x="512918" y="2828827"/>
+                  </a:lnTo>
+                  <a:lnTo>
+                    <a:pt x="494475" y="2872240"/>
+                  </a:lnTo>
+                  <a:lnTo>
+                    <a:pt x="491637" y="2878908"/>
+                  </a:lnTo>
+                  <a:cubicBezTo>
+                    <a:pt x="480146" y="2906575"/>
+                    <a:pt x="469220" y="2932821"/>
+                    <a:pt x="459290" y="2959635"/>
+                  </a:cubicBezTo>
+                  <a:cubicBezTo>
+                    <a:pt x="455176" y="2970559"/>
+                    <a:pt x="451060" y="2981484"/>
+                    <a:pt x="446805" y="2992408"/>
+                  </a:cubicBezTo>
+                  <a:cubicBezTo>
+                    <a:pt x="439427" y="3012412"/>
+                    <a:pt x="432333" y="3030572"/>
+                    <a:pt x="426090" y="3049158"/>
+                  </a:cubicBezTo>
+                  <a:lnTo>
+                    <a:pt x="426090" y="3049867"/>
+                  </a:lnTo>
+                  <a:cubicBezTo>
+                    <a:pt x="383010" y="3169099"/>
+                    <a:pt x="346959" y="3290756"/>
+                    <a:pt x="318124" y="3414202"/>
+                  </a:cubicBezTo>
+                  <a:cubicBezTo>
+                    <a:pt x="260107" y="3661703"/>
+                    <a:pt x="230780" y="3915049"/>
+                    <a:pt x="230729" y="4169260"/>
+                  </a:cubicBezTo>
+                  <a:cubicBezTo>
+                    <a:pt x="231621" y="4295173"/>
+                    <a:pt x="244398" y="4420719"/>
+                    <a:pt x="268893" y="4544236"/>
+                  </a:cubicBezTo>
+                  <a:cubicBezTo>
+                    <a:pt x="293708" y="4666304"/>
+                    <a:pt x="330882" y="4785521"/>
+                    <a:pt x="379840" y="4900056"/>
+                  </a:cubicBezTo>
+                  <a:cubicBezTo>
+                    <a:pt x="387926" y="4919919"/>
+                    <a:pt x="397006" y="4939498"/>
+                    <a:pt x="406512" y="4960211"/>
+                  </a:cubicBezTo>
+                  <a:cubicBezTo>
+                    <a:pt x="410343" y="4968299"/>
+                    <a:pt x="414173" y="4976385"/>
+                    <a:pt x="417862" y="4984613"/>
+                  </a:cubicBezTo>
+                  <a:lnTo>
+                    <a:pt x="428077" y="5005043"/>
+                  </a:lnTo>
+                  <a:cubicBezTo>
+                    <a:pt x="438860" y="5026751"/>
+                    <a:pt x="449075" y="5047181"/>
+                    <a:pt x="460140" y="5067327"/>
+                  </a:cubicBezTo>
+                  <a:cubicBezTo>
+                    <a:pt x="485536" y="5116273"/>
+                    <a:pt x="514763" y="5165789"/>
+                    <a:pt x="555197" y="5229773"/>
+                  </a:cubicBezTo>
+                  <a:cubicBezTo>
+                    <a:pt x="586836" y="5280282"/>
+                    <a:pt x="620318" y="5329511"/>
+                    <a:pt x="660611" y="5387396"/>
+                  </a:cubicBezTo>
+                  <a:cubicBezTo>
+                    <a:pt x="698065" y="5440741"/>
+                    <a:pt x="737223" y="5493094"/>
+                    <a:pt x="774110" y="5542182"/>
+                  </a:cubicBezTo>
+                  <a:cubicBezTo>
+                    <a:pt x="821070" y="5604324"/>
+                    <a:pt x="870301" y="5667173"/>
+                    <a:pt x="917829" y="5727896"/>
+                  </a:cubicBezTo>
+                  <a:cubicBezTo>
+                    <a:pt x="949042" y="5767762"/>
+                    <a:pt x="979828" y="5807063"/>
+                    <a:pt x="1012885" y="5849767"/>
+                  </a:cubicBezTo>
+                  <a:cubicBezTo>
+                    <a:pt x="1045942" y="5892471"/>
+                    <a:pt x="1089497" y="5948796"/>
+                    <a:pt x="1133053" y="6006822"/>
+                  </a:cubicBezTo>
+                  <a:cubicBezTo>
+                    <a:pt x="1153624" y="6034345"/>
+                    <a:pt x="1175332" y="6063998"/>
+                    <a:pt x="1194343" y="6090245"/>
+                  </a:cubicBezTo>
+                  <a:cubicBezTo>
+                    <a:pt x="1213355" y="6116491"/>
+                    <a:pt x="1231372" y="6141178"/>
+                    <a:pt x="1249390" y="6165155"/>
+                  </a:cubicBezTo>
+                  <a:cubicBezTo>
+                    <a:pt x="1280461" y="6208000"/>
+                    <a:pt x="1313659" y="6250847"/>
+                    <a:pt x="1345724" y="6292132"/>
+                  </a:cubicBezTo>
+                  <a:lnTo>
+                    <a:pt x="1364310" y="6316251"/>
+                  </a:lnTo>
+                  <a:lnTo>
+                    <a:pt x="1373673" y="6327885"/>
+                  </a:lnTo>
+                  <a:cubicBezTo>
+                    <a:pt x="1409566" y="6372433"/>
+                    <a:pt x="1446738" y="6418542"/>
+                    <a:pt x="1484619" y="6462240"/>
+                  </a:cubicBezTo>
+                  <a:cubicBezTo>
+                    <a:pt x="1567899" y="6559850"/>
+                    <a:pt x="1653876" y="6652211"/>
+                    <a:pt x="1739000" y="6737335"/>
+                  </a:cubicBezTo>
+                  <a:lnTo>
+                    <a:pt x="1866801" y="6858001"/>
+                  </a:lnTo>
+                  <a:lnTo>
+                    <a:pt x="1144149" y="6858001"/>
+                  </a:lnTo>
+                  <a:lnTo>
+                    <a:pt x="1058349" y="6766452"/>
+                  </a:lnTo>
+                  <a:cubicBezTo>
+                    <a:pt x="878978" y="6562465"/>
+                    <a:pt x="718756" y="6341104"/>
+                    <a:pt x="580309" y="6105000"/>
+                  </a:cubicBezTo>
+                  <a:cubicBezTo>
+                    <a:pt x="200401" y="5454007"/>
+                    <a:pt x="146" y="4713831"/>
+                    <a:pt x="1" y="3960094"/>
+                  </a:cubicBezTo>
+                  <a:cubicBezTo>
+                    <a:pt x="-335" y="2196754"/>
+                    <a:pt x="1071479" y="683605"/>
+                    <a:pt x="2599292" y="37050"/>
+                  </a:cubicBezTo>
+                  <a:close/>
+                </a:path>
+              </a:pathLst>
+            </a:custGeom>
+            <a:gradFill>
+              <a:gsLst>
+                <a:gs pos="2000">
+                  <a:schemeClr val="bg1">
+                    <a:alpha val="10000"/>
+                  </a:schemeClr>
+                </a:gs>
+                <a:gs pos="16000">
+                  <a:schemeClr val="accent6">
+                    <a:alpha val="10000"/>
+                  </a:schemeClr>
+                </a:gs>
+                <a:gs pos="100000">
+                  <a:schemeClr val="bg1">
+                    <a:alpha val="10000"/>
+                  </a:schemeClr>
+                </a:gs>
+                <a:gs pos="85000">
+                  <a:schemeClr val="accent1">
+                    <a:alpha val="10000"/>
+                  </a:schemeClr>
+                </a:gs>
+              </a:gsLst>
+              <a:lin ang="12000000" scaled="0"/>
+            </a:gradFill>
+            <a:ln>
+              <a:noFill/>
+            </a:ln>
+          </p:spPr>
+          <p:style>
+            <a:lnRef idx="2">
+              <a:schemeClr val="accent1">
+                <a:shade val="50000"/>
+              </a:schemeClr>
+            </a:lnRef>
+            <a:fillRef idx="1">
+              <a:schemeClr val="accent1"/>
+            </a:fillRef>
+            <a:effectRef idx="0">
+              <a:schemeClr val="accent1"/>
+            </a:effectRef>
+            <a:fontRef idx="minor">
+              <a:schemeClr val="lt1"/>
+            </a:fontRef>
+          </p:style>
+          <p:txBody>
+            <a:bodyPr rtlCol="0" anchor="ctr"/>
+            <a:lstStyle/>
+            <a:p>
+              <a:pPr algn="ctr"/>
+              <a:endParaRPr lang="en-US" dirty="0"/>
+            </a:p>
+          </p:txBody>
+        </p:sp>
+      </p:grpSp>
+    </p:spTree>
+    <p:extLst>
+      <p:ext uri="{BB962C8B-B14F-4D97-AF65-F5344CB8AC3E}">
+        <p14:creationId xmlns:p14="http://schemas.microsoft.com/office/powerpoint/2010/main" val="2557919115"/>
+      </p:ext>
+    </p:extLst>
+  </p:cSld>
+  <p:clrMapOvr>
+    <a:masterClrMapping/>
+  </p:clrMapOvr>
+</p:sld>
+</file>
+
 <file path=ppt/theme/theme1.xml><?xml version="1.0" encoding="utf-8"?>
 <a:theme xmlns:a="http://schemas.openxmlformats.org/drawingml/2006/main" name="Office Theme">
   <a:themeElements>

--- a/P2 PowerPoint.pptx
+++ b/P2 PowerPoint.pptx
@@ -132,7 +132,7 @@
   <pc:docChgLst>
     <pc:chgData name="Samantha Jones" userId="ef0d50ecfde7a168" providerId="LiveId" clId="{FD39E004-01D4-4DB1-8D7A-115DEF0BBE95}"/>
     <pc:docChg chg="undo custSel addSld delSld modSld">
-      <pc:chgData name="Samantha Jones" userId="ef0d50ecfde7a168" providerId="LiveId" clId="{FD39E004-01D4-4DB1-8D7A-115DEF0BBE95}" dt="2022-05-23T12:01:55.578" v="1129" actId="2696"/>
+      <pc:chgData name="Samantha Jones" userId="ef0d50ecfde7a168" providerId="LiveId" clId="{FD39E004-01D4-4DB1-8D7A-115DEF0BBE95}" dt="2022-05-23T14:16:58.405" v="1146" actId="20577"/>
       <pc:docMkLst>
         <pc:docMk/>
       </pc:docMkLst>
@@ -152,7 +152,7 @@
         </pc:spChg>
       </pc:sldChg>
       <pc:sldChg chg="addSp delSp modSp new mod setBg setClrOvrMap">
-        <pc:chgData name="Samantha Jones" userId="ef0d50ecfde7a168" providerId="LiveId" clId="{FD39E004-01D4-4DB1-8D7A-115DEF0BBE95}" dt="2022-05-20T18:49:09.727" v="415" actId="26606"/>
+        <pc:chgData name="Samantha Jones" userId="ef0d50ecfde7a168" providerId="LiveId" clId="{FD39E004-01D4-4DB1-8D7A-115DEF0BBE95}" dt="2022-05-23T14:16:58.405" v="1146" actId="20577"/>
         <pc:sldMkLst>
           <pc:docMk/>
           <pc:sldMk cId="855893905" sldId="257"/>
@@ -166,7 +166,7 @@
           </ac:spMkLst>
         </pc:spChg>
         <pc:spChg chg="mod ord">
-          <ac:chgData name="Samantha Jones" userId="ef0d50ecfde7a168" providerId="LiveId" clId="{FD39E004-01D4-4DB1-8D7A-115DEF0BBE95}" dt="2022-05-20T18:49:09.727" v="415" actId="26606"/>
+          <ac:chgData name="Samantha Jones" userId="ef0d50ecfde7a168" providerId="LiveId" clId="{FD39E004-01D4-4DB1-8D7A-115DEF0BBE95}" dt="2022-05-23T14:16:58.405" v="1146" actId="20577"/>
           <ac:spMkLst>
             <pc:docMk/>
             <pc:sldMk cId="855893905" sldId="257"/>
@@ -9180,7 +9180,19 @@
               <a:rPr lang="en-US" sz="2000" dirty="0">
                 <a:latin typeface="Digital-7" panose="02000000000000000000" pitchFamily="2" charset="0"/>
               </a:rPr>
-              <a:t>Each round, a player is given 5 strings of 6 random letters</a:t>
+              <a:t>Each round, a player is </a:t>
+            </a:r>
+            <a:r>
+              <a:rPr lang="en-US" sz="2000">
+                <a:latin typeface="Digital-7" panose="02000000000000000000" pitchFamily="2" charset="0"/>
+              </a:rPr>
+              <a:t>given A STRING </a:t>
+            </a:r>
+            <a:r>
+              <a:rPr lang="en-US" sz="2000" dirty="0">
+                <a:latin typeface="Digital-7" panose="02000000000000000000" pitchFamily="2" charset="0"/>
+              </a:rPr>
+              <a:t>of 6 random letters</a:t>
             </a:r>
           </a:p>
           <a:p>
